--- a/article/figure_unet.pptx
+++ b/article/figure_unet.pptx
@@ -4,8 +4,12 @@
   <p:sldMasterIdLst>
     <p:sldMasterId id="2147483648" r:id="rId1"/>
   </p:sldMasterIdLst>
+  <p:notesMasterIdLst>
+    <p:notesMasterId r:id="rId4"/>
+  </p:notesMasterIdLst>
   <p:sldIdLst>
     <p:sldId id="256" r:id="rId3"/>
+    <p:sldId id="257" r:id="rId5"/>
   </p:sldIdLst>
   <p:sldSz cx="12192000" cy="6858000"/>
   <p:notesSz cx="6858000" cy="9144000"/>
@@ -105,6 +109,441 @@
     </a:lvl9pPr>
   </p:defaultTextStyle>
 </p:presentation>
+</file>
+
+<file path=ppt/notesMasters/notesMaster1.xml><?xml version="1.0" encoding="utf-8"?>
+<p:notesMaster xmlns:a="http://schemas.openxmlformats.org/drawingml/2006/main" xmlns:r="http://schemas.openxmlformats.org/officeDocument/2006/relationships" xmlns:p="http://schemas.openxmlformats.org/presentationml/2006/main">
+  <p:cSld>
+    <p:bg>
+      <p:bgRef idx="1001">
+        <a:schemeClr val="bg1"/>
+      </p:bgRef>
+    </p:bg>
+    <p:spTree>
+      <p:nvGrpSpPr>
+        <p:cNvPr id="1" name=""/>
+        <p:cNvGrpSpPr/>
+        <p:nvPr/>
+      </p:nvGrpSpPr>
+      <p:grpSpPr>
+        <a:xfrm>
+          <a:off x="0" y="0"/>
+          <a:ext cx="0" cy="0"/>
+          <a:chOff x="0" y="0"/>
+          <a:chExt cx="0" cy="0"/>
+        </a:xfrm>
+      </p:grpSpPr>
+      <p:sp>
+        <p:nvSpPr>
+          <p:cNvPr id="2" name="Header Placeholder 1"/>
+          <p:cNvSpPr>
+            <a:spLocks noGrp="1"/>
+          </p:cNvSpPr>
+          <p:nvPr>
+            <p:ph type="hdr" sz="quarter"/>
+          </p:nvPr>
+        </p:nvSpPr>
+        <p:spPr>
+          <a:xfrm>
+            <a:off x="0" y="0"/>
+            <a:ext cx="2971800" cy="458788"/>
+          </a:xfrm>
+          <a:prstGeom prst="rect">
+            <a:avLst/>
+          </a:prstGeom>
+        </p:spPr>
+        <p:txBody>
+          <a:bodyPr vert="horz" lIns="91440" tIns="45720" rIns="91440" bIns="45720" rtlCol="0"/>
+          <a:lstStyle>
+            <a:lvl1pPr algn="l">
+              <a:defRPr sz="1200"/>
+            </a:lvl1pPr>
+          </a:lstStyle>
+          <a:p>
+            <a:endParaRPr lang="en-US"/>
+          </a:p>
+        </p:txBody>
+      </p:sp>
+      <p:sp>
+        <p:nvSpPr>
+          <p:cNvPr id="3" name="Date Placeholder 2"/>
+          <p:cNvSpPr>
+            <a:spLocks noGrp="1"/>
+          </p:cNvSpPr>
+          <p:nvPr>
+            <p:ph type="dt" idx="1"/>
+          </p:nvPr>
+        </p:nvSpPr>
+        <p:spPr>
+          <a:xfrm>
+            <a:off x="3884613" y="0"/>
+            <a:ext cx="2971800" cy="458788"/>
+          </a:xfrm>
+          <a:prstGeom prst="rect">
+            <a:avLst/>
+          </a:prstGeom>
+        </p:spPr>
+        <p:txBody>
+          <a:bodyPr vert="horz" lIns="91440" tIns="45720" rIns="91440" bIns="45720" rtlCol="0"/>
+          <a:lstStyle>
+            <a:lvl1pPr algn="r">
+              <a:defRPr sz="1200"/>
+            </a:lvl1pPr>
+          </a:lstStyle>
+          <a:p>
+            <a:fld id="{3EFD42F7-718C-4B98-AAEC-167E6DDD60A7}" type="datetimeFigureOut">
+              <a:rPr lang="en-US" smtClean="0"/>
+            </a:fld>
+            <a:endParaRPr lang="en-US"/>
+          </a:p>
+        </p:txBody>
+      </p:sp>
+      <p:sp>
+        <p:nvSpPr>
+          <p:cNvPr id="4" name="Slide Image Placeholder 3"/>
+          <p:cNvSpPr>
+            <a:spLocks noGrp="1" noRot="1" noChangeAspect="1"/>
+          </p:cNvSpPr>
+          <p:nvPr>
+            <p:ph type="sldImg" idx="2"/>
+          </p:nvPr>
+        </p:nvSpPr>
+        <p:spPr>
+          <a:xfrm>
+            <a:off x="685800" y="1143000"/>
+            <a:ext cx="5486400" cy="3086100"/>
+          </a:xfrm>
+          <a:prstGeom prst="rect">
+            <a:avLst/>
+          </a:prstGeom>
+          <a:noFill/>
+          <a:ln w="12700">
+            <a:solidFill>
+              <a:prstClr val="black"/>
+            </a:solidFill>
+          </a:ln>
+        </p:spPr>
+        <p:txBody>
+          <a:bodyPr vert="horz" lIns="91440" tIns="45720" rIns="91440" bIns="45720" rtlCol="0" anchor="ctr"/>
+          <a:lstStyle/>
+          <a:p>
+            <a:endParaRPr lang="en-US"/>
+          </a:p>
+        </p:txBody>
+      </p:sp>
+      <p:sp>
+        <p:nvSpPr>
+          <p:cNvPr id="5" name="Notes Placeholder 4"/>
+          <p:cNvSpPr>
+            <a:spLocks noGrp="1"/>
+          </p:cNvSpPr>
+          <p:nvPr>
+            <p:ph type="body" sz="quarter" idx="3"/>
+          </p:nvPr>
+        </p:nvSpPr>
+        <p:spPr>
+          <a:xfrm>
+            <a:off x="685800" y="4400550"/>
+            <a:ext cx="5486400" cy="3600450"/>
+          </a:xfrm>
+          <a:prstGeom prst="rect">
+            <a:avLst/>
+          </a:prstGeom>
+        </p:spPr>
+        <p:txBody>
+          <a:bodyPr vert="horz" lIns="91440" tIns="45720" rIns="91440" bIns="45720" rtlCol="0"/>
+          <a:lstStyle/>
+          <a:p>
+            <a:pPr lvl="0"/>
+            <a:r>
+              <a:rPr lang="en-US" smtClean="0"/>
+              <a:t>Click to edit Master text styles</a:t>
+            </a:r>
+            <a:endParaRPr lang="en-US" smtClean="0"/>
+          </a:p>
+          <a:p>
+            <a:pPr lvl="1"/>
+            <a:r>
+              <a:rPr lang="en-US" smtClean="0"/>
+              <a:t>Second level</a:t>
+            </a:r>
+            <a:endParaRPr lang="en-US" smtClean="0"/>
+          </a:p>
+          <a:p>
+            <a:pPr lvl="2"/>
+            <a:r>
+              <a:rPr lang="en-US" smtClean="0"/>
+              <a:t>Third level</a:t>
+            </a:r>
+            <a:endParaRPr lang="en-US" smtClean="0"/>
+          </a:p>
+          <a:p>
+            <a:pPr lvl="3"/>
+            <a:r>
+              <a:rPr lang="en-US" smtClean="0"/>
+              <a:t>Fourth level</a:t>
+            </a:r>
+            <a:endParaRPr lang="en-US" smtClean="0"/>
+          </a:p>
+          <a:p>
+            <a:pPr lvl="4"/>
+            <a:r>
+              <a:rPr lang="en-US" smtClean="0"/>
+              <a:t>Fifth level</a:t>
+            </a:r>
+            <a:endParaRPr lang="en-US"/>
+          </a:p>
+        </p:txBody>
+      </p:sp>
+      <p:sp>
+        <p:nvSpPr>
+          <p:cNvPr id="6" name="Footer Placeholder 5"/>
+          <p:cNvSpPr>
+            <a:spLocks noGrp="1"/>
+          </p:cNvSpPr>
+          <p:nvPr>
+            <p:ph type="ftr" sz="quarter" idx="4"/>
+          </p:nvPr>
+        </p:nvSpPr>
+        <p:spPr>
+          <a:xfrm>
+            <a:off x="0" y="8685213"/>
+            <a:ext cx="2971800" cy="458787"/>
+          </a:xfrm>
+          <a:prstGeom prst="rect">
+            <a:avLst/>
+          </a:prstGeom>
+        </p:spPr>
+        <p:txBody>
+          <a:bodyPr vert="horz" lIns="91440" tIns="45720" rIns="91440" bIns="45720" rtlCol="0" anchor="b"/>
+          <a:lstStyle>
+            <a:lvl1pPr algn="l">
+              <a:defRPr sz="1200"/>
+            </a:lvl1pPr>
+          </a:lstStyle>
+          <a:p>
+            <a:endParaRPr lang="en-US"/>
+          </a:p>
+        </p:txBody>
+      </p:sp>
+      <p:sp>
+        <p:nvSpPr>
+          <p:cNvPr id="7" name="Slide Number Placeholder 6"/>
+          <p:cNvSpPr>
+            <a:spLocks noGrp="1"/>
+          </p:cNvSpPr>
+          <p:nvPr>
+            <p:ph type="sldNum" sz="quarter" idx="5"/>
+          </p:nvPr>
+        </p:nvSpPr>
+        <p:spPr>
+          <a:xfrm>
+            <a:off x="3884613" y="8685213"/>
+            <a:ext cx="2971800" cy="458787"/>
+          </a:xfrm>
+          <a:prstGeom prst="rect">
+            <a:avLst/>
+          </a:prstGeom>
+        </p:spPr>
+        <p:txBody>
+          <a:bodyPr vert="horz" lIns="91440" tIns="45720" rIns="91440" bIns="45720" rtlCol="0" anchor="b"/>
+          <a:lstStyle>
+            <a:lvl1pPr algn="r">
+              <a:defRPr sz="1200"/>
+            </a:lvl1pPr>
+          </a:lstStyle>
+          <a:p>
+            <a:fld id="{21B2AA4F-B828-4D7C-AFD3-893933DAFCB4}" type="slidenum">
+              <a:rPr lang="en-US" smtClean="0"/>
+            </a:fld>
+            <a:endParaRPr lang="en-US"/>
+          </a:p>
+        </p:txBody>
+      </p:sp>
+    </p:spTree>
+  </p:cSld>
+  <p:clrMap bg1="lt1" tx1="dk1" bg2="lt2" tx2="dk2" accent1="accent1" accent2="accent2" accent3="accent3" accent4="accent4" accent5="accent5" accent6="accent6" hlink="hlink" folHlink="folHlink"/>
+  <p:notesStyle>
+    <a:lvl1pPr marL="0" algn="l" defTabSz="914400" rtl="0" eaLnBrk="1" latinLnBrk="0" hangingPunct="1">
+      <a:defRPr sz="1200" kern="1200">
+        <a:solidFill>
+          <a:schemeClr val="tx1"/>
+        </a:solidFill>
+        <a:latin typeface="+mn-lt"/>
+        <a:ea typeface="+mn-ea"/>
+        <a:cs typeface="+mn-cs"/>
+      </a:defRPr>
+    </a:lvl1pPr>
+    <a:lvl2pPr marL="457200" algn="l" defTabSz="914400" rtl="0" eaLnBrk="1" latinLnBrk="0" hangingPunct="1">
+      <a:defRPr sz="1200" kern="1200">
+        <a:solidFill>
+          <a:schemeClr val="tx1"/>
+        </a:solidFill>
+        <a:latin typeface="+mn-lt"/>
+        <a:ea typeface="+mn-ea"/>
+        <a:cs typeface="+mn-cs"/>
+      </a:defRPr>
+    </a:lvl2pPr>
+    <a:lvl3pPr marL="914400" algn="l" defTabSz="914400" rtl="0" eaLnBrk="1" latinLnBrk="0" hangingPunct="1">
+      <a:defRPr sz="1200" kern="1200">
+        <a:solidFill>
+          <a:schemeClr val="tx1"/>
+        </a:solidFill>
+        <a:latin typeface="+mn-lt"/>
+        <a:ea typeface="+mn-ea"/>
+        <a:cs typeface="+mn-cs"/>
+      </a:defRPr>
+    </a:lvl3pPr>
+    <a:lvl4pPr marL="1371600" algn="l" defTabSz="914400" rtl="0" eaLnBrk="1" latinLnBrk="0" hangingPunct="1">
+      <a:defRPr sz="1200" kern="1200">
+        <a:solidFill>
+          <a:schemeClr val="tx1"/>
+        </a:solidFill>
+        <a:latin typeface="+mn-lt"/>
+        <a:ea typeface="+mn-ea"/>
+        <a:cs typeface="+mn-cs"/>
+      </a:defRPr>
+    </a:lvl4pPr>
+    <a:lvl5pPr marL="1828800" algn="l" defTabSz="914400" rtl="0" eaLnBrk="1" latinLnBrk="0" hangingPunct="1">
+      <a:defRPr sz="1200" kern="1200">
+        <a:solidFill>
+          <a:schemeClr val="tx1"/>
+        </a:solidFill>
+        <a:latin typeface="+mn-lt"/>
+        <a:ea typeface="+mn-ea"/>
+        <a:cs typeface="+mn-cs"/>
+      </a:defRPr>
+    </a:lvl5pPr>
+    <a:lvl6pPr marL="2286000" algn="l" defTabSz="914400" rtl="0" eaLnBrk="1" latinLnBrk="0" hangingPunct="1">
+      <a:defRPr sz="1200" kern="1200">
+        <a:solidFill>
+          <a:schemeClr val="tx1"/>
+        </a:solidFill>
+        <a:latin typeface="+mn-lt"/>
+        <a:ea typeface="+mn-ea"/>
+        <a:cs typeface="+mn-cs"/>
+      </a:defRPr>
+    </a:lvl6pPr>
+    <a:lvl7pPr marL="2743200" algn="l" defTabSz="914400" rtl="0" eaLnBrk="1" latinLnBrk="0" hangingPunct="1">
+      <a:defRPr sz="1200" kern="1200">
+        <a:solidFill>
+          <a:schemeClr val="tx1"/>
+        </a:solidFill>
+        <a:latin typeface="+mn-lt"/>
+        <a:ea typeface="+mn-ea"/>
+        <a:cs typeface="+mn-cs"/>
+      </a:defRPr>
+    </a:lvl7pPr>
+    <a:lvl8pPr marL="3200400" algn="l" defTabSz="914400" rtl="0" eaLnBrk="1" latinLnBrk="0" hangingPunct="1">
+      <a:defRPr sz="1200" kern="1200">
+        <a:solidFill>
+          <a:schemeClr val="tx1"/>
+        </a:solidFill>
+        <a:latin typeface="+mn-lt"/>
+        <a:ea typeface="+mn-ea"/>
+        <a:cs typeface="+mn-cs"/>
+      </a:defRPr>
+    </a:lvl8pPr>
+    <a:lvl9pPr marL="3657600" algn="l" defTabSz="914400" rtl="0" eaLnBrk="1" latinLnBrk="0" hangingPunct="1">
+      <a:defRPr sz="1200" kern="1200">
+        <a:solidFill>
+          <a:schemeClr val="tx1"/>
+        </a:solidFill>
+        <a:latin typeface="+mn-lt"/>
+        <a:ea typeface="+mn-ea"/>
+        <a:cs typeface="+mn-cs"/>
+      </a:defRPr>
+    </a:lvl9pPr>
+  </p:notesStyle>
+</p:notesMaster>
+</file>
+
+<file path=ppt/notesSlides/notesSlide1.xml><?xml version="1.0" encoding="utf-8"?>
+<p:notes xmlns:a="http://schemas.openxmlformats.org/drawingml/2006/main" xmlns:r="http://schemas.openxmlformats.org/officeDocument/2006/relationships" xmlns:p="http://schemas.openxmlformats.org/presentationml/2006/main">
+  <p:cSld>
+    <p:spTree>
+      <p:nvGrpSpPr>
+        <p:cNvPr id="1" name=""/>
+        <p:cNvGrpSpPr/>
+        <p:nvPr/>
+      </p:nvGrpSpPr>
+      <p:grpSpPr/>
+      <p:sp>
+        <p:nvSpPr>
+          <p:cNvPr id="2" name="Slide Image Placeholder 1"/>
+          <p:cNvSpPr/>
+          <p:nvPr>
+            <p:ph type="sldImg" idx="2"/>
+          </p:nvPr>
+        </p:nvSpPr>
+        <p:spPr/>
+      </p:sp>
+      <p:sp>
+        <p:nvSpPr>
+          <p:cNvPr id="3" name="Text Placeholder 2"/>
+          <p:cNvSpPr/>
+          <p:nvPr>
+            <p:ph type="body" idx="3"/>
+          </p:nvPr>
+        </p:nvSpPr>
+        <p:spPr/>
+        <p:txBody>
+          <a:bodyPr/>
+          <a:p>
+            <a:endParaRPr lang="en-US"/>
+          </a:p>
+        </p:txBody>
+      </p:sp>
+    </p:spTree>
+  </p:cSld>
+  <p:clrMapOvr>
+    <a:masterClrMapping/>
+  </p:clrMapOvr>
+</p:notes>
+</file>
+
+<file path=ppt/notesSlides/notesSlide2.xml><?xml version="1.0" encoding="utf-8"?>
+<p:notes xmlns:a="http://schemas.openxmlformats.org/drawingml/2006/main" xmlns:r="http://schemas.openxmlformats.org/officeDocument/2006/relationships" xmlns:p="http://schemas.openxmlformats.org/presentationml/2006/main">
+  <p:cSld>
+    <p:spTree>
+      <p:nvGrpSpPr>
+        <p:cNvPr id="1" name=""/>
+        <p:cNvGrpSpPr/>
+        <p:nvPr/>
+      </p:nvGrpSpPr>
+      <p:grpSpPr/>
+      <p:sp>
+        <p:nvSpPr>
+          <p:cNvPr id="2" name="Slide Image Placeholder 1"/>
+          <p:cNvSpPr/>
+          <p:nvPr>
+            <p:ph type="sldImg" idx="2"/>
+          </p:nvPr>
+        </p:nvSpPr>
+        <p:spPr/>
+      </p:sp>
+      <p:sp>
+        <p:nvSpPr>
+          <p:cNvPr id="3" name="Text Placeholder 2"/>
+          <p:cNvSpPr/>
+          <p:nvPr>
+            <p:ph type="body" idx="3"/>
+          </p:nvPr>
+        </p:nvSpPr>
+        <p:spPr/>
+        <p:txBody>
+          <a:bodyPr/>
+          <a:p>
+            <a:endParaRPr lang="en-US"/>
+          </a:p>
+        </p:txBody>
+      </p:sp>
+    </p:spTree>
+  </p:cSld>
+  <p:clrMapOvr>
+    <a:masterClrMapping/>
+  </p:clrMapOvr>
+</p:notes>
 </file>
 
 <file path=ppt/slideLayouts/slideLayout1.xml><?xml version="1.0" encoding="utf-8"?>
@@ -2922,8 +3361,8 @@
         </p:nvSpPr>
         <p:spPr>
           <a:xfrm>
-            <a:off x="-2901950" y="-565150"/>
-            <a:ext cx="17672685" cy="7789545"/>
+            <a:off x="-1407160" y="-1442720"/>
+            <a:ext cx="16313150" cy="8625840"/>
           </a:xfrm>
           <a:prstGeom prst="rect">
             <a:avLst/>
@@ -2961,14 +3400,14 @@
       </p:sp>
       <p:sp>
         <p:nvSpPr>
-          <p:cNvPr id="94" name="Rounded Rectangle 93"/>
+          <p:cNvPr id="205" name="Rounded Rectangle 204"/>
           <p:cNvSpPr/>
           <p:nvPr/>
         </p:nvSpPr>
         <p:spPr>
           <a:xfrm>
-            <a:off x="445135" y="-151765"/>
-            <a:ext cx="11471275" cy="7009130"/>
+            <a:off x="1327150" y="-467360"/>
+            <a:ext cx="10647680" cy="7393305"/>
           </a:xfrm>
           <a:prstGeom prst="roundRect">
             <a:avLst/>
@@ -3028,7 +3467,7 @@
         </p:blipFill>
         <p:spPr>
           <a:xfrm>
-            <a:off x="1700530" y="502285"/>
+            <a:off x="2429510" y="320675"/>
             <a:ext cx="1492885" cy="1488440"/>
           </a:xfrm>
           <a:prstGeom prst="rect">
@@ -3044,7 +3483,7 @@
         </p:nvCxnSpPr>
         <p:spPr>
           <a:xfrm flipV="1">
-            <a:off x="1579880" y="3071495"/>
+            <a:off x="2308860" y="3099435"/>
             <a:ext cx="0" cy="661035"/>
           </a:xfrm>
           <a:prstGeom prst="straightConnector1">
@@ -3080,7 +3519,7 @@
         </p:nvCxnSpPr>
         <p:spPr>
           <a:xfrm flipV="1">
-            <a:off x="1579880" y="3730625"/>
+            <a:off x="2308860" y="3758565"/>
             <a:ext cx="1798955" cy="1905"/>
           </a:xfrm>
           <a:prstGeom prst="straightConnector1">
@@ -3116,7 +3555,7 @@
         </p:nvCxnSpPr>
         <p:spPr>
           <a:xfrm flipV="1">
-            <a:off x="1579880" y="3912235"/>
+            <a:off x="2308860" y="3940175"/>
             <a:ext cx="0" cy="661035"/>
           </a:xfrm>
           <a:prstGeom prst="straightConnector1">
@@ -3152,7 +3591,7 @@
         </p:nvCxnSpPr>
         <p:spPr>
           <a:xfrm flipV="1">
-            <a:off x="1579880" y="4571365"/>
+            <a:off x="2308860" y="4599305"/>
             <a:ext cx="1798955" cy="1905"/>
           </a:xfrm>
           <a:prstGeom prst="straightConnector1">
@@ -3188,7 +3627,7 @@
         </p:nvCxnSpPr>
         <p:spPr>
           <a:xfrm flipV="1">
-            <a:off x="1579880" y="4761865"/>
+            <a:off x="2308860" y="4789805"/>
             <a:ext cx="0" cy="661035"/>
           </a:xfrm>
           <a:prstGeom prst="straightConnector1">
@@ -3224,7 +3663,7 @@
         </p:nvCxnSpPr>
         <p:spPr>
           <a:xfrm flipV="1">
-            <a:off x="1579880" y="5420995"/>
+            <a:off x="2308860" y="5448935"/>
             <a:ext cx="1798955" cy="1905"/>
           </a:xfrm>
           <a:prstGeom prst="straightConnector1">
@@ -3260,7 +3699,7 @@
         </p:nvSpPr>
         <p:spPr>
           <a:xfrm>
-            <a:off x="1774190" y="3206750"/>
+            <a:off x="2503170" y="3234690"/>
             <a:ext cx="1395095" cy="388620"/>
           </a:xfrm>
           <a:custGeom>
@@ -3484,7 +3923,7 @@
         </p:nvSpPr>
         <p:spPr>
           <a:xfrm>
-            <a:off x="1700530" y="4037965"/>
+            <a:off x="2429510" y="4065905"/>
             <a:ext cx="1468755" cy="443230"/>
           </a:xfrm>
           <a:custGeom>
@@ -3708,7 +4147,7 @@
         </p:nvCxnSpPr>
         <p:spPr>
           <a:xfrm>
-            <a:off x="1795145" y="4900295"/>
+            <a:off x="2524125" y="4928235"/>
             <a:ext cx="902335" cy="398780"/>
           </a:xfrm>
           <a:prstGeom prst="bentConnector3">
@@ -3746,7 +4185,7 @@
         </p:nvCxnSpPr>
         <p:spPr>
           <a:xfrm rot="5400000">
-            <a:off x="2676525" y="4984115"/>
+            <a:off x="3405505" y="5012055"/>
             <a:ext cx="324485" cy="304800"/>
           </a:xfrm>
           <a:prstGeom prst="bentConnector3">
@@ -3784,7 +4223,7 @@
         </p:nvSpPr>
         <p:spPr>
           <a:xfrm>
-            <a:off x="1805305" y="3249295"/>
+            <a:off x="2534285" y="3277235"/>
             <a:ext cx="107315" cy="115570"/>
           </a:xfrm>
           <a:prstGeom prst="ellipse">
@@ -3831,7 +4270,7 @@
         </p:nvSpPr>
         <p:spPr>
           <a:xfrm>
-            <a:off x="2026920" y="3385820"/>
+            <a:off x="2755900" y="3413760"/>
             <a:ext cx="107315" cy="115570"/>
           </a:xfrm>
           <a:prstGeom prst="ellipse">
@@ -3878,7 +4317,7 @@
         </p:nvSpPr>
         <p:spPr>
           <a:xfrm>
-            <a:off x="2292985" y="3469640"/>
+            <a:off x="3021965" y="3497580"/>
             <a:ext cx="107315" cy="115570"/>
           </a:xfrm>
           <a:prstGeom prst="ellipse">
@@ -3925,7 +4364,7 @@
         </p:nvSpPr>
         <p:spPr>
           <a:xfrm>
-            <a:off x="2609850" y="3510280"/>
+            <a:off x="3338830" y="3538220"/>
             <a:ext cx="107315" cy="115570"/>
           </a:xfrm>
           <a:prstGeom prst="ellipse">
@@ -3972,7 +4411,7 @@
         </p:nvSpPr>
         <p:spPr>
           <a:xfrm>
-            <a:off x="2955290" y="3511550"/>
+            <a:off x="3684270" y="3539490"/>
             <a:ext cx="107315" cy="115570"/>
           </a:xfrm>
           <a:prstGeom prst="ellipse">
@@ -4019,7 +4458,7 @@
         </p:nvSpPr>
         <p:spPr>
           <a:xfrm>
-            <a:off x="1805305" y="3992880"/>
+            <a:off x="2534285" y="4020820"/>
             <a:ext cx="107315" cy="115570"/>
           </a:xfrm>
           <a:prstGeom prst="ellipse">
@@ -4066,7 +4505,7 @@
         </p:nvSpPr>
         <p:spPr>
           <a:xfrm>
-            <a:off x="2026920" y="4017645"/>
+            <a:off x="2755900" y="4045585"/>
             <a:ext cx="107315" cy="115570"/>
           </a:xfrm>
           <a:prstGeom prst="ellipse">
@@ -4113,7 +4552,7 @@
         </p:nvSpPr>
         <p:spPr>
           <a:xfrm>
-            <a:off x="2292985" y="4048125"/>
+            <a:off x="3021965" y="4076065"/>
             <a:ext cx="107315" cy="115570"/>
           </a:xfrm>
           <a:prstGeom prst="ellipse">
@@ -4160,7 +4599,7 @@
         </p:nvSpPr>
         <p:spPr>
           <a:xfrm>
-            <a:off x="2620010" y="4129405"/>
+            <a:off x="3348990" y="4157345"/>
             <a:ext cx="107315" cy="115570"/>
           </a:xfrm>
           <a:prstGeom prst="ellipse">
@@ -4207,7 +4646,7 @@
         </p:nvSpPr>
         <p:spPr>
           <a:xfrm>
-            <a:off x="2965450" y="4295775"/>
+            <a:off x="3694430" y="4323715"/>
             <a:ext cx="107315" cy="115570"/>
           </a:xfrm>
           <a:prstGeom prst="ellipse">
@@ -4254,7 +4693,7 @@
         </p:nvSpPr>
         <p:spPr>
           <a:xfrm>
-            <a:off x="1795145" y="4841875"/>
+            <a:off x="2524125" y="4869815"/>
             <a:ext cx="107315" cy="115570"/>
           </a:xfrm>
           <a:prstGeom prst="ellipse">
@@ -4301,7 +4740,7 @@
         </p:nvSpPr>
         <p:spPr>
           <a:xfrm>
-            <a:off x="2047240" y="4841875"/>
+            <a:off x="2776220" y="4869815"/>
             <a:ext cx="107315" cy="115570"/>
           </a:xfrm>
           <a:prstGeom prst="ellipse">
@@ -4348,7 +4787,7 @@
         </p:nvSpPr>
         <p:spPr>
           <a:xfrm>
-            <a:off x="2292985" y="5248275"/>
+            <a:off x="3021965" y="5276215"/>
             <a:ext cx="107315" cy="115570"/>
           </a:xfrm>
           <a:prstGeom prst="ellipse">
@@ -4395,7 +4834,7 @@
         </p:nvSpPr>
         <p:spPr>
           <a:xfrm>
-            <a:off x="2640330" y="5079365"/>
+            <a:off x="3369310" y="5107305"/>
             <a:ext cx="107315" cy="115570"/>
           </a:xfrm>
           <a:prstGeom prst="ellipse">
@@ -4442,7 +4881,7 @@
         </p:nvSpPr>
         <p:spPr>
           <a:xfrm>
-            <a:off x="2965450" y="4906645"/>
+            <a:off x="3694430" y="4934585"/>
             <a:ext cx="107315" cy="115570"/>
           </a:xfrm>
           <a:prstGeom prst="ellipse">
@@ -4483,90 +4922,21 @@
       </p:sp>
       <p:sp>
         <p:nvSpPr>
-          <p:cNvPr id="41" name="Text Box 40"/>
-          <p:cNvSpPr txBox="1"/>
-          <p:nvPr/>
-        </p:nvSpPr>
-        <p:spPr>
-          <a:xfrm>
-            <a:off x="1696720" y="2588260"/>
-            <a:ext cx="1416050" cy="368300"/>
+          <p:cNvPr id="52" name="Rectangle 51"/>
+          <p:cNvSpPr/>
+          <p:nvPr/>
+        </p:nvSpPr>
+        <p:spPr>
+          <a:xfrm>
+            <a:off x="5910580" y="3575685"/>
+            <a:ext cx="250190" cy="1986915"/>
           </a:xfrm>
           <a:prstGeom prst="rect">
             <a:avLst/>
           </a:prstGeom>
-          <a:noFill/>
-        </p:spPr>
-        <p:txBody>
-          <a:bodyPr wrap="square" rtlCol="0">
-            <a:spAutoFit/>
-          </a:bodyPr>
-          <a:p>
-            <a:pPr algn="ctr"/>
-            <a:r>
-              <a:rPr lang="en-US" altLang="en-US" b="1">
-                <a:latin typeface="Latin Modern Sans" panose="00000500000000000000" charset="0"/>
-                <a:cs typeface="Latin Modern Sans" panose="00000500000000000000" charset="0"/>
-              </a:rPr>
-              <a:t>timeseries</a:t>
-            </a:r>
-            <a:endParaRPr lang="en-US" altLang="en-US" b="1">
-              <a:latin typeface="Latin Modern Sans" panose="00000500000000000000" charset="0"/>
-              <a:cs typeface="Latin Modern Sans" panose="00000500000000000000" charset="0"/>
-            </a:endParaRPr>
-          </a:p>
-        </p:txBody>
-      </p:sp>
-      <p:sp>
-        <p:nvSpPr>
-          <p:cNvPr id="42" name="Text Box 41"/>
-          <p:cNvSpPr txBox="1"/>
-          <p:nvPr/>
-        </p:nvSpPr>
-        <p:spPr>
-          <a:xfrm>
-            <a:off x="1579880" y="68580"/>
-            <a:ext cx="1840865" cy="368300"/>
-          </a:xfrm>
-          <a:prstGeom prst="rect">
-            <a:avLst/>
-          </a:prstGeom>
-          <a:noFill/>
-        </p:spPr>
-        <p:txBody>
-          <a:bodyPr wrap="square" rtlCol="0">
-            <a:spAutoFit/>
-          </a:bodyPr>
-          <a:p>
-            <a:pPr algn="ctr"/>
-            <a:r>
-              <a:rPr lang="en-US" altLang="en-US" b="1">
-                <a:latin typeface="Latin Modern Sans" panose="00000500000000000000" charset="0"/>
-                <a:cs typeface="Latin Modern Sans" panose="00000500000000000000" charset="0"/>
-              </a:rPr>
-              <a:t>distance matrix</a:t>
-            </a:r>
-            <a:endParaRPr lang="en-US" altLang="en-US" b="1">
-              <a:latin typeface="Latin Modern Sans" panose="00000500000000000000" charset="0"/>
-              <a:cs typeface="Latin Modern Sans" panose="00000500000000000000" charset="0"/>
-            </a:endParaRPr>
-          </a:p>
-        </p:txBody>
-      </p:sp>
-      <p:sp>
-        <p:nvSpPr>
-          <p:cNvPr id="51" name="Rectangle 50"/>
-          <p:cNvSpPr/>
-          <p:nvPr/>
-        </p:nvSpPr>
-        <p:spPr>
-          <a:xfrm>
-            <a:off x="6174105" y="3491865"/>
-            <a:ext cx="115570" cy="2003425"/>
-          </a:xfrm>
-          <a:prstGeom prst="rect">
-            <a:avLst/>
-          </a:prstGeom>
+          <a:solidFill>
+            <a:schemeClr val="accent1"/>
+          </a:solidFill>
           <a:ln>
             <a:solidFill>
               <a:schemeClr val="tx1"/>
@@ -4597,271 +4967,6 @@
           </a:p>
         </p:txBody>
       </p:sp>
-      <p:sp>
-        <p:nvSpPr>
-          <p:cNvPr id="52" name="Rectangle 51"/>
-          <p:cNvSpPr/>
-          <p:nvPr/>
-        </p:nvSpPr>
-        <p:spPr>
-          <a:xfrm>
-            <a:off x="5984875" y="3491865"/>
-            <a:ext cx="115570" cy="2003425"/>
-          </a:xfrm>
-          <a:prstGeom prst="rect">
-            <a:avLst/>
-          </a:prstGeom>
-          <a:ln>
-            <a:solidFill>
-              <a:schemeClr val="tx1"/>
-            </a:solidFill>
-          </a:ln>
-        </p:spPr>
-        <p:style>
-          <a:lnRef idx="2">
-            <a:schemeClr val="accent1">
-              <a:shade val="50000"/>
-            </a:schemeClr>
-          </a:lnRef>
-          <a:fillRef idx="1">
-            <a:schemeClr val="accent1"/>
-          </a:fillRef>
-          <a:effectRef idx="0">
-            <a:schemeClr val="accent1"/>
-          </a:effectRef>
-          <a:fontRef idx="minor">
-            <a:schemeClr val="lt1"/>
-          </a:fontRef>
-        </p:style>
-        <p:txBody>
-          <a:bodyPr rtlCol="0" anchor="ctr"/>
-          <a:p>
-            <a:pPr algn="ctr"/>
-            <a:endParaRPr lang="en-US"/>
-          </a:p>
-        </p:txBody>
-      </p:sp>
-      <p:sp>
-        <p:nvSpPr>
-          <p:cNvPr id="53" name="Rectangle 52"/>
-          <p:cNvSpPr/>
-          <p:nvPr/>
-        </p:nvSpPr>
-        <p:spPr>
-          <a:xfrm>
-            <a:off x="5805805" y="3491865"/>
-            <a:ext cx="115570" cy="1993265"/>
-          </a:xfrm>
-          <a:prstGeom prst="rect">
-            <a:avLst/>
-          </a:prstGeom>
-          <a:ln>
-            <a:solidFill>
-              <a:schemeClr val="tx1"/>
-            </a:solidFill>
-          </a:ln>
-        </p:spPr>
-        <p:style>
-          <a:lnRef idx="2">
-            <a:schemeClr val="accent1">
-              <a:shade val="50000"/>
-            </a:schemeClr>
-          </a:lnRef>
-          <a:fillRef idx="1">
-            <a:schemeClr val="accent1"/>
-          </a:fillRef>
-          <a:effectRef idx="0">
-            <a:schemeClr val="accent1"/>
-          </a:effectRef>
-          <a:fontRef idx="minor">
-            <a:schemeClr val="lt1"/>
-          </a:fontRef>
-        </p:style>
-        <p:txBody>
-          <a:bodyPr rtlCol="0" anchor="ctr"/>
-          <a:p>
-            <a:pPr algn="ctr"/>
-            <a:endParaRPr lang="en-US"/>
-          </a:p>
-        </p:txBody>
-      </p:sp>
-      <p:sp>
-        <p:nvSpPr>
-          <p:cNvPr id="57" name="Rectangle 56"/>
-          <p:cNvSpPr/>
-          <p:nvPr/>
-        </p:nvSpPr>
-        <p:spPr>
-          <a:xfrm>
-            <a:off x="4958715" y="436880"/>
-            <a:ext cx="1468755" cy="1384300"/>
-          </a:xfrm>
-          <a:prstGeom prst="rect">
-            <a:avLst/>
-          </a:prstGeom>
-          <a:solidFill>
-            <a:schemeClr val="accent1"/>
-          </a:solidFill>
-          <a:ln>
-            <a:solidFill>
-              <a:schemeClr val="accent1"/>
-            </a:solidFill>
-          </a:ln>
-          <a:scene3d>
-            <a:camera prst="isometricOffAxis2Right"/>
-            <a:lightRig rig="threePt" dir="t"/>
-          </a:scene3d>
-          <a:sp3d extrusionH="76200" contourW="12700">
-            <a:extrusionClr>
-              <a:schemeClr val="accent1"/>
-            </a:extrusionClr>
-            <a:contourClr>
-              <a:schemeClr val="tx1"/>
-            </a:contourClr>
-          </a:sp3d>
-        </p:spPr>
-        <p:style>
-          <a:lnRef idx="2">
-            <a:schemeClr val="accent1">
-              <a:shade val="50000"/>
-            </a:schemeClr>
-          </a:lnRef>
-          <a:fillRef idx="1">
-            <a:schemeClr val="accent1"/>
-          </a:fillRef>
-          <a:effectRef idx="0">
-            <a:schemeClr val="accent1"/>
-          </a:effectRef>
-          <a:fontRef idx="minor">
-            <a:schemeClr val="lt1"/>
-          </a:fontRef>
-        </p:style>
-        <p:txBody>
-          <a:bodyPr rtlCol="0" anchor="ctr"/>
-          <a:p>
-            <a:pPr algn="ctr"/>
-            <a:endParaRPr lang="en-US"/>
-          </a:p>
-        </p:txBody>
-      </p:sp>
-      <p:sp>
-        <p:nvSpPr>
-          <p:cNvPr id="58" name="Rectangle 57"/>
-          <p:cNvSpPr/>
-          <p:nvPr/>
-        </p:nvSpPr>
-        <p:spPr>
-          <a:xfrm>
-            <a:off x="5132705" y="437515"/>
-            <a:ext cx="1468755" cy="1384300"/>
-          </a:xfrm>
-          <a:prstGeom prst="rect">
-            <a:avLst/>
-          </a:prstGeom>
-          <a:solidFill>
-            <a:schemeClr val="accent1"/>
-          </a:solidFill>
-          <a:ln>
-            <a:solidFill>
-              <a:schemeClr val="accent1"/>
-            </a:solidFill>
-          </a:ln>
-          <a:scene3d>
-            <a:camera prst="isometricOffAxis2Right"/>
-            <a:lightRig rig="threePt" dir="t"/>
-          </a:scene3d>
-          <a:sp3d extrusionH="76200" contourW="12700">
-            <a:extrusionClr>
-              <a:schemeClr val="accent1"/>
-            </a:extrusionClr>
-            <a:contourClr>
-              <a:schemeClr val="tx1"/>
-            </a:contourClr>
-          </a:sp3d>
-        </p:spPr>
-        <p:style>
-          <a:lnRef idx="2">
-            <a:schemeClr val="accent1">
-              <a:shade val="50000"/>
-            </a:schemeClr>
-          </a:lnRef>
-          <a:fillRef idx="1">
-            <a:schemeClr val="accent1"/>
-          </a:fillRef>
-          <a:effectRef idx="0">
-            <a:schemeClr val="accent1"/>
-          </a:effectRef>
-          <a:fontRef idx="minor">
-            <a:schemeClr val="lt1"/>
-          </a:fontRef>
-        </p:style>
-        <p:txBody>
-          <a:bodyPr rtlCol="0" anchor="ctr"/>
-          <a:p>
-            <a:pPr algn="ctr"/>
-            <a:endParaRPr lang="en-US"/>
-          </a:p>
-        </p:txBody>
-      </p:sp>
-      <p:sp>
-        <p:nvSpPr>
-          <p:cNvPr id="59" name="Rectangle 58"/>
-          <p:cNvSpPr/>
-          <p:nvPr/>
-        </p:nvSpPr>
-        <p:spPr>
-          <a:xfrm>
-            <a:off x="5312410" y="471805"/>
-            <a:ext cx="1468755" cy="1384300"/>
-          </a:xfrm>
-          <a:prstGeom prst="rect">
-            <a:avLst/>
-          </a:prstGeom>
-          <a:solidFill>
-            <a:schemeClr val="accent1"/>
-          </a:solidFill>
-          <a:ln>
-            <a:solidFill>
-              <a:schemeClr val="accent1"/>
-            </a:solidFill>
-          </a:ln>
-          <a:scene3d>
-            <a:camera prst="isometricOffAxis2Right"/>
-            <a:lightRig rig="threePt" dir="t"/>
-          </a:scene3d>
-          <a:sp3d extrusionH="76200" contourW="12700">
-            <a:extrusionClr>
-              <a:schemeClr val="accent1"/>
-            </a:extrusionClr>
-            <a:contourClr>
-              <a:schemeClr val="tx1"/>
-            </a:contourClr>
-          </a:sp3d>
-        </p:spPr>
-        <p:style>
-          <a:lnRef idx="2">
-            <a:schemeClr val="accent1">
-              <a:shade val="50000"/>
-            </a:schemeClr>
-          </a:lnRef>
-          <a:fillRef idx="1">
-            <a:schemeClr val="accent1"/>
-          </a:fillRef>
-          <a:effectRef idx="0">
-            <a:schemeClr val="accent1"/>
-          </a:effectRef>
-          <a:fontRef idx="minor">
-            <a:schemeClr val="lt1"/>
-          </a:fontRef>
-        </p:style>
-        <p:txBody>
-          <a:bodyPr rtlCol="0" anchor="ctr"/>
-          <a:p>
-            <a:pPr algn="ctr"/>
-            <a:endParaRPr lang="en-US"/>
-          </a:p>
-        </p:txBody>
-      </p:sp>
       <p:cxnSp>
         <p:nvCxnSpPr>
           <p:cNvPr id="60" name="Straight Arrow Connector 59"/>
@@ -4869,337 +4974,19 @@
           <p:nvPr/>
         </p:nvCxnSpPr>
         <p:spPr>
-          <a:xfrm flipV="1">
-            <a:off x="3632835" y="1270000"/>
-            <a:ext cx="993140" cy="3175"/>
+          <a:xfrm>
+            <a:off x="4107815" y="1113790"/>
+            <a:ext cx="518160" cy="635"/>
           </a:xfrm>
           <a:prstGeom prst="straightConnector1">
             <a:avLst/>
           </a:prstGeom>
-          <a:ln w="28575">
-            <a:solidFill>
-              <a:schemeClr val="accent6"/>
-            </a:solidFill>
+          <a:ln w="38100">
+            <a:solidFill>
+              <a:srgbClr val="FC56F2"/>
+            </a:solidFill>
+            <a:prstDash val="solid"/>
             <a:tailEnd type="arrow"/>
-          </a:ln>
-        </p:spPr>
-        <p:style>
-          <a:lnRef idx="1">
-            <a:schemeClr val="accent1"/>
-          </a:lnRef>
-          <a:fillRef idx="0">
-            <a:schemeClr val="accent1"/>
-          </a:fillRef>
-          <a:effectRef idx="0">
-            <a:schemeClr val="accent1"/>
-          </a:effectRef>
-          <a:fontRef idx="minor">
-            <a:schemeClr val="tx1"/>
-          </a:fontRef>
-        </p:style>
-      </p:cxnSp>
-      <p:sp>
-        <p:nvSpPr>
-          <p:cNvPr id="61" name="Rectangle 60"/>
-          <p:cNvSpPr/>
-          <p:nvPr/>
-        </p:nvSpPr>
-        <p:spPr>
-          <a:xfrm>
-            <a:off x="5214620" y="3491865"/>
-            <a:ext cx="115570" cy="1993265"/>
-          </a:xfrm>
-          <a:prstGeom prst="rect">
-            <a:avLst/>
-          </a:prstGeom>
-          <a:solidFill>
-            <a:schemeClr val="accent2"/>
-          </a:solidFill>
-          <a:ln>
-            <a:solidFill>
-              <a:schemeClr val="tx1"/>
-            </a:solidFill>
-          </a:ln>
-        </p:spPr>
-        <p:style>
-          <a:lnRef idx="2">
-            <a:schemeClr val="accent1">
-              <a:shade val="50000"/>
-            </a:schemeClr>
-          </a:lnRef>
-          <a:fillRef idx="1">
-            <a:schemeClr val="accent1"/>
-          </a:fillRef>
-          <a:effectRef idx="0">
-            <a:schemeClr val="accent1"/>
-          </a:effectRef>
-          <a:fontRef idx="minor">
-            <a:schemeClr val="lt1"/>
-          </a:fontRef>
-        </p:style>
-        <p:txBody>
-          <a:bodyPr rtlCol="0" anchor="ctr"/>
-          <a:p>
-            <a:pPr algn="ctr"/>
-            <a:endParaRPr lang="en-US"/>
-          </a:p>
-        </p:txBody>
-      </p:sp>
-      <p:sp>
-        <p:nvSpPr>
-          <p:cNvPr id="62" name="Rectangle 61"/>
-          <p:cNvSpPr/>
-          <p:nvPr/>
-        </p:nvSpPr>
-        <p:spPr>
-          <a:xfrm>
-            <a:off x="5026660" y="3491230"/>
-            <a:ext cx="115570" cy="1993265"/>
-          </a:xfrm>
-          <a:prstGeom prst="rect">
-            <a:avLst/>
-          </a:prstGeom>
-          <a:solidFill>
-            <a:schemeClr val="accent2"/>
-          </a:solidFill>
-          <a:ln>
-            <a:solidFill>
-              <a:schemeClr val="tx1"/>
-            </a:solidFill>
-          </a:ln>
-        </p:spPr>
-        <p:style>
-          <a:lnRef idx="2">
-            <a:schemeClr val="accent1">
-              <a:shade val="50000"/>
-            </a:schemeClr>
-          </a:lnRef>
-          <a:fillRef idx="1">
-            <a:schemeClr val="accent1"/>
-          </a:fillRef>
-          <a:effectRef idx="0">
-            <a:schemeClr val="accent1"/>
-          </a:effectRef>
-          <a:fontRef idx="minor">
-            <a:schemeClr val="lt1"/>
-          </a:fontRef>
-        </p:style>
-        <p:txBody>
-          <a:bodyPr rtlCol="0" anchor="ctr"/>
-          <a:p>
-            <a:pPr algn="ctr"/>
-            <a:endParaRPr lang="en-US"/>
-          </a:p>
-        </p:txBody>
-      </p:sp>
-      <p:sp>
-        <p:nvSpPr>
-          <p:cNvPr id="63" name="Rectangle 62"/>
-          <p:cNvSpPr/>
-          <p:nvPr/>
-        </p:nvSpPr>
-        <p:spPr>
-          <a:xfrm>
-            <a:off x="4846955" y="3491865"/>
-            <a:ext cx="115570" cy="1993265"/>
-          </a:xfrm>
-          <a:prstGeom prst="rect">
-            <a:avLst/>
-          </a:prstGeom>
-          <a:solidFill>
-            <a:schemeClr val="accent2"/>
-          </a:solidFill>
-          <a:ln>
-            <a:solidFill>
-              <a:schemeClr val="tx1"/>
-            </a:solidFill>
-          </a:ln>
-        </p:spPr>
-        <p:style>
-          <a:lnRef idx="2">
-            <a:schemeClr val="accent1">
-              <a:shade val="50000"/>
-            </a:schemeClr>
-          </a:lnRef>
-          <a:fillRef idx="1">
-            <a:schemeClr val="accent1"/>
-          </a:fillRef>
-          <a:effectRef idx="0">
-            <a:schemeClr val="accent1"/>
-          </a:effectRef>
-          <a:fontRef idx="minor">
-            <a:schemeClr val="lt1"/>
-          </a:fontRef>
-        </p:style>
-        <p:txBody>
-          <a:bodyPr rtlCol="0" anchor="ctr"/>
-          <a:p>
-            <a:pPr algn="ctr"/>
-            <a:endParaRPr lang="en-US"/>
-          </a:p>
-        </p:txBody>
-      </p:sp>
-      <p:sp>
-        <p:nvSpPr>
-          <p:cNvPr id="65" name="Rectangle 64"/>
-          <p:cNvSpPr/>
-          <p:nvPr/>
-        </p:nvSpPr>
-        <p:spPr>
-          <a:xfrm>
-            <a:off x="5514340" y="502285"/>
-            <a:ext cx="1468755" cy="1384300"/>
-          </a:xfrm>
-          <a:prstGeom prst="rect">
-            <a:avLst/>
-          </a:prstGeom>
-          <a:solidFill>
-            <a:schemeClr val="accent1"/>
-          </a:solidFill>
-          <a:ln>
-            <a:solidFill>
-              <a:schemeClr val="accent1"/>
-            </a:solidFill>
-          </a:ln>
-          <a:scene3d>
-            <a:camera prst="isometricOffAxis2Right"/>
-            <a:lightRig rig="threePt" dir="t"/>
-          </a:scene3d>
-          <a:sp3d extrusionH="76200" contourW="12700">
-            <a:extrusionClr>
-              <a:schemeClr val="accent1"/>
-            </a:extrusionClr>
-            <a:contourClr>
-              <a:schemeClr val="tx1"/>
-            </a:contourClr>
-          </a:sp3d>
-        </p:spPr>
-        <p:style>
-          <a:lnRef idx="2">
-            <a:schemeClr val="accent1">
-              <a:shade val="50000"/>
-            </a:schemeClr>
-          </a:lnRef>
-          <a:fillRef idx="1">
-            <a:schemeClr val="accent1"/>
-          </a:fillRef>
-          <a:effectRef idx="0">
-            <a:schemeClr val="accent1"/>
-          </a:effectRef>
-          <a:fontRef idx="minor">
-            <a:schemeClr val="lt1"/>
-          </a:fontRef>
-        </p:style>
-        <p:txBody>
-          <a:bodyPr rtlCol="0" anchor="ctr"/>
-          <a:p>
-            <a:pPr algn="ctr"/>
-            <a:endParaRPr lang="en-US"/>
-          </a:p>
-        </p:txBody>
-      </p:sp>
-      <p:sp>
-        <p:nvSpPr>
-          <p:cNvPr id="66" name="Rectangle 65"/>
-          <p:cNvSpPr/>
-          <p:nvPr/>
-        </p:nvSpPr>
-        <p:spPr>
-          <a:xfrm>
-            <a:off x="5619115" y="3491230"/>
-            <a:ext cx="115570" cy="1993265"/>
-          </a:xfrm>
-          <a:prstGeom prst="rect">
-            <a:avLst/>
-          </a:prstGeom>
-          <a:ln>
-            <a:solidFill>
-              <a:schemeClr val="tx1"/>
-            </a:solidFill>
-          </a:ln>
-        </p:spPr>
-        <p:style>
-          <a:lnRef idx="2">
-            <a:schemeClr val="accent1">
-              <a:shade val="50000"/>
-            </a:schemeClr>
-          </a:lnRef>
-          <a:fillRef idx="1">
-            <a:schemeClr val="accent1"/>
-          </a:fillRef>
-          <a:effectRef idx="0">
-            <a:schemeClr val="accent1"/>
-          </a:effectRef>
-          <a:fontRef idx="minor">
-            <a:schemeClr val="lt1"/>
-          </a:fontRef>
-        </p:style>
-        <p:txBody>
-          <a:bodyPr rtlCol="0" anchor="ctr"/>
-          <a:p>
-            <a:pPr algn="ctr"/>
-            <a:endParaRPr lang="en-US"/>
-          </a:p>
-        </p:txBody>
-      </p:sp>
-      <p:cxnSp>
-        <p:nvCxnSpPr>
-          <p:cNvPr id="70" name="Elbow Connector 69"/>
-          <p:cNvCxnSpPr/>
-          <p:nvPr/>
-        </p:nvCxnSpPr>
-        <p:spPr>
-          <a:xfrm rot="5400000" flipV="1">
-            <a:off x="5083175" y="3153410"/>
-            <a:ext cx="3175" cy="367665"/>
-          </a:xfrm>
-          <a:prstGeom prst="bentConnector3">
-            <a:avLst>
-              <a:gd name="adj1" fmla="val -2700000"/>
-            </a:avLst>
-          </a:prstGeom>
-          <a:ln w="19050">
-            <a:solidFill>
-              <a:schemeClr val="tx1"/>
-            </a:solidFill>
-          </a:ln>
-        </p:spPr>
-        <p:style>
-          <a:lnRef idx="1">
-            <a:schemeClr val="accent1"/>
-          </a:lnRef>
-          <a:fillRef idx="0">
-            <a:schemeClr val="accent1"/>
-          </a:fillRef>
-          <a:effectRef idx="0">
-            <a:schemeClr val="accent1"/>
-          </a:effectRef>
-          <a:fontRef idx="minor">
-            <a:schemeClr val="tx1"/>
-          </a:fontRef>
-        </p:style>
-      </p:cxnSp>
-      <p:cxnSp>
-        <p:nvCxnSpPr>
-          <p:cNvPr id="71" name="Elbow Connector 70"/>
-          <p:cNvCxnSpPr/>
-          <p:nvPr/>
-        </p:nvCxnSpPr>
-        <p:spPr>
-          <a:xfrm>
-            <a:off x="5657850" y="3338830"/>
-            <a:ext cx="552450" cy="8255"/>
-          </a:xfrm>
-          <a:prstGeom prst="bentConnector4">
-            <a:avLst>
-              <a:gd name="adj1" fmla="val -689"/>
-              <a:gd name="adj2" fmla="val -1084615"/>
-            </a:avLst>
-          </a:prstGeom>
-          <a:ln w="19050">
-            <a:solidFill>
-              <a:schemeClr val="tx1"/>
-            </a:solidFill>
           </a:ln>
         </p:spPr>
         <p:style>
@@ -5224,9 +5011,9 @@
           <p:nvPr/>
         </p:nvCxnSpPr>
         <p:spPr>
-          <a:xfrm flipH="1">
-            <a:off x="4664075" y="3498215"/>
-            <a:ext cx="5080" cy="1997075"/>
+          <a:xfrm flipV="1">
+            <a:off x="5466080" y="3590290"/>
+            <a:ext cx="4445" cy="1978025"/>
           </a:xfrm>
           <a:prstGeom prst="straightConnector1">
             <a:avLst/>
@@ -5262,7 +5049,7 @@
         </p:nvSpPr>
         <p:spPr>
           <a:xfrm>
-            <a:off x="3954145" y="5439410"/>
+            <a:off x="4855845" y="5568315"/>
             <a:ext cx="1416050" cy="368300"/>
           </a:xfrm>
           <a:prstGeom prst="rect">
@@ -5298,7 +5085,7 @@
         </p:nvSpPr>
         <p:spPr>
           <a:xfrm>
-            <a:off x="7739380" y="4944745"/>
+            <a:off x="7378700" y="4972685"/>
             <a:ext cx="346075" cy="1259205"/>
           </a:xfrm>
           <a:prstGeom prst="rect">
@@ -5347,7 +5134,7 @@
         </p:nvSpPr>
         <p:spPr>
           <a:xfrm>
-            <a:off x="8409940" y="6019165"/>
+            <a:off x="8049260" y="6047105"/>
             <a:ext cx="1040765" cy="639445"/>
           </a:xfrm>
           <a:prstGeom prst="rect">
@@ -5396,7 +5183,7 @@
         </p:nvSpPr>
         <p:spPr>
           <a:xfrm>
-            <a:off x="9991090" y="4941570"/>
+            <a:off x="9630410" y="4969510"/>
             <a:ext cx="346075" cy="1259205"/>
           </a:xfrm>
           <a:prstGeom prst="rect">
@@ -5445,7 +5232,7 @@
         </p:nvSpPr>
         <p:spPr>
           <a:xfrm>
-            <a:off x="11496675" y="3467735"/>
+            <a:off x="11261725" y="3495675"/>
             <a:ext cx="115570" cy="2003425"/>
           </a:xfrm>
           <a:prstGeom prst="rect">
@@ -5494,7 +5281,7 @@
         </p:nvCxnSpPr>
         <p:spPr>
           <a:xfrm flipV="1">
-            <a:off x="7739380" y="3832860"/>
+            <a:off x="7378700" y="3860800"/>
             <a:ext cx="2548890" cy="635"/>
           </a:xfrm>
           <a:prstGeom prst="straightConnector1">
@@ -5530,7 +5317,7 @@
         </p:nvCxnSpPr>
         <p:spPr>
           <a:xfrm flipV="1">
-            <a:off x="8329295" y="5102225"/>
+            <a:off x="7968615" y="5130165"/>
             <a:ext cx="1104900" cy="12700"/>
           </a:xfrm>
           <a:prstGeom prst="straightConnector1">
@@ -5558,79 +5345,6 @@
           </a:fontRef>
         </p:style>
       </p:cxnSp>
-      <p:cxnSp>
-        <p:nvCxnSpPr>
-          <p:cNvPr id="109" name="Straight Arrow Connector 108"/>
-          <p:cNvCxnSpPr/>
-          <p:nvPr/>
-        </p:nvCxnSpPr>
-        <p:spPr>
-          <a:xfrm>
-            <a:off x="5134610" y="454025"/>
-            <a:ext cx="6985" cy="1635125"/>
-          </a:xfrm>
-          <a:prstGeom prst="straightConnector1">
-            <a:avLst/>
-          </a:prstGeom>
-          <a:ln w="19050">
-            <a:solidFill>
-              <a:schemeClr val="tx1"/>
-            </a:solidFill>
-            <a:prstDash val="dash"/>
-            <a:tailEnd type="arrow"/>
-          </a:ln>
-        </p:spPr>
-        <p:style>
-          <a:lnRef idx="1">
-            <a:schemeClr val="accent1"/>
-          </a:lnRef>
-          <a:fillRef idx="0">
-            <a:schemeClr val="accent1"/>
-          </a:fillRef>
-          <a:effectRef idx="0">
-            <a:schemeClr val="accent1"/>
-          </a:effectRef>
-          <a:fontRef idx="minor">
-            <a:schemeClr val="tx1"/>
-          </a:fontRef>
-        </p:style>
-      </p:cxnSp>
-      <p:sp>
-        <p:nvSpPr>
-          <p:cNvPr id="110" name="Text Box 109"/>
-          <p:cNvSpPr txBox="1"/>
-          <p:nvPr/>
-        </p:nvSpPr>
-        <p:spPr>
-          <a:xfrm>
-            <a:off x="4429760" y="2089150"/>
-            <a:ext cx="1416050" cy="368300"/>
-          </a:xfrm>
-          <a:prstGeom prst="rect">
-            <a:avLst/>
-          </a:prstGeom>
-          <a:noFill/>
-        </p:spPr>
-        <p:txBody>
-          <a:bodyPr wrap="square" rtlCol="0">
-            <a:spAutoFit/>
-          </a:bodyPr>
-          <a:p>
-            <a:pPr algn="ctr"/>
-            <a:r>
-              <a:rPr lang="en-US" altLang="en-US">
-                <a:latin typeface="Latin Modern Sans" panose="00000500000000000000" charset="0"/>
-                <a:cs typeface="Latin Modern Sans" panose="00000500000000000000" charset="0"/>
-              </a:rPr>
-              <a:t>time</a:t>
-            </a:r>
-            <a:endParaRPr lang="en-US" altLang="en-US">
-              <a:latin typeface="Latin Modern Sans" panose="00000500000000000000" charset="0"/>
-              <a:cs typeface="Latin Modern Sans" panose="00000500000000000000" charset="0"/>
-            </a:endParaRPr>
-          </a:p>
-        </p:txBody>
-      </p:sp>
       <p:cxnSp>
         <p:nvCxnSpPr>
           <p:cNvPr id="112" name="Straight Arrow Connector 111"/>
@@ -5638,9 +5352,9 @@
           <p:nvPr/>
         </p:nvCxnSpPr>
         <p:spPr>
-          <a:xfrm flipV="1">
-            <a:off x="6043930" y="1742440"/>
-            <a:ext cx="648335" cy="384810"/>
+          <a:xfrm>
+            <a:off x="5270500" y="1767205"/>
+            <a:ext cx="1197610" cy="0"/>
           </a:xfrm>
           <a:prstGeom prst="straightConnector1">
             <a:avLst/>
@@ -5676,7 +5390,7 @@
         </p:nvSpPr>
         <p:spPr>
           <a:xfrm>
-            <a:off x="7174865" y="3481705"/>
+            <a:off x="6814185" y="3509645"/>
             <a:ext cx="204470" cy="2003425"/>
           </a:xfrm>
           <a:prstGeom prst="rect">
@@ -5725,7 +5439,7 @@
         </p:nvSpPr>
         <p:spPr>
           <a:xfrm>
-            <a:off x="10879455" y="3481070"/>
+            <a:off x="10518775" y="3509010"/>
             <a:ext cx="204470" cy="2003425"/>
           </a:xfrm>
           <a:prstGeom prst="rect">
@@ -5774,7 +5488,7 @@
         </p:nvSpPr>
         <p:spPr>
           <a:xfrm>
-            <a:off x="9645015" y="4941570"/>
+            <a:off x="9284335" y="4969510"/>
             <a:ext cx="346075" cy="1259205"/>
           </a:xfrm>
           <a:prstGeom prst="rect">
@@ -5821,7 +5535,7 @@
         </p:nvSpPr>
         <p:spPr>
           <a:xfrm>
-            <a:off x="10660380" y="3482340"/>
+            <a:off x="10299700" y="3510280"/>
             <a:ext cx="219075" cy="2002155"/>
           </a:xfrm>
           <a:prstGeom prst="rect">
@@ -5868,8 +5582,8 @@
         </p:nvSpPr>
         <p:spPr>
           <a:xfrm>
-            <a:off x="7578090" y="182245"/>
-            <a:ext cx="4485005" cy="1938020"/>
+            <a:off x="7532370" y="-34290"/>
+            <a:ext cx="4331970" cy="2245360"/>
           </a:xfrm>
           <a:prstGeom prst="rect">
             <a:avLst/>
@@ -5887,7 +5601,7 @@
                 <a:cs typeface="Latin Modern Sans" panose="00000500000000000000" charset="0"/>
                 <a:sym typeface="+mn-ea"/>
               </a:rPr>
-              <a:t>+ </a:t>
+              <a:t>+  </a:t>
             </a:r>
             <a:r>
               <a:rPr lang="en-US" altLang="en-US" sz="2000">
@@ -5904,9 +5618,9 @@
           </a:p>
           <a:p>
             <a:r>
-              <a:rPr lang="en-US" altLang="en-US" sz="2000" b="1">
+              <a:rPr lang="en-US" altLang="en-US" sz="2400" b="1">
                 <a:solidFill>
-                  <a:schemeClr val="accent6"/>
+                  <a:srgbClr val="FC56F2"/>
                 </a:solidFill>
                 <a:latin typeface="Latin Modern Sans" panose="00000500000000000000" charset="0"/>
                 <a:cs typeface="Latin Modern Sans" panose="00000500000000000000" charset="0"/>
@@ -5928,9 +5642,9 @@
           </a:p>
           <a:p>
             <a:r>
-              <a:rPr lang="en-US" altLang="en-US" sz="2000" b="1">
+              <a:rPr lang="en-US" altLang="en-US" sz="2400" b="1">
                 <a:solidFill>
-                  <a:srgbClr val="C00000"/>
+                  <a:srgbClr val="FF0000"/>
                 </a:solidFill>
                 <a:latin typeface="Latin Modern Sans" panose="00000500000000000000" charset="0"/>
                 <a:cs typeface="Latin Modern Sans" panose="00000500000000000000" charset="0"/>
@@ -5954,9 +5668,9 @@
           </a:p>
           <a:p>
             <a:r>
-              <a:rPr lang="en-US" altLang="en-US" sz="2000" b="1">
+              <a:rPr lang="en-US" altLang="en-US" sz="2400" b="1">
                 <a:solidFill>
-                  <a:schemeClr val="accent2"/>
+                  <a:srgbClr val="FFC000"/>
                 </a:solidFill>
                 <a:latin typeface="Latin Modern Sans" panose="00000500000000000000" charset="0"/>
                 <a:cs typeface="Latin Modern Sans" panose="00000500000000000000" charset="0"/>
@@ -5980,9 +5694,9 @@
           </a:p>
           <a:p>
             <a:r>
-              <a:rPr lang="en-US" altLang="en-US" sz="2000" b="1">
+              <a:rPr lang="en-US" altLang="en-US" sz="2400" b="1">
                 <a:solidFill>
-                  <a:schemeClr val="accent1"/>
+                  <a:srgbClr val="00B050"/>
                 </a:solidFill>
                 <a:latin typeface="Latin Modern Sans" panose="00000500000000000000" charset="0"/>
                 <a:cs typeface="Latin Modern Sans" panose="00000500000000000000" charset="0"/>
@@ -6006,12 +5720,20 @@
           </a:p>
           <a:p>
             <a:r>
+              <a:rPr lang="en-US" altLang="en-US" sz="2400" b="1">
+                <a:latin typeface="Latin Modern Sans" panose="00000500000000000000" charset="0"/>
+                <a:cs typeface="Latin Modern Sans" panose="00000500000000000000" charset="0"/>
+                <a:sym typeface="+mn-ea"/>
+              </a:rPr>
+              <a:t>→</a:t>
+            </a:r>
+            <a:r>
               <a:rPr lang="en-US" altLang="en-US" sz="2000" b="1">
                 <a:latin typeface="Latin Modern Sans" panose="00000500000000000000" charset="0"/>
                 <a:cs typeface="Latin Modern Sans" panose="00000500000000000000" charset="0"/>
                 <a:sym typeface="+mn-ea"/>
               </a:rPr>
-              <a:t>→ </a:t>
+              <a:t> </a:t>
             </a:r>
             <a:r>
               <a:rPr lang="en-US" altLang="en-US" sz="2000">
@@ -6029,90 +5751,21 @@
       </p:sp>
       <p:cxnSp>
         <p:nvCxnSpPr>
-          <p:cNvPr id="119" name="Straight Arrow Connector 118"/>
-          <p:cNvCxnSpPr/>
-          <p:nvPr/>
-        </p:nvCxnSpPr>
-        <p:spPr>
-          <a:xfrm>
-            <a:off x="11177270" y="4442460"/>
-            <a:ext cx="258445" cy="3810"/>
-          </a:xfrm>
-          <a:prstGeom prst="straightConnector1">
-            <a:avLst/>
-          </a:prstGeom>
-          <a:ln w="28575">
-            <a:solidFill>
-              <a:srgbClr val="C00000"/>
-            </a:solidFill>
-            <a:tailEnd type="arrow"/>
-          </a:ln>
-        </p:spPr>
-        <p:style>
-          <a:lnRef idx="1">
-            <a:schemeClr val="accent1"/>
-          </a:lnRef>
-          <a:fillRef idx="0">
-            <a:schemeClr val="accent1"/>
-          </a:fillRef>
-          <a:effectRef idx="0">
-            <a:schemeClr val="accent1"/>
-          </a:effectRef>
-          <a:fontRef idx="minor">
-            <a:schemeClr val="tx1"/>
-          </a:fontRef>
-        </p:style>
-      </p:cxnSp>
-      <p:cxnSp>
-        <p:nvCxnSpPr>
           <p:cNvPr id="121" name="Elbow Connector 120"/>
           <p:cNvCxnSpPr/>
           <p:nvPr/>
         </p:nvCxnSpPr>
         <p:spPr>
           <a:xfrm flipV="1">
-            <a:off x="9623425" y="6311900"/>
+            <a:off x="9262745" y="6339840"/>
             <a:ext cx="367665" cy="215265"/>
           </a:xfrm>
           <a:prstGeom prst="bentConnector2">
             <a:avLst/>
           </a:prstGeom>
-          <a:ln w="28575">
-            <a:tailEnd type="arrow"/>
-          </a:ln>
-        </p:spPr>
-        <p:style>
-          <a:lnRef idx="1">
-            <a:schemeClr val="accent1"/>
-          </a:lnRef>
-          <a:fillRef idx="0">
-            <a:schemeClr val="accent1"/>
-          </a:fillRef>
-          <a:effectRef idx="0">
-            <a:schemeClr val="accent1"/>
-          </a:effectRef>
-          <a:fontRef idx="minor">
-            <a:schemeClr val="tx1"/>
-          </a:fontRef>
-        </p:style>
-      </p:cxnSp>
-      <p:cxnSp>
-        <p:nvCxnSpPr>
-          <p:cNvPr id="123" name="Straight Arrow Connector 122"/>
-          <p:cNvCxnSpPr/>
-          <p:nvPr/>
-        </p:nvCxnSpPr>
-        <p:spPr>
-          <a:xfrm>
-            <a:off x="6370955" y="4370070"/>
-            <a:ext cx="258445" cy="3810"/>
-          </a:xfrm>
-          <a:prstGeom prst="straightConnector1">
-            <a:avLst/>
-          </a:prstGeom>
-          <a:ln w="28575">
-            <a:solidFill>
-              <a:srgbClr val="C00000"/>
+          <a:ln w="38100">
+            <a:solidFill>
+              <a:srgbClr val="00B050"/>
             </a:solidFill>
             <a:tailEnd type="arrow"/>
           </a:ln>
@@ -6140,15 +5793,15 @@
         </p:nvCxnSpPr>
         <p:spPr>
           <a:xfrm rot="5400000" flipV="1">
-            <a:off x="8007985" y="6276975"/>
+            <a:off x="7647305" y="6304915"/>
             <a:ext cx="135255" cy="365125"/>
           </a:xfrm>
           <a:prstGeom prst="bentConnector2">
             <a:avLst/>
           </a:prstGeom>
-          <a:ln w="28575">
-            <a:solidFill>
-              <a:schemeClr val="accent2"/>
+          <a:ln w="38100">
+            <a:solidFill>
+              <a:srgbClr val="FFC000"/>
             </a:solidFill>
             <a:tailEnd type="arrow"/>
           </a:ln>
@@ -6176,15 +5829,15 @@
         </p:nvCxnSpPr>
         <p:spPr>
           <a:xfrm rot="5400000" flipV="1">
-            <a:off x="7366000" y="5637530"/>
+            <a:off x="7005320" y="5665470"/>
             <a:ext cx="135255" cy="365125"/>
           </a:xfrm>
           <a:prstGeom prst="bentConnector2">
             <a:avLst/>
           </a:prstGeom>
-          <a:ln w="28575">
-            <a:solidFill>
-              <a:schemeClr val="accent2"/>
+          <a:ln w="38100">
+            <a:solidFill>
+              <a:srgbClr val="FFC000"/>
             </a:solidFill>
             <a:tailEnd type="arrow"/>
           </a:ln>
@@ -6204,116 +5857,6 @@
           </a:fontRef>
         </p:style>
       </p:cxnSp>
-      <p:grpSp>
-        <p:nvGrpSpPr>
-          <p:cNvPr id="128" name="Group 127"/>
-          <p:cNvGrpSpPr/>
-          <p:nvPr/>
-        </p:nvGrpSpPr>
-        <p:grpSpPr>
-          <a:xfrm rot="0">
-            <a:off x="6311900" y="1886585"/>
-            <a:ext cx="419100" cy="368300"/>
-            <a:chOff x="9309" y="3048"/>
-            <a:chExt cx="660" cy="580"/>
-          </a:xfrm>
-        </p:grpSpPr>
-        <p:sp>
-          <p:nvSpPr>
-            <p:cNvPr id="78" name="Oval 77"/>
-            <p:cNvSpPr/>
-            <p:nvPr/>
-          </p:nvSpPr>
-          <p:spPr>
-            <a:xfrm>
-              <a:off x="9369" y="3176"/>
-              <a:ext cx="517" cy="452"/>
-            </a:xfrm>
-            <a:prstGeom prst="ellipse">
-              <a:avLst/>
-            </a:prstGeom>
-            <a:noFill/>
-            <a:ln w="19050">
-              <a:solidFill>
-                <a:schemeClr val="tx1"/>
-              </a:solidFill>
-            </a:ln>
-            <a:extLst>
-              <a:ext uri="{909E8E84-426E-40DD-AFC4-6F175D3DCCD1}">
-                <a14:hiddenFill xmlns:a14="http://schemas.microsoft.com/office/drawing/2010/main">
-                  <a:solidFill>
-                    <a:schemeClr val="accent1"/>
-                  </a:solidFill>
-                </a14:hiddenFill>
-              </a:ext>
-            </a:extLst>
-          </p:spPr>
-          <p:style>
-            <a:lnRef idx="2">
-              <a:schemeClr val="accent1">
-                <a:shade val="50000"/>
-              </a:schemeClr>
-            </a:lnRef>
-            <a:fillRef idx="1">
-              <a:schemeClr val="accent1"/>
-            </a:fillRef>
-            <a:effectRef idx="0">
-              <a:schemeClr val="accent1"/>
-            </a:effectRef>
-            <a:fontRef idx="minor">
-              <a:schemeClr val="lt1"/>
-            </a:fontRef>
-          </p:style>
-          <p:txBody>
-            <a:bodyPr rtlCol="0" anchor="ctr"/>
-            <a:p>
-              <a:pPr algn="ctr"/>
-              <a:endParaRPr lang="en-US" altLang="en-US" b="1">
-                <a:solidFill>
-                  <a:schemeClr val="tx1"/>
-                </a:solidFill>
-                <a:latin typeface="Latin Modern Sans" panose="00000500000000000000" charset="0"/>
-                <a:cs typeface="Latin Modern Sans" panose="00000500000000000000" charset="0"/>
-              </a:endParaRPr>
-            </a:p>
-          </p:txBody>
-        </p:sp>
-        <p:sp>
-          <p:nvSpPr>
-            <p:cNvPr id="127" name="Text Box 126"/>
-            <p:cNvSpPr txBox="1"/>
-            <p:nvPr/>
-          </p:nvSpPr>
-          <p:spPr>
-            <a:xfrm>
-              <a:off x="9309" y="3048"/>
-              <a:ext cx="660" cy="580"/>
-            </a:xfrm>
-            <a:prstGeom prst="rect">
-              <a:avLst/>
-            </a:prstGeom>
-            <a:noFill/>
-          </p:spPr>
-          <p:txBody>
-            <a:bodyPr wrap="square" rtlCol="0">
-              <a:spAutoFit/>
-            </a:bodyPr>
-            <a:p>
-              <a:r>
-                <a:rPr lang="en-US" altLang="en-US" b="1">
-                  <a:latin typeface="Latin Modern Sans" panose="00000500000000000000" charset="0"/>
-                  <a:cs typeface="Latin Modern Sans" panose="00000500000000000000" charset="0"/>
-                </a:rPr>
-                <a:t>+</a:t>
-              </a:r>
-              <a:endParaRPr lang="en-US" altLang="en-US" b="1">
-                <a:latin typeface="Latin Modern Sans" panose="00000500000000000000" charset="0"/>
-                <a:cs typeface="Latin Modern Sans" panose="00000500000000000000" charset="0"/>
-              </a:endParaRPr>
-            </a:p>
-          </p:txBody>
-        </p:sp>
-      </p:grpSp>
       <p:cxnSp>
         <p:nvCxnSpPr>
           <p:cNvPr id="135" name="Straight Arrow Connector 134"/>
@@ -6322,8 +5865,8 @@
         </p:nvCxnSpPr>
         <p:spPr>
           <a:xfrm flipH="1">
-            <a:off x="5933440" y="2526665"/>
-            <a:ext cx="1270" cy="532765"/>
+            <a:off x="6014720" y="2719705"/>
+            <a:ext cx="635" cy="312420"/>
           </a:xfrm>
           <a:prstGeom prst="straightConnector1">
             <a:avLst/>
@@ -6358,13 +5901,16 @@
         </p:nvCxnSpPr>
         <p:spPr>
           <a:xfrm flipV="1">
-            <a:off x="10511790" y="5672455"/>
+            <a:off x="10151110" y="5700395"/>
             <a:ext cx="367665" cy="215265"/>
           </a:xfrm>
           <a:prstGeom prst="bentConnector2">
             <a:avLst/>
           </a:prstGeom>
-          <a:ln w="28575">
+          <a:ln w="38100">
+            <a:solidFill>
+              <a:srgbClr val="00B050"/>
+            </a:solidFill>
             <a:tailEnd type="arrow"/>
           </a:ln>
         </p:spPr>
@@ -6391,7 +5937,7 @@
         </p:nvCxnSpPr>
         <p:spPr>
           <a:xfrm flipV="1">
-            <a:off x="3600450" y="3059430"/>
+            <a:off x="4215765" y="3032125"/>
             <a:ext cx="1483995" cy="193040"/>
           </a:xfrm>
           <a:prstGeom prst="bentConnector4">
@@ -6430,7 +5976,7 @@
         </p:nvSpPr>
         <p:spPr>
           <a:xfrm>
-            <a:off x="6987540" y="3113405"/>
+            <a:off x="6626860" y="3141345"/>
             <a:ext cx="607060" cy="368300"/>
           </a:xfrm>
           <a:prstGeom prst="rect">
@@ -6466,7 +6012,7 @@
         </p:nvSpPr>
         <p:spPr>
           <a:xfrm>
-            <a:off x="7576185" y="4568190"/>
+            <a:off x="7215505" y="4596130"/>
             <a:ext cx="720725" cy="368300"/>
           </a:xfrm>
           <a:prstGeom prst="rect">
@@ -6502,7 +6048,7 @@
         </p:nvSpPr>
         <p:spPr>
           <a:xfrm>
-            <a:off x="8598535" y="5655310"/>
+            <a:off x="8237855" y="5683250"/>
             <a:ext cx="720725" cy="368300"/>
           </a:xfrm>
           <a:prstGeom prst="rect">
@@ -6538,7 +6084,7 @@
         </p:nvSpPr>
         <p:spPr>
           <a:xfrm>
-            <a:off x="9663430" y="4578350"/>
+            <a:off x="9302750" y="4606290"/>
             <a:ext cx="710565" cy="368300"/>
           </a:xfrm>
           <a:prstGeom prst="rect">
@@ -6574,7 +6120,7 @@
         </p:nvSpPr>
         <p:spPr>
           <a:xfrm>
-            <a:off x="10540365" y="3111500"/>
+            <a:off x="10179685" y="3139440"/>
             <a:ext cx="710565" cy="368300"/>
           </a:xfrm>
           <a:prstGeom prst="rect">
@@ -6610,7 +6156,7 @@
         </p:nvSpPr>
         <p:spPr>
           <a:xfrm>
-            <a:off x="11216005" y="3101975"/>
+            <a:off x="10981055" y="3129915"/>
             <a:ext cx="700405" cy="368300"/>
           </a:xfrm>
           <a:prstGeom prst="rect">
@@ -6646,7 +6192,7 @@
         </p:nvSpPr>
         <p:spPr>
           <a:xfrm>
-            <a:off x="661670" y="3017520"/>
+            <a:off x="1390650" y="3045460"/>
             <a:ext cx="744220" cy="368300"/>
           </a:xfrm>
           <a:prstGeom prst="rect">
@@ -6682,7 +6228,7 @@
         </p:nvSpPr>
         <p:spPr>
           <a:xfrm>
-            <a:off x="598170" y="3730625"/>
+            <a:off x="1327150" y="3758565"/>
             <a:ext cx="871220" cy="368300"/>
           </a:xfrm>
           <a:prstGeom prst="rect">
@@ -6718,7 +6264,7 @@
         </p:nvSpPr>
         <p:spPr>
           <a:xfrm>
-            <a:off x="445770" y="4531995"/>
+            <a:off x="1174750" y="4559935"/>
             <a:ext cx="1176020" cy="368300"/>
           </a:xfrm>
           <a:prstGeom prst="rect">
@@ -6748,14 +6294,14 @@
       </p:sp>
       <p:sp>
         <p:nvSpPr>
-          <p:cNvPr id="10" name="Text Box 9"/>
+          <p:cNvPr id="46" name="Text Box 45"/>
           <p:cNvSpPr txBox="1"/>
           <p:nvPr/>
         </p:nvSpPr>
         <p:spPr>
           <a:xfrm>
-            <a:off x="8598535" y="3071495"/>
-            <a:ext cx="1454785" cy="368300"/>
+            <a:off x="-1309370" y="3035300"/>
+            <a:ext cx="1779270" cy="645160"/>
           </a:xfrm>
           <a:prstGeom prst="rect">
             <a:avLst/>
@@ -6766,56 +6312,6 @@
           <a:bodyPr wrap="square" rtlCol="0">
             <a:spAutoFit/>
           </a:bodyPr>
-          <a:p>
-            <a:pPr algn="ctr"/>
-            <a:r>
-              <a:rPr lang="" altLang="en-US">
-                <a:latin typeface="Latin Modern Sans" panose="00000500000000000000" charset="0"/>
-                <a:cs typeface="Latin Modern Sans" panose="00000500000000000000" charset="0"/>
-              </a:rPr>
-              <a:t>U-Network</a:t>
-            </a:r>
-            <a:endParaRPr lang="" altLang="en-US">
-              <a:latin typeface="Latin Modern Sans" panose="00000500000000000000" charset="0"/>
-              <a:cs typeface="Latin Modern Sans" panose="00000500000000000000" charset="0"/>
-            </a:endParaRPr>
-          </a:p>
-        </p:txBody>
-      </p:sp>
-      <p:sp>
-        <p:nvSpPr>
-          <p:cNvPr id="46" name="Text Box 45"/>
-          <p:cNvSpPr txBox="1"/>
-          <p:nvPr/>
-        </p:nvSpPr>
-        <p:spPr>
-          <a:xfrm>
-            <a:off x="-2331720" y="3007360"/>
-            <a:ext cx="1779270" cy="645160"/>
-          </a:xfrm>
-          <a:prstGeom prst="rect">
-            <a:avLst/>
-          </a:prstGeom>
-          <a:noFill/>
-        </p:spPr>
-        <p:txBody>
-          <a:bodyPr wrap="square" rtlCol="0">
-            <a:spAutoFit/>
-          </a:bodyPr>
-          <a:p>
-            <a:pPr algn="ctr"/>
-            <a:r>
-              <a:rPr lang="" altLang="en-US" b="1">
-                <a:latin typeface="Latin Modern Sans" panose="00000500000000000000" charset="0"/>
-                <a:cs typeface="Latin Modern Sans" panose="00000500000000000000" charset="0"/>
-              </a:rPr>
-              <a:t>input</a:t>
-            </a:r>
-            <a:endParaRPr lang="" altLang="en-US" b="1">
-              <a:latin typeface="Latin Modern Sans" panose="00000500000000000000" charset="0"/>
-              <a:cs typeface="Latin Modern Sans" panose="00000500000000000000" charset="0"/>
-            </a:endParaRPr>
-          </a:p>
           <a:p>
             <a:pPr algn="ctr"/>
             <a:r>
@@ -6823,21 +6319,21 @@
                 <a:latin typeface="Latin Modern Sans" panose="00000500000000000000" charset="0"/>
                 <a:cs typeface="Latin Modern Sans" panose="00000500000000000000" charset="0"/>
               </a:rPr>
-              <a:t>(</a:t>
+              <a:t>input</a:t>
             </a:r>
-            <a:r>
-              <a:rPr lang="" altLang="en-US" b="1">
-                <a:latin typeface="Latin Modern Sans" panose="00000500000000000000" charset="0"/>
-                <a:cs typeface="Latin Modern Sans" panose="00000500000000000000" charset="0"/>
-              </a:rPr>
-              <a:t>GPS track</a:t>
-            </a:r>
+            <a:endParaRPr lang="en-US" altLang="en-US" b="1">
+              <a:latin typeface="Latin Modern Sans" panose="00000500000000000000" charset="0"/>
+              <a:cs typeface="Latin Modern Sans" panose="00000500000000000000" charset="0"/>
+            </a:endParaRPr>
+          </a:p>
+          <a:p>
+            <a:pPr algn="ctr"/>
             <a:r>
               <a:rPr lang="en-US" altLang="en-US" b="1">
                 <a:latin typeface="Latin Modern Sans" panose="00000500000000000000" charset="0"/>
                 <a:cs typeface="Latin Modern Sans" panose="00000500000000000000" charset="0"/>
               </a:rPr>
-              <a:t>)</a:t>
+              <a:t>(GPS track)</a:t>
             </a:r>
             <a:endParaRPr lang="en-US" altLang="en-US" b="1">
               <a:latin typeface="Latin Modern Sans" panose="00000500000000000000" charset="0"/>
@@ -6854,7 +6350,7 @@
         </p:nvSpPr>
         <p:spPr>
           <a:xfrm>
-            <a:off x="-2096135" y="4044315"/>
+            <a:off x="-1073785" y="4072255"/>
             <a:ext cx="1334770" cy="951230"/>
           </a:xfrm>
           <a:custGeom>
@@ -7201,7 +6697,7 @@
         </p:nvSpPr>
         <p:spPr>
           <a:xfrm>
-            <a:off x="-1985010" y="4091940"/>
+            <a:off x="-962660" y="4119880"/>
             <a:ext cx="107315" cy="115570"/>
           </a:xfrm>
           <a:prstGeom prst="ellipse">
@@ -7251,7 +6747,7 @@
         </p:nvSpPr>
         <p:spPr>
           <a:xfrm>
-            <a:off x="-2178685" y="3739515"/>
+            <a:off x="-1156335" y="3767455"/>
             <a:ext cx="1499870" cy="1515110"/>
           </a:xfrm>
           <a:prstGeom prst="rect">
@@ -7308,7 +6804,7 @@
         </p:nvSpPr>
         <p:spPr>
           <a:xfrm>
-            <a:off x="-1671320" y="4213860"/>
+            <a:off x="-648970" y="4241800"/>
             <a:ext cx="107315" cy="115570"/>
           </a:xfrm>
           <a:prstGeom prst="ellipse">
@@ -7358,7 +6854,7 @@
         </p:nvSpPr>
         <p:spPr>
           <a:xfrm>
-            <a:off x="-1354455" y="4344670"/>
+            <a:off x="-332105" y="4372610"/>
             <a:ext cx="107315" cy="115570"/>
           </a:xfrm>
           <a:prstGeom prst="ellipse">
@@ -7408,7 +6904,7 @@
         </p:nvSpPr>
         <p:spPr>
           <a:xfrm>
-            <a:off x="-878205" y="4373880"/>
+            <a:off x="144145" y="4401820"/>
             <a:ext cx="107315" cy="115570"/>
           </a:xfrm>
           <a:prstGeom prst="ellipse">
@@ -7458,7 +6954,7 @@
         </p:nvSpPr>
         <p:spPr>
           <a:xfrm>
-            <a:off x="-1002665" y="4724400"/>
+            <a:off x="19685" y="4752340"/>
             <a:ext cx="107315" cy="115570"/>
           </a:xfrm>
           <a:prstGeom prst="ellipse">
@@ -7508,7 +7004,7 @@
         </p:nvSpPr>
         <p:spPr>
           <a:xfrm>
-            <a:off x="-906145" y="4401820"/>
+            <a:off x="116205" y="4429760"/>
             <a:ext cx="107315" cy="115570"/>
           </a:xfrm>
           <a:prstGeom prst="ellipse">
@@ -7558,7 +7054,7 @@
         </p:nvSpPr>
         <p:spPr>
           <a:xfrm>
-            <a:off x="12606020" y="3026410"/>
+            <a:off x="12720320" y="3054350"/>
             <a:ext cx="2023745" cy="645160"/>
           </a:xfrm>
           <a:prstGeom prst="rect">
@@ -7573,7 +7069,7 @@
           <a:p>
             <a:pPr algn="ctr"/>
             <a:r>
-              <a:rPr lang="" altLang="en-US" b="1">
+              <a:rPr lang="en-US" altLang="en-US" b="1">
                 <a:latin typeface="Latin Modern Sans" panose="00000500000000000000" charset="0"/>
                 <a:cs typeface="Latin Modern Sans" panose="00000500000000000000" charset="0"/>
               </a:rPr>
@@ -7591,21 +7087,7 @@
                 <a:latin typeface="Latin Modern Sans" panose="00000500000000000000" charset="0"/>
                 <a:cs typeface="Latin Modern Sans" panose="00000500000000000000" charset="0"/>
               </a:rPr>
-              <a:t>(</a:t>
-            </a:r>
-            <a:r>
-              <a:rPr lang="" altLang="en-US" b="1">
-                <a:latin typeface="Latin Modern Sans" panose="00000500000000000000" charset="0"/>
-                <a:cs typeface="Latin Modern Sans" panose="00000500000000000000" charset="0"/>
-              </a:rPr>
-              <a:t>Dive Prediction</a:t>
-            </a:r>
-            <a:r>
-              <a:rPr lang="en-US" altLang="en-US" b="1">
-                <a:latin typeface="Latin Modern Sans" panose="00000500000000000000" charset="0"/>
-                <a:cs typeface="Latin Modern Sans" panose="00000500000000000000" charset="0"/>
-              </a:rPr>
-              <a:t>)</a:t>
+              <a:t>(Dive Prediction)</a:t>
             </a:r>
             <a:endParaRPr lang="en-US" altLang="en-US" b="1">
               <a:latin typeface="Latin Modern Sans" panose="00000500000000000000" charset="0"/>
@@ -7622,7 +7104,7 @@
         </p:nvSpPr>
         <p:spPr>
           <a:xfrm>
-            <a:off x="12957810" y="4044315"/>
+            <a:off x="13072110" y="4072255"/>
             <a:ext cx="1334770" cy="951230"/>
           </a:xfrm>
           <a:custGeom>
@@ -7969,7 +7451,7 @@
         </p:nvSpPr>
         <p:spPr>
           <a:xfrm>
-            <a:off x="13068935" y="4091940"/>
+            <a:off x="13183235" y="4119880"/>
             <a:ext cx="107315" cy="115570"/>
           </a:xfrm>
           <a:prstGeom prst="ellipse">
@@ -8019,7 +7501,7 @@
         </p:nvSpPr>
         <p:spPr>
           <a:xfrm>
-            <a:off x="12875260" y="3739515"/>
+            <a:off x="12989560" y="3767455"/>
             <a:ext cx="1499870" cy="1515110"/>
           </a:xfrm>
           <a:prstGeom prst="rect">
@@ -8076,7 +7558,7 @@
         </p:nvSpPr>
         <p:spPr>
           <a:xfrm>
-            <a:off x="13382625" y="4213860"/>
+            <a:off x="13496925" y="4241800"/>
             <a:ext cx="107315" cy="115570"/>
           </a:xfrm>
           <a:prstGeom prst="ellipse">
@@ -8128,7 +7610,7 @@
         </p:nvSpPr>
         <p:spPr>
           <a:xfrm>
-            <a:off x="13699490" y="4344670"/>
+            <a:off x="13813790" y="4372610"/>
             <a:ext cx="107315" cy="115570"/>
           </a:xfrm>
           <a:prstGeom prst="ellipse">
@@ -8180,7 +7662,7 @@
         </p:nvSpPr>
         <p:spPr>
           <a:xfrm>
-            <a:off x="14175740" y="4373880"/>
+            <a:off x="14290040" y="4401820"/>
             <a:ext cx="107315" cy="115570"/>
           </a:xfrm>
           <a:prstGeom prst="ellipse">
@@ -8230,7 +7712,7 @@
         </p:nvSpPr>
         <p:spPr>
           <a:xfrm>
-            <a:off x="14051280" y="4724400"/>
+            <a:off x="14165580" y="4752340"/>
             <a:ext cx="107315" cy="115570"/>
           </a:xfrm>
           <a:prstGeom prst="ellipse">
@@ -8282,7 +7764,7 @@
         </p:nvSpPr>
         <p:spPr>
           <a:xfrm>
-            <a:off x="14147800" y="4401820"/>
+            <a:off x="14262100" y="4429760"/>
             <a:ext cx="107315" cy="115570"/>
           </a:xfrm>
           <a:prstGeom prst="ellipse">
@@ -8334,7 +7816,7 @@
         </p:nvCxnSpPr>
         <p:spPr>
           <a:xfrm>
-            <a:off x="12071350" y="4460240"/>
+            <a:off x="12258675" y="4486910"/>
             <a:ext cx="730885" cy="635"/>
           </a:xfrm>
           <a:prstGeom prst="straightConnector1">
@@ -8370,7 +7852,7 @@
         </p:nvCxnSpPr>
         <p:spPr>
           <a:xfrm flipV="1">
-            <a:off x="2345690" y="2108200"/>
+            <a:off x="3128010" y="2065655"/>
             <a:ext cx="1270" cy="418465"/>
           </a:xfrm>
           <a:prstGeom prst="straightConnector1">
@@ -8406,7 +7888,7 @@
         </p:nvCxnSpPr>
         <p:spPr>
           <a:xfrm>
-            <a:off x="-476250" y="4353560"/>
+            <a:off x="546100" y="4381500"/>
             <a:ext cx="730885" cy="635"/>
           </a:xfrm>
           <a:prstGeom prst="straightConnector1">
@@ -8434,6 +7916,5754 @@
           </a:fontRef>
         </p:style>
       </p:cxnSp>
+      <p:sp>
+        <p:nvSpPr>
+          <p:cNvPr id="11" name="Cube 10"/>
+          <p:cNvSpPr/>
+          <p:nvPr/>
+        </p:nvSpPr>
+        <p:spPr>
+          <a:xfrm>
+            <a:off x="5199380" y="143510"/>
+            <a:ext cx="1517650" cy="1470660"/>
+          </a:xfrm>
+          <a:prstGeom prst="cube">
+            <a:avLst>
+              <a:gd name="adj" fmla="val 20034"/>
+            </a:avLst>
+          </a:prstGeom>
+          <a:solidFill>
+            <a:schemeClr val="accent1"/>
+          </a:solidFill>
+        </p:spPr>
+        <p:style>
+          <a:lnRef idx="2">
+            <a:schemeClr val="accent1">
+              <a:shade val="50000"/>
+            </a:schemeClr>
+          </a:lnRef>
+          <a:fillRef idx="1">
+            <a:schemeClr val="accent1"/>
+          </a:fillRef>
+          <a:effectRef idx="0">
+            <a:schemeClr val="accent1"/>
+          </a:effectRef>
+          <a:fontRef idx="minor">
+            <a:schemeClr val="lt1"/>
+          </a:fontRef>
+        </p:style>
+        <p:txBody>
+          <a:bodyPr rtlCol="0" anchor="ctr"/>
+          <a:p>
+            <a:pPr algn="ctr"/>
+            <a:endParaRPr lang="en-US"/>
+          </a:p>
+        </p:txBody>
+      </p:sp>
+      <p:cxnSp>
+        <p:nvCxnSpPr>
+          <p:cNvPr id="40" name="Straight Arrow Connector 39"/>
+          <p:cNvCxnSpPr/>
+          <p:nvPr/>
+        </p:nvCxnSpPr>
+        <p:spPr>
+          <a:xfrm flipH="1" flipV="1">
+            <a:off x="4989195" y="469900"/>
+            <a:ext cx="5715" cy="1202055"/>
+          </a:xfrm>
+          <a:prstGeom prst="straightConnector1">
+            <a:avLst/>
+          </a:prstGeom>
+          <a:ln w="19050">
+            <a:solidFill>
+              <a:schemeClr val="tx1"/>
+            </a:solidFill>
+            <a:prstDash val="dash"/>
+            <a:tailEnd type="arrow"/>
+          </a:ln>
+        </p:spPr>
+        <p:style>
+          <a:lnRef idx="1">
+            <a:schemeClr val="accent1"/>
+          </a:lnRef>
+          <a:fillRef idx="0">
+            <a:schemeClr val="accent1"/>
+          </a:fillRef>
+          <a:effectRef idx="0">
+            <a:schemeClr val="accent1"/>
+          </a:effectRef>
+          <a:fontRef idx="minor">
+            <a:schemeClr val="tx1"/>
+          </a:fontRef>
+        </p:style>
+      </p:cxnSp>
+      <p:sp>
+        <p:nvSpPr>
+          <p:cNvPr id="43" name="Text Box 42"/>
+          <p:cNvSpPr txBox="1"/>
+          <p:nvPr/>
+        </p:nvSpPr>
+        <p:spPr>
+          <a:xfrm>
+            <a:off x="3970655" y="143510"/>
+            <a:ext cx="1416050" cy="368300"/>
+          </a:xfrm>
+          <a:prstGeom prst="rect">
+            <a:avLst/>
+          </a:prstGeom>
+          <a:noFill/>
+        </p:spPr>
+        <p:txBody>
+          <a:bodyPr wrap="square" rtlCol="0">
+            <a:spAutoFit/>
+          </a:bodyPr>
+          <a:p>
+            <a:pPr algn="ctr"/>
+            <a:r>
+              <a:rPr lang="en-US" altLang="en-US">
+                <a:latin typeface="Latin Modern Sans" panose="00000500000000000000" charset="0"/>
+                <a:cs typeface="Latin Modern Sans" panose="00000500000000000000" charset="0"/>
+              </a:rPr>
+              <a:t>time</a:t>
+            </a:r>
+            <a:endParaRPr lang="en-US" altLang="en-US">
+              <a:latin typeface="Latin Modern Sans" panose="00000500000000000000" charset="0"/>
+              <a:cs typeface="Latin Modern Sans" panose="00000500000000000000" charset="0"/>
+            </a:endParaRPr>
+          </a:p>
+        </p:txBody>
+      </p:sp>
+      <p:sp>
+        <p:nvSpPr>
+          <p:cNvPr id="44" name="Text Box 43"/>
+          <p:cNvSpPr txBox="1"/>
+          <p:nvPr/>
+        </p:nvSpPr>
+        <p:spPr>
+          <a:xfrm>
+            <a:off x="4958715" y="1809115"/>
+            <a:ext cx="1998345" cy="368300"/>
+          </a:xfrm>
+          <a:prstGeom prst="rect">
+            <a:avLst/>
+          </a:prstGeom>
+          <a:noFill/>
+        </p:spPr>
+        <p:txBody>
+          <a:bodyPr wrap="square" rtlCol="0">
+            <a:spAutoFit/>
+          </a:bodyPr>
+          <a:p>
+            <a:pPr algn="ctr"/>
+            <a:r>
+              <a:rPr lang="" altLang="en-US">
+                <a:latin typeface="Latin Modern Sans" panose="00000500000000000000" charset="0"/>
+                <a:cs typeface="Latin Modern Sans" panose="00000500000000000000" charset="0"/>
+              </a:rPr>
+              <a:t>8 </a:t>
+            </a:r>
+            <a:r>
+              <a:rPr lang="en-US" altLang="en-US">
+                <a:latin typeface="Latin Modern Sans" panose="00000500000000000000" charset="0"/>
+                <a:cs typeface="Latin Modern Sans" panose="00000500000000000000" charset="0"/>
+              </a:rPr>
+              <a:t>channels (ch)</a:t>
+            </a:r>
+            <a:endParaRPr lang="en-US" altLang="en-US">
+              <a:latin typeface="Latin Modern Sans" panose="00000500000000000000" charset="0"/>
+              <a:cs typeface="Latin Modern Sans" panose="00000500000000000000" charset="0"/>
+            </a:endParaRPr>
+          </a:p>
+        </p:txBody>
+      </p:sp>
+      <p:sp>
+        <p:nvSpPr>
+          <p:cNvPr id="45" name="Rectangle 44"/>
+          <p:cNvSpPr/>
+          <p:nvPr/>
+        </p:nvSpPr>
+        <p:spPr>
+          <a:xfrm>
+            <a:off x="5660390" y="3575685"/>
+            <a:ext cx="250190" cy="1985010"/>
+          </a:xfrm>
+          <a:prstGeom prst="rect">
+            <a:avLst/>
+          </a:prstGeom>
+          <a:solidFill>
+            <a:schemeClr val="accent2"/>
+          </a:solidFill>
+          <a:ln>
+            <a:solidFill>
+              <a:schemeClr val="tx1"/>
+            </a:solidFill>
+          </a:ln>
+        </p:spPr>
+        <p:style>
+          <a:lnRef idx="2">
+            <a:schemeClr val="accent1">
+              <a:shade val="50000"/>
+            </a:schemeClr>
+          </a:lnRef>
+          <a:fillRef idx="1">
+            <a:schemeClr val="accent1"/>
+          </a:fillRef>
+          <a:effectRef idx="0">
+            <a:schemeClr val="accent1"/>
+          </a:effectRef>
+          <a:fontRef idx="minor">
+            <a:schemeClr val="lt1"/>
+          </a:fontRef>
+        </p:style>
+        <p:txBody>
+          <a:bodyPr rtlCol="0" anchor="ctr"/>
+          <a:p>
+            <a:pPr algn="ctr"/>
+            <a:endParaRPr lang="en-US"/>
+          </a:p>
+        </p:txBody>
+      </p:sp>
+      <p:sp>
+        <p:nvSpPr>
+          <p:cNvPr id="54" name="Text Box 53"/>
+          <p:cNvSpPr txBox="1"/>
+          <p:nvPr/>
+        </p:nvSpPr>
+        <p:spPr>
+          <a:xfrm>
+            <a:off x="5292725" y="2100580"/>
+            <a:ext cx="1416050" cy="521970"/>
+          </a:xfrm>
+          <a:prstGeom prst="rect">
+            <a:avLst/>
+          </a:prstGeom>
+          <a:noFill/>
+        </p:spPr>
+        <p:txBody>
+          <a:bodyPr wrap="square" rtlCol="0">
+            <a:spAutoFit/>
+          </a:bodyPr>
+          <a:p>
+            <a:pPr algn="ctr"/>
+            <a:r>
+              <a:rPr lang="en-US" altLang="en-US" sz="2800" b="1">
+                <a:latin typeface="Latin Modern Sans" panose="00000500000000000000" charset="0"/>
+                <a:cs typeface="Latin Modern Sans" panose="00000500000000000000" charset="0"/>
+              </a:rPr>
+              <a:t>+</a:t>
+            </a:r>
+            <a:endParaRPr lang="en-US" altLang="en-US" sz="2800" b="1">
+              <a:latin typeface="Latin Modern Sans" panose="00000500000000000000" charset="0"/>
+              <a:cs typeface="Latin Modern Sans" panose="00000500000000000000" charset="0"/>
+            </a:endParaRPr>
+          </a:p>
+        </p:txBody>
+      </p:sp>
+      <p:sp>
+        <p:nvSpPr>
+          <p:cNvPr id="200" name="Oval 199"/>
+          <p:cNvSpPr/>
+          <p:nvPr/>
+        </p:nvSpPr>
+        <p:spPr>
+          <a:xfrm>
+            <a:off x="5836920" y="2233295"/>
+            <a:ext cx="351155" cy="359410"/>
+          </a:xfrm>
+          <a:prstGeom prst="ellipse">
+            <a:avLst/>
+          </a:prstGeom>
+          <a:noFill/>
+          <a:ln w="19050">
+            <a:solidFill>
+              <a:schemeClr val="tx1"/>
+            </a:solidFill>
+          </a:ln>
+          <a:extLst>
+            <a:ext uri="{909E8E84-426E-40DD-AFC4-6F175D3DCCD1}">
+              <a14:hiddenFill xmlns:a14="http://schemas.microsoft.com/office/drawing/2010/main">
+                <a:solidFill>
+                  <a:schemeClr val="accent1"/>
+                </a:solidFill>
+              </a14:hiddenFill>
+            </a:ext>
+          </a:extLst>
+        </p:spPr>
+        <p:style>
+          <a:lnRef idx="2">
+            <a:schemeClr val="accent1">
+              <a:shade val="50000"/>
+            </a:schemeClr>
+          </a:lnRef>
+          <a:fillRef idx="1">
+            <a:schemeClr val="accent1"/>
+          </a:fillRef>
+          <a:effectRef idx="0">
+            <a:schemeClr val="accent1"/>
+          </a:effectRef>
+          <a:fontRef idx="minor">
+            <a:schemeClr val="lt1"/>
+          </a:fontRef>
+        </p:style>
+        <p:txBody>
+          <a:bodyPr rtlCol="0" anchor="ctr"/>
+          <a:p>
+            <a:pPr algn="ctr"/>
+            <a:endParaRPr lang="en-US"/>
+          </a:p>
+        </p:txBody>
+      </p:sp>
+      <p:cxnSp>
+        <p:nvCxnSpPr>
+          <p:cNvPr id="201" name="Straight Arrow Connector 200"/>
+          <p:cNvCxnSpPr/>
+          <p:nvPr/>
+        </p:nvCxnSpPr>
+        <p:spPr>
+          <a:xfrm flipV="1">
+            <a:off x="10813415" y="4498975"/>
+            <a:ext cx="392430" cy="3175"/>
+          </a:xfrm>
+          <a:prstGeom prst="straightConnector1">
+            <a:avLst/>
+          </a:prstGeom>
+          <a:ln w="38100">
+            <a:solidFill>
+              <a:srgbClr val="FF0000"/>
+            </a:solidFill>
+            <a:tailEnd type="arrow"/>
+          </a:ln>
+        </p:spPr>
+        <p:style>
+          <a:lnRef idx="1">
+            <a:schemeClr val="accent1"/>
+          </a:lnRef>
+          <a:fillRef idx="0">
+            <a:schemeClr val="accent1"/>
+          </a:fillRef>
+          <a:effectRef idx="0">
+            <a:schemeClr val="accent1"/>
+          </a:effectRef>
+          <a:fontRef idx="minor">
+            <a:schemeClr val="tx1"/>
+          </a:fontRef>
+        </p:style>
+      </p:cxnSp>
+      <p:cxnSp>
+        <p:nvCxnSpPr>
+          <p:cNvPr id="202" name="Straight Arrow Connector 201"/>
+          <p:cNvCxnSpPr/>
+          <p:nvPr/>
+        </p:nvCxnSpPr>
+        <p:spPr>
+          <a:xfrm flipV="1">
+            <a:off x="6266180" y="4495800"/>
+            <a:ext cx="392430" cy="3175"/>
+          </a:xfrm>
+          <a:prstGeom prst="straightConnector1">
+            <a:avLst/>
+          </a:prstGeom>
+          <a:ln w="38100">
+            <a:solidFill>
+              <a:srgbClr val="FF0000"/>
+            </a:solidFill>
+            <a:tailEnd type="arrow"/>
+          </a:ln>
+        </p:spPr>
+        <p:style>
+          <a:lnRef idx="1">
+            <a:schemeClr val="accent1"/>
+          </a:lnRef>
+          <a:fillRef idx="0">
+            <a:schemeClr val="accent1"/>
+          </a:fillRef>
+          <a:effectRef idx="0">
+            <a:schemeClr val="accent1"/>
+          </a:effectRef>
+          <a:fontRef idx="minor">
+            <a:schemeClr val="tx1"/>
+          </a:fontRef>
+        </p:style>
+      </p:cxnSp>
+      <p:cxnSp>
+        <p:nvCxnSpPr>
+          <p:cNvPr id="203" name="Straight Arrow Connector 202"/>
+          <p:cNvCxnSpPr/>
+          <p:nvPr/>
+        </p:nvCxnSpPr>
+        <p:spPr>
+          <a:xfrm flipV="1">
+            <a:off x="5045075" y="4445"/>
+            <a:ext cx="317500" cy="346710"/>
+          </a:xfrm>
+          <a:prstGeom prst="straightConnector1">
+            <a:avLst/>
+          </a:prstGeom>
+          <a:ln w="19050">
+            <a:solidFill>
+              <a:schemeClr val="tx1"/>
+            </a:solidFill>
+            <a:prstDash val="dash"/>
+            <a:tailEnd type="arrow"/>
+          </a:ln>
+        </p:spPr>
+        <p:style>
+          <a:lnRef idx="1">
+            <a:schemeClr val="accent1"/>
+          </a:lnRef>
+          <a:fillRef idx="0">
+            <a:schemeClr val="accent1"/>
+          </a:fillRef>
+          <a:effectRef idx="0">
+            <a:schemeClr val="accent1"/>
+          </a:effectRef>
+          <a:fontRef idx="minor">
+            <a:schemeClr val="tx1"/>
+          </a:fontRef>
+        </p:style>
+      </p:cxnSp>
+      <p:sp>
+        <p:nvSpPr>
+          <p:cNvPr id="211" name="Text Box 210"/>
+          <p:cNvSpPr txBox="1"/>
+          <p:nvPr/>
+        </p:nvSpPr>
+        <p:spPr>
+          <a:xfrm>
+            <a:off x="2097405" y="-89535"/>
+            <a:ext cx="2146300" cy="368300"/>
+          </a:xfrm>
+          <a:prstGeom prst="rect">
+            <a:avLst/>
+          </a:prstGeom>
+          <a:noFill/>
+        </p:spPr>
+        <p:txBody>
+          <a:bodyPr wrap="square" rtlCol="0">
+            <a:spAutoFit/>
+          </a:bodyPr>
+          <a:p>
+            <a:pPr algn="ctr"/>
+            <a:r>
+              <a:rPr lang="en-US" altLang="en-US" b="1">
+                <a:latin typeface="Latin Modern Sans" panose="00000500000000000000" charset="0"/>
+                <a:cs typeface="Latin Modern Sans" panose="00000500000000000000" charset="0"/>
+              </a:rPr>
+              <a:t>distance matrix</a:t>
+            </a:r>
+            <a:endParaRPr lang="en-US" altLang="en-US" b="1">
+              <a:latin typeface="Latin Modern Sans" panose="00000500000000000000" charset="0"/>
+              <a:cs typeface="Latin Modern Sans" panose="00000500000000000000" charset="0"/>
+            </a:endParaRPr>
+          </a:p>
+        </p:txBody>
+      </p:sp>
+      <p:sp>
+        <p:nvSpPr>
+          <p:cNvPr id="212" name="Text Box 211"/>
+          <p:cNvSpPr txBox="1"/>
+          <p:nvPr/>
+        </p:nvSpPr>
+        <p:spPr>
+          <a:xfrm>
+            <a:off x="2055495" y="2593340"/>
+            <a:ext cx="2146300" cy="368300"/>
+          </a:xfrm>
+          <a:prstGeom prst="rect">
+            <a:avLst/>
+          </a:prstGeom>
+          <a:noFill/>
+        </p:spPr>
+        <p:txBody>
+          <a:bodyPr wrap="square" rtlCol="0">
+            <a:spAutoFit/>
+          </a:bodyPr>
+          <a:p>
+            <a:pPr algn="ctr"/>
+            <a:r>
+              <a:rPr lang="en-US" altLang="en-US" b="1">
+                <a:latin typeface="Latin Modern Sans" panose="00000500000000000000" charset="0"/>
+                <a:cs typeface="Latin Modern Sans" panose="00000500000000000000" charset="0"/>
+              </a:rPr>
+              <a:t>timeseries</a:t>
+            </a:r>
+            <a:endParaRPr lang="en-US" altLang="en-US" b="1">
+              <a:latin typeface="Latin Modern Sans" panose="00000500000000000000" charset="0"/>
+              <a:cs typeface="Latin Modern Sans" panose="00000500000000000000" charset="0"/>
+            </a:endParaRPr>
+          </a:p>
+        </p:txBody>
+      </p:sp>
+    </p:spTree>
+  </p:cSld>
+  <p:clrMapOvr>
+    <a:masterClrMapping/>
+  </p:clrMapOvr>
+</p:sld>
+</file>
+
+<file path=ppt/slides/slide2.xml><?xml version="1.0" encoding="utf-8"?>
+<p:sld xmlns:a="http://schemas.openxmlformats.org/drawingml/2006/main" xmlns:r="http://schemas.openxmlformats.org/officeDocument/2006/relationships" xmlns:p="http://schemas.openxmlformats.org/presentationml/2006/main">
+  <p:cSld>
+    <p:spTree>
+      <p:nvGrpSpPr>
+        <p:cNvPr id="1" name=""/>
+        <p:cNvGrpSpPr/>
+        <p:nvPr/>
+      </p:nvGrpSpPr>
+      <p:grpSpPr/>
+      <p:sp>
+        <p:nvSpPr>
+          <p:cNvPr id="59" name="Rectangle 58"/>
+          <p:cNvSpPr/>
+          <p:nvPr/>
+        </p:nvSpPr>
+        <p:spPr>
+          <a:xfrm>
+            <a:off x="-1835150" y="-1504315"/>
+            <a:ext cx="16767810" cy="8512175"/>
+          </a:xfrm>
+          <a:prstGeom prst="rect">
+            <a:avLst/>
+          </a:prstGeom>
+          <a:solidFill>
+            <a:schemeClr val="bg1"/>
+          </a:solidFill>
+          <a:ln>
+            <a:noFill/>
+          </a:ln>
+        </p:spPr>
+        <p:style>
+          <a:lnRef idx="2">
+            <a:schemeClr val="accent1">
+              <a:shade val="50000"/>
+            </a:schemeClr>
+          </a:lnRef>
+          <a:fillRef idx="1">
+            <a:schemeClr val="accent1"/>
+          </a:fillRef>
+          <a:effectRef idx="0">
+            <a:schemeClr val="accent1"/>
+          </a:effectRef>
+          <a:fontRef idx="minor">
+            <a:schemeClr val="lt1"/>
+          </a:fontRef>
+        </p:style>
+        <p:txBody>
+          <a:bodyPr rtlCol="0" anchor="ctr"/>
+          <a:p>
+            <a:pPr algn="ctr"/>
+            <a:endParaRPr lang="en-US"/>
+          </a:p>
+        </p:txBody>
+      </p:sp>
+      <p:sp>
+        <p:nvSpPr>
+          <p:cNvPr id="205" name="Rounded Rectangle 204"/>
+          <p:cNvSpPr/>
+          <p:nvPr/>
+        </p:nvSpPr>
+        <p:spPr>
+          <a:xfrm>
+            <a:off x="859155" y="-1054735"/>
+            <a:ext cx="4923155" cy="3385185"/>
+          </a:xfrm>
+          <a:prstGeom prst="roundRect">
+            <a:avLst/>
+          </a:prstGeom>
+          <a:solidFill>
+            <a:schemeClr val="bg1">
+              <a:lumMod val="95000"/>
+            </a:schemeClr>
+          </a:solidFill>
+          <a:ln>
+            <a:solidFill>
+              <a:schemeClr val="tx1">
+                <a:lumMod val="95000"/>
+                <a:lumOff val="5000"/>
+              </a:schemeClr>
+            </a:solidFill>
+          </a:ln>
+        </p:spPr>
+        <p:style>
+          <a:lnRef idx="2">
+            <a:schemeClr val="accent1">
+              <a:shade val="50000"/>
+            </a:schemeClr>
+          </a:lnRef>
+          <a:fillRef idx="1">
+            <a:schemeClr val="accent1"/>
+          </a:fillRef>
+          <a:effectRef idx="0">
+            <a:schemeClr val="accent1"/>
+          </a:effectRef>
+          <a:fontRef idx="minor">
+            <a:schemeClr val="lt1"/>
+          </a:fontRef>
+        </p:style>
+        <p:txBody>
+          <a:bodyPr rtlCol="0" anchor="ctr"/>
+          <a:p>
+            <a:pPr algn="ctr"/>
+            <a:endParaRPr lang="en-US"/>
+          </a:p>
+        </p:txBody>
+      </p:sp>
+      <p:sp>
+        <p:nvSpPr>
+          <p:cNvPr id="94" name="Rounded Rectangle 93"/>
+          <p:cNvSpPr/>
+          <p:nvPr/>
+        </p:nvSpPr>
+        <p:spPr>
+          <a:xfrm>
+            <a:off x="5452110" y="3016885"/>
+            <a:ext cx="6569710" cy="3792855"/>
+          </a:xfrm>
+          <a:prstGeom prst="roundRect">
+            <a:avLst/>
+          </a:prstGeom>
+          <a:solidFill>
+            <a:schemeClr val="bg1">
+              <a:lumMod val="95000"/>
+            </a:schemeClr>
+          </a:solidFill>
+          <a:ln>
+            <a:solidFill>
+              <a:schemeClr val="tx1">
+                <a:lumMod val="95000"/>
+                <a:lumOff val="5000"/>
+              </a:schemeClr>
+            </a:solidFill>
+          </a:ln>
+        </p:spPr>
+        <p:style>
+          <a:lnRef idx="2">
+            <a:schemeClr val="accent1">
+              <a:shade val="50000"/>
+            </a:schemeClr>
+          </a:lnRef>
+          <a:fillRef idx="1">
+            <a:schemeClr val="accent1"/>
+          </a:fillRef>
+          <a:effectRef idx="0">
+            <a:schemeClr val="accent1"/>
+          </a:effectRef>
+          <a:fontRef idx="minor">
+            <a:schemeClr val="lt1"/>
+          </a:fontRef>
+        </p:style>
+        <p:txBody>
+          <a:bodyPr rtlCol="0" anchor="ctr"/>
+          <a:p>
+            <a:pPr algn="ctr"/>
+            <a:endParaRPr lang="en-US"/>
+          </a:p>
+        </p:txBody>
+      </p:sp>
+      <p:pic>
+        <p:nvPicPr>
+          <p:cNvPr id="4" name="Picture 3"/>
+          <p:cNvPicPr>
+            <a:picLocks noChangeAspect="1"/>
+          </p:cNvPicPr>
+          <p:nvPr/>
+        </p:nvPicPr>
+        <p:blipFill>
+          <a:blip r:embed="rId1"/>
+          <a:srcRect l="77970" t="1046" r="1174" b="63175"/>
+          <a:stretch>
+            <a:fillRect/>
+          </a:stretch>
+        </p:blipFill>
+        <p:spPr>
+          <a:xfrm>
+            <a:off x="1069340" y="299085"/>
+            <a:ext cx="1492885" cy="1488440"/>
+          </a:xfrm>
+          <a:prstGeom prst="rect">
+            <a:avLst/>
+          </a:prstGeom>
+        </p:spPr>
+      </p:pic>
+      <p:cxnSp>
+        <p:nvCxnSpPr>
+          <p:cNvPr id="14" name="Straight Arrow Connector 13"/>
+          <p:cNvCxnSpPr/>
+          <p:nvPr/>
+        </p:nvCxnSpPr>
+        <p:spPr>
+          <a:xfrm flipV="1">
+            <a:off x="2139950" y="3556635"/>
+            <a:ext cx="0" cy="661035"/>
+          </a:xfrm>
+          <a:prstGeom prst="straightConnector1">
+            <a:avLst/>
+          </a:prstGeom>
+          <a:ln w="19050">
+            <a:solidFill>
+              <a:schemeClr val="tx1"/>
+            </a:solidFill>
+            <a:tailEnd type="arrow"/>
+          </a:ln>
+        </p:spPr>
+        <p:style>
+          <a:lnRef idx="1">
+            <a:schemeClr val="accent1"/>
+          </a:lnRef>
+          <a:fillRef idx="0">
+            <a:schemeClr val="accent1"/>
+          </a:fillRef>
+          <a:effectRef idx="0">
+            <a:schemeClr val="accent1"/>
+          </a:effectRef>
+          <a:fontRef idx="minor">
+            <a:schemeClr val="tx1"/>
+          </a:fontRef>
+        </p:style>
+      </p:cxnSp>
+      <p:cxnSp>
+        <p:nvCxnSpPr>
+          <p:cNvPr id="15" name="Straight Arrow Connector 14"/>
+          <p:cNvCxnSpPr/>
+          <p:nvPr/>
+        </p:nvCxnSpPr>
+        <p:spPr>
+          <a:xfrm flipV="1">
+            <a:off x="2139950" y="4215765"/>
+            <a:ext cx="1798955" cy="1905"/>
+          </a:xfrm>
+          <a:prstGeom prst="straightConnector1">
+            <a:avLst/>
+          </a:prstGeom>
+          <a:ln w="19050">
+            <a:solidFill>
+              <a:schemeClr val="tx1"/>
+            </a:solidFill>
+            <a:tailEnd type="arrow"/>
+          </a:ln>
+        </p:spPr>
+        <p:style>
+          <a:lnRef idx="1">
+            <a:schemeClr val="accent1"/>
+          </a:lnRef>
+          <a:fillRef idx="0">
+            <a:schemeClr val="accent1"/>
+          </a:fillRef>
+          <a:effectRef idx="0">
+            <a:schemeClr val="accent1"/>
+          </a:effectRef>
+          <a:fontRef idx="minor">
+            <a:schemeClr val="tx1"/>
+          </a:fontRef>
+        </p:style>
+      </p:cxnSp>
+      <p:cxnSp>
+        <p:nvCxnSpPr>
+          <p:cNvPr id="16" name="Straight Arrow Connector 15"/>
+          <p:cNvCxnSpPr/>
+          <p:nvPr/>
+        </p:nvCxnSpPr>
+        <p:spPr>
+          <a:xfrm flipV="1">
+            <a:off x="2139950" y="4397375"/>
+            <a:ext cx="0" cy="661035"/>
+          </a:xfrm>
+          <a:prstGeom prst="straightConnector1">
+            <a:avLst/>
+          </a:prstGeom>
+          <a:ln w="19050">
+            <a:solidFill>
+              <a:schemeClr val="tx1"/>
+            </a:solidFill>
+            <a:tailEnd type="arrow"/>
+          </a:ln>
+        </p:spPr>
+        <p:style>
+          <a:lnRef idx="1">
+            <a:schemeClr val="accent1"/>
+          </a:lnRef>
+          <a:fillRef idx="0">
+            <a:schemeClr val="accent1"/>
+          </a:fillRef>
+          <a:effectRef idx="0">
+            <a:schemeClr val="accent1"/>
+          </a:effectRef>
+          <a:fontRef idx="minor">
+            <a:schemeClr val="tx1"/>
+          </a:fontRef>
+        </p:style>
+      </p:cxnSp>
+      <p:cxnSp>
+        <p:nvCxnSpPr>
+          <p:cNvPr id="17" name="Straight Arrow Connector 16"/>
+          <p:cNvCxnSpPr/>
+          <p:nvPr/>
+        </p:nvCxnSpPr>
+        <p:spPr>
+          <a:xfrm flipV="1">
+            <a:off x="2139950" y="5056505"/>
+            <a:ext cx="1798955" cy="1905"/>
+          </a:xfrm>
+          <a:prstGeom prst="straightConnector1">
+            <a:avLst/>
+          </a:prstGeom>
+          <a:ln w="19050">
+            <a:solidFill>
+              <a:schemeClr val="tx1"/>
+            </a:solidFill>
+            <a:tailEnd type="arrow"/>
+          </a:ln>
+        </p:spPr>
+        <p:style>
+          <a:lnRef idx="1">
+            <a:schemeClr val="accent1"/>
+          </a:lnRef>
+          <a:fillRef idx="0">
+            <a:schemeClr val="accent1"/>
+          </a:fillRef>
+          <a:effectRef idx="0">
+            <a:schemeClr val="accent1"/>
+          </a:effectRef>
+          <a:fontRef idx="minor">
+            <a:schemeClr val="tx1"/>
+          </a:fontRef>
+        </p:style>
+      </p:cxnSp>
+      <p:cxnSp>
+        <p:nvCxnSpPr>
+          <p:cNvPr id="18" name="Straight Arrow Connector 17"/>
+          <p:cNvCxnSpPr/>
+          <p:nvPr/>
+        </p:nvCxnSpPr>
+        <p:spPr>
+          <a:xfrm flipV="1">
+            <a:off x="2139950" y="5247005"/>
+            <a:ext cx="0" cy="661035"/>
+          </a:xfrm>
+          <a:prstGeom prst="straightConnector1">
+            <a:avLst/>
+          </a:prstGeom>
+          <a:ln w="19050">
+            <a:solidFill>
+              <a:schemeClr val="tx1"/>
+            </a:solidFill>
+            <a:tailEnd type="arrow"/>
+          </a:ln>
+        </p:spPr>
+        <p:style>
+          <a:lnRef idx="1">
+            <a:schemeClr val="accent1"/>
+          </a:lnRef>
+          <a:fillRef idx="0">
+            <a:schemeClr val="accent1"/>
+          </a:fillRef>
+          <a:effectRef idx="0">
+            <a:schemeClr val="accent1"/>
+          </a:effectRef>
+          <a:fontRef idx="minor">
+            <a:schemeClr val="tx1"/>
+          </a:fontRef>
+        </p:style>
+      </p:cxnSp>
+      <p:cxnSp>
+        <p:nvCxnSpPr>
+          <p:cNvPr id="19" name="Straight Arrow Connector 18"/>
+          <p:cNvCxnSpPr/>
+          <p:nvPr/>
+        </p:nvCxnSpPr>
+        <p:spPr>
+          <a:xfrm flipV="1">
+            <a:off x="2139950" y="5906135"/>
+            <a:ext cx="1798955" cy="1905"/>
+          </a:xfrm>
+          <a:prstGeom prst="straightConnector1">
+            <a:avLst/>
+          </a:prstGeom>
+          <a:ln w="19050">
+            <a:solidFill>
+              <a:schemeClr val="tx1"/>
+            </a:solidFill>
+            <a:tailEnd type="arrow"/>
+          </a:ln>
+        </p:spPr>
+        <p:style>
+          <a:lnRef idx="1">
+            <a:schemeClr val="accent1"/>
+          </a:lnRef>
+          <a:fillRef idx="0">
+            <a:schemeClr val="accent1"/>
+          </a:fillRef>
+          <a:effectRef idx="0">
+            <a:schemeClr val="accent1"/>
+          </a:effectRef>
+          <a:fontRef idx="minor">
+            <a:schemeClr val="tx1"/>
+          </a:fontRef>
+        </p:style>
+      </p:cxnSp>
+      <p:sp>
+        <p:nvSpPr>
+          <p:cNvPr id="20" name="Freeform 19"/>
+          <p:cNvSpPr/>
+          <p:nvPr/>
+        </p:nvSpPr>
+        <p:spPr>
+          <a:xfrm>
+            <a:off x="2334260" y="3691890"/>
+            <a:ext cx="1395095" cy="388620"/>
+          </a:xfrm>
+          <a:custGeom>
+            <a:avLst/>
+            <a:gdLst>
+              <a:gd name="connisteX0" fmla="*/ 0 w 1217295"/>
+              <a:gd name="connsiteY0" fmla="*/ 0 h 337343"/>
+              <a:gd name="connisteX1" fmla="*/ 73660 w 1217295"/>
+              <a:gd name="connsiteY1" fmla="*/ 73660 h 337343"/>
+              <a:gd name="connisteX2" fmla="*/ 146685 w 1217295"/>
+              <a:gd name="connsiteY2" fmla="*/ 147320 h 337343"/>
+              <a:gd name="connisteX3" fmla="*/ 231140 w 1217295"/>
+              <a:gd name="connsiteY3" fmla="*/ 199390 h 337343"/>
+              <a:gd name="connisteX4" fmla="*/ 304165 w 1217295"/>
+              <a:gd name="connsiteY4" fmla="*/ 210185 h 337343"/>
+              <a:gd name="connisteX5" fmla="*/ 377825 w 1217295"/>
+              <a:gd name="connsiteY5" fmla="*/ 252095 h 337343"/>
+              <a:gd name="connisteX6" fmla="*/ 472440 w 1217295"/>
+              <a:gd name="connsiteY6" fmla="*/ 273050 h 337343"/>
+              <a:gd name="connisteX7" fmla="*/ 545465 w 1217295"/>
+              <a:gd name="connsiteY7" fmla="*/ 283210 h 337343"/>
+              <a:gd name="connisteX8" fmla="*/ 619125 w 1217295"/>
+              <a:gd name="connsiteY8" fmla="*/ 294005 h 337343"/>
+              <a:gd name="connisteX9" fmla="*/ 692785 w 1217295"/>
+              <a:gd name="connsiteY9" fmla="*/ 304165 h 337343"/>
+              <a:gd name="connisteX10" fmla="*/ 765810 w 1217295"/>
+              <a:gd name="connsiteY10" fmla="*/ 314960 h 337343"/>
+              <a:gd name="connisteX11" fmla="*/ 839470 w 1217295"/>
+              <a:gd name="connsiteY11" fmla="*/ 325120 h 337343"/>
+              <a:gd name="connisteX12" fmla="*/ 913130 w 1217295"/>
+              <a:gd name="connsiteY12" fmla="*/ 325120 h 337343"/>
+              <a:gd name="connisteX13" fmla="*/ 986155 w 1217295"/>
+              <a:gd name="connsiteY13" fmla="*/ 325120 h 337343"/>
+              <a:gd name="connisteX14" fmla="*/ 1059815 w 1217295"/>
+              <a:gd name="connsiteY14" fmla="*/ 335915 h 337343"/>
+              <a:gd name="connisteX15" fmla="*/ 1143635 w 1217295"/>
+              <a:gd name="connsiteY15" fmla="*/ 335915 h 337343"/>
+              <a:gd name="connisteX16" fmla="*/ 1217295 w 1217295"/>
+              <a:gd name="connsiteY16" fmla="*/ 325120 h 337343"/>
+            </a:gdLst>
+            <a:ahLst/>
+            <a:cxnLst>
+              <a:cxn ang="0">
+                <a:pos x="connisteX0" y="connsiteY0"/>
+              </a:cxn>
+              <a:cxn ang="0">
+                <a:pos x="connisteX1" y="connsiteY1"/>
+              </a:cxn>
+              <a:cxn ang="0">
+                <a:pos x="connisteX2" y="connsiteY2"/>
+              </a:cxn>
+              <a:cxn ang="0">
+                <a:pos x="connisteX3" y="connsiteY3"/>
+              </a:cxn>
+              <a:cxn ang="0">
+                <a:pos x="connisteX4" y="connsiteY4"/>
+              </a:cxn>
+              <a:cxn ang="0">
+                <a:pos x="connisteX5" y="connsiteY5"/>
+              </a:cxn>
+              <a:cxn ang="0">
+                <a:pos x="connisteX6" y="connsiteY6"/>
+              </a:cxn>
+              <a:cxn ang="0">
+                <a:pos x="connisteX7" y="connsiteY7"/>
+              </a:cxn>
+              <a:cxn ang="0">
+                <a:pos x="connisteX8" y="connsiteY8"/>
+              </a:cxn>
+              <a:cxn ang="0">
+                <a:pos x="connisteX9" y="connsiteY9"/>
+              </a:cxn>
+              <a:cxn ang="0">
+                <a:pos x="connisteX10" y="connsiteY10"/>
+              </a:cxn>
+              <a:cxn ang="0">
+                <a:pos x="connisteX11" y="connsiteY11"/>
+              </a:cxn>
+              <a:cxn ang="0">
+                <a:pos x="connisteX12" y="connsiteY12"/>
+              </a:cxn>
+              <a:cxn ang="0">
+                <a:pos x="connisteX13" y="connsiteY13"/>
+              </a:cxn>
+              <a:cxn ang="0">
+                <a:pos x="connisteX14" y="connsiteY14"/>
+              </a:cxn>
+              <a:cxn ang="0">
+                <a:pos x="connisteX15" y="connsiteY15"/>
+              </a:cxn>
+              <a:cxn ang="0">
+                <a:pos x="connisteX16" y="connsiteY16"/>
+              </a:cxn>
+            </a:cxnLst>
+            <a:rect l="l" t="t" r="r" b="b"/>
+            <a:pathLst>
+              <a:path w="1217295" h="337344">
+                <a:moveTo>
+                  <a:pt x="0" y="0"/>
+                </a:moveTo>
+                <a:cubicBezTo>
+                  <a:pt x="13335" y="13335"/>
+                  <a:pt x="44450" y="44450"/>
+                  <a:pt x="73660" y="73660"/>
+                </a:cubicBezTo>
+                <a:cubicBezTo>
+                  <a:pt x="102870" y="102870"/>
+                  <a:pt x="114935" y="121920"/>
+                  <a:pt x="146685" y="147320"/>
+                </a:cubicBezTo>
+                <a:cubicBezTo>
+                  <a:pt x="178435" y="172720"/>
+                  <a:pt x="199390" y="186690"/>
+                  <a:pt x="231140" y="199390"/>
+                </a:cubicBezTo>
+                <a:cubicBezTo>
+                  <a:pt x="262890" y="212090"/>
+                  <a:pt x="274955" y="199390"/>
+                  <a:pt x="304165" y="210185"/>
+                </a:cubicBezTo>
+                <a:cubicBezTo>
+                  <a:pt x="333375" y="220980"/>
+                  <a:pt x="344170" y="239395"/>
+                  <a:pt x="377825" y="252095"/>
+                </a:cubicBezTo>
+                <a:cubicBezTo>
+                  <a:pt x="411480" y="264795"/>
+                  <a:pt x="438785" y="266700"/>
+                  <a:pt x="472440" y="273050"/>
+                </a:cubicBezTo>
+                <a:cubicBezTo>
+                  <a:pt x="506095" y="279400"/>
+                  <a:pt x="516255" y="278765"/>
+                  <a:pt x="545465" y="283210"/>
+                </a:cubicBezTo>
+                <a:cubicBezTo>
+                  <a:pt x="574675" y="287655"/>
+                  <a:pt x="589915" y="289560"/>
+                  <a:pt x="619125" y="294005"/>
+                </a:cubicBezTo>
+                <a:cubicBezTo>
+                  <a:pt x="648335" y="298450"/>
+                  <a:pt x="663575" y="299720"/>
+                  <a:pt x="692785" y="304165"/>
+                </a:cubicBezTo>
+                <a:cubicBezTo>
+                  <a:pt x="721995" y="308610"/>
+                  <a:pt x="736600" y="310515"/>
+                  <a:pt x="765810" y="314960"/>
+                </a:cubicBezTo>
+                <a:cubicBezTo>
+                  <a:pt x="795020" y="319405"/>
+                  <a:pt x="810260" y="323215"/>
+                  <a:pt x="839470" y="325120"/>
+                </a:cubicBezTo>
+                <a:cubicBezTo>
+                  <a:pt x="868680" y="327025"/>
+                  <a:pt x="883920" y="325120"/>
+                  <a:pt x="913130" y="325120"/>
+                </a:cubicBezTo>
+                <a:cubicBezTo>
+                  <a:pt x="942340" y="325120"/>
+                  <a:pt x="956945" y="323215"/>
+                  <a:pt x="986155" y="325120"/>
+                </a:cubicBezTo>
+                <a:cubicBezTo>
+                  <a:pt x="1015365" y="327025"/>
+                  <a:pt x="1028065" y="334010"/>
+                  <a:pt x="1059815" y="335915"/>
+                </a:cubicBezTo>
+                <a:cubicBezTo>
+                  <a:pt x="1091565" y="337820"/>
+                  <a:pt x="1111885" y="337820"/>
+                  <a:pt x="1143635" y="335915"/>
+                </a:cubicBezTo>
+                <a:cubicBezTo>
+                  <a:pt x="1175385" y="334010"/>
+                  <a:pt x="1203960" y="327025"/>
+                  <a:pt x="1217295" y="325120"/>
+                </a:cubicBezTo>
+              </a:path>
+            </a:pathLst>
+          </a:custGeom>
+          <a:noFill/>
+          <a:ln w="19050">
+            <a:solidFill>
+              <a:schemeClr val="accent2"/>
+            </a:solidFill>
+            <a:prstDash val="dash"/>
+          </a:ln>
+        </p:spPr>
+        <p:style>
+          <a:lnRef idx="2">
+            <a:schemeClr val="accent1">
+              <a:shade val="50000"/>
+            </a:schemeClr>
+          </a:lnRef>
+          <a:fillRef idx="1">
+            <a:schemeClr val="accent1"/>
+          </a:fillRef>
+          <a:effectRef idx="0">
+            <a:schemeClr val="accent1"/>
+          </a:effectRef>
+          <a:fontRef idx="minor">
+            <a:schemeClr val="lt1"/>
+          </a:fontRef>
+        </p:style>
+        <p:txBody>
+          <a:bodyPr rtlCol="0" anchor="ctr"/>
+          <a:p>
+            <a:pPr algn="ctr"/>
+            <a:endParaRPr lang="en-US"/>
+          </a:p>
+        </p:txBody>
+      </p:sp>
+      <p:sp>
+        <p:nvSpPr>
+          <p:cNvPr id="21" name="Freeform 20"/>
+          <p:cNvSpPr/>
+          <p:nvPr/>
+        </p:nvSpPr>
+        <p:spPr>
+          <a:xfrm>
+            <a:off x="2260600" y="4523105"/>
+            <a:ext cx="1468755" cy="443230"/>
+          </a:xfrm>
+          <a:custGeom>
+            <a:avLst/>
+            <a:gdLst>
+              <a:gd name="connisteX0" fmla="*/ 0 w 1195705"/>
+              <a:gd name="connsiteY0" fmla="*/ 846 h 410421"/>
+              <a:gd name="connisteX1" fmla="*/ 73025 w 1195705"/>
+              <a:gd name="connsiteY1" fmla="*/ 846 h 410421"/>
+              <a:gd name="connisteX2" fmla="*/ 146685 w 1195705"/>
+              <a:gd name="connsiteY2" fmla="*/ 11641 h 410421"/>
+              <a:gd name="connisteX3" fmla="*/ 220345 w 1195705"/>
+              <a:gd name="connsiteY3" fmla="*/ 22436 h 410421"/>
+              <a:gd name="connisteX4" fmla="*/ 293370 w 1195705"/>
+              <a:gd name="connsiteY4" fmla="*/ 32596 h 410421"/>
+              <a:gd name="connisteX5" fmla="*/ 367030 w 1195705"/>
+              <a:gd name="connsiteY5" fmla="*/ 43391 h 410421"/>
+              <a:gd name="connisteX6" fmla="*/ 440690 w 1195705"/>
+              <a:gd name="connsiteY6" fmla="*/ 64346 h 410421"/>
+              <a:gd name="connisteX7" fmla="*/ 513715 w 1195705"/>
+              <a:gd name="connsiteY7" fmla="*/ 74506 h 410421"/>
+              <a:gd name="connisteX8" fmla="*/ 598170 w 1195705"/>
+              <a:gd name="connsiteY8" fmla="*/ 95461 h 410421"/>
+              <a:gd name="connisteX9" fmla="*/ 671195 w 1195705"/>
+              <a:gd name="connsiteY9" fmla="*/ 106256 h 410421"/>
+              <a:gd name="connisteX10" fmla="*/ 755015 w 1195705"/>
+              <a:gd name="connsiteY10" fmla="*/ 127211 h 410421"/>
+              <a:gd name="connisteX11" fmla="*/ 828675 w 1195705"/>
+              <a:gd name="connsiteY11" fmla="*/ 169121 h 410421"/>
+              <a:gd name="connisteX12" fmla="*/ 902335 w 1195705"/>
+              <a:gd name="connsiteY12" fmla="*/ 200236 h 410421"/>
+              <a:gd name="connisteX13" fmla="*/ 975360 w 1195705"/>
+              <a:gd name="connsiteY13" fmla="*/ 252941 h 410421"/>
+              <a:gd name="connisteX14" fmla="*/ 1049020 w 1195705"/>
+              <a:gd name="connsiteY14" fmla="*/ 315806 h 410421"/>
+              <a:gd name="connisteX15" fmla="*/ 1122680 w 1195705"/>
+              <a:gd name="connsiteY15" fmla="*/ 347556 h 410421"/>
+              <a:gd name="connisteX16" fmla="*/ 1195705 w 1195705"/>
+              <a:gd name="connsiteY16" fmla="*/ 410421 h 410421"/>
+            </a:gdLst>
+            <a:ahLst/>
+            <a:cxnLst>
+              <a:cxn ang="0">
+                <a:pos x="connisteX0" y="connsiteY0"/>
+              </a:cxn>
+              <a:cxn ang="0">
+                <a:pos x="connisteX1" y="connsiteY1"/>
+              </a:cxn>
+              <a:cxn ang="0">
+                <a:pos x="connisteX2" y="connsiteY2"/>
+              </a:cxn>
+              <a:cxn ang="0">
+                <a:pos x="connisteX3" y="connsiteY3"/>
+              </a:cxn>
+              <a:cxn ang="0">
+                <a:pos x="connisteX4" y="connsiteY4"/>
+              </a:cxn>
+              <a:cxn ang="0">
+                <a:pos x="connisteX5" y="connsiteY5"/>
+              </a:cxn>
+              <a:cxn ang="0">
+                <a:pos x="connisteX6" y="connsiteY6"/>
+              </a:cxn>
+              <a:cxn ang="0">
+                <a:pos x="connisteX7" y="connsiteY7"/>
+              </a:cxn>
+              <a:cxn ang="0">
+                <a:pos x="connisteX8" y="connsiteY8"/>
+              </a:cxn>
+              <a:cxn ang="0">
+                <a:pos x="connisteX9" y="connsiteY9"/>
+              </a:cxn>
+              <a:cxn ang="0">
+                <a:pos x="connisteX10" y="connsiteY10"/>
+              </a:cxn>
+              <a:cxn ang="0">
+                <a:pos x="connisteX11" y="connsiteY11"/>
+              </a:cxn>
+              <a:cxn ang="0">
+                <a:pos x="connisteX12" y="connsiteY12"/>
+              </a:cxn>
+              <a:cxn ang="0">
+                <a:pos x="connisteX13" y="connsiteY13"/>
+              </a:cxn>
+              <a:cxn ang="0">
+                <a:pos x="connisteX14" y="connsiteY14"/>
+              </a:cxn>
+              <a:cxn ang="0">
+                <a:pos x="connisteX15" y="connsiteY15"/>
+              </a:cxn>
+              <a:cxn ang="0">
+                <a:pos x="connisteX16" y="connsiteY16"/>
+              </a:cxn>
+            </a:cxnLst>
+            <a:rect l="l" t="t" r="r" b="b"/>
+            <a:pathLst>
+              <a:path w="1195705" h="410422">
+                <a:moveTo>
+                  <a:pt x="0" y="847"/>
+                </a:moveTo>
+                <a:cubicBezTo>
+                  <a:pt x="13335" y="847"/>
+                  <a:pt x="43815" y="-1058"/>
+                  <a:pt x="73025" y="847"/>
+                </a:cubicBezTo>
+                <a:cubicBezTo>
+                  <a:pt x="102235" y="2752"/>
+                  <a:pt x="117475" y="7197"/>
+                  <a:pt x="146685" y="11642"/>
+                </a:cubicBezTo>
+                <a:cubicBezTo>
+                  <a:pt x="175895" y="16087"/>
+                  <a:pt x="191135" y="17992"/>
+                  <a:pt x="220345" y="22437"/>
+                </a:cubicBezTo>
+                <a:cubicBezTo>
+                  <a:pt x="249555" y="26882"/>
+                  <a:pt x="264160" y="28152"/>
+                  <a:pt x="293370" y="32597"/>
+                </a:cubicBezTo>
+                <a:cubicBezTo>
+                  <a:pt x="322580" y="37042"/>
+                  <a:pt x="337820" y="37042"/>
+                  <a:pt x="367030" y="43392"/>
+                </a:cubicBezTo>
+                <a:cubicBezTo>
+                  <a:pt x="396240" y="49742"/>
+                  <a:pt x="411480" y="57997"/>
+                  <a:pt x="440690" y="64347"/>
+                </a:cubicBezTo>
+                <a:cubicBezTo>
+                  <a:pt x="469900" y="70697"/>
+                  <a:pt x="481965" y="68157"/>
+                  <a:pt x="513715" y="74507"/>
+                </a:cubicBezTo>
+                <a:cubicBezTo>
+                  <a:pt x="545465" y="80857"/>
+                  <a:pt x="566420" y="89112"/>
+                  <a:pt x="598170" y="95462"/>
+                </a:cubicBezTo>
+                <a:cubicBezTo>
+                  <a:pt x="629920" y="101812"/>
+                  <a:pt x="640080" y="99907"/>
+                  <a:pt x="671195" y="106257"/>
+                </a:cubicBezTo>
+                <a:cubicBezTo>
+                  <a:pt x="702310" y="112607"/>
+                  <a:pt x="723265" y="114512"/>
+                  <a:pt x="755015" y="127212"/>
+                </a:cubicBezTo>
+                <a:cubicBezTo>
+                  <a:pt x="786765" y="139912"/>
+                  <a:pt x="799465" y="154517"/>
+                  <a:pt x="828675" y="169122"/>
+                </a:cubicBezTo>
+                <a:cubicBezTo>
+                  <a:pt x="857885" y="183727"/>
+                  <a:pt x="873125" y="183727"/>
+                  <a:pt x="902335" y="200237"/>
+                </a:cubicBezTo>
+                <a:cubicBezTo>
+                  <a:pt x="931545" y="216747"/>
+                  <a:pt x="946150" y="230082"/>
+                  <a:pt x="975360" y="252942"/>
+                </a:cubicBezTo>
+                <a:cubicBezTo>
+                  <a:pt x="1004570" y="275802"/>
+                  <a:pt x="1019810" y="296757"/>
+                  <a:pt x="1049020" y="315807"/>
+                </a:cubicBezTo>
+                <a:cubicBezTo>
+                  <a:pt x="1078230" y="334857"/>
+                  <a:pt x="1093470" y="328507"/>
+                  <a:pt x="1122680" y="347557"/>
+                </a:cubicBezTo>
+                <a:cubicBezTo>
+                  <a:pt x="1151890" y="366607"/>
+                  <a:pt x="1182370" y="398357"/>
+                  <a:pt x="1195705" y="410422"/>
+                </a:cubicBezTo>
+              </a:path>
+            </a:pathLst>
+          </a:custGeom>
+          <a:noFill/>
+          <a:ln w="19050">
+            <a:solidFill>
+              <a:schemeClr val="accent2"/>
+            </a:solidFill>
+            <a:prstDash val="dash"/>
+          </a:ln>
+        </p:spPr>
+        <p:style>
+          <a:lnRef idx="2">
+            <a:schemeClr val="accent1">
+              <a:shade val="50000"/>
+            </a:schemeClr>
+          </a:lnRef>
+          <a:fillRef idx="1">
+            <a:schemeClr val="accent1"/>
+          </a:fillRef>
+          <a:effectRef idx="0">
+            <a:schemeClr val="accent1"/>
+          </a:effectRef>
+          <a:fontRef idx="minor">
+            <a:schemeClr val="lt1"/>
+          </a:fontRef>
+        </p:style>
+        <p:txBody>
+          <a:bodyPr rtlCol="0" anchor="ctr"/>
+          <a:p>
+            <a:pPr algn="ctr"/>
+            <a:endParaRPr lang="en-US"/>
+          </a:p>
+        </p:txBody>
+      </p:sp>
+      <p:cxnSp>
+        <p:nvCxnSpPr>
+          <p:cNvPr id="22" name="Elbow Connector 21"/>
+          <p:cNvCxnSpPr/>
+          <p:nvPr/>
+        </p:nvCxnSpPr>
+        <p:spPr>
+          <a:xfrm>
+            <a:off x="2355215" y="5385435"/>
+            <a:ext cx="902335" cy="398780"/>
+          </a:xfrm>
+          <a:prstGeom prst="bentConnector3">
+            <a:avLst>
+              <a:gd name="adj1" fmla="val 34904"/>
+            </a:avLst>
+          </a:prstGeom>
+          <a:ln w="19050">
+            <a:solidFill>
+              <a:schemeClr val="accent2"/>
+            </a:solidFill>
+            <a:prstDash val="dash"/>
+          </a:ln>
+        </p:spPr>
+        <p:style>
+          <a:lnRef idx="1">
+            <a:schemeClr val="accent1"/>
+          </a:lnRef>
+          <a:fillRef idx="0">
+            <a:schemeClr val="accent1"/>
+          </a:fillRef>
+          <a:effectRef idx="0">
+            <a:schemeClr val="accent1"/>
+          </a:effectRef>
+          <a:fontRef idx="minor">
+            <a:schemeClr val="tx1"/>
+          </a:fontRef>
+        </p:style>
+      </p:cxnSp>
+      <p:cxnSp>
+        <p:nvCxnSpPr>
+          <p:cNvPr id="23" name="Elbow Connector 22"/>
+          <p:cNvCxnSpPr/>
+          <p:nvPr/>
+        </p:nvCxnSpPr>
+        <p:spPr>
+          <a:xfrm rot="5400000">
+            <a:off x="3236595" y="5469255"/>
+            <a:ext cx="324485" cy="304800"/>
+          </a:xfrm>
+          <a:prstGeom prst="bentConnector3">
+            <a:avLst>
+              <a:gd name="adj1" fmla="val 50000"/>
+            </a:avLst>
+          </a:prstGeom>
+          <a:ln w="19050">
+            <a:solidFill>
+              <a:schemeClr val="accent2"/>
+            </a:solidFill>
+            <a:prstDash val="dash"/>
+          </a:ln>
+        </p:spPr>
+        <p:style>
+          <a:lnRef idx="1">
+            <a:schemeClr val="accent1"/>
+          </a:lnRef>
+          <a:fillRef idx="0">
+            <a:schemeClr val="accent1"/>
+          </a:fillRef>
+          <a:effectRef idx="0">
+            <a:schemeClr val="accent1"/>
+          </a:effectRef>
+          <a:fontRef idx="minor">
+            <a:schemeClr val="tx1"/>
+          </a:fontRef>
+        </p:style>
+      </p:cxnSp>
+      <p:sp>
+        <p:nvSpPr>
+          <p:cNvPr id="24" name="Oval 23"/>
+          <p:cNvSpPr/>
+          <p:nvPr/>
+        </p:nvSpPr>
+        <p:spPr>
+          <a:xfrm>
+            <a:off x="2365375" y="3734435"/>
+            <a:ext cx="107315" cy="115570"/>
+          </a:xfrm>
+          <a:prstGeom prst="ellipse">
+            <a:avLst/>
+          </a:prstGeom>
+          <a:solidFill>
+            <a:schemeClr val="bg1"/>
+          </a:solidFill>
+          <a:ln>
+            <a:solidFill>
+              <a:schemeClr val="accent2"/>
+            </a:solidFill>
+          </a:ln>
+        </p:spPr>
+        <p:style>
+          <a:lnRef idx="2">
+            <a:schemeClr val="accent1">
+              <a:shade val="50000"/>
+            </a:schemeClr>
+          </a:lnRef>
+          <a:fillRef idx="1">
+            <a:schemeClr val="accent1"/>
+          </a:fillRef>
+          <a:effectRef idx="0">
+            <a:schemeClr val="accent1"/>
+          </a:effectRef>
+          <a:fontRef idx="minor">
+            <a:schemeClr val="lt1"/>
+          </a:fontRef>
+        </p:style>
+        <p:txBody>
+          <a:bodyPr rtlCol="0" anchor="ctr"/>
+          <a:p>
+            <a:pPr algn="ctr"/>
+            <a:endParaRPr lang="en-US"/>
+          </a:p>
+        </p:txBody>
+      </p:sp>
+      <p:sp>
+        <p:nvSpPr>
+          <p:cNvPr id="25" name="Oval 24"/>
+          <p:cNvSpPr/>
+          <p:nvPr/>
+        </p:nvSpPr>
+        <p:spPr>
+          <a:xfrm>
+            <a:off x="2586990" y="3870960"/>
+            <a:ext cx="107315" cy="115570"/>
+          </a:xfrm>
+          <a:prstGeom prst="ellipse">
+            <a:avLst/>
+          </a:prstGeom>
+          <a:solidFill>
+            <a:schemeClr val="bg1"/>
+          </a:solidFill>
+          <a:ln>
+            <a:solidFill>
+              <a:schemeClr val="accent2"/>
+            </a:solidFill>
+          </a:ln>
+        </p:spPr>
+        <p:style>
+          <a:lnRef idx="2">
+            <a:schemeClr val="accent1">
+              <a:shade val="50000"/>
+            </a:schemeClr>
+          </a:lnRef>
+          <a:fillRef idx="1">
+            <a:schemeClr val="accent1"/>
+          </a:fillRef>
+          <a:effectRef idx="0">
+            <a:schemeClr val="accent1"/>
+          </a:effectRef>
+          <a:fontRef idx="minor">
+            <a:schemeClr val="lt1"/>
+          </a:fontRef>
+        </p:style>
+        <p:txBody>
+          <a:bodyPr rtlCol="0" anchor="ctr"/>
+          <a:p>
+            <a:pPr algn="ctr"/>
+            <a:endParaRPr lang="en-US"/>
+          </a:p>
+        </p:txBody>
+      </p:sp>
+      <p:sp>
+        <p:nvSpPr>
+          <p:cNvPr id="26" name="Oval 25"/>
+          <p:cNvSpPr/>
+          <p:nvPr/>
+        </p:nvSpPr>
+        <p:spPr>
+          <a:xfrm>
+            <a:off x="2853055" y="3954780"/>
+            <a:ext cx="107315" cy="115570"/>
+          </a:xfrm>
+          <a:prstGeom prst="ellipse">
+            <a:avLst/>
+          </a:prstGeom>
+          <a:solidFill>
+            <a:schemeClr val="bg1"/>
+          </a:solidFill>
+          <a:ln>
+            <a:solidFill>
+              <a:schemeClr val="accent2"/>
+            </a:solidFill>
+          </a:ln>
+        </p:spPr>
+        <p:style>
+          <a:lnRef idx="2">
+            <a:schemeClr val="accent1">
+              <a:shade val="50000"/>
+            </a:schemeClr>
+          </a:lnRef>
+          <a:fillRef idx="1">
+            <a:schemeClr val="accent1"/>
+          </a:fillRef>
+          <a:effectRef idx="0">
+            <a:schemeClr val="accent1"/>
+          </a:effectRef>
+          <a:fontRef idx="minor">
+            <a:schemeClr val="lt1"/>
+          </a:fontRef>
+        </p:style>
+        <p:txBody>
+          <a:bodyPr rtlCol="0" anchor="ctr"/>
+          <a:p>
+            <a:pPr algn="ctr"/>
+            <a:endParaRPr lang="en-US"/>
+          </a:p>
+        </p:txBody>
+      </p:sp>
+      <p:sp>
+        <p:nvSpPr>
+          <p:cNvPr id="27" name="Oval 26"/>
+          <p:cNvSpPr/>
+          <p:nvPr/>
+        </p:nvSpPr>
+        <p:spPr>
+          <a:xfrm>
+            <a:off x="3169920" y="3995420"/>
+            <a:ext cx="107315" cy="115570"/>
+          </a:xfrm>
+          <a:prstGeom prst="ellipse">
+            <a:avLst/>
+          </a:prstGeom>
+          <a:solidFill>
+            <a:schemeClr val="bg1"/>
+          </a:solidFill>
+          <a:ln>
+            <a:solidFill>
+              <a:schemeClr val="accent2"/>
+            </a:solidFill>
+          </a:ln>
+        </p:spPr>
+        <p:style>
+          <a:lnRef idx="2">
+            <a:schemeClr val="accent1">
+              <a:shade val="50000"/>
+            </a:schemeClr>
+          </a:lnRef>
+          <a:fillRef idx="1">
+            <a:schemeClr val="accent1"/>
+          </a:fillRef>
+          <a:effectRef idx="0">
+            <a:schemeClr val="accent1"/>
+          </a:effectRef>
+          <a:fontRef idx="minor">
+            <a:schemeClr val="lt1"/>
+          </a:fontRef>
+        </p:style>
+        <p:txBody>
+          <a:bodyPr rtlCol="0" anchor="ctr"/>
+          <a:p>
+            <a:pPr algn="ctr"/>
+            <a:endParaRPr lang="en-US"/>
+          </a:p>
+        </p:txBody>
+      </p:sp>
+      <p:sp>
+        <p:nvSpPr>
+          <p:cNvPr id="28" name="Oval 27"/>
+          <p:cNvSpPr/>
+          <p:nvPr/>
+        </p:nvSpPr>
+        <p:spPr>
+          <a:xfrm>
+            <a:off x="3515360" y="3996690"/>
+            <a:ext cx="107315" cy="115570"/>
+          </a:xfrm>
+          <a:prstGeom prst="ellipse">
+            <a:avLst/>
+          </a:prstGeom>
+          <a:solidFill>
+            <a:schemeClr val="bg1"/>
+          </a:solidFill>
+          <a:ln>
+            <a:solidFill>
+              <a:schemeClr val="accent2"/>
+            </a:solidFill>
+          </a:ln>
+        </p:spPr>
+        <p:style>
+          <a:lnRef idx="2">
+            <a:schemeClr val="accent1">
+              <a:shade val="50000"/>
+            </a:schemeClr>
+          </a:lnRef>
+          <a:fillRef idx="1">
+            <a:schemeClr val="accent1"/>
+          </a:fillRef>
+          <a:effectRef idx="0">
+            <a:schemeClr val="accent1"/>
+          </a:effectRef>
+          <a:fontRef idx="minor">
+            <a:schemeClr val="lt1"/>
+          </a:fontRef>
+        </p:style>
+        <p:txBody>
+          <a:bodyPr rtlCol="0" anchor="ctr"/>
+          <a:p>
+            <a:pPr algn="ctr"/>
+            <a:endParaRPr lang="en-US"/>
+          </a:p>
+        </p:txBody>
+      </p:sp>
+      <p:sp>
+        <p:nvSpPr>
+          <p:cNvPr id="29" name="Oval 28"/>
+          <p:cNvSpPr/>
+          <p:nvPr/>
+        </p:nvSpPr>
+        <p:spPr>
+          <a:xfrm>
+            <a:off x="2365375" y="4478020"/>
+            <a:ext cx="107315" cy="115570"/>
+          </a:xfrm>
+          <a:prstGeom prst="ellipse">
+            <a:avLst/>
+          </a:prstGeom>
+          <a:solidFill>
+            <a:schemeClr val="bg1"/>
+          </a:solidFill>
+          <a:ln>
+            <a:solidFill>
+              <a:schemeClr val="accent2"/>
+            </a:solidFill>
+          </a:ln>
+        </p:spPr>
+        <p:style>
+          <a:lnRef idx="2">
+            <a:schemeClr val="accent1">
+              <a:shade val="50000"/>
+            </a:schemeClr>
+          </a:lnRef>
+          <a:fillRef idx="1">
+            <a:schemeClr val="accent1"/>
+          </a:fillRef>
+          <a:effectRef idx="0">
+            <a:schemeClr val="accent1"/>
+          </a:effectRef>
+          <a:fontRef idx="minor">
+            <a:schemeClr val="lt1"/>
+          </a:fontRef>
+        </p:style>
+        <p:txBody>
+          <a:bodyPr rtlCol="0" anchor="ctr"/>
+          <a:p>
+            <a:pPr algn="ctr"/>
+            <a:endParaRPr lang="en-US"/>
+          </a:p>
+        </p:txBody>
+      </p:sp>
+      <p:sp>
+        <p:nvSpPr>
+          <p:cNvPr id="30" name="Oval 29"/>
+          <p:cNvSpPr/>
+          <p:nvPr/>
+        </p:nvSpPr>
+        <p:spPr>
+          <a:xfrm>
+            <a:off x="2586990" y="4502785"/>
+            <a:ext cx="107315" cy="115570"/>
+          </a:xfrm>
+          <a:prstGeom prst="ellipse">
+            <a:avLst/>
+          </a:prstGeom>
+          <a:solidFill>
+            <a:schemeClr val="bg1"/>
+          </a:solidFill>
+          <a:ln>
+            <a:solidFill>
+              <a:schemeClr val="accent2"/>
+            </a:solidFill>
+          </a:ln>
+        </p:spPr>
+        <p:style>
+          <a:lnRef idx="2">
+            <a:schemeClr val="accent1">
+              <a:shade val="50000"/>
+            </a:schemeClr>
+          </a:lnRef>
+          <a:fillRef idx="1">
+            <a:schemeClr val="accent1"/>
+          </a:fillRef>
+          <a:effectRef idx="0">
+            <a:schemeClr val="accent1"/>
+          </a:effectRef>
+          <a:fontRef idx="minor">
+            <a:schemeClr val="lt1"/>
+          </a:fontRef>
+        </p:style>
+        <p:txBody>
+          <a:bodyPr rtlCol="0" anchor="ctr"/>
+          <a:p>
+            <a:pPr algn="ctr"/>
+            <a:endParaRPr lang="en-US"/>
+          </a:p>
+        </p:txBody>
+      </p:sp>
+      <p:sp>
+        <p:nvSpPr>
+          <p:cNvPr id="31" name="Oval 30"/>
+          <p:cNvSpPr/>
+          <p:nvPr/>
+        </p:nvSpPr>
+        <p:spPr>
+          <a:xfrm>
+            <a:off x="2853055" y="4533265"/>
+            <a:ext cx="107315" cy="115570"/>
+          </a:xfrm>
+          <a:prstGeom prst="ellipse">
+            <a:avLst/>
+          </a:prstGeom>
+          <a:solidFill>
+            <a:schemeClr val="bg1"/>
+          </a:solidFill>
+          <a:ln>
+            <a:solidFill>
+              <a:schemeClr val="accent2"/>
+            </a:solidFill>
+          </a:ln>
+        </p:spPr>
+        <p:style>
+          <a:lnRef idx="2">
+            <a:schemeClr val="accent1">
+              <a:shade val="50000"/>
+            </a:schemeClr>
+          </a:lnRef>
+          <a:fillRef idx="1">
+            <a:schemeClr val="accent1"/>
+          </a:fillRef>
+          <a:effectRef idx="0">
+            <a:schemeClr val="accent1"/>
+          </a:effectRef>
+          <a:fontRef idx="minor">
+            <a:schemeClr val="lt1"/>
+          </a:fontRef>
+        </p:style>
+        <p:txBody>
+          <a:bodyPr rtlCol="0" anchor="ctr"/>
+          <a:p>
+            <a:pPr algn="ctr"/>
+            <a:endParaRPr lang="en-US"/>
+          </a:p>
+        </p:txBody>
+      </p:sp>
+      <p:sp>
+        <p:nvSpPr>
+          <p:cNvPr id="32" name="Oval 31"/>
+          <p:cNvSpPr/>
+          <p:nvPr/>
+        </p:nvSpPr>
+        <p:spPr>
+          <a:xfrm>
+            <a:off x="3180080" y="4614545"/>
+            <a:ext cx="107315" cy="115570"/>
+          </a:xfrm>
+          <a:prstGeom prst="ellipse">
+            <a:avLst/>
+          </a:prstGeom>
+          <a:solidFill>
+            <a:schemeClr val="bg1"/>
+          </a:solidFill>
+          <a:ln>
+            <a:solidFill>
+              <a:schemeClr val="accent2"/>
+            </a:solidFill>
+          </a:ln>
+        </p:spPr>
+        <p:style>
+          <a:lnRef idx="2">
+            <a:schemeClr val="accent1">
+              <a:shade val="50000"/>
+            </a:schemeClr>
+          </a:lnRef>
+          <a:fillRef idx="1">
+            <a:schemeClr val="accent1"/>
+          </a:fillRef>
+          <a:effectRef idx="0">
+            <a:schemeClr val="accent1"/>
+          </a:effectRef>
+          <a:fontRef idx="minor">
+            <a:schemeClr val="lt1"/>
+          </a:fontRef>
+        </p:style>
+        <p:txBody>
+          <a:bodyPr rtlCol="0" anchor="ctr"/>
+          <a:p>
+            <a:pPr algn="ctr"/>
+            <a:endParaRPr lang="en-US"/>
+          </a:p>
+        </p:txBody>
+      </p:sp>
+      <p:sp>
+        <p:nvSpPr>
+          <p:cNvPr id="33" name="Oval 32"/>
+          <p:cNvSpPr/>
+          <p:nvPr/>
+        </p:nvSpPr>
+        <p:spPr>
+          <a:xfrm>
+            <a:off x="3525520" y="4780915"/>
+            <a:ext cx="107315" cy="115570"/>
+          </a:xfrm>
+          <a:prstGeom prst="ellipse">
+            <a:avLst/>
+          </a:prstGeom>
+          <a:solidFill>
+            <a:schemeClr val="bg1"/>
+          </a:solidFill>
+          <a:ln>
+            <a:solidFill>
+              <a:schemeClr val="accent2"/>
+            </a:solidFill>
+          </a:ln>
+        </p:spPr>
+        <p:style>
+          <a:lnRef idx="2">
+            <a:schemeClr val="accent1">
+              <a:shade val="50000"/>
+            </a:schemeClr>
+          </a:lnRef>
+          <a:fillRef idx="1">
+            <a:schemeClr val="accent1"/>
+          </a:fillRef>
+          <a:effectRef idx="0">
+            <a:schemeClr val="accent1"/>
+          </a:effectRef>
+          <a:fontRef idx="minor">
+            <a:schemeClr val="lt1"/>
+          </a:fontRef>
+        </p:style>
+        <p:txBody>
+          <a:bodyPr rtlCol="0" anchor="ctr"/>
+          <a:p>
+            <a:pPr algn="ctr"/>
+            <a:endParaRPr lang="en-US"/>
+          </a:p>
+        </p:txBody>
+      </p:sp>
+      <p:sp>
+        <p:nvSpPr>
+          <p:cNvPr id="35" name="Oval 34"/>
+          <p:cNvSpPr/>
+          <p:nvPr/>
+        </p:nvSpPr>
+        <p:spPr>
+          <a:xfrm>
+            <a:off x="2355215" y="5327015"/>
+            <a:ext cx="107315" cy="115570"/>
+          </a:xfrm>
+          <a:prstGeom prst="ellipse">
+            <a:avLst/>
+          </a:prstGeom>
+          <a:solidFill>
+            <a:schemeClr val="bg1"/>
+          </a:solidFill>
+          <a:ln>
+            <a:solidFill>
+              <a:schemeClr val="accent2"/>
+            </a:solidFill>
+          </a:ln>
+        </p:spPr>
+        <p:style>
+          <a:lnRef idx="2">
+            <a:schemeClr val="accent1">
+              <a:shade val="50000"/>
+            </a:schemeClr>
+          </a:lnRef>
+          <a:fillRef idx="1">
+            <a:schemeClr val="accent1"/>
+          </a:fillRef>
+          <a:effectRef idx="0">
+            <a:schemeClr val="accent1"/>
+          </a:effectRef>
+          <a:fontRef idx="minor">
+            <a:schemeClr val="lt1"/>
+          </a:fontRef>
+        </p:style>
+        <p:txBody>
+          <a:bodyPr rtlCol="0" anchor="ctr"/>
+          <a:p>
+            <a:pPr algn="ctr"/>
+            <a:endParaRPr lang="en-US"/>
+          </a:p>
+        </p:txBody>
+      </p:sp>
+      <p:sp>
+        <p:nvSpPr>
+          <p:cNvPr id="36" name="Oval 35"/>
+          <p:cNvSpPr/>
+          <p:nvPr/>
+        </p:nvSpPr>
+        <p:spPr>
+          <a:xfrm>
+            <a:off x="2607310" y="5327015"/>
+            <a:ext cx="107315" cy="115570"/>
+          </a:xfrm>
+          <a:prstGeom prst="ellipse">
+            <a:avLst/>
+          </a:prstGeom>
+          <a:solidFill>
+            <a:schemeClr val="bg1"/>
+          </a:solidFill>
+          <a:ln>
+            <a:solidFill>
+              <a:schemeClr val="accent2"/>
+            </a:solidFill>
+          </a:ln>
+        </p:spPr>
+        <p:style>
+          <a:lnRef idx="2">
+            <a:schemeClr val="accent1">
+              <a:shade val="50000"/>
+            </a:schemeClr>
+          </a:lnRef>
+          <a:fillRef idx="1">
+            <a:schemeClr val="accent1"/>
+          </a:fillRef>
+          <a:effectRef idx="0">
+            <a:schemeClr val="accent1"/>
+          </a:effectRef>
+          <a:fontRef idx="minor">
+            <a:schemeClr val="lt1"/>
+          </a:fontRef>
+        </p:style>
+        <p:txBody>
+          <a:bodyPr rtlCol="0" anchor="ctr"/>
+          <a:p>
+            <a:pPr algn="ctr"/>
+            <a:endParaRPr lang="en-US"/>
+          </a:p>
+        </p:txBody>
+      </p:sp>
+      <p:sp>
+        <p:nvSpPr>
+          <p:cNvPr id="37" name="Oval 36"/>
+          <p:cNvSpPr/>
+          <p:nvPr/>
+        </p:nvSpPr>
+        <p:spPr>
+          <a:xfrm>
+            <a:off x="2853055" y="5733415"/>
+            <a:ext cx="107315" cy="115570"/>
+          </a:xfrm>
+          <a:prstGeom prst="ellipse">
+            <a:avLst/>
+          </a:prstGeom>
+          <a:solidFill>
+            <a:schemeClr val="bg1"/>
+          </a:solidFill>
+          <a:ln>
+            <a:solidFill>
+              <a:schemeClr val="accent2"/>
+            </a:solidFill>
+          </a:ln>
+        </p:spPr>
+        <p:style>
+          <a:lnRef idx="2">
+            <a:schemeClr val="accent1">
+              <a:shade val="50000"/>
+            </a:schemeClr>
+          </a:lnRef>
+          <a:fillRef idx="1">
+            <a:schemeClr val="accent1"/>
+          </a:fillRef>
+          <a:effectRef idx="0">
+            <a:schemeClr val="accent1"/>
+          </a:effectRef>
+          <a:fontRef idx="minor">
+            <a:schemeClr val="lt1"/>
+          </a:fontRef>
+        </p:style>
+        <p:txBody>
+          <a:bodyPr rtlCol="0" anchor="ctr"/>
+          <a:p>
+            <a:pPr algn="ctr"/>
+            <a:endParaRPr lang="en-US"/>
+          </a:p>
+        </p:txBody>
+      </p:sp>
+      <p:sp>
+        <p:nvSpPr>
+          <p:cNvPr id="38" name="Oval 37"/>
+          <p:cNvSpPr/>
+          <p:nvPr/>
+        </p:nvSpPr>
+        <p:spPr>
+          <a:xfrm>
+            <a:off x="3200400" y="5564505"/>
+            <a:ext cx="107315" cy="115570"/>
+          </a:xfrm>
+          <a:prstGeom prst="ellipse">
+            <a:avLst/>
+          </a:prstGeom>
+          <a:solidFill>
+            <a:schemeClr val="bg1"/>
+          </a:solidFill>
+          <a:ln>
+            <a:solidFill>
+              <a:schemeClr val="accent2"/>
+            </a:solidFill>
+          </a:ln>
+        </p:spPr>
+        <p:style>
+          <a:lnRef idx="2">
+            <a:schemeClr val="accent1">
+              <a:shade val="50000"/>
+            </a:schemeClr>
+          </a:lnRef>
+          <a:fillRef idx="1">
+            <a:schemeClr val="accent1"/>
+          </a:fillRef>
+          <a:effectRef idx="0">
+            <a:schemeClr val="accent1"/>
+          </a:effectRef>
+          <a:fontRef idx="minor">
+            <a:schemeClr val="lt1"/>
+          </a:fontRef>
+        </p:style>
+        <p:txBody>
+          <a:bodyPr rtlCol="0" anchor="ctr"/>
+          <a:p>
+            <a:pPr algn="ctr"/>
+            <a:endParaRPr lang="en-US"/>
+          </a:p>
+        </p:txBody>
+      </p:sp>
+      <p:sp>
+        <p:nvSpPr>
+          <p:cNvPr id="39" name="Oval 38"/>
+          <p:cNvSpPr/>
+          <p:nvPr/>
+        </p:nvSpPr>
+        <p:spPr>
+          <a:xfrm>
+            <a:off x="3525520" y="5391785"/>
+            <a:ext cx="107315" cy="115570"/>
+          </a:xfrm>
+          <a:prstGeom prst="ellipse">
+            <a:avLst/>
+          </a:prstGeom>
+          <a:solidFill>
+            <a:schemeClr val="bg1"/>
+          </a:solidFill>
+          <a:ln>
+            <a:solidFill>
+              <a:schemeClr val="accent2"/>
+            </a:solidFill>
+          </a:ln>
+        </p:spPr>
+        <p:style>
+          <a:lnRef idx="2">
+            <a:schemeClr val="accent1">
+              <a:shade val="50000"/>
+            </a:schemeClr>
+          </a:lnRef>
+          <a:fillRef idx="1">
+            <a:schemeClr val="accent1"/>
+          </a:fillRef>
+          <a:effectRef idx="0">
+            <a:schemeClr val="accent1"/>
+          </a:effectRef>
+          <a:fontRef idx="minor">
+            <a:schemeClr val="lt1"/>
+          </a:fontRef>
+        </p:style>
+        <p:txBody>
+          <a:bodyPr rtlCol="0" anchor="ctr"/>
+          <a:p>
+            <a:pPr algn="ctr"/>
+            <a:endParaRPr lang="en-US"/>
+          </a:p>
+        </p:txBody>
+      </p:sp>
+      <p:sp>
+        <p:nvSpPr>
+          <p:cNvPr id="52" name="Rectangle 51"/>
+          <p:cNvSpPr/>
+          <p:nvPr/>
+        </p:nvSpPr>
+        <p:spPr>
+          <a:xfrm>
+            <a:off x="5860415" y="3486150"/>
+            <a:ext cx="250190" cy="1986915"/>
+          </a:xfrm>
+          <a:prstGeom prst="rect">
+            <a:avLst/>
+          </a:prstGeom>
+          <a:solidFill>
+            <a:schemeClr val="accent2"/>
+          </a:solidFill>
+          <a:ln>
+            <a:solidFill>
+              <a:schemeClr val="tx1"/>
+            </a:solidFill>
+          </a:ln>
+        </p:spPr>
+        <p:style>
+          <a:lnRef idx="2">
+            <a:schemeClr val="accent1">
+              <a:shade val="50000"/>
+            </a:schemeClr>
+          </a:lnRef>
+          <a:fillRef idx="1">
+            <a:schemeClr val="accent1"/>
+          </a:fillRef>
+          <a:effectRef idx="0">
+            <a:schemeClr val="accent1"/>
+          </a:effectRef>
+          <a:fontRef idx="minor">
+            <a:schemeClr val="lt1"/>
+          </a:fontRef>
+        </p:style>
+        <p:txBody>
+          <a:bodyPr rtlCol="0" anchor="ctr"/>
+          <a:p>
+            <a:pPr algn="ctr"/>
+            <a:endParaRPr lang="en-US"/>
+          </a:p>
+        </p:txBody>
+      </p:sp>
+      <p:cxnSp>
+        <p:nvCxnSpPr>
+          <p:cNvPr id="60" name="Straight Arrow Connector 59"/>
+          <p:cNvCxnSpPr/>
+          <p:nvPr/>
+        </p:nvCxnSpPr>
+        <p:spPr>
+          <a:xfrm>
+            <a:off x="2747645" y="1092200"/>
+            <a:ext cx="518160" cy="635"/>
+          </a:xfrm>
+          <a:prstGeom prst="straightConnector1">
+            <a:avLst/>
+          </a:prstGeom>
+          <a:ln w="38100">
+            <a:solidFill>
+              <a:srgbClr val="FC56F2"/>
+            </a:solidFill>
+            <a:prstDash val="solid"/>
+            <a:tailEnd type="arrow"/>
+          </a:ln>
+        </p:spPr>
+        <p:style>
+          <a:lnRef idx="1">
+            <a:schemeClr val="accent1"/>
+          </a:lnRef>
+          <a:fillRef idx="0">
+            <a:schemeClr val="accent1"/>
+          </a:fillRef>
+          <a:effectRef idx="0">
+            <a:schemeClr val="accent1"/>
+          </a:effectRef>
+          <a:fontRef idx="minor">
+            <a:schemeClr val="tx1"/>
+          </a:fontRef>
+        </p:style>
+      </p:cxnSp>
+      <p:cxnSp>
+        <p:nvCxnSpPr>
+          <p:cNvPr id="72" name="Straight Arrow Connector 71"/>
+          <p:cNvCxnSpPr/>
+          <p:nvPr/>
+        </p:nvCxnSpPr>
+        <p:spPr>
+          <a:xfrm flipV="1">
+            <a:off x="5692140" y="3514090"/>
+            <a:ext cx="4445" cy="1978025"/>
+          </a:xfrm>
+          <a:prstGeom prst="straightConnector1">
+            <a:avLst/>
+          </a:prstGeom>
+          <a:ln w="19050">
+            <a:solidFill>
+              <a:schemeClr val="tx1"/>
+            </a:solidFill>
+            <a:prstDash val="dash"/>
+            <a:tailEnd type="arrow"/>
+          </a:ln>
+        </p:spPr>
+        <p:style>
+          <a:lnRef idx="1">
+            <a:schemeClr val="accent1"/>
+          </a:lnRef>
+          <a:fillRef idx="0">
+            <a:schemeClr val="accent1"/>
+          </a:fillRef>
+          <a:effectRef idx="0">
+            <a:schemeClr val="accent1"/>
+          </a:effectRef>
+          <a:fontRef idx="minor">
+            <a:schemeClr val="tx1"/>
+          </a:fontRef>
+        </p:style>
+      </p:cxnSp>
+      <p:sp>
+        <p:nvSpPr>
+          <p:cNvPr id="73" name="Text Box 72"/>
+          <p:cNvSpPr txBox="1"/>
+          <p:nvPr/>
+        </p:nvSpPr>
+        <p:spPr>
+          <a:xfrm>
+            <a:off x="5043805" y="5568315"/>
+            <a:ext cx="1416050" cy="368300"/>
+          </a:xfrm>
+          <a:prstGeom prst="rect">
+            <a:avLst/>
+          </a:prstGeom>
+          <a:noFill/>
+        </p:spPr>
+        <p:txBody>
+          <a:bodyPr wrap="square" rtlCol="0">
+            <a:spAutoFit/>
+          </a:bodyPr>
+          <a:p>
+            <a:pPr algn="ctr"/>
+            <a:r>
+              <a:rPr lang="en-US" altLang="en-US">
+                <a:latin typeface="Latin Modern Sans" panose="00000500000000000000" charset="0"/>
+                <a:cs typeface="Latin Modern Sans" panose="00000500000000000000" charset="0"/>
+              </a:rPr>
+              <a:t>time</a:t>
+            </a:r>
+            <a:endParaRPr lang="en-US" altLang="en-US">
+              <a:latin typeface="Latin Modern Sans" panose="00000500000000000000" charset="0"/>
+              <a:cs typeface="Latin Modern Sans" panose="00000500000000000000" charset="0"/>
+            </a:endParaRPr>
+          </a:p>
+        </p:txBody>
+      </p:sp>
+      <p:sp>
+        <p:nvSpPr>
+          <p:cNvPr id="81" name="Rectangle 80"/>
+          <p:cNvSpPr/>
+          <p:nvPr/>
+        </p:nvSpPr>
+        <p:spPr>
+          <a:xfrm>
+            <a:off x="7566660" y="4972685"/>
+            <a:ext cx="346075" cy="1259205"/>
+          </a:xfrm>
+          <a:prstGeom prst="rect">
+            <a:avLst/>
+          </a:prstGeom>
+          <a:solidFill>
+            <a:schemeClr val="bg2">
+              <a:lumMod val="90000"/>
+            </a:schemeClr>
+          </a:solidFill>
+          <a:ln w="19050">
+            <a:solidFill>
+              <a:schemeClr val="tx1"/>
+            </a:solidFill>
+          </a:ln>
+        </p:spPr>
+        <p:style>
+          <a:lnRef idx="2">
+            <a:schemeClr val="accent1">
+              <a:shade val="50000"/>
+            </a:schemeClr>
+          </a:lnRef>
+          <a:fillRef idx="1">
+            <a:schemeClr val="accent1"/>
+          </a:fillRef>
+          <a:effectRef idx="0">
+            <a:schemeClr val="accent1"/>
+          </a:effectRef>
+          <a:fontRef idx="minor">
+            <a:schemeClr val="lt1"/>
+          </a:fontRef>
+        </p:style>
+        <p:txBody>
+          <a:bodyPr rtlCol="0" anchor="ctr"/>
+          <a:p>
+            <a:pPr algn="ctr"/>
+            <a:endParaRPr lang="en-US"/>
+          </a:p>
+        </p:txBody>
+      </p:sp>
+      <p:sp>
+        <p:nvSpPr>
+          <p:cNvPr id="82" name="Rectangle 81"/>
+          <p:cNvSpPr/>
+          <p:nvPr/>
+        </p:nvSpPr>
+        <p:spPr>
+          <a:xfrm>
+            <a:off x="8237220" y="6047105"/>
+            <a:ext cx="1040765" cy="639445"/>
+          </a:xfrm>
+          <a:prstGeom prst="rect">
+            <a:avLst/>
+          </a:prstGeom>
+          <a:solidFill>
+            <a:schemeClr val="bg2">
+              <a:lumMod val="90000"/>
+            </a:schemeClr>
+          </a:solidFill>
+          <a:ln w="19050">
+            <a:solidFill>
+              <a:schemeClr val="tx1"/>
+            </a:solidFill>
+          </a:ln>
+        </p:spPr>
+        <p:style>
+          <a:lnRef idx="2">
+            <a:schemeClr val="accent1">
+              <a:shade val="50000"/>
+            </a:schemeClr>
+          </a:lnRef>
+          <a:fillRef idx="1">
+            <a:schemeClr val="accent1"/>
+          </a:fillRef>
+          <a:effectRef idx="0">
+            <a:schemeClr val="accent1"/>
+          </a:effectRef>
+          <a:fontRef idx="minor">
+            <a:schemeClr val="lt1"/>
+          </a:fontRef>
+        </p:style>
+        <p:txBody>
+          <a:bodyPr rtlCol="0" anchor="ctr"/>
+          <a:p>
+            <a:pPr algn="ctr"/>
+            <a:endParaRPr lang="en-US"/>
+          </a:p>
+        </p:txBody>
+      </p:sp>
+      <p:sp>
+        <p:nvSpPr>
+          <p:cNvPr id="83" name="Rectangle 82"/>
+          <p:cNvSpPr/>
+          <p:nvPr/>
+        </p:nvSpPr>
+        <p:spPr>
+          <a:xfrm>
+            <a:off x="9818370" y="4969510"/>
+            <a:ext cx="346075" cy="1259205"/>
+          </a:xfrm>
+          <a:prstGeom prst="rect">
+            <a:avLst/>
+          </a:prstGeom>
+          <a:solidFill>
+            <a:schemeClr val="bg2">
+              <a:lumMod val="90000"/>
+            </a:schemeClr>
+          </a:solidFill>
+          <a:ln w="19050">
+            <a:solidFill>
+              <a:schemeClr val="tx1"/>
+            </a:solidFill>
+          </a:ln>
+        </p:spPr>
+        <p:style>
+          <a:lnRef idx="2">
+            <a:schemeClr val="accent1">
+              <a:shade val="50000"/>
+            </a:schemeClr>
+          </a:lnRef>
+          <a:fillRef idx="1">
+            <a:schemeClr val="accent1"/>
+          </a:fillRef>
+          <a:effectRef idx="0">
+            <a:schemeClr val="accent1"/>
+          </a:effectRef>
+          <a:fontRef idx="minor">
+            <a:schemeClr val="lt1"/>
+          </a:fontRef>
+        </p:style>
+        <p:txBody>
+          <a:bodyPr rtlCol="0" anchor="ctr"/>
+          <a:p>
+            <a:pPr algn="ctr"/>
+            <a:endParaRPr lang="en-US"/>
+          </a:p>
+        </p:txBody>
+      </p:sp>
+      <p:sp>
+        <p:nvSpPr>
+          <p:cNvPr id="84" name="Rectangle 83"/>
+          <p:cNvSpPr/>
+          <p:nvPr/>
+        </p:nvSpPr>
+        <p:spPr>
+          <a:xfrm>
+            <a:off x="11449685" y="3495675"/>
+            <a:ext cx="115570" cy="2003425"/>
+          </a:xfrm>
+          <a:prstGeom prst="rect">
+            <a:avLst/>
+          </a:prstGeom>
+          <a:solidFill>
+            <a:schemeClr val="bg2">
+              <a:lumMod val="90000"/>
+            </a:schemeClr>
+          </a:solidFill>
+          <a:ln w="19050">
+            <a:solidFill>
+              <a:schemeClr val="tx1"/>
+            </a:solidFill>
+          </a:ln>
+        </p:spPr>
+        <p:style>
+          <a:lnRef idx="2">
+            <a:schemeClr val="accent1">
+              <a:shade val="50000"/>
+            </a:schemeClr>
+          </a:lnRef>
+          <a:fillRef idx="1">
+            <a:schemeClr val="accent1"/>
+          </a:fillRef>
+          <a:effectRef idx="0">
+            <a:schemeClr val="accent1"/>
+          </a:effectRef>
+          <a:fontRef idx="minor">
+            <a:schemeClr val="lt1"/>
+          </a:fontRef>
+        </p:style>
+        <p:txBody>
+          <a:bodyPr rtlCol="0" anchor="ctr"/>
+          <a:p>
+            <a:pPr algn="ctr"/>
+            <a:endParaRPr lang="en-US" altLang="en-US"/>
+          </a:p>
+        </p:txBody>
+      </p:sp>
+      <p:cxnSp>
+        <p:nvCxnSpPr>
+          <p:cNvPr id="85" name="Straight Arrow Connector 84"/>
+          <p:cNvCxnSpPr/>
+          <p:nvPr/>
+        </p:nvCxnSpPr>
+        <p:spPr>
+          <a:xfrm flipV="1">
+            <a:off x="7566660" y="3860800"/>
+            <a:ext cx="2548890" cy="635"/>
+          </a:xfrm>
+          <a:prstGeom prst="straightConnector1">
+            <a:avLst/>
+          </a:prstGeom>
+          <a:ln w="28575">
+            <a:solidFill>
+              <a:schemeClr val="tx1"/>
+            </a:solidFill>
+            <a:tailEnd type="arrow"/>
+          </a:ln>
+        </p:spPr>
+        <p:style>
+          <a:lnRef idx="1">
+            <a:schemeClr val="accent1"/>
+          </a:lnRef>
+          <a:fillRef idx="0">
+            <a:schemeClr val="accent1"/>
+          </a:fillRef>
+          <a:effectRef idx="0">
+            <a:schemeClr val="accent1"/>
+          </a:effectRef>
+          <a:fontRef idx="minor">
+            <a:schemeClr val="tx1"/>
+          </a:fontRef>
+        </p:style>
+      </p:cxnSp>
+      <p:cxnSp>
+        <p:nvCxnSpPr>
+          <p:cNvPr id="86" name="Straight Arrow Connector 85"/>
+          <p:cNvCxnSpPr/>
+          <p:nvPr/>
+        </p:nvCxnSpPr>
+        <p:spPr>
+          <a:xfrm flipV="1">
+            <a:off x="8156575" y="5130165"/>
+            <a:ext cx="1104900" cy="12700"/>
+          </a:xfrm>
+          <a:prstGeom prst="straightConnector1">
+            <a:avLst/>
+          </a:prstGeom>
+          <a:ln w="28575">
+            <a:solidFill>
+              <a:schemeClr val="tx1"/>
+            </a:solidFill>
+            <a:tailEnd type="arrow"/>
+          </a:ln>
+        </p:spPr>
+        <p:style>
+          <a:lnRef idx="1">
+            <a:schemeClr val="accent1"/>
+          </a:lnRef>
+          <a:fillRef idx="0">
+            <a:schemeClr val="accent1"/>
+          </a:fillRef>
+          <a:effectRef idx="0">
+            <a:schemeClr val="accent1"/>
+          </a:effectRef>
+          <a:fontRef idx="minor">
+            <a:schemeClr val="tx1"/>
+          </a:fontRef>
+        </p:style>
+      </p:cxnSp>
+      <p:cxnSp>
+        <p:nvCxnSpPr>
+          <p:cNvPr id="112" name="Straight Arrow Connector 111"/>
+          <p:cNvCxnSpPr/>
+          <p:nvPr/>
+        </p:nvCxnSpPr>
+        <p:spPr>
+          <a:xfrm>
+            <a:off x="3929380" y="1783715"/>
+            <a:ext cx="1197610" cy="0"/>
+          </a:xfrm>
+          <a:prstGeom prst="straightConnector1">
+            <a:avLst/>
+          </a:prstGeom>
+          <a:ln w="19050">
+            <a:solidFill>
+              <a:schemeClr val="tx1"/>
+            </a:solidFill>
+            <a:headEnd type="arrow"/>
+            <a:tailEnd type="arrow"/>
+          </a:ln>
+        </p:spPr>
+        <p:style>
+          <a:lnRef idx="1">
+            <a:schemeClr val="accent1"/>
+          </a:lnRef>
+          <a:fillRef idx="0">
+            <a:schemeClr val="accent1"/>
+          </a:fillRef>
+          <a:effectRef idx="0">
+            <a:schemeClr val="accent1"/>
+          </a:effectRef>
+          <a:fontRef idx="minor">
+            <a:schemeClr val="tx1"/>
+          </a:fontRef>
+        </p:style>
+      </p:cxnSp>
+      <p:sp>
+        <p:nvSpPr>
+          <p:cNvPr id="113" name="Rectangle 112"/>
+          <p:cNvSpPr/>
+          <p:nvPr/>
+        </p:nvSpPr>
+        <p:spPr>
+          <a:xfrm>
+            <a:off x="7002145" y="3509645"/>
+            <a:ext cx="204470" cy="2003425"/>
+          </a:xfrm>
+          <a:prstGeom prst="rect">
+            <a:avLst/>
+          </a:prstGeom>
+          <a:solidFill>
+            <a:schemeClr val="bg2">
+              <a:lumMod val="90000"/>
+            </a:schemeClr>
+          </a:solidFill>
+          <a:ln w="19050">
+            <a:solidFill>
+              <a:schemeClr val="tx1"/>
+            </a:solidFill>
+          </a:ln>
+        </p:spPr>
+        <p:style>
+          <a:lnRef idx="2">
+            <a:schemeClr val="accent1">
+              <a:shade val="50000"/>
+            </a:schemeClr>
+          </a:lnRef>
+          <a:fillRef idx="1">
+            <a:schemeClr val="accent1"/>
+          </a:fillRef>
+          <a:effectRef idx="0">
+            <a:schemeClr val="accent1"/>
+          </a:effectRef>
+          <a:fontRef idx="minor">
+            <a:schemeClr val="lt1"/>
+          </a:fontRef>
+        </p:style>
+        <p:txBody>
+          <a:bodyPr rtlCol="0" anchor="ctr"/>
+          <a:p>
+            <a:pPr algn="ctr"/>
+            <a:endParaRPr lang="en-US"/>
+          </a:p>
+        </p:txBody>
+      </p:sp>
+      <p:sp>
+        <p:nvSpPr>
+          <p:cNvPr id="115" name="Rectangle 114"/>
+          <p:cNvSpPr/>
+          <p:nvPr/>
+        </p:nvSpPr>
+        <p:spPr>
+          <a:xfrm>
+            <a:off x="10706735" y="3509010"/>
+            <a:ext cx="204470" cy="2003425"/>
+          </a:xfrm>
+          <a:prstGeom prst="rect">
+            <a:avLst/>
+          </a:prstGeom>
+          <a:solidFill>
+            <a:schemeClr val="bg2">
+              <a:lumMod val="90000"/>
+            </a:schemeClr>
+          </a:solidFill>
+          <a:ln w="19050">
+            <a:solidFill>
+              <a:schemeClr val="tx1"/>
+            </a:solidFill>
+          </a:ln>
+        </p:spPr>
+        <p:style>
+          <a:lnRef idx="2">
+            <a:schemeClr val="accent1">
+              <a:shade val="50000"/>
+            </a:schemeClr>
+          </a:lnRef>
+          <a:fillRef idx="1">
+            <a:schemeClr val="accent1"/>
+          </a:fillRef>
+          <a:effectRef idx="0">
+            <a:schemeClr val="accent1"/>
+          </a:effectRef>
+          <a:fontRef idx="minor">
+            <a:schemeClr val="lt1"/>
+          </a:fontRef>
+        </p:style>
+        <p:txBody>
+          <a:bodyPr rtlCol="0" anchor="ctr"/>
+          <a:p>
+            <a:pPr algn="ctr"/>
+            <a:endParaRPr lang="en-US"/>
+          </a:p>
+        </p:txBody>
+      </p:sp>
+      <p:sp>
+        <p:nvSpPr>
+          <p:cNvPr id="116" name="Rectangle 115"/>
+          <p:cNvSpPr/>
+          <p:nvPr/>
+        </p:nvSpPr>
+        <p:spPr>
+          <a:xfrm>
+            <a:off x="9472295" y="4969510"/>
+            <a:ext cx="346075" cy="1259205"/>
+          </a:xfrm>
+          <a:prstGeom prst="rect">
+            <a:avLst/>
+          </a:prstGeom>
+          <a:solidFill>
+            <a:schemeClr val="bg1"/>
+          </a:solidFill>
+          <a:ln w="19050">
+            <a:solidFill>
+              <a:schemeClr val="tx1"/>
+            </a:solidFill>
+          </a:ln>
+        </p:spPr>
+        <p:style>
+          <a:lnRef idx="2">
+            <a:schemeClr val="accent1">
+              <a:shade val="50000"/>
+            </a:schemeClr>
+          </a:lnRef>
+          <a:fillRef idx="1">
+            <a:schemeClr val="accent1"/>
+          </a:fillRef>
+          <a:effectRef idx="0">
+            <a:schemeClr val="accent1"/>
+          </a:effectRef>
+          <a:fontRef idx="minor">
+            <a:schemeClr val="lt1"/>
+          </a:fontRef>
+        </p:style>
+        <p:txBody>
+          <a:bodyPr rtlCol="0" anchor="ctr"/>
+          <a:p>
+            <a:pPr algn="ctr"/>
+            <a:endParaRPr lang="en-US"/>
+          </a:p>
+        </p:txBody>
+      </p:sp>
+      <p:sp>
+        <p:nvSpPr>
+          <p:cNvPr id="117" name="Rectangle 116"/>
+          <p:cNvSpPr/>
+          <p:nvPr/>
+        </p:nvSpPr>
+        <p:spPr>
+          <a:xfrm>
+            <a:off x="10487660" y="3510280"/>
+            <a:ext cx="219075" cy="2002155"/>
+          </a:xfrm>
+          <a:prstGeom prst="rect">
+            <a:avLst/>
+          </a:prstGeom>
+          <a:solidFill>
+            <a:schemeClr val="bg1"/>
+          </a:solidFill>
+          <a:ln w="19050">
+            <a:solidFill>
+              <a:schemeClr val="tx1"/>
+            </a:solidFill>
+          </a:ln>
+        </p:spPr>
+        <p:style>
+          <a:lnRef idx="2">
+            <a:schemeClr val="accent1">
+              <a:shade val="50000"/>
+            </a:schemeClr>
+          </a:lnRef>
+          <a:fillRef idx="1">
+            <a:schemeClr val="accent1"/>
+          </a:fillRef>
+          <a:effectRef idx="0">
+            <a:schemeClr val="accent1"/>
+          </a:effectRef>
+          <a:fontRef idx="minor">
+            <a:schemeClr val="lt1"/>
+          </a:fontRef>
+        </p:style>
+        <p:txBody>
+          <a:bodyPr rtlCol="0" anchor="ctr"/>
+          <a:p>
+            <a:pPr algn="ctr"/>
+            <a:endParaRPr lang="en-US"/>
+          </a:p>
+        </p:txBody>
+      </p:sp>
+      <p:sp>
+        <p:nvSpPr>
+          <p:cNvPr id="118" name="Text Box 117"/>
+          <p:cNvSpPr txBox="1"/>
+          <p:nvPr/>
+        </p:nvSpPr>
+        <p:spPr>
+          <a:xfrm>
+            <a:off x="7616190" y="-987425"/>
+            <a:ext cx="4331970" cy="2984500"/>
+          </a:xfrm>
+          <a:prstGeom prst="rect">
+            <a:avLst/>
+          </a:prstGeom>
+          <a:noFill/>
+        </p:spPr>
+        <p:txBody>
+          <a:bodyPr wrap="square" rtlCol="0">
+            <a:spAutoFit/>
+          </a:bodyPr>
+          <a:p>
+            <a:pPr algn="l"/>
+            <a:r>
+              <a:rPr lang="en-US" altLang="en-US" sz="2400" b="1">
+                <a:latin typeface="Latin Modern Sans" panose="00000500000000000000" charset="0"/>
+                <a:cs typeface="Latin Modern Sans" panose="00000500000000000000" charset="0"/>
+                <a:sym typeface="+mn-ea"/>
+              </a:rPr>
+              <a:t>+  </a:t>
+            </a:r>
+            <a:r>
+              <a:rPr lang="en-US" altLang="en-US" sz="2400">
+                <a:latin typeface="Latin Modern Sans" panose="00000500000000000000" charset="0"/>
+                <a:cs typeface="Latin Modern Sans" panose="00000500000000000000" charset="0"/>
+                <a:sym typeface="+mn-ea"/>
+              </a:rPr>
+              <a:t>Sum over matrix lines</a:t>
+            </a:r>
+            <a:endParaRPr lang="en-US" altLang="en-US" sz="2400" b="1">
+              <a:latin typeface="Latin Modern Sans" panose="00000500000000000000" charset="0"/>
+              <a:cs typeface="Latin Modern Sans" panose="00000500000000000000" charset="0"/>
+            </a:endParaRPr>
+          </a:p>
+          <a:p>
+            <a:pPr algn="l"/>
+            <a:r>
+              <a:rPr lang="en-US" altLang="en-US" sz="2800" b="1">
+                <a:solidFill>
+                  <a:srgbClr val="FC56F2"/>
+                </a:solidFill>
+                <a:latin typeface="Latin Modern Sans" panose="00000500000000000000" charset="0"/>
+                <a:cs typeface="Latin Modern Sans" panose="00000500000000000000" charset="0"/>
+                <a:sym typeface="+mn-ea"/>
+              </a:rPr>
+              <a:t>→</a:t>
+            </a:r>
+            <a:r>
+              <a:rPr lang="en-US" altLang="en-US" sz="2400">
+                <a:latin typeface="Latin Modern Sans" panose="00000500000000000000" charset="0"/>
+                <a:cs typeface="Latin Modern Sans" panose="00000500000000000000" charset="0"/>
+              </a:rPr>
+              <a:t> Conv2d 1x1 + ReLU</a:t>
+            </a:r>
+            <a:endParaRPr lang="en-US" altLang="en-US" sz="2400">
+              <a:latin typeface="Latin Modern Sans" panose="00000500000000000000" charset="0"/>
+              <a:cs typeface="Latin Modern Sans" panose="00000500000000000000" charset="0"/>
+            </a:endParaRPr>
+          </a:p>
+          <a:p>
+            <a:pPr algn="l"/>
+            <a:r>
+              <a:rPr lang="en-US" altLang="en-US" sz="2800" b="1">
+                <a:solidFill>
+                  <a:srgbClr val="FF0000"/>
+                </a:solidFill>
+                <a:latin typeface="Latin Modern Sans" panose="00000500000000000000" charset="0"/>
+                <a:cs typeface="Latin Modern Sans" panose="00000500000000000000" charset="0"/>
+                <a:sym typeface="+mn-ea"/>
+              </a:rPr>
+              <a:t>→</a:t>
+            </a:r>
+            <a:r>
+              <a:rPr lang="en-US" altLang="en-US" sz="2400">
+                <a:latin typeface="Latin Modern Sans" panose="00000500000000000000" charset="0"/>
+                <a:cs typeface="Latin Modern Sans" panose="00000500000000000000" charset="0"/>
+                <a:sym typeface="+mn-ea"/>
+              </a:rPr>
+              <a:t> Conv1d 5x5 + ReLU</a:t>
+            </a:r>
+            <a:endParaRPr lang="en-US" altLang="en-US" sz="2400">
+              <a:latin typeface="Latin Modern Sans" panose="00000500000000000000" charset="0"/>
+              <a:cs typeface="Latin Modern Sans" panose="00000500000000000000" charset="0"/>
+              <a:sym typeface="+mn-ea"/>
+            </a:endParaRPr>
+          </a:p>
+          <a:p>
+            <a:pPr algn="l"/>
+            <a:r>
+              <a:rPr lang="en-US" altLang="en-US" sz="2800" b="1">
+                <a:solidFill>
+                  <a:srgbClr val="FFC000"/>
+                </a:solidFill>
+                <a:latin typeface="Latin Modern Sans" panose="00000500000000000000" charset="0"/>
+                <a:cs typeface="Latin Modern Sans" panose="00000500000000000000" charset="0"/>
+                <a:sym typeface="+mn-ea"/>
+              </a:rPr>
+              <a:t>→</a:t>
+            </a:r>
+            <a:r>
+              <a:rPr lang="en-US" altLang="en-US" sz="2400">
+                <a:latin typeface="Latin Modern Sans" panose="00000500000000000000" charset="0"/>
+                <a:cs typeface="Latin Modern Sans" panose="00000500000000000000" charset="0"/>
+                <a:sym typeface="+mn-ea"/>
+              </a:rPr>
+              <a:t> Conv1d 5x5 + ReLU + MaxPool</a:t>
+            </a:r>
+            <a:endParaRPr lang="en-US" altLang="en-US" sz="2400">
+              <a:latin typeface="Latin Modern Sans" panose="00000500000000000000" charset="0"/>
+              <a:cs typeface="Latin Modern Sans" panose="00000500000000000000" charset="0"/>
+              <a:sym typeface="+mn-ea"/>
+            </a:endParaRPr>
+          </a:p>
+          <a:p>
+            <a:pPr algn="l"/>
+            <a:r>
+              <a:rPr lang="en-US" altLang="en-US" sz="2800" b="1">
+                <a:solidFill>
+                  <a:srgbClr val="00B050"/>
+                </a:solidFill>
+                <a:latin typeface="Latin Modern Sans" panose="00000500000000000000" charset="0"/>
+                <a:cs typeface="Latin Modern Sans" panose="00000500000000000000" charset="0"/>
+                <a:sym typeface="+mn-ea"/>
+              </a:rPr>
+              <a:t>→</a:t>
+            </a:r>
+            <a:r>
+              <a:rPr lang="en-US" altLang="en-US" sz="2400">
+                <a:latin typeface="Latin Modern Sans" panose="00000500000000000000" charset="0"/>
+                <a:cs typeface="Latin Modern Sans" panose="00000500000000000000" charset="0"/>
+                <a:sym typeface="+mn-ea"/>
+              </a:rPr>
+              <a:t> UpConv1d 5x5 + ReLU</a:t>
+            </a:r>
+            <a:endParaRPr lang="en-US" altLang="en-US" sz="2400">
+              <a:latin typeface="Latin Modern Sans" panose="00000500000000000000" charset="0"/>
+              <a:cs typeface="Latin Modern Sans" panose="00000500000000000000" charset="0"/>
+              <a:sym typeface="+mn-ea"/>
+            </a:endParaRPr>
+          </a:p>
+          <a:p>
+            <a:pPr algn="l"/>
+            <a:r>
+              <a:rPr lang="en-US" altLang="en-US" sz="2800" b="1">
+                <a:latin typeface="Latin Modern Sans" panose="00000500000000000000" charset="0"/>
+                <a:cs typeface="Latin Modern Sans" panose="00000500000000000000" charset="0"/>
+                <a:sym typeface="+mn-ea"/>
+              </a:rPr>
+              <a:t>→</a:t>
+            </a:r>
+            <a:r>
+              <a:rPr lang="en-US" altLang="en-US" sz="2400" b="1">
+                <a:latin typeface="Latin Modern Sans" panose="00000500000000000000" charset="0"/>
+                <a:cs typeface="Latin Modern Sans" panose="00000500000000000000" charset="0"/>
+                <a:sym typeface="+mn-ea"/>
+              </a:rPr>
+              <a:t> </a:t>
+            </a:r>
+            <a:r>
+              <a:rPr lang="en-US" altLang="en-US" sz="2400">
+                <a:latin typeface="Latin Modern Sans" panose="00000500000000000000" charset="0"/>
+                <a:cs typeface="Latin Modern Sans" panose="00000500000000000000" charset="0"/>
+              </a:rPr>
+              <a:t>Concatenate</a:t>
+            </a:r>
+            <a:endParaRPr lang="en-US" altLang="en-US" sz="2400">
+              <a:latin typeface="Latin Modern Sans" panose="00000500000000000000" charset="0"/>
+              <a:cs typeface="Latin Modern Sans" panose="00000500000000000000" charset="0"/>
+            </a:endParaRPr>
+          </a:p>
+        </p:txBody>
+      </p:sp>
+      <p:cxnSp>
+        <p:nvCxnSpPr>
+          <p:cNvPr id="121" name="Elbow Connector 120"/>
+          <p:cNvCxnSpPr/>
+          <p:nvPr/>
+        </p:nvCxnSpPr>
+        <p:spPr>
+          <a:xfrm flipV="1">
+            <a:off x="9450705" y="6339840"/>
+            <a:ext cx="367665" cy="215265"/>
+          </a:xfrm>
+          <a:prstGeom prst="bentConnector2">
+            <a:avLst/>
+          </a:prstGeom>
+          <a:ln w="38100">
+            <a:solidFill>
+              <a:srgbClr val="00B050"/>
+            </a:solidFill>
+            <a:tailEnd type="arrow"/>
+          </a:ln>
+        </p:spPr>
+        <p:style>
+          <a:lnRef idx="1">
+            <a:schemeClr val="accent1"/>
+          </a:lnRef>
+          <a:fillRef idx="0">
+            <a:schemeClr val="accent1"/>
+          </a:fillRef>
+          <a:effectRef idx="0">
+            <a:schemeClr val="accent1"/>
+          </a:effectRef>
+          <a:fontRef idx="minor">
+            <a:schemeClr val="tx1"/>
+          </a:fontRef>
+        </p:style>
+      </p:cxnSp>
+      <p:cxnSp>
+        <p:nvCxnSpPr>
+          <p:cNvPr id="125" name="Elbow Connector 124"/>
+          <p:cNvCxnSpPr/>
+          <p:nvPr/>
+        </p:nvCxnSpPr>
+        <p:spPr>
+          <a:xfrm rot="5400000" flipV="1">
+            <a:off x="7835265" y="6304915"/>
+            <a:ext cx="135255" cy="365125"/>
+          </a:xfrm>
+          <a:prstGeom prst="bentConnector2">
+            <a:avLst/>
+          </a:prstGeom>
+          <a:ln w="38100">
+            <a:solidFill>
+              <a:srgbClr val="FFC000"/>
+            </a:solidFill>
+            <a:tailEnd type="arrow"/>
+          </a:ln>
+        </p:spPr>
+        <p:style>
+          <a:lnRef idx="1">
+            <a:schemeClr val="accent1"/>
+          </a:lnRef>
+          <a:fillRef idx="0">
+            <a:schemeClr val="accent1"/>
+          </a:fillRef>
+          <a:effectRef idx="0">
+            <a:schemeClr val="accent1"/>
+          </a:effectRef>
+          <a:fontRef idx="minor">
+            <a:schemeClr val="tx1"/>
+          </a:fontRef>
+        </p:style>
+      </p:cxnSp>
+      <p:cxnSp>
+        <p:nvCxnSpPr>
+          <p:cNvPr id="126" name="Elbow Connector 125"/>
+          <p:cNvCxnSpPr/>
+          <p:nvPr/>
+        </p:nvCxnSpPr>
+        <p:spPr>
+          <a:xfrm rot="5400000" flipV="1">
+            <a:off x="7193280" y="5665470"/>
+            <a:ext cx="135255" cy="365125"/>
+          </a:xfrm>
+          <a:prstGeom prst="bentConnector2">
+            <a:avLst/>
+          </a:prstGeom>
+          <a:ln w="38100">
+            <a:solidFill>
+              <a:srgbClr val="FFC000"/>
+            </a:solidFill>
+            <a:tailEnd type="arrow"/>
+          </a:ln>
+        </p:spPr>
+        <p:style>
+          <a:lnRef idx="1">
+            <a:schemeClr val="accent1"/>
+          </a:lnRef>
+          <a:fillRef idx="0">
+            <a:schemeClr val="accent1"/>
+          </a:fillRef>
+          <a:effectRef idx="0">
+            <a:schemeClr val="accent1"/>
+          </a:effectRef>
+          <a:fontRef idx="minor">
+            <a:schemeClr val="tx1"/>
+          </a:fontRef>
+        </p:style>
+      </p:cxnSp>
+      <p:cxnSp>
+        <p:nvCxnSpPr>
+          <p:cNvPr id="136" name="Elbow Connector 135"/>
+          <p:cNvCxnSpPr/>
+          <p:nvPr/>
+        </p:nvCxnSpPr>
+        <p:spPr>
+          <a:xfrm flipV="1">
+            <a:off x="10339070" y="5700395"/>
+            <a:ext cx="367665" cy="215265"/>
+          </a:xfrm>
+          <a:prstGeom prst="bentConnector2">
+            <a:avLst/>
+          </a:prstGeom>
+          <a:ln w="38100">
+            <a:solidFill>
+              <a:srgbClr val="00B050"/>
+            </a:solidFill>
+            <a:tailEnd type="arrow"/>
+          </a:ln>
+        </p:spPr>
+        <p:style>
+          <a:lnRef idx="1">
+            <a:schemeClr val="accent1"/>
+          </a:lnRef>
+          <a:fillRef idx="0">
+            <a:schemeClr val="accent1"/>
+          </a:fillRef>
+          <a:effectRef idx="0">
+            <a:schemeClr val="accent1"/>
+          </a:effectRef>
+          <a:fontRef idx="minor">
+            <a:schemeClr val="tx1"/>
+          </a:fontRef>
+        </p:style>
+      </p:cxnSp>
+      <p:sp>
+        <p:nvSpPr>
+          <p:cNvPr id="2" name="Text Box 1"/>
+          <p:cNvSpPr txBox="1"/>
+          <p:nvPr/>
+        </p:nvSpPr>
+        <p:spPr>
+          <a:xfrm>
+            <a:off x="6814820" y="3141345"/>
+            <a:ext cx="607060" cy="368300"/>
+          </a:xfrm>
+          <a:prstGeom prst="rect">
+            <a:avLst/>
+          </a:prstGeom>
+          <a:noFill/>
+        </p:spPr>
+        <p:txBody>
+          <a:bodyPr wrap="square" rtlCol="0">
+            <a:spAutoFit/>
+          </a:bodyPr>
+          <a:p>
+            <a:pPr algn="ctr"/>
+            <a:r>
+              <a:rPr lang="en-US" altLang="en-US">
+                <a:latin typeface="Latin Modern Sans" panose="00000500000000000000" charset="0"/>
+                <a:cs typeface="Latin Modern Sans" panose="00000500000000000000" charset="0"/>
+              </a:rPr>
+              <a:t>8 ch</a:t>
+            </a:r>
+            <a:endParaRPr lang="en-US" altLang="en-US">
+              <a:latin typeface="Latin Modern Sans" panose="00000500000000000000" charset="0"/>
+              <a:cs typeface="Latin Modern Sans" panose="00000500000000000000" charset="0"/>
+            </a:endParaRPr>
+          </a:p>
+        </p:txBody>
+      </p:sp>
+      <p:sp>
+        <p:nvSpPr>
+          <p:cNvPr id="3" name="Text Box 2"/>
+          <p:cNvSpPr txBox="1"/>
+          <p:nvPr/>
+        </p:nvSpPr>
+        <p:spPr>
+          <a:xfrm>
+            <a:off x="7403465" y="4596130"/>
+            <a:ext cx="720725" cy="368300"/>
+          </a:xfrm>
+          <a:prstGeom prst="rect">
+            <a:avLst/>
+          </a:prstGeom>
+          <a:noFill/>
+        </p:spPr>
+        <p:txBody>
+          <a:bodyPr wrap="square" rtlCol="0">
+            <a:spAutoFit/>
+          </a:bodyPr>
+          <a:p>
+            <a:pPr algn="ctr"/>
+            <a:r>
+              <a:rPr lang="en-US" altLang="en-US">
+                <a:latin typeface="Latin Modern Sans" panose="00000500000000000000" charset="0"/>
+                <a:cs typeface="Latin Modern Sans" panose="00000500000000000000" charset="0"/>
+              </a:rPr>
+              <a:t>16 ch</a:t>
+            </a:r>
+            <a:endParaRPr lang="en-US" altLang="en-US">
+              <a:latin typeface="Latin Modern Sans" panose="00000500000000000000" charset="0"/>
+              <a:cs typeface="Latin Modern Sans" panose="00000500000000000000" charset="0"/>
+            </a:endParaRPr>
+          </a:p>
+        </p:txBody>
+      </p:sp>
+      <p:sp>
+        <p:nvSpPr>
+          <p:cNvPr id="5" name="Text Box 4"/>
+          <p:cNvSpPr txBox="1"/>
+          <p:nvPr/>
+        </p:nvSpPr>
+        <p:spPr>
+          <a:xfrm>
+            <a:off x="8425815" y="5683250"/>
+            <a:ext cx="720725" cy="368300"/>
+          </a:xfrm>
+          <a:prstGeom prst="rect">
+            <a:avLst/>
+          </a:prstGeom>
+          <a:noFill/>
+        </p:spPr>
+        <p:txBody>
+          <a:bodyPr wrap="square" rtlCol="0">
+            <a:spAutoFit/>
+          </a:bodyPr>
+          <a:p>
+            <a:pPr algn="ctr"/>
+            <a:r>
+              <a:rPr lang="en-US" altLang="en-US">
+                <a:latin typeface="Latin Modern Sans" panose="00000500000000000000" charset="0"/>
+                <a:cs typeface="Latin Modern Sans" panose="00000500000000000000" charset="0"/>
+              </a:rPr>
+              <a:t>32 ch</a:t>
+            </a:r>
+            <a:endParaRPr lang="en-US" altLang="en-US">
+              <a:latin typeface="Latin Modern Sans" panose="00000500000000000000" charset="0"/>
+              <a:cs typeface="Latin Modern Sans" panose="00000500000000000000" charset="0"/>
+            </a:endParaRPr>
+          </a:p>
+        </p:txBody>
+      </p:sp>
+      <p:sp>
+        <p:nvSpPr>
+          <p:cNvPr id="6" name="Text Box 5"/>
+          <p:cNvSpPr txBox="1"/>
+          <p:nvPr/>
+        </p:nvSpPr>
+        <p:spPr>
+          <a:xfrm>
+            <a:off x="9490710" y="4606290"/>
+            <a:ext cx="710565" cy="368300"/>
+          </a:xfrm>
+          <a:prstGeom prst="rect">
+            <a:avLst/>
+          </a:prstGeom>
+          <a:noFill/>
+        </p:spPr>
+        <p:txBody>
+          <a:bodyPr wrap="square" rtlCol="0">
+            <a:spAutoFit/>
+          </a:bodyPr>
+          <a:p>
+            <a:pPr algn="ctr"/>
+            <a:r>
+              <a:rPr lang="en-US" altLang="en-US">
+                <a:latin typeface="Latin Modern Sans" panose="00000500000000000000" charset="0"/>
+                <a:cs typeface="Latin Modern Sans" panose="00000500000000000000" charset="0"/>
+              </a:rPr>
+              <a:t>32 ch</a:t>
+            </a:r>
+            <a:endParaRPr lang="en-US" altLang="en-US">
+              <a:latin typeface="Latin Modern Sans" panose="00000500000000000000" charset="0"/>
+              <a:cs typeface="Latin Modern Sans" panose="00000500000000000000" charset="0"/>
+            </a:endParaRPr>
+          </a:p>
+        </p:txBody>
+      </p:sp>
+      <p:sp>
+        <p:nvSpPr>
+          <p:cNvPr id="7" name="Text Box 6"/>
+          <p:cNvSpPr txBox="1"/>
+          <p:nvPr/>
+        </p:nvSpPr>
+        <p:spPr>
+          <a:xfrm>
+            <a:off x="10367645" y="3139440"/>
+            <a:ext cx="710565" cy="368300"/>
+          </a:xfrm>
+          <a:prstGeom prst="rect">
+            <a:avLst/>
+          </a:prstGeom>
+          <a:noFill/>
+        </p:spPr>
+        <p:txBody>
+          <a:bodyPr wrap="square" rtlCol="0">
+            <a:spAutoFit/>
+          </a:bodyPr>
+          <a:p>
+            <a:pPr algn="ctr"/>
+            <a:r>
+              <a:rPr lang="en-US" altLang="en-US">
+                <a:latin typeface="Latin Modern Sans" panose="00000500000000000000" charset="0"/>
+                <a:cs typeface="Latin Modern Sans" panose="00000500000000000000" charset="0"/>
+              </a:rPr>
+              <a:t>16 ch</a:t>
+            </a:r>
+            <a:endParaRPr lang="en-US" altLang="en-US">
+              <a:latin typeface="Latin Modern Sans" panose="00000500000000000000" charset="0"/>
+              <a:cs typeface="Latin Modern Sans" panose="00000500000000000000" charset="0"/>
+            </a:endParaRPr>
+          </a:p>
+        </p:txBody>
+      </p:sp>
+      <p:sp>
+        <p:nvSpPr>
+          <p:cNvPr id="8" name="Text Box 7"/>
+          <p:cNvSpPr txBox="1"/>
+          <p:nvPr/>
+        </p:nvSpPr>
+        <p:spPr>
+          <a:xfrm>
+            <a:off x="11169015" y="3129915"/>
+            <a:ext cx="700405" cy="368300"/>
+          </a:xfrm>
+          <a:prstGeom prst="rect">
+            <a:avLst/>
+          </a:prstGeom>
+          <a:noFill/>
+        </p:spPr>
+        <p:txBody>
+          <a:bodyPr wrap="square" rtlCol="0">
+            <a:spAutoFit/>
+          </a:bodyPr>
+          <a:p>
+            <a:pPr algn="ctr"/>
+            <a:r>
+              <a:rPr lang="en-US" altLang="en-US">
+                <a:latin typeface="Latin Modern Sans" panose="00000500000000000000" charset="0"/>
+                <a:cs typeface="Latin Modern Sans" panose="00000500000000000000" charset="0"/>
+              </a:rPr>
+              <a:t>1 ch</a:t>
+            </a:r>
+            <a:endParaRPr lang="en-US" altLang="en-US">
+              <a:latin typeface="Latin Modern Sans" panose="00000500000000000000" charset="0"/>
+              <a:cs typeface="Latin Modern Sans" panose="00000500000000000000" charset="0"/>
+            </a:endParaRPr>
+          </a:p>
+        </p:txBody>
+      </p:sp>
+      <p:sp>
+        <p:nvSpPr>
+          <p:cNvPr id="12" name="Text Box 11"/>
+          <p:cNvSpPr txBox="1"/>
+          <p:nvPr/>
+        </p:nvSpPr>
+        <p:spPr>
+          <a:xfrm>
+            <a:off x="1221740" y="3502660"/>
+            <a:ext cx="744220" cy="368300"/>
+          </a:xfrm>
+          <a:prstGeom prst="rect">
+            <a:avLst/>
+          </a:prstGeom>
+          <a:noFill/>
+        </p:spPr>
+        <p:txBody>
+          <a:bodyPr wrap="square" rtlCol="0">
+            <a:spAutoFit/>
+          </a:bodyPr>
+          <a:p>
+            <a:pPr algn="ctr"/>
+            <a:r>
+              <a:rPr lang="en-US" altLang="en-US">
+                <a:latin typeface="Latin Modern Sans" panose="00000500000000000000" charset="0"/>
+                <a:cs typeface="Latin Modern Sans" panose="00000500000000000000" charset="0"/>
+              </a:rPr>
+              <a:t>lon</a:t>
+            </a:r>
+            <a:endParaRPr lang="en-US" altLang="en-US">
+              <a:latin typeface="Latin Modern Sans" panose="00000500000000000000" charset="0"/>
+              <a:cs typeface="Latin Modern Sans" panose="00000500000000000000" charset="0"/>
+            </a:endParaRPr>
+          </a:p>
+        </p:txBody>
+      </p:sp>
+      <p:sp>
+        <p:nvSpPr>
+          <p:cNvPr id="13" name="Text Box 12"/>
+          <p:cNvSpPr txBox="1"/>
+          <p:nvPr/>
+        </p:nvSpPr>
+        <p:spPr>
+          <a:xfrm>
+            <a:off x="1158240" y="4215765"/>
+            <a:ext cx="871220" cy="368300"/>
+          </a:xfrm>
+          <a:prstGeom prst="rect">
+            <a:avLst/>
+          </a:prstGeom>
+          <a:noFill/>
+        </p:spPr>
+        <p:txBody>
+          <a:bodyPr wrap="square" rtlCol="0">
+            <a:spAutoFit/>
+          </a:bodyPr>
+          <a:p>
+            <a:pPr algn="ctr"/>
+            <a:r>
+              <a:rPr lang="en-US" altLang="en-US">
+                <a:latin typeface="Latin Modern Sans" panose="00000500000000000000" charset="0"/>
+                <a:cs typeface="Latin Modern Sans" panose="00000500000000000000" charset="0"/>
+              </a:rPr>
+              <a:t>lat</a:t>
+            </a:r>
+            <a:endParaRPr lang="en-US" altLang="en-US">
+              <a:latin typeface="Latin Modern Sans" panose="00000500000000000000" charset="0"/>
+              <a:cs typeface="Latin Modern Sans" panose="00000500000000000000" charset="0"/>
+            </a:endParaRPr>
+          </a:p>
+        </p:txBody>
+      </p:sp>
+      <p:sp>
+        <p:nvSpPr>
+          <p:cNvPr id="34" name="Text Box 33"/>
+          <p:cNvSpPr txBox="1"/>
+          <p:nvPr/>
+        </p:nvSpPr>
+        <p:spPr>
+          <a:xfrm>
+            <a:off x="1005840" y="5017135"/>
+            <a:ext cx="1176020" cy="368300"/>
+          </a:xfrm>
+          <a:prstGeom prst="rect">
+            <a:avLst/>
+          </a:prstGeom>
+          <a:noFill/>
+        </p:spPr>
+        <p:txBody>
+          <a:bodyPr wrap="square" rtlCol="0">
+            <a:spAutoFit/>
+          </a:bodyPr>
+          <a:p>
+            <a:pPr algn="ctr"/>
+            <a:r>
+              <a:rPr lang="en-US" altLang="en-US">
+                <a:latin typeface="Latin Modern Sans" panose="00000500000000000000" charset="0"/>
+                <a:cs typeface="Latin Modern Sans" panose="00000500000000000000" charset="0"/>
+              </a:rPr>
+              <a:t>coverage</a:t>
+            </a:r>
+            <a:endParaRPr lang="en-US" altLang="en-US">
+              <a:latin typeface="Latin Modern Sans" panose="00000500000000000000" charset="0"/>
+              <a:cs typeface="Latin Modern Sans" panose="00000500000000000000" charset="0"/>
+            </a:endParaRPr>
+          </a:p>
+        </p:txBody>
+      </p:sp>
+      <p:sp>
+        <p:nvSpPr>
+          <p:cNvPr id="10" name="Text Box 9"/>
+          <p:cNvSpPr txBox="1"/>
+          <p:nvPr/>
+        </p:nvSpPr>
+        <p:spPr>
+          <a:xfrm>
+            <a:off x="8043545" y="3064510"/>
+            <a:ext cx="1454785" cy="645160"/>
+          </a:xfrm>
+          <a:prstGeom prst="rect">
+            <a:avLst/>
+          </a:prstGeom>
+          <a:noFill/>
+        </p:spPr>
+        <p:txBody>
+          <a:bodyPr wrap="square" rtlCol="0">
+            <a:spAutoFit/>
+          </a:bodyPr>
+          <a:p>
+            <a:pPr algn="ctr"/>
+            <a:r>
+              <a:rPr lang="en-US" altLang="en-US" b="1">
+                <a:latin typeface="Latin Modern Sans" panose="00000500000000000000" charset="0"/>
+                <a:cs typeface="Latin Modern Sans" panose="00000500000000000000" charset="0"/>
+              </a:rPr>
+              <a:t>U-Network (UNet)</a:t>
+            </a:r>
+            <a:endParaRPr lang="en-US" altLang="en-US" b="1">
+              <a:latin typeface="Latin Modern Sans" panose="00000500000000000000" charset="0"/>
+              <a:cs typeface="Latin Modern Sans" panose="00000500000000000000" charset="0"/>
+            </a:endParaRPr>
+          </a:p>
+        </p:txBody>
+      </p:sp>
+      <p:sp>
+        <p:nvSpPr>
+          <p:cNvPr id="46" name="Text Box 45"/>
+          <p:cNvSpPr txBox="1"/>
+          <p:nvPr/>
+        </p:nvSpPr>
+        <p:spPr>
+          <a:xfrm>
+            <a:off x="-1835150" y="1238885"/>
+            <a:ext cx="1779270" cy="645160"/>
+          </a:xfrm>
+          <a:prstGeom prst="rect">
+            <a:avLst/>
+          </a:prstGeom>
+          <a:noFill/>
+        </p:spPr>
+        <p:txBody>
+          <a:bodyPr wrap="square" rtlCol="0">
+            <a:spAutoFit/>
+          </a:bodyPr>
+          <a:p>
+            <a:pPr algn="ctr"/>
+            <a:r>
+              <a:rPr lang="en-US" altLang="en-US" b="1">
+                <a:latin typeface="Latin Modern Sans" panose="00000500000000000000" charset="0"/>
+                <a:cs typeface="Latin Modern Sans" panose="00000500000000000000" charset="0"/>
+              </a:rPr>
+              <a:t>input</a:t>
+            </a:r>
+            <a:endParaRPr lang="en-US" altLang="en-US" b="1">
+              <a:latin typeface="Latin Modern Sans" panose="00000500000000000000" charset="0"/>
+              <a:cs typeface="Latin Modern Sans" panose="00000500000000000000" charset="0"/>
+            </a:endParaRPr>
+          </a:p>
+          <a:p>
+            <a:pPr algn="ctr"/>
+            <a:r>
+              <a:rPr lang="en-US" altLang="en-US" b="1">
+                <a:latin typeface="Latin Modern Sans" panose="00000500000000000000" charset="0"/>
+                <a:cs typeface="Latin Modern Sans" panose="00000500000000000000" charset="0"/>
+              </a:rPr>
+              <a:t>(GPS track)</a:t>
+            </a:r>
+            <a:endParaRPr lang="en-US" altLang="en-US" b="1">
+              <a:latin typeface="Latin Modern Sans" panose="00000500000000000000" charset="0"/>
+              <a:cs typeface="Latin Modern Sans" panose="00000500000000000000" charset="0"/>
+            </a:endParaRPr>
+          </a:p>
+        </p:txBody>
+      </p:sp>
+      <p:sp>
+        <p:nvSpPr>
+          <p:cNvPr id="56" name="Freeform 55"/>
+          <p:cNvSpPr/>
+          <p:nvPr/>
+        </p:nvSpPr>
+        <p:spPr>
+          <a:xfrm>
+            <a:off x="-1599565" y="2275840"/>
+            <a:ext cx="1334770" cy="951230"/>
+          </a:xfrm>
+          <a:custGeom>
+            <a:avLst/>
+            <a:gdLst>
+              <a:gd name="connisteX0" fmla="*/ 0 w 1334470"/>
+              <a:gd name="connsiteY0" fmla="*/ 0 h 951230"/>
+              <a:gd name="connisteX1" fmla="*/ 72390 w 1334470"/>
+              <a:gd name="connsiteY1" fmla="*/ 57785 h 951230"/>
+              <a:gd name="connisteX2" fmla="*/ 173355 w 1334470"/>
+              <a:gd name="connsiteY2" fmla="*/ 115570 h 951230"/>
+              <a:gd name="connisteX3" fmla="*/ 259715 w 1334470"/>
+              <a:gd name="connsiteY3" fmla="*/ 144780 h 951230"/>
+              <a:gd name="connisteX4" fmla="*/ 332105 w 1334470"/>
+              <a:gd name="connsiteY4" fmla="*/ 158750 h 951230"/>
+              <a:gd name="connisteX5" fmla="*/ 447675 w 1334470"/>
+              <a:gd name="connsiteY5" fmla="*/ 187960 h 951230"/>
+              <a:gd name="connisteX6" fmla="*/ 518160 w 1334470"/>
+              <a:gd name="connsiteY6" fmla="*/ 231140 h 951230"/>
+              <a:gd name="connisteX7" fmla="*/ 605155 w 1334470"/>
+              <a:gd name="connsiteY7" fmla="*/ 274320 h 951230"/>
+              <a:gd name="connisteX8" fmla="*/ 676910 w 1334470"/>
+              <a:gd name="connsiteY8" fmla="*/ 317500 h 951230"/>
+              <a:gd name="connisteX9" fmla="*/ 749300 w 1334470"/>
+              <a:gd name="connsiteY9" fmla="*/ 346710 h 951230"/>
+              <a:gd name="connisteX10" fmla="*/ 821055 w 1334470"/>
+              <a:gd name="connsiteY10" fmla="*/ 374015 h 951230"/>
+              <a:gd name="connisteX11" fmla="*/ 893445 w 1334470"/>
+              <a:gd name="connsiteY11" fmla="*/ 388620 h 951230"/>
+              <a:gd name="connisteX12" fmla="*/ 979805 w 1334470"/>
+              <a:gd name="connsiteY12" fmla="*/ 417195 h 951230"/>
+              <a:gd name="connisteX13" fmla="*/ 1095375 w 1334470"/>
+              <a:gd name="connsiteY13" fmla="*/ 431800 h 951230"/>
+              <a:gd name="connisteX14" fmla="*/ 1182370 w 1334470"/>
+              <a:gd name="connsiteY14" fmla="*/ 431800 h 951230"/>
+              <a:gd name="connisteX15" fmla="*/ 1254125 w 1334470"/>
+              <a:gd name="connsiteY15" fmla="*/ 431800 h 951230"/>
+              <a:gd name="connisteX16" fmla="*/ 1326515 w 1334470"/>
+              <a:gd name="connsiteY16" fmla="*/ 403225 h 951230"/>
+              <a:gd name="connisteX17" fmla="*/ 1326515 w 1334470"/>
+              <a:gd name="connsiteY17" fmla="*/ 332105 h 951230"/>
+              <a:gd name="connisteX18" fmla="*/ 1297940 w 1334470"/>
+              <a:gd name="connsiteY18" fmla="*/ 259715 h 951230"/>
+              <a:gd name="connisteX19" fmla="*/ 1225550 w 1334470"/>
+              <a:gd name="connsiteY19" fmla="*/ 245745 h 951230"/>
+              <a:gd name="connisteX20" fmla="*/ 1153160 w 1334470"/>
+              <a:gd name="connsiteY20" fmla="*/ 317500 h 951230"/>
+              <a:gd name="connisteX21" fmla="*/ 1124585 w 1334470"/>
+              <a:gd name="connsiteY21" fmla="*/ 388620 h 951230"/>
+              <a:gd name="connisteX22" fmla="*/ 1109980 w 1334470"/>
+              <a:gd name="connsiteY22" fmla="*/ 474980 h 951230"/>
+              <a:gd name="connisteX23" fmla="*/ 1095375 w 1334470"/>
+              <a:gd name="connsiteY23" fmla="*/ 561975 h 951230"/>
+              <a:gd name="connisteX24" fmla="*/ 1095375 w 1334470"/>
+              <a:gd name="connsiteY24" fmla="*/ 633730 h 951230"/>
+              <a:gd name="connisteX25" fmla="*/ 1109980 w 1334470"/>
+              <a:gd name="connsiteY25" fmla="*/ 720725 h 951230"/>
+              <a:gd name="connisteX26" fmla="*/ 1153160 w 1334470"/>
+              <a:gd name="connsiteY26" fmla="*/ 792480 h 951230"/>
+              <a:gd name="connisteX27" fmla="*/ 1210945 w 1334470"/>
+              <a:gd name="connsiteY27" fmla="*/ 879475 h 951230"/>
+              <a:gd name="connisteX28" fmla="*/ 1225550 w 1334470"/>
+              <a:gd name="connsiteY28" fmla="*/ 951230 h 951230"/>
+            </a:gdLst>
+            <a:ahLst/>
+            <a:cxnLst>
+              <a:cxn ang="0">
+                <a:pos x="connisteX0" y="connsiteY0"/>
+              </a:cxn>
+              <a:cxn ang="0">
+                <a:pos x="connisteX1" y="connsiteY1"/>
+              </a:cxn>
+              <a:cxn ang="0">
+                <a:pos x="connisteX2" y="connsiteY2"/>
+              </a:cxn>
+              <a:cxn ang="0">
+                <a:pos x="connisteX3" y="connsiteY3"/>
+              </a:cxn>
+              <a:cxn ang="0">
+                <a:pos x="connisteX4" y="connsiteY4"/>
+              </a:cxn>
+              <a:cxn ang="0">
+                <a:pos x="connisteX5" y="connsiteY5"/>
+              </a:cxn>
+              <a:cxn ang="0">
+                <a:pos x="connisteX6" y="connsiteY6"/>
+              </a:cxn>
+              <a:cxn ang="0">
+                <a:pos x="connisteX7" y="connsiteY7"/>
+              </a:cxn>
+              <a:cxn ang="0">
+                <a:pos x="connisteX8" y="connsiteY8"/>
+              </a:cxn>
+              <a:cxn ang="0">
+                <a:pos x="connisteX9" y="connsiteY9"/>
+              </a:cxn>
+              <a:cxn ang="0">
+                <a:pos x="connisteX10" y="connsiteY10"/>
+              </a:cxn>
+              <a:cxn ang="0">
+                <a:pos x="connisteX11" y="connsiteY11"/>
+              </a:cxn>
+              <a:cxn ang="0">
+                <a:pos x="connisteX12" y="connsiteY12"/>
+              </a:cxn>
+              <a:cxn ang="0">
+                <a:pos x="connisteX13" y="connsiteY13"/>
+              </a:cxn>
+              <a:cxn ang="0">
+                <a:pos x="connisteX14" y="connsiteY14"/>
+              </a:cxn>
+              <a:cxn ang="0">
+                <a:pos x="connisteX15" y="connsiteY15"/>
+              </a:cxn>
+              <a:cxn ang="0">
+                <a:pos x="connisteX16" y="connsiteY16"/>
+              </a:cxn>
+              <a:cxn ang="0">
+                <a:pos x="connisteX17" y="connsiteY17"/>
+              </a:cxn>
+              <a:cxn ang="0">
+                <a:pos x="connisteX18" y="connsiteY18"/>
+              </a:cxn>
+              <a:cxn ang="0">
+                <a:pos x="connisteX19" y="connsiteY19"/>
+              </a:cxn>
+              <a:cxn ang="0">
+                <a:pos x="connisteX20" y="connsiteY20"/>
+              </a:cxn>
+              <a:cxn ang="0">
+                <a:pos x="connisteX21" y="connsiteY21"/>
+              </a:cxn>
+              <a:cxn ang="0">
+                <a:pos x="connisteX22" y="connsiteY22"/>
+              </a:cxn>
+              <a:cxn ang="0">
+                <a:pos x="connisteX23" y="connsiteY23"/>
+              </a:cxn>
+              <a:cxn ang="0">
+                <a:pos x="connisteX24" y="connsiteY24"/>
+              </a:cxn>
+              <a:cxn ang="0">
+                <a:pos x="connisteX25" y="connsiteY25"/>
+              </a:cxn>
+              <a:cxn ang="0">
+                <a:pos x="connisteX26" y="connsiteY26"/>
+              </a:cxn>
+              <a:cxn ang="0">
+                <a:pos x="connisteX27" y="connsiteY27"/>
+              </a:cxn>
+              <a:cxn ang="0">
+                <a:pos x="connisteX28" y="connsiteY28"/>
+              </a:cxn>
+            </a:cxnLst>
+            <a:rect l="l" t="t" r="r" b="b"/>
+            <a:pathLst>
+              <a:path w="1334471" h="951230">
+                <a:moveTo>
+                  <a:pt x="0" y="0"/>
+                </a:moveTo>
+                <a:cubicBezTo>
+                  <a:pt x="12700" y="10160"/>
+                  <a:pt x="37465" y="34925"/>
+                  <a:pt x="72390" y="57785"/>
+                </a:cubicBezTo>
+                <a:cubicBezTo>
+                  <a:pt x="107315" y="80645"/>
+                  <a:pt x="135890" y="98425"/>
+                  <a:pt x="173355" y="115570"/>
+                </a:cubicBezTo>
+                <a:cubicBezTo>
+                  <a:pt x="210820" y="132715"/>
+                  <a:pt x="227965" y="135890"/>
+                  <a:pt x="259715" y="144780"/>
+                </a:cubicBezTo>
+                <a:cubicBezTo>
+                  <a:pt x="291465" y="153670"/>
+                  <a:pt x="294640" y="149860"/>
+                  <a:pt x="332105" y="158750"/>
+                </a:cubicBezTo>
+                <a:cubicBezTo>
+                  <a:pt x="369570" y="167640"/>
+                  <a:pt x="410210" y="173355"/>
+                  <a:pt x="447675" y="187960"/>
+                </a:cubicBezTo>
+                <a:cubicBezTo>
+                  <a:pt x="485140" y="202565"/>
+                  <a:pt x="486410" y="213995"/>
+                  <a:pt x="518160" y="231140"/>
+                </a:cubicBezTo>
+                <a:cubicBezTo>
+                  <a:pt x="549910" y="248285"/>
+                  <a:pt x="573405" y="257175"/>
+                  <a:pt x="605155" y="274320"/>
+                </a:cubicBezTo>
+                <a:cubicBezTo>
+                  <a:pt x="636905" y="291465"/>
+                  <a:pt x="648335" y="302895"/>
+                  <a:pt x="676910" y="317500"/>
+                </a:cubicBezTo>
+                <a:cubicBezTo>
+                  <a:pt x="705485" y="332105"/>
+                  <a:pt x="720725" y="335280"/>
+                  <a:pt x="749300" y="346710"/>
+                </a:cubicBezTo>
+                <a:cubicBezTo>
+                  <a:pt x="777875" y="358140"/>
+                  <a:pt x="792480" y="365760"/>
+                  <a:pt x="821055" y="374015"/>
+                </a:cubicBezTo>
+                <a:cubicBezTo>
+                  <a:pt x="849630" y="382270"/>
+                  <a:pt x="861695" y="379730"/>
+                  <a:pt x="893445" y="388620"/>
+                </a:cubicBezTo>
+                <a:cubicBezTo>
+                  <a:pt x="925195" y="397510"/>
+                  <a:pt x="939165" y="408305"/>
+                  <a:pt x="979805" y="417195"/>
+                </a:cubicBezTo>
+                <a:cubicBezTo>
+                  <a:pt x="1020445" y="426085"/>
+                  <a:pt x="1054735" y="428625"/>
+                  <a:pt x="1095375" y="431800"/>
+                </a:cubicBezTo>
+                <a:cubicBezTo>
+                  <a:pt x="1136015" y="434975"/>
+                  <a:pt x="1150620" y="431800"/>
+                  <a:pt x="1182370" y="431800"/>
+                </a:cubicBezTo>
+                <a:cubicBezTo>
+                  <a:pt x="1214120" y="431800"/>
+                  <a:pt x="1225550" y="437515"/>
+                  <a:pt x="1254125" y="431800"/>
+                </a:cubicBezTo>
+                <a:cubicBezTo>
+                  <a:pt x="1282700" y="426085"/>
+                  <a:pt x="1311910" y="422910"/>
+                  <a:pt x="1326515" y="403225"/>
+                </a:cubicBezTo>
+                <a:cubicBezTo>
+                  <a:pt x="1341120" y="383540"/>
+                  <a:pt x="1332230" y="360680"/>
+                  <a:pt x="1326515" y="332105"/>
+                </a:cubicBezTo>
+                <a:cubicBezTo>
+                  <a:pt x="1320800" y="303530"/>
+                  <a:pt x="1318260" y="276860"/>
+                  <a:pt x="1297940" y="259715"/>
+                </a:cubicBezTo>
+                <a:cubicBezTo>
+                  <a:pt x="1277620" y="242570"/>
+                  <a:pt x="1254760" y="234315"/>
+                  <a:pt x="1225550" y="245745"/>
+                </a:cubicBezTo>
+                <a:cubicBezTo>
+                  <a:pt x="1196340" y="257175"/>
+                  <a:pt x="1173480" y="288925"/>
+                  <a:pt x="1153160" y="317500"/>
+                </a:cubicBezTo>
+                <a:cubicBezTo>
+                  <a:pt x="1132840" y="346075"/>
+                  <a:pt x="1133475" y="356870"/>
+                  <a:pt x="1124585" y="388620"/>
+                </a:cubicBezTo>
+                <a:cubicBezTo>
+                  <a:pt x="1115695" y="420370"/>
+                  <a:pt x="1115695" y="440055"/>
+                  <a:pt x="1109980" y="474980"/>
+                </a:cubicBezTo>
+                <a:cubicBezTo>
+                  <a:pt x="1104265" y="509905"/>
+                  <a:pt x="1098550" y="530225"/>
+                  <a:pt x="1095375" y="561975"/>
+                </a:cubicBezTo>
+                <a:cubicBezTo>
+                  <a:pt x="1092200" y="593725"/>
+                  <a:pt x="1092200" y="601980"/>
+                  <a:pt x="1095375" y="633730"/>
+                </a:cubicBezTo>
+                <a:cubicBezTo>
+                  <a:pt x="1098550" y="665480"/>
+                  <a:pt x="1098550" y="688975"/>
+                  <a:pt x="1109980" y="720725"/>
+                </a:cubicBezTo>
+                <a:cubicBezTo>
+                  <a:pt x="1121410" y="752475"/>
+                  <a:pt x="1132840" y="760730"/>
+                  <a:pt x="1153160" y="792480"/>
+                </a:cubicBezTo>
+                <a:cubicBezTo>
+                  <a:pt x="1173480" y="824230"/>
+                  <a:pt x="1196340" y="847725"/>
+                  <a:pt x="1210945" y="879475"/>
+                </a:cubicBezTo>
+                <a:cubicBezTo>
+                  <a:pt x="1225550" y="911225"/>
+                  <a:pt x="1223645" y="938530"/>
+                  <a:pt x="1225550" y="951230"/>
+                </a:cubicBezTo>
+              </a:path>
+            </a:pathLst>
+          </a:custGeom>
+          <a:noFill/>
+          <a:ln w="19050">
+            <a:solidFill>
+              <a:schemeClr val="tx1">
+                <a:lumMod val="95000"/>
+                <a:lumOff val="5000"/>
+              </a:schemeClr>
+            </a:solidFill>
+            <a:prstDash val="dash"/>
+          </a:ln>
+        </p:spPr>
+        <p:style>
+          <a:lnRef idx="2">
+            <a:schemeClr val="accent1">
+              <a:shade val="50000"/>
+            </a:schemeClr>
+          </a:lnRef>
+          <a:fillRef idx="1">
+            <a:schemeClr val="accent1"/>
+          </a:fillRef>
+          <a:effectRef idx="0">
+            <a:schemeClr val="accent1"/>
+          </a:effectRef>
+          <a:fontRef idx="minor">
+            <a:schemeClr val="lt1"/>
+          </a:fontRef>
+        </p:style>
+        <p:txBody>
+          <a:bodyPr rtlCol="0" anchor="ctr"/>
+          <a:p>
+            <a:pPr algn="ctr"/>
+            <a:endParaRPr lang="en-US"/>
+          </a:p>
+        </p:txBody>
+      </p:sp>
+      <p:sp>
+        <p:nvSpPr>
+          <p:cNvPr id="47" name="Oval 46"/>
+          <p:cNvSpPr/>
+          <p:nvPr/>
+        </p:nvSpPr>
+        <p:spPr>
+          <a:xfrm>
+            <a:off x="-1488440" y="2323465"/>
+            <a:ext cx="107315" cy="115570"/>
+          </a:xfrm>
+          <a:prstGeom prst="ellipse">
+            <a:avLst/>
+          </a:prstGeom>
+          <a:solidFill>
+            <a:schemeClr val="bg1"/>
+          </a:solidFill>
+          <a:ln>
+            <a:solidFill>
+              <a:schemeClr val="tx1">
+                <a:lumMod val="95000"/>
+                <a:lumOff val="5000"/>
+              </a:schemeClr>
+            </a:solidFill>
+          </a:ln>
+        </p:spPr>
+        <p:style>
+          <a:lnRef idx="2">
+            <a:schemeClr val="accent1">
+              <a:shade val="50000"/>
+            </a:schemeClr>
+          </a:lnRef>
+          <a:fillRef idx="1">
+            <a:schemeClr val="accent1"/>
+          </a:fillRef>
+          <a:effectRef idx="0">
+            <a:schemeClr val="accent1"/>
+          </a:effectRef>
+          <a:fontRef idx="minor">
+            <a:schemeClr val="lt1"/>
+          </a:fontRef>
+        </p:style>
+        <p:txBody>
+          <a:bodyPr rtlCol="0" anchor="ctr"/>
+          <a:p>
+            <a:pPr algn="ctr"/>
+            <a:endParaRPr lang="en-US"/>
+          </a:p>
+        </p:txBody>
+      </p:sp>
+      <p:sp>
+        <p:nvSpPr>
+          <p:cNvPr id="48" name="Rectangle 47"/>
+          <p:cNvSpPr/>
+          <p:nvPr/>
+        </p:nvSpPr>
+        <p:spPr>
+          <a:xfrm>
+            <a:off x="-1682115" y="1971040"/>
+            <a:ext cx="1499870" cy="1515110"/>
+          </a:xfrm>
+          <a:prstGeom prst="rect">
+            <a:avLst/>
+          </a:prstGeom>
+          <a:noFill/>
+          <a:ln>
+            <a:solidFill>
+              <a:schemeClr val="tx1">
+                <a:lumMod val="95000"/>
+                <a:lumOff val="5000"/>
+              </a:schemeClr>
+            </a:solidFill>
+          </a:ln>
+          <a:extLst>
+            <a:ext uri="{909E8E84-426E-40DD-AFC4-6F175D3DCCD1}">
+              <a14:hiddenFill xmlns:a14="http://schemas.microsoft.com/office/drawing/2010/main">
+                <a:solidFill>
+                  <a:schemeClr val="bg2"/>
+                </a:solidFill>
+              </a14:hiddenFill>
+            </a:ext>
+          </a:extLst>
+        </p:spPr>
+        <p:style>
+          <a:lnRef idx="2">
+            <a:schemeClr val="accent1">
+              <a:shade val="50000"/>
+            </a:schemeClr>
+          </a:lnRef>
+          <a:fillRef idx="1">
+            <a:schemeClr val="accent1"/>
+          </a:fillRef>
+          <a:effectRef idx="0">
+            <a:schemeClr val="accent1"/>
+          </a:effectRef>
+          <a:fontRef idx="minor">
+            <a:schemeClr val="lt1"/>
+          </a:fontRef>
+        </p:style>
+        <p:txBody>
+          <a:bodyPr rtlCol="0" anchor="ctr"/>
+          <a:p>
+            <a:pPr algn="ctr"/>
+            <a:endParaRPr lang="en-US"/>
+          </a:p>
+        </p:txBody>
+      </p:sp>
+      <p:sp>
+        <p:nvSpPr>
+          <p:cNvPr id="49" name="Oval 48"/>
+          <p:cNvSpPr/>
+          <p:nvPr/>
+        </p:nvSpPr>
+        <p:spPr>
+          <a:xfrm>
+            <a:off x="-1174750" y="2445385"/>
+            <a:ext cx="107315" cy="115570"/>
+          </a:xfrm>
+          <a:prstGeom prst="ellipse">
+            <a:avLst/>
+          </a:prstGeom>
+          <a:solidFill>
+            <a:schemeClr val="bg1"/>
+          </a:solidFill>
+          <a:ln>
+            <a:solidFill>
+              <a:schemeClr val="tx1">
+                <a:lumMod val="95000"/>
+                <a:lumOff val="5000"/>
+              </a:schemeClr>
+            </a:solidFill>
+          </a:ln>
+        </p:spPr>
+        <p:style>
+          <a:lnRef idx="2">
+            <a:schemeClr val="accent1">
+              <a:shade val="50000"/>
+            </a:schemeClr>
+          </a:lnRef>
+          <a:fillRef idx="1">
+            <a:schemeClr val="accent1"/>
+          </a:fillRef>
+          <a:effectRef idx="0">
+            <a:schemeClr val="accent1"/>
+          </a:effectRef>
+          <a:fontRef idx="minor">
+            <a:schemeClr val="lt1"/>
+          </a:fontRef>
+        </p:style>
+        <p:txBody>
+          <a:bodyPr rtlCol="0" anchor="ctr"/>
+          <a:p>
+            <a:pPr algn="ctr"/>
+            <a:endParaRPr lang="en-US"/>
+          </a:p>
+        </p:txBody>
+      </p:sp>
+      <p:sp>
+        <p:nvSpPr>
+          <p:cNvPr id="50" name="Oval 49"/>
+          <p:cNvSpPr/>
+          <p:nvPr/>
+        </p:nvSpPr>
+        <p:spPr>
+          <a:xfrm>
+            <a:off x="-857885" y="2576195"/>
+            <a:ext cx="107315" cy="115570"/>
+          </a:xfrm>
+          <a:prstGeom prst="ellipse">
+            <a:avLst/>
+          </a:prstGeom>
+          <a:solidFill>
+            <a:schemeClr val="bg1"/>
+          </a:solidFill>
+          <a:ln>
+            <a:solidFill>
+              <a:schemeClr val="tx1">
+                <a:lumMod val="95000"/>
+                <a:lumOff val="5000"/>
+              </a:schemeClr>
+            </a:solidFill>
+          </a:ln>
+        </p:spPr>
+        <p:style>
+          <a:lnRef idx="2">
+            <a:schemeClr val="accent1">
+              <a:shade val="50000"/>
+            </a:schemeClr>
+          </a:lnRef>
+          <a:fillRef idx="1">
+            <a:schemeClr val="accent1"/>
+          </a:fillRef>
+          <a:effectRef idx="0">
+            <a:schemeClr val="accent1"/>
+          </a:effectRef>
+          <a:fontRef idx="minor">
+            <a:schemeClr val="lt1"/>
+          </a:fontRef>
+        </p:style>
+        <p:txBody>
+          <a:bodyPr rtlCol="0" anchor="ctr"/>
+          <a:p>
+            <a:pPr algn="ctr"/>
+            <a:endParaRPr lang="en-US"/>
+          </a:p>
+        </p:txBody>
+      </p:sp>
+      <p:sp>
+        <p:nvSpPr>
+          <p:cNvPr id="64" name="Oval 63"/>
+          <p:cNvSpPr/>
+          <p:nvPr/>
+        </p:nvSpPr>
+        <p:spPr>
+          <a:xfrm>
+            <a:off x="-381635" y="2605405"/>
+            <a:ext cx="107315" cy="115570"/>
+          </a:xfrm>
+          <a:prstGeom prst="ellipse">
+            <a:avLst/>
+          </a:prstGeom>
+          <a:solidFill>
+            <a:schemeClr val="bg1"/>
+          </a:solidFill>
+          <a:ln>
+            <a:solidFill>
+              <a:schemeClr val="tx1">
+                <a:lumMod val="95000"/>
+                <a:lumOff val="5000"/>
+              </a:schemeClr>
+            </a:solidFill>
+          </a:ln>
+        </p:spPr>
+        <p:style>
+          <a:lnRef idx="2">
+            <a:schemeClr val="accent1">
+              <a:shade val="50000"/>
+            </a:schemeClr>
+          </a:lnRef>
+          <a:fillRef idx="1">
+            <a:schemeClr val="accent1"/>
+          </a:fillRef>
+          <a:effectRef idx="0">
+            <a:schemeClr val="accent1"/>
+          </a:effectRef>
+          <a:fontRef idx="minor">
+            <a:schemeClr val="lt1"/>
+          </a:fontRef>
+        </p:style>
+        <p:txBody>
+          <a:bodyPr rtlCol="0" anchor="ctr"/>
+          <a:p>
+            <a:pPr algn="ctr"/>
+            <a:endParaRPr lang="en-US"/>
+          </a:p>
+        </p:txBody>
+      </p:sp>
+      <p:sp>
+        <p:nvSpPr>
+          <p:cNvPr id="67" name="Oval 66"/>
+          <p:cNvSpPr/>
+          <p:nvPr/>
+        </p:nvSpPr>
+        <p:spPr>
+          <a:xfrm>
+            <a:off x="-506095" y="2955925"/>
+            <a:ext cx="107315" cy="115570"/>
+          </a:xfrm>
+          <a:prstGeom prst="ellipse">
+            <a:avLst/>
+          </a:prstGeom>
+          <a:solidFill>
+            <a:schemeClr val="bg1"/>
+          </a:solidFill>
+          <a:ln>
+            <a:solidFill>
+              <a:schemeClr val="tx1">
+                <a:lumMod val="95000"/>
+                <a:lumOff val="5000"/>
+              </a:schemeClr>
+            </a:solidFill>
+          </a:ln>
+        </p:spPr>
+        <p:style>
+          <a:lnRef idx="2">
+            <a:schemeClr val="accent1">
+              <a:shade val="50000"/>
+            </a:schemeClr>
+          </a:lnRef>
+          <a:fillRef idx="1">
+            <a:schemeClr val="accent1"/>
+          </a:fillRef>
+          <a:effectRef idx="0">
+            <a:schemeClr val="accent1"/>
+          </a:effectRef>
+          <a:fontRef idx="minor">
+            <a:schemeClr val="lt1"/>
+          </a:fontRef>
+        </p:style>
+        <p:txBody>
+          <a:bodyPr rtlCol="0" anchor="ctr"/>
+          <a:p>
+            <a:pPr algn="ctr"/>
+            <a:endParaRPr lang="en-US"/>
+          </a:p>
+        </p:txBody>
+      </p:sp>
+      <p:sp>
+        <p:nvSpPr>
+          <p:cNvPr id="68" name="Oval 67"/>
+          <p:cNvSpPr/>
+          <p:nvPr/>
+        </p:nvSpPr>
+        <p:spPr>
+          <a:xfrm>
+            <a:off x="-409575" y="2633345"/>
+            <a:ext cx="107315" cy="115570"/>
+          </a:xfrm>
+          <a:prstGeom prst="ellipse">
+            <a:avLst/>
+          </a:prstGeom>
+          <a:solidFill>
+            <a:schemeClr val="bg1"/>
+          </a:solidFill>
+          <a:ln>
+            <a:solidFill>
+              <a:schemeClr val="tx1">
+                <a:lumMod val="95000"/>
+                <a:lumOff val="5000"/>
+              </a:schemeClr>
+            </a:solidFill>
+          </a:ln>
+        </p:spPr>
+        <p:style>
+          <a:lnRef idx="2">
+            <a:schemeClr val="accent1">
+              <a:shade val="50000"/>
+            </a:schemeClr>
+          </a:lnRef>
+          <a:fillRef idx="1">
+            <a:schemeClr val="accent1"/>
+          </a:fillRef>
+          <a:effectRef idx="0">
+            <a:schemeClr val="accent1"/>
+          </a:effectRef>
+          <a:fontRef idx="minor">
+            <a:schemeClr val="lt1"/>
+          </a:fontRef>
+        </p:style>
+        <p:txBody>
+          <a:bodyPr rtlCol="0" anchor="ctr"/>
+          <a:p>
+            <a:pPr algn="ctr"/>
+            <a:endParaRPr lang="en-US"/>
+          </a:p>
+        </p:txBody>
+      </p:sp>
+      <p:sp>
+        <p:nvSpPr>
+          <p:cNvPr id="74" name="Text Box 73"/>
+          <p:cNvSpPr txBox="1"/>
+          <p:nvPr/>
+        </p:nvSpPr>
+        <p:spPr>
+          <a:xfrm>
+            <a:off x="12793980" y="3187700"/>
+            <a:ext cx="2023745" cy="645160"/>
+          </a:xfrm>
+          <a:prstGeom prst="rect">
+            <a:avLst/>
+          </a:prstGeom>
+          <a:noFill/>
+        </p:spPr>
+        <p:txBody>
+          <a:bodyPr wrap="square" rtlCol="0">
+            <a:spAutoFit/>
+          </a:bodyPr>
+          <a:p>
+            <a:pPr algn="ctr"/>
+            <a:r>
+              <a:rPr lang="en-US" altLang="en-US" b="1">
+                <a:latin typeface="Latin Modern Sans" panose="00000500000000000000" charset="0"/>
+                <a:cs typeface="Latin Modern Sans" panose="00000500000000000000" charset="0"/>
+              </a:rPr>
+              <a:t>output</a:t>
+            </a:r>
+            <a:endParaRPr lang="en-US" altLang="en-US" b="1">
+              <a:latin typeface="Latin Modern Sans" panose="00000500000000000000" charset="0"/>
+              <a:cs typeface="Latin Modern Sans" panose="00000500000000000000" charset="0"/>
+            </a:endParaRPr>
+          </a:p>
+          <a:p>
+            <a:pPr algn="ctr"/>
+            <a:r>
+              <a:rPr lang="en-US" altLang="en-US" b="1">
+                <a:latin typeface="Latin Modern Sans" panose="00000500000000000000" charset="0"/>
+                <a:cs typeface="Latin Modern Sans" panose="00000500000000000000" charset="0"/>
+              </a:rPr>
+              <a:t>(Dive Prediction)</a:t>
+            </a:r>
+            <a:endParaRPr lang="en-US" altLang="en-US" b="1">
+              <a:latin typeface="Latin Modern Sans" panose="00000500000000000000" charset="0"/>
+              <a:cs typeface="Latin Modern Sans" panose="00000500000000000000" charset="0"/>
+            </a:endParaRPr>
+          </a:p>
+        </p:txBody>
+      </p:sp>
+      <p:sp>
+        <p:nvSpPr>
+          <p:cNvPr id="75" name="Freeform 74"/>
+          <p:cNvSpPr/>
+          <p:nvPr/>
+        </p:nvSpPr>
+        <p:spPr>
+          <a:xfrm>
+            <a:off x="13145770" y="4205605"/>
+            <a:ext cx="1334770" cy="951230"/>
+          </a:xfrm>
+          <a:custGeom>
+            <a:avLst/>
+            <a:gdLst>
+              <a:gd name="connisteX0" fmla="*/ 0 w 1334470"/>
+              <a:gd name="connsiteY0" fmla="*/ 0 h 951230"/>
+              <a:gd name="connisteX1" fmla="*/ 72390 w 1334470"/>
+              <a:gd name="connsiteY1" fmla="*/ 57785 h 951230"/>
+              <a:gd name="connisteX2" fmla="*/ 173355 w 1334470"/>
+              <a:gd name="connsiteY2" fmla="*/ 115570 h 951230"/>
+              <a:gd name="connisteX3" fmla="*/ 259715 w 1334470"/>
+              <a:gd name="connsiteY3" fmla="*/ 144780 h 951230"/>
+              <a:gd name="connisteX4" fmla="*/ 332105 w 1334470"/>
+              <a:gd name="connsiteY4" fmla="*/ 158750 h 951230"/>
+              <a:gd name="connisteX5" fmla="*/ 447675 w 1334470"/>
+              <a:gd name="connsiteY5" fmla="*/ 187960 h 951230"/>
+              <a:gd name="connisteX6" fmla="*/ 518160 w 1334470"/>
+              <a:gd name="connsiteY6" fmla="*/ 231140 h 951230"/>
+              <a:gd name="connisteX7" fmla="*/ 605155 w 1334470"/>
+              <a:gd name="connsiteY7" fmla="*/ 274320 h 951230"/>
+              <a:gd name="connisteX8" fmla="*/ 676910 w 1334470"/>
+              <a:gd name="connsiteY8" fmla="*/ 317500 h 951230"/>
+              <a:gd name="connisteX9" fmla="*/ 749300 w 1334470"/>
+              <a:gd name="connsiteY9" fmla="*/ 346710 h 951230"/>
+              <a:gd name="connisteX10" fmla="*/ 821055 w 1334470"/>
+              <a:gd name="connsiteY10" fmla="*/ 374015 h 951230"/>
+              <a:gd name="connisteX11" fmla="*/ 893445 w 1334470"/>
+              <a:gd name="connsiteY11" fmla="*/ 388620 h 951230"/>
+              <a:gd name="connisteX12" fmla="*/ 979805 w 1334470"/>
+              <a:gd name="connsiteY12" fmla="*/ 417195 h 951230"/>
+              <a:gd name="connisteX13" fmla="*/ 1095375 w 1334470"/>
+              <a:gd name="connsiteY13" fmla="*/ 431800 h 951230"/>
+              <a:gd name="connisteX14" fmla="*/ 1182370 w 1334470"/>
+              <a:gd name="connsiteY14" fmla="*/ 431800 h 951230"/>
+              <a:gd name="connisteX15" fmla="*/ 1254125 w 1334470"/>
+              <a:gd name="connsiteY15" fmla="*/ 431800 h 951230"/>
+              <a:gd name="connisteX16" fmla="*/ 1326515 w 1334470"/>
+              <a:gd name="connsiteY16" fmla="*/ 403225 h 951230"/>
+              <a:gd name="connisteX17" fmla="*/ 1326515 w 1334470"/>
+              <a:gd name="connsiteY17" fmla="*/ 332105 h 951230"/>
+              <a:gd name="connisteX18" fmla="*/ 1297940 w 1334470"/>
+              <a:gd name="connsiteY18" fmla="*/ 259715 h 951230"/>
+              <a:gd name="connisteX19" fmla="*/ 1225550 w 1334470"/>
+              <a:gd name="connsiteY19" fmla="*/ 245745 h 951230"/>
+              <a:gd name="connisteX20" fmla="*/ 1153160 w 1334470"/>
+              <a:gd name="connsiteY20" fmla="*/ 317500 h 951230"/>
+              <a:gd name="connisteX21" fmla="*/ 1124585 w 1334470"/>
+              <a:gd name="connsiteY21" fmla="*/ 388620 h 951230"/>
+              <a:gd name="connisteX22" fmla="*/ 1109980 w 1334470"/>
+              <a:gd name="connsiteY22" fmla="*/ 474980 h 951230"/>
+              <a:gd name="connisteX23" fmla="*/ 1095375 w 1334470"/>
+              <a:gd name="connsiteY23" fmla="*/ 561975 h 951230"/>
+              <a:gd name="connisteX24" fmla="*/ 1095375 w 1334470"/>
+              <a:gd name="connsiteY24" fmla="*/ 633730 h 951230"/>
+              <a:gd name="connisteX25" fmla="*/ 1109980 w 1334470"/>
+              <a:gd name="connsiteY25" fmla="*/ 720725 h 951230"/>
+              <a:gd name="connisteX26" fmla="*/ 1153160 w 1334470"/>
+              <a:gd name="connsiteY26" fmla="*/ 792480 h 951230"/>
+              <a:gd name="connisteX27" fmla="*/ 1210945 w 1334470"/>
+              <a:gd name="connsiteY27" fmla="*/ 879475 h 951230"/>
+              <a:gd name="connisteX28" fmla="*/ 1225550 w 1334470"/>
+              <a:gd name="connsiteY28" fmla="*/ 951230 h 951230"/>
+            </a:gdLst>
+            <a:ahLst/>
+            <a:cxnLst>
+              <a:cxn ang="0">
+                <a:pos x="connisteX0" y="connsiteY0"/>
+              </a:cxn>
+              <a:cxn ang="0">
+                <a:pos x="connisteX1" y="connsiteY1"/>
+              </a:cxn>
+              <a:cxn ang="0">
+                <a:pos x="connisteX2" y="connsiteY2"/>
+              </a:cxn>
+              <a:cxn ang="0">
+                <a:pos x="connisteX3" y="connsiteY3"/>
+              </a:cxn>
+              <a:cxn ang="0">
+                <a:pos x="connisteX4" y="connsiteY4"/>
+              </a:cxn>
+              <a:cxn ang="0">
+                <a:pos x="connisteX5" y="connsiteY5"/>
+              </a:cxn>
+              <a:cxn ang="0">
+                <a:pos x="connisteX6" y="connsiteY6"/>
+              </a:cxn>
+              <a:cxn ang="0">
+                <a:pos x="connisteX7" y="connsiteY7"/>
+              </a:cxn>
+              <a:cxn ang="0">
+                <a:pos x="connisteX8" y="connsiteY8"/>
+              </a:cxn>
+              <a:cxn ang="0">
+                <a:pos x="connisteX9" y="connsiteY9"/>
+              </a:cxn>
+              <a:cxn ang="0">
+                <a:pos x="connisteX10" y="connsiteY10"/>
+              </a:cxn>
+              <a:cxn ang="0">
+                <a:pos x="connisteX11" y="connsiteY11"/>
+              </a:cxn>
+              <a:cxn ang="0">
+                <a:pos x="connisteX12" y="connsiteY12"/>
+              </a:cxn>
+              <a:cxn ang="0">
+                <a:pos x="connisteX13" y="connsiteY13"/>
+              </a:cxn>
+              <a:cxn ang="0">
+                <a:pos x="connisteX14" y="connsiteY14"/>
+              </a:cxn>
+              <a:cxn ang="0">
+                <a:pos x="connisteX15" y="connsiteY15"/>
+              </a:cxn>
+              <a:cxn ang="0">
+                <a:pos x="connisteX16" y="connsiteY16"/>
+              </a:cxn>
+              <a:cxn ang="0">
+                <a:pos x="connisteX17" y="connsiteY17"/>
+              </a:cxn>
+              <a:cxn ang="0">
+                <a:pos x="connisteX18" y="connsiteY18"/>
+              </a:cxn>
+              <a:cxn ang="0">
+                <a:pos x="connisteX19" y="connsiteY19"/>
+              </a:cxn>
+              <a:cxn ang="0">
+                <a:pos x="connisteX20" y="connsiteY20"/>
+              </a:cxn>
+              <a:cxn ang="0">
+                <a:pos x="connisteX21" y="connsiteY21"/>
+              </a:cxn>
+              <a:cxn ang="0">
+                <a:pos x="connisteX22" y="connsiteY22"/>
+              </a:cxn>
+              <a:cxn ang="0">
+                <a:pos x="connisteX23" y="connsiteY23"/>
+              </a:cxn>
+              <a:cxn ang="0">
+                <a:pos x="connisteX24" y="connsiteY24"/>
+              </a:cxn>
+              <a:cxn ang="0">
+                <a:pos x="connisteX25" y="connsiteY25"/>
+              </a:cxn>
+              <a:cxn ang="0">
+                <a:pos x="connisteX26" y="connsiteY26"/>
+              </a:cxn>
+              <a:cxn ang="0">
+                <a:pos x="connisteX27" y="connsiteY27"/>
+              </a:cxn>
+              <a:cxn ang="0">
+                <a:pos x="connisteX28" y="connsiteY28"/>
+              </a:cxn>
+            </a:cxnLst>
+            <a:rect l="l" t="t" r="r" b="b"/>
+            <a:pathLst>
+              <a:path w="1334471" h="951230">
+                <a:moveTo>
+                  <a:pt x="0" y="0"/>
+                </a:moveTo>
+                <a:cubicBezTo>
+                  <a:pt x="12700" y="10160"/>
+                  <a:pt x="37465" y="34925"/>
+                  <a:pt x="72390" y="57785"/>
+                </a:cubicBezTo>
+                <a:cubicBezTo>
+                  <a:pt x="107315" y="80645"/>
+                  <a:pt x="135890" y="98425"/>
+                  <a:pt x="173355" y="115570"/>
+                </a:cubicBezTo>
+                <a:cubicBezTo>
+                  <a:pt x="210820" y="132715"/>
+                  <a:pt x="227965" y="135890"/>
+                  <a:pt x="259715" y="144780"/>
+                </a:cubicBezTo>
+                <a:cubicBezTo>
+                  <a:pt x="291465" y="153670"/>
+                  <a:pt x="294640" y="149860"/>
+                  <a:pt x="332105" y="158750"/>
+                </a:cubicBezTo>
+                <a:cubicBezTo>
+                  <a:pt x="369570" y="167640"/>
+                  <a:pt x="410210" y="173355"/>
+                  <a:pt x="447675" y="187960"/>
+                </a:cubicBezTo>
+                <a:cubicBezTo>
+                  <a:pt x="485140" y="202565"/>
+                  <a:pt x="486410" y="213995"/>
+                  <a:pt x="518160" y="231140"/>
+                </a:cubicBezTo>
+                <a:cubicBezTo>
+                  <a:pt x="549910" y="248285"/>
+                  <a:pt x="573405" y="257175"/>
+                  <a:pt x="605155" y="274320"/>
+                </a:cubicBezTo>
+                <a:cubicBezTo>
+                  <a:pt x="636905" y="291465"/>
+                  <a:pt x="648335" y="302895"/>
+                  <a:pt x="676910" y="317500"/>
+                </a:cubicBezTo>
+                <a:cubicBezTo>
+                  <a:pt x="705485" y="332105"/>
+                  <a:pt x="720725" y="335280"/>
+                  <a:pt x="749300" y="346710"/>
+                </a:cubicBezTo>
+                <a:cubicBezTo>
+                  <a:pt x="777875" y="358140"/>
+                  <a:pt x="792480" y="365760"/>
+                  <a:pt x="821055" y="374015"/>
+                </a:cubicBezTo>
+                <a:cubicBezTo>
+                  <a:pt x="849630" y="382270"/>
+                  <a:pt x="861695" y="379730"/>
+                  <a:pt x="893445" y="388620"/>
+                </a:cubicBezTo>
+                <a:cubicBezTo>
+                  <a:pt x="925195" y="397510"/>
+                  <a:pt x="939165" y="408305"/>
+                  <a:pt x="979805" y="417195"/>
+                </a:cubicBezTo>
+                <a:cubicBezTo>
+                  <a:pt x="1020445" y="426085"/>
+                  <a:pt x="1054735" y="428625"/>
+                  <a:pt x="1095375" y="431800"/>
+                </a:cubicBezTo>
+                <a:cubicBezTo>
+                  <a:pt x="1136015" y="434975"/>
+                  <a:pt x="1150620" y="431800"/>
+                  <a:pt x="1182370" y="431800"/>
+                </a:cubicBezTo>
+                <a:cubicBezTo>
+                  <a:pt x="1214120" y="431800"/>
+                  <a:pt x="1225550" y="437515"/>
+                  <a:pt x="1254125" y="431800"/>
+                </a:cubicBezTo>
+                <a:cubicBezTo>
+                  <a:pt x="1282700" y="426085"/>
+                  <a:pt x="1311910" y="422910"/>
+                  <a:pt x="1326515" y="403225"/>
+                </a:cubicBezTo>
+                <a:cubicBezTo>
+                  <a:pt x="1341120" y="383540"/>
+                  <a:pt x="1332230" y="360680"/>
+                  <a:pt x="1326515" y="332105"/>
+                </a:cubicBezTo>
+                <a:cubicBezTo>
+                  <a:pt x="1320800" y="303530"/>
+                  <a:pt x="1318260" y="276860"/>
+                  <a:pt x="1297940" y="259715"/>
+                </a:cubicBezTo>
+                <a:cubicBezTo>
+                  <a:pt x="1277620" y="242570"/>
+                  <a:pt x="1254760" y="234315"/>
+                  <a:pt x="1225550" y="245745"/>
+                </a:cubicBezTo>
+                <a:cubicBezTo>
+                  <a:pt x="1196340" y="257175"/>
+                  <a:pt x="1173480" y="288925"/>
+                  <a:pt x="1153160" y="317500"/>
+                </a:cubicBezTo>
+                <a:cubicBezTo>
+                  <a:pt x="1132840" y="346075"/>
+                  <a:pt x="1133475" y="356870"/>
+                  <a:pt x="1124585" y="388620"/>
+                </a:cubicBezTo>
+                <a:cubicBezTo>
+                  <a:pt x="1115695" y="420370"/>
+                  <a:pt x="1115695" y="440055"/>
+                  <a:pt x="1109980" y="474980"/>
+                </a:cubicBezTo>
+                <a:cubicBezTo>
+                  <a:pt x="1104265" y="509905"/>
+                  <a:pt x="1098550" y="530225"/>
+                  <a:pt x="1095375" y="561975"/>
+                </a:cubicBezTo>
+                <a:cubicBezTo>
+                  <a:pt x="1092200" y="593725"/>
+                  <a:pt x="1092200" y="601980"/>
+                  <a:pt x="1095375" y="633730"/>
+                </a:cubicBezTo>
+                <a:cubicBezTo>
+                  <a:pt x="1098550" y="665480"/>
+                  <a:pt x="1098550" y="688975"/>
+                  <a:pt x="1109980" y="720725"/>
+                </a:cubicBezTo>
+                <a:cubicBezTo>
+                  <a:pt x="1121410" y="752475"/>
+                  <a:pt x="1132840" y="760730"/>
+                  <a:pt x="1153160" y="792480"/>
+                </a:cubicBezTo>
+                <a:cubicBezTo>
+                  <a:pt x="1173480" y="824230"/>
+                  <a:pt x="1196340" y="847725"/>
+                  <a:pt x="1210945" y="879475"/>
+                </a:cubicBezTo>
+                <a:cubicBezTo>
+                  <a:pt x="1225550" y="911225"/>
+                  <a:pt x="1223645" y="938530"/>
+                  <a:pt x="1225550" y="951230"/>
+                </a:cubicBezTo>
+              </a:path>
+            </a:pathLst>
+          </a:custGeom>
+          <a:noFill/>
+          <a:ln w="19050">
+            <a:solidFill>
+              <a:schemeClr val="tx1">
+                <a:lumMod val="95000"/>
+                <a:lumOff val="5000"/>
+              </a:schemeClr>
+            </a:solidFill>
+            <a:prstDash val="dash"/>
+          </a:ln>
+        </p:spPr>
+        <p:style>
+          <a:lnRef idx="2">
+            <a:schemeClr val="accent1">
+              <a:shade val="50000"/>
+            </a:schemeClr>
+          </a:lnRef>
+          <a:fillRef idx="1">
+            <a:schemeClr val="accent1"/>
+          </a:fillRef>
+          <a:effectRef idx="0">
+            <a:schemeClr val="accent1"/>
+          </a:effectRef>
+          <a:fontRef idx="minor">
+            <a:schemeClr val="lt1"/>
+          </a:fontRef>
+        </p:style>
+        <p:txBody>
+          <a:bodyPr rtlCol="0" anchor="ctr"/>
+          <a:p>
+            <a:pPr algn="ctr"/>
+            <a:endParaRPr lang="en-US"/>
+          </a:p>
+        </p:txBody>
+      </p:sp>
+      <p:sp>
+        <p:nvSpPr>
+          <p:cNvPr id="76" name="Oval 75"/>
+          <p:cNvSpPr/>
+          <p:nvPr/>
+        </p:nvSpPr>
+        <p:spPr>
+          <a:xfrm>
+            <a:off x="13256895" y="4253230"/>
+            <a:ext cx="107315" cy="115570"/>
+          </a:xfrm>
+          <a:prstGeom prst="ellipse">
+            <a:avLst/>
+          </a:prstGeom>
+          <a:solidFill>
+            <a:schemeClr val="bg2"/>
+          </a:solidFill>
+          <a:ln>
+            <a:solidFill>
+              <a:schemeClr val="tx1">
+                <a:lumMod val="95000"/>
+                <a:lumOff val="5000"/>
+              </a:schemeClr>
+            </a:solidFill>
+          </a:ln>
+        </p:spPr>
+        <p:style>
+          <a:lnRef idx="2">
+            <a:schemeClr val="accent1">
+              <a:shade val="50000"/>
+            </a:schemeClr>
+          </a:lnRef>
+          <a:fillRef idx="1">
+            <a:schemeClr val="accent1"/>
+          </a:fillRef>
+          <a:effectRef idx="0">
+            <a:schemeClr val="accent1"/>
+          </a:effectRef>
+          <a:fontRef idx="minor">
+            <a:schemeClr val="lt1"/>
+          </a:fontRef>
+        </p:style>
+        <p:txBody>
+          <a:bodyPr rtlCol="0" anchor="ctr"/>
+          <a:p>
+            <a:pPr algn="ctr"/>
+            <a:endParaRPr lang="en-US"/>
+          </a:p>
+        </p:txBody>
+      </p:sp>
+      <p:sp>
+        <p:nvSpPr>
+          <p:cNvPr id="77" name="Rectangle 76"/>
+          <p:cNvSpPr/>
+          <p:nvPr/>
+        </p:nvSpPr>
+        <p:spPr>
+          <a:xfrm>
+            <a:off x="13063220" y="3900805"/>
+            <a:ext cx="1499870" cy="1515110"/>
+          </a:xfrm>
+          <a:prstGeom prst="rect">
+            <a:avLst/>
+          </a:prstGeom>
+          <a:noFill/>
+          <a:ln>
+            <a:solidFill>
+              <a:schemeClr val="tx1">
+                <a:lumMod val="95000"/>
+                <a:lumOff val="5000"/>
+              </a:schemeClr>
+            </a:solidFill>
+          </a:ln>
+          <a:extLst>
+            <a:ext uri="{909E8E84-426E-40DD-AFC4-6F175D3DCCD1}">
+              <a14:hiddenFill xmlns:a14="http://schemas.microsoft.com/office/drawing/2010/main">
+                <a:solidFill>
+                  <a:schemeClr val="bg2"/>
+                </a:solidFill>
+              </a14:hiddenFill>
+            </a:ext>
+          </a:extLst>
+        </p:spPr>
+        <p:style>
+          <a:lnRef idx="2">
+            <a:schemeClr val="accent1">
+              <a:shade val="50000"/>
+            </a:schemeClr>
+          </a:lnRef>
+          <a:fillRef idx="1">
+            <a:schemeClr val="accent1"/>
+          </a:fillRef>
+          <a:effectRef idx="0">
+            <a:schemeClr val="accent1"/>
+          </a:effectRef>
+          <a:fontRef idx="minor">
+            <a:schemeClr val="lt1"/>
+          </a:fontRef>
+        </p:style>
+        <p:txBody>
+          <a:bodyPr rtlCol="0" anchor="ctr"/>
+          <a:p>
+            <a:pPr algn="ctr"/>
+            <a:endParaRPr lang="en-US"/>
+          </a:p>
+        </p:txBody>
+      </p:sp>
+      <p:sp>
+        <p:nvSpPr>
+          <p:cNvPr id="79" name="Oval 78"/>
+          <p:cNvSpPr/>
+          <p:nvPr/>
+        </p:nvSpPr>
+        <p:spPr>
+          <a:xfrm>
+            <a:off x="13570585" y="4375150"/>
+            <a:ext cx="107315" cy="115570"/>
+          </a:xfrm>
+          <a:prstGeom prst="ellipse">
+            <a:avLst/>
+          </a:prstGeom>
+          <a:solidFill>
+            <a:schemeClr val="bg1">
+              <a:lumMod val="95000"/>
+            </a:schemeClr>
+          </a:solidFill>
+          <a:ln>
+            <a:solidFill>
+              <a:schemeClr val="tx1">
+                <a:lumMod val="95000"/>
+                <a:lumOff val="5000"/>
+              </a:schemeClr>
+            </a:solidFill>
+          </a:ln>
+        </p:spPr>
+        <p:style>
+          <a:lnRef idx="2">
+            <a:schemeClr val="accent1">
+              <a:shade val="50000"/>
+            </a:schemeClr>
+          </a:lnRef>
+          <a:fillRef idx="1">
+            <a:schemeClr val="accent1"/>
+          </a:fillRef>
+          <a:effectRef idx="0">
+            <a:schemeClr val="accent1"/>
+          </a:effectRef>
+          <a:fontRef idx="minor">
+            <a:schemeClr val="lt1"/>
+          </a:fontRef>
+        </p:style>
+        <p:txBody>
+          <a:bodyPr rtlCol="0" anchor="ctr"/>
+          <a:p>
+            <a:pPr algn="ctr"/>
+            <a:endParaRPr lang="en-US"/>
+          </a:p>
+        </p:txBody>
+      </p:sp>
+      <p:sp>
+        <p:nvSpPr>
+          <p:cNvPr id="80" name="Oval 79"/>
+          <p:cNvSpPr/>
+          <p:nvPr/>
+        </p:nvSpPr>
+        <p:spPr>
+          <a:xfrm>
+            <a:off x="13887450" y="4505960"/>
+            <a:ext cx="107315" cy="115570"/>
+          </a:xfrm>
+          <a:prstGeom prst="ellipse">
+            <a:avLst/>
+          </a:prstGeom>
+          <a:solidFill>
+            <a:schemeClr val="bg2">
+              <a:lumMod val="75000"/>
+            </a:schemeClr>
+          </a:solidFill>
+          <a:ln>
+            <a:solidFill>
+              <a:schemeClr val="tx1">
+                <a:lumMod val="95000"/>
+                <a:lumOff val="5000"/>
+              </a:schemeClr>
+            </a:solidFill>
+          </a:ln>
+        </p:spPr>
+        <p:style>
+          <a:lnRef idx="2">
+            <a:schemeClr val="accent1">
+              <a:shade val="50000"/>
+            </a:schemeClr>
+          </a:lnRef>
+          <a:fillRef idx="1">
+            <a:schemeClr val="accent1"/>
+          </a:fillRef>
+          <a:effectRef idx="0">
+            <a:schemeClr val="accent1"/>
+          </a:effectRef>
+          <a:fontRef idx="minor">
+            <a:schemeClr val="lt1"/>
+          </a:fontRef>
+        </p:style>
+        <p:txBody>
+          <a:bodyPr rtlCol="0" anchor="ctr"/>
+          <a:p>
+            <a:pPr algn="ctr"/>
+            <a:endParaRPr lang="en-US"/>
+          </a:p>
+        </p:txBody>
+      </p:sp>
+      <p:sp>
+        <p:nvSpPr>
+          <p:cNvPr id="87" name="Oval 86"/>
+          <p:cNvSpPr/>
+          <p:nvPr/>
+        </p:nvSpPr>
+        <p:spPr>
+          <a:xfrm>
+            <a:off x="14363700" y="4535170"/>
+            <a:ext cx="107315" cy="115570"/>
+          </a:xfrm>
+          <a:prstGeom prst="ellipse">
+            <a:avLst/>
+          </a:prstGeom>
+          <a:solidFill>
+            <a:schemeClr val="bg1"/>
+          </a:solidFill>
+          <a:ln>
+            <a:solidFill>
+              <a:schemeClr val="tx1">
+                <a:lumMod val="95000"/>
+                <a:lumOff val="5000"/>
+              </a:schemeClr>
+            </a:solidFill>
+          </a:ln>
+        </p:spPr>
+        <p:style>
+          <a:lnRef idx="2">
+            <a:schemeClr val="accent1">
+              <a:shade val="50000"/>
+            </a:schemeClr>
+          </a:lnRef>
+          <a:fillRef idx="1">
+            <a:schemeClr val="accent1"/>
+          </a:fillRef>
+          <a:effectRef idx="0">
+            <a:schemeClr val="accent1"/>
+          </a:effectRef>
+          <a:fontRef idx="minor">
+            <a:schemeClr val="lt1"/>
+          </a:fontRef>
+        </p:style>
+        <p:txBody>
+          <a:bodyPr rtlCol="0" anchor="ctr"/>
+          <a:p>
+            <a:pPr algn="ctr"/>
+            <a:endParaRPr lang="en-US"/>
+          </a:p>
+        </p:txBody>
+      </p:sp>
+      <p:sp>
+        <p:nvSpPr>
+          <p:cNvPr id="88" name="Oval 87"/>
+          <p:cNvSpPr/>
+          <p:nvPr/>
+        </p:nvSpPr>
+        <p:spPr>
+          <a:xfrm>
+            <a:off x="14239240" y="4885690"/>
+            <a:ext cx="107315" cy="115570"/>
+          </a:xfrm>
+          <a:prstGeom prst="ellipse">
+            <a:avLst/>
+          </a:prstGeom>
+          <a:solidFill>
+            <a:schemeClr val="bg1">
+              <a:lumMod val="95000"/>
+            </a:schemeClr>
+          </a:solidFill>
+          <a:ln>
+            <a:solidFill>
+              <a:schemeClr val="tx1">
+                <a:lumMod val="95000"/>
+                <a:lumOff val="5000"/>
+              </a:schemeClr>
+            </a:solidFill>
+          </a:ln>
+        </p:spPr>
+        <p:style>
+          <a:lnRef idx="2">
+            <a:schemeClr val="accent1">
+              <a:shade val="50000"/>
+            </a:schemeClr>
+          </a:lnRef>
+          <a:fillRef idx="1">
+            <a:schemeClr val="accent1"/>
+          </a:fillRef>
+          <a:effectRef idx="0">
+            <a:schemeClr val="accent1"/>
+          </a:effectRef>
+          <a:fontRef idx="minor">
+            <a:schemeClr val="lt1"/>
+          </a:fontRef>
+        </p:style>
+        <p:txBody>
+          <a:bodyPr rtlCol="0" anchor="ctr"/>
+          <a:p>
+            <a:pPr algn="ctr"/>
+            <a:endParaRPr lang="en-US"/>
+          </a:p>
+        </p:txBody>
+      </p:sp>
+      <p:sp>
+        <p:nvSpPr>
+          <p:cNvPr id="89" name="Oval 88"/>
+          <p:cNvSpPr/>
+          <p:nvPr/>
+        </p:nvSpPr>
+        <p:spPr>
+          <a:xfrm>
+            <a:off x="14335760" y="4563110"/>
+            <a:ext cx="107315" cy="115570"/>
+          </a:xfrm>
+          <a:prstGeom prst="ellipse">
+            <a:avLst/>
+          </a:prstGeom>
+          <a:solidFill>
+            <a:schemeClr val="bg2">
+              <a:lumMod val="25000"/>
+            </a:schemeClr>
+          </a:solidFill>
+          <a:ln>
+            <a:solidFill>
+              <a:schemeClr val="tx1">
+                <a:lumMod val="95000"/>
+                <a:lumOff val="5000"/>
+              </a:schemeClr>
+            </a:solidFill>
+          </a:ln>
+        </p:spPr>
+        <p:style>
+          <a:lnRef idx="2">
+            <a:schemeClr val="accent1">
+              <a:shade val="50000"/>
+            </a:schemeClr>
+          </a:lnRef>
+          <a:fillRef idx="1">
+            <a:schemeClr val="accent1"/>
+          </a:fillRef>
+          <a:effectRef idx="0">
+            <a:schemeClr val="accent1"/>
+          </a:effectRef>
+          <a:fontRef idx="minor">
+            <a:schemeClr val="lt1"/>
+          </a:fontRef>
+        </p:style>
+        <p:txBody>
+          <a:bodyPr rtlCol="0" anchor="ctr"/>
+          <a:p>
+            <a:pPr algn="ctr"/>
+            <a:endParaRPr lang="en-US"/>
+          </a:p>
+        </p:txBody>
+      </p:sp>
+      <p:cxnSp>
+        <p:nvCxnSpPr>
+          <p:cNvPr id="91" name="Straight Arrow Connector 90"/>
+          <p:cNvCxnSpPr/>
+          <p:nvPr/>
+        </p:nvCxnSpPr>
+        <p:spPr>
+          <a:xfrm>
+            <a:off x="12193270" y="4534535"/>
+            <a:ext cx="730885" cy="635"/>
+          </a:xfrm>
+          <a:prstGeom prst="straightConnector1">
+            <a:avLst/>
+          </a:prstGeom>
+          <a:ln w="28575">
+            <a:solidFill>
+              <a:schemeClr val="tx1"/>
+            </a:solidFill>
+            <a:tailEnd type="arrow"/>
+          </a:ln>
+        </p:spPr>
+        <p:style>
+          <a:lnRef idx="1">
+            <a:schemeClr val="accent1"/>
+          </a:lnRef>
+          <a:fillRef idx="0">
+            <a:schemeClr val="accent1"/>
+          </a:fillRef>
+          <a:effectRef idx="0">
+            <a:schemeClr val="accent1"/>
+          </a:effectRef>
+          <a:fontRef idx="minor">
+            <a:schemeClr val="tx1"/>
+          </a:fontRef>
+        </p:style>
+      </p:cxnSp>
+      <p:sp>
+        <p:nvSpPr>
+          <p:cNvPr id="11" name="Cube 10"/>
+          <p:cNvSpPr/>
+          <p:nvPr/>
+        </p:nvSpPr>
+        <p:spPr>
+          <a:xfrm>
+            <a:off x="3858260" y="160020"/>
+            <a:ext cx="1517650" cy="1470660"/>
+          </a:xfrm>
+          <a:prstGeom prst="cube">
+            <a:avLst>
+              <a:gd name="adj" fmla="val 20034"/>
+            </a:avLst>
+          </a:prstGeom>
+          <a:solidFill>
+            <a:schemeClr val="accent1"/>
+          </a:solidFill>
+        </p:spPr>
+        <p:style>
+          <a:lnRef idx="2">
+            <a:schemeClr val="accent1">
+              <a:shade val="50000"/>
+            </a:schemeClr>
+          </a:lnRef>
+          <a:fillRef idx="1">
+            <a:schemeClr val="accent1"/>
+          </a:fillRef>
+          <a:effectRef idx="0">
+            <a:schemeClr val="accent1"/>
+          </a:effectRef>
+          <a:fontRef idx="minor">
+            <a:schemeClr val="lt1"/>
+          </a:fontRef>
+        </p:style>
+        <p:txBody>
+          <a:bodyPr rtlCol="0" anchor="ctr"/>
+          <a:p>
+            <a:pPr algn="ctr"/>
+            <a:endParaRPr lang="en-US"/>
+          </a:p>
+        </p:txBody>
+      </p:sp>
+      <p:cxnSp>
+        <p:nvCxnSpPr>
+          <p:cNvPr id="40" name="Straight Arrow Connector 39"/>
+          <p:cNvCxnSpPr/>
+          <p:nvPr/>
+        </p:nvCxnSpPr>
+        <p:spPr>
+          <a:xfrm flipH="1" flipV="1">
+            <a:off x="3648075" y="486410"/>
+            <a:ext cx="5715" cy="1202055"/>
+          </a:xfrm>
+          <a:prstGeom prst="straightConnector1">
+            <a:avLst/>
+          </a:prstGeom>
+          <a:ln w="19050">
+            <a:solidFill>
+              <a:schemeClr val="tx1"/>
+            </a:solidFill>
+            <a:prstDash val="dash"/>
+            <a:tailEnd type="arrow"/>
+          </a:ln>
+        </p:spPr>
+        <p:style>
+          <a:lnRef idx="1">
+            <a:schemeClr val="accent1"/>
+          </a:lnRef>
+          <a:fillRef idx="0">
+            <a:schemeClr val="accent1"/>
+          </a:fillRef>
+          <a:effectRef idx="0">
+            <a:schemeClr val="accent1"/>
+          </a:effectRef>
+          <a:fontRef idx="minor">
+            <a:schemeClr val="tx1"/>
+          </a:fontRef>
+        </p:style>
+      </p:cxnSp>
+      <p:sp>
+        <p:nvSpPr>
+          <p:cNvPr id="43" name="Text Box 42"/>
+          <p:cNvSpPr txBox="1"/>
+          <p:nvPr/>
+        </p:nvSpPr>
+        <p:spPr>
+          <a:xfrm>
+            <a:off x="2629535" y="160020"/>
+            <a:ext cx="1416050" cy="368300"/>
+          </a:xfrm>
+          <a:prstGeom prst="rect">
+            <a:avLst/>
+          </a:prstGeom>
+          <a:noFill/>
+        </p:spPr>
+        <p:txBody>
+          <a:bodyPr wrap="square" rtlCol="0">
+            <a:spAutoFit/>
+          </a:bodyPr>
+          <a:p>
+            <a:pPr algn="ctr"/>
+            <a:r>
+              <a:rPr lang="en-US" altLang="en-US">
+                <a:latin typeface="Latin Modern Sans" panose="00000500000000000000" charset="0"/>
+                <a:cs typeface="Latin Modern Sans" panose="00000500000000000000" charset="0"/>
+              </a:rPr>
+              <a:t>time</a:t>
+            </a:r>
+            <a:endParaRPr lang="en-US" altLang="en-US">
+              <a:latin typeface="Latin Modern Sans" panose="00000500000000000000" charset="0"/>
+              <a:cs typeface="Latin Modern Sans" panose="00000500000000000000" charset="0"/>
+            </a:endParaRPr>
+          </a:p>
+        </p:txBody>
+      </p:sp>
+      <p:sp>
+        <p:nvSpPr>
+          <p:cNvPr id="44" name="Text Box 43"/>
+          <p:cNvSpPr txBox="1"/>
+          <p:nvPr/>
+        </p:nvSpPr>
+        <p:spPr>
+          <a:xfrm>
+            <a:off x="3578225" y="1811655"/>
+            <a:ext cx="1998345" cy="368300"/>
+          </a:xfrm>
+          <a:prstGeom prst="rect">
+            <a:avLst/>
+          </a:prstGeom>
+          <a:noFill/>
+        </p:spPr>
+        <p:txBody>
+          <a:bodyPr wrap="square" rtlCol="0">
+            <a:spAutoFit/>
+          </a:bodyPr>
+          <a:p>
+            <a:pPr algn="ctr"/>
+            <a:r>
+              <a:rPr lang="" altLang="en-US">
+                <a:latin typeface="Latin Modern Sans" panose="00000500000000000000" charset="0"/>
+                <a:cs typeface="Latin Modern Sans" panose="00000500000000000000" charset="0"/>
+              </a:rPr>
+              <a:t>8 </a:t>
+            </a:r>
+            <a:r>
+              <a:rPr lang="en-US" altLang="en-US">
+                <a:latin typeface="Latin Modern Sans" panose="00000500000000000000" charset="0"/>
+                <a:cs typeface="Latin Modern Sans" panose="00000500000000000000" charset="0"/>
+              </a:rPr>
+              <a:t>channels (ch)</a:t>
+            </a:r>
+            <a:endParaRPr lang="en-US" altLang="en-US">
+              <a:latin typeface="Latin Modern Sans" panose="00000500000000000000" charset="0"/>
+              <a:cs typeface="Latin Modern Sans" panose="00000500000000000000" charset="0"/>
+            </a:endParaRPr>
+          </a:p>
+        </p:txBody>
+      </p:sp>
+      <p:sp>
+        <p:nvSpPr>
+          <p:cNvPr id="45" name="Rectangle 44"/>
+          <p:cNvSpPr/>
+          <p:nvPr/>
+        </p:nvSpPr>
+        <p:spPr>
+          <a:xfrm>
+            <a:off x="6110605" y="3486150"/>
+            <a:ext cx="250190" cy="1985010"/>
+          </a:xfrm>
+          <a:prstGeom prst="rect">
+            <a:avLst/>
+          </a:prstGeom>
+          <a:solidFill>
+            <a:schemeClr val="accent1"/>
+          </a:solidFill>
+          <a:ln>
+            <a:solidFill>
+              <a:schemeClr val="tx1"/>
+            </a:solidFill>
+          </a:ln>
+        </p:spPr>
+        <p:style>
+          <a:lnRef idx="2">
+            <a:schemeClr val="accent1">
+              <a:shade val="50000"/>
+            </a:schemeClr>
+          </a:lnRef>
+          <a:fillRef idx="1">
+            <a:schemeClr val="accent1"/>
+          </a:fillRef>
+          <a:effectRef idx="0">
+            <a:schemeClr val="accent1"/>
+          </a:effectRef>
+          <a:fontRef idx="minor">
+            <a:schemeClr val="lt1"/>
+          </a:fontRef>
+        </p:style>
+        <p:txBody>
+          <a:bodyPr rtlCol="0" anchor="ctr"/>
+          <a:p>
+            <a:pPr algn="ctr"/>
+            <a:endParaRPr lang="en-US"/>
+          </a:p>
+        </p:txBody>
+      </p:sp>
+      <p:cxnSp>
+        <p:nvCxnSpPr>
+          <p:cNvPr id="201" name="Straight Arrow Connector 200"/>
+          <p:cNvCxnSpPr/>
+          <p:nvPr/>
+        </p:nvCxnSpPr>
+        <p:spPr>
+          <a:xfrm flipV="1">
+            <a:off x="11001375" y="4498975"/>
+            <a:ext cx="392430" cy="3175"/>
+          </a:xfrm>
+          <a:prstGeom prst="straightConnector1">
+            <a:avLst/>
+          </a:prstGeom>
+          <a:ln w="38100">
+            <a:solidFill>
+              <a:srgbClr val="FF0000"/>
+            </a:solidFill>
+            <a:tailEnd type="arrow"/>
+          </a:ln>
+        </p:spPr>
+        <p:style>
+          <a:lnRef idx="1">
+            <a:schemeClr val="accent1"/>
+          </a:lnRef>
+          <a:fillRef idx="0">
+            <a:schemeClr val="accent1"/>
+          </a:fillRef>
+          <a:effectRef idx="0">
+            <a:schemeClr val="accent1"/>
+          </a:effectRef>
+          <a:fontRef idx="minor">
+            <a:schemeClr val="tx1"/>
+          </a:fontRef>
+        </p:style>
+      </p:cxnSp>
+      <p:cxnSp>
+        <p:nvCxnSpPr>
+          <p:cNvPr id="202" name="Straight Arrow Connector 201"/>
+          <p:cNvCxnSpPr/>
+          <p:nvPr/>
+        </p:nvCxnSpPr>
+        <p:spPr>
+          <a:xfrm flipV="1">
+            <a:off x="6454140" y="4495800"/>
+            <a:ext cx="392430" cy="3175"/>
+          </a:xfrm>
+          <a:prstGeom prst="straightConnector1">
+            <a:avLst/>
+          </a:prstGeom>
+          <a:ln w="38100">
+            <a:solidFill>
+              <a:srgbClr val="FF0000"/>
+            </a:solidFill>
+            <a:tailEnd type="arrow"/>
+          </a:ln>
+        </p:spPr>
+        <p:style>
+          <a:lnRef idx="1">
+            <a:schemeClr val="accent1"/>
+          </a:lnRef>
+          <a:fillRef idx="0">
+            <a:schemeClr val="accent1"/>
+          </a:fillRef>
+          <a:effectRef idx="0">
+            <a:schemeClr val="accent1"/>
+          </a:effectRef>
+          <a:fontRef idx="minor">
+            <a:schemeClr val="tx1"/>
+          </a:fontRef>
+        </p:style>
+      </p:cxnSp>
+      <p:cxnSp>
+        <p:nvCxnSpPr>
+          <p:cNvPr id="203" name="Straight Arrow Connector 202"/>
+          <p:cNvCxnSpPr/>
+          <p:nvPr/>
+        </p:nvCxnSpPr>
+        <p:spPr>
+          <a:xfrm flipV="1">
+            <a:off x="3703955" y="20955"/>
+            <a:ext cx="317500" cy="346710"/>
+          </a:xfrm>
+          <a:prstGeom prst="straightConnector1">
+            <a:avLst/>
+          </a:prstGeom>
+          <a:ln w="19050">
+            <a:solidFill>
+              <a:schemeClr val="tx1"/>
+            </a:solidFill>
+            <a:prstDash val="dash"/>
+            <a:tailEnd type="arrow"/>
+          </a:ln>
+        </p:spPr>
+        <p:style>
+          <a:lnRef idx="1">
+            <a:schemeClr val="accent1"/>
+          </a:lnRef>
+          <a:fillRef idx="0">
+            <a:schemeClr val="accent1"/>
+          </a:fillRef>
+          <a:effectRef idx="0">
+            <a:schemeClr val="accent1"/>
+          </a:effectRef>
+          <a:fontRef idx="minor">
+            <a:schemeClr val="tx1"/>
+          </a:fontRef>
+        </p:style>
+      </p:cxnSp>
+      <p:sp>
+        <p:nvSpPr>
+          <p:cNvPr id="210" name="Text Box 209"/>
+          <p:cNvSpPr txBox="1"/>
+          <p:nvPr/>
+        </p:nvSpPr>
+        <p:spPr>
+          <a:xfrm>
+            <a:off x="1420495" y="-1054735"/>
+            <a:ext cx="3605530" cy="645160"/>
+          </a:xfrm>
+          <a:prstGeom prst="rect">
+            <a:avLst/>
+          </a:prstGeom>
+          <a:noFill/>
+        </p:spPr>
+        <p:txBody>
+          <a:bodyPr wrap="square" rtlCol="0">
+            <a:spAutoFit/>
+          </a:bodyPr>
+          <a:p>
+            <a:pPr algn="ctr"/>
+            <a:r>
+              <a:rPr lang="en-US" altLang="en-US" b="1">
+                <a:latin typeface="Latin Modern Sans" panose="00000500000000000000" charset="0"/>
+                <a:cs typeface="Latin Modern Sans" panose="00000500000000000000" charset="0"/>
+              </a:rPr>
+              <a:t>Distance Matrix Encoder (DME)</a:t>
+            </a:r>
+            <a:endParaRPr lang="en-US" altLang="en-US" b="1">
+              <a:latin typeface="Latin Modern Sans" panose="00000500000000000000" charset="0"/>
+              <a:cs typeface="Latin Modern Sans" panose="00000500000000000000" charset="0"/>
+            </a:endParaRPr>
+          </a:p>
+        </p:txBody>
+      </p:sp>
+      <p:cxnSp>
+        <p:nvCxnSpPr>
+          <p:cNvPr id="69" name="Elbow Connector 68"/>
+          <p:cNvCxnSpPr>
+            <a:stCxn id="205" idx="3"/>
+            <a:endCxn id="45" idx="0"/>
+          </p:cNvCxnSpPr>
+          <p:nvPr/>
+        </p:nvCxnSpPr>
+        <p:spPr>
+          <a:xfrm>
+            <a:off x="5782310" y="638175"/>
+            <a:ext cx="453390" cy="2847975"/>
+          </a:xfrm>
+          <a:prstGeom prst="bentConnector2">
+            <a:avLst/>
+          </a:prstGeom>
+          <a:ln w="38100">
+            <a:solidFill>
+              <a:schemeClr val="tx1"/>
+            </a:solidFill>
+            <a:tailEnd type="arrow"/>
+          </a:ln>
+        </p:spPr>
+        <p:style>
+          <a:lnRef idx="1">
+            <a:schemeClr val="accent1"/>
+          </a:lnRef>
+          <a:fillRef idx="0">
+            <a:schemeClr val="accent1"/>
+          </a:fillRef>
+          <a:effectRef idx="0">
+            <a:schemeClr val="accent1"/>
+          </a:effectRef>
+          <a:fontRef idx="minor">
+            <a:schemeClr val="tx1"/>
+          </a:fontRef>
+        </p:style>
+      </p:cxnSp>
+      <p:sp>
+        <p:nvSpPr>
+          <p:cNvPr id="71" name="Text Box 70"/>
+          <p:cNvSpPr txBox="1"/>
+          <p:nvPr/>
+        </p:nvSpPr>
+        <p:spPr>
+          <a:xfrm>
+            <a:off x="1756410" y="2862580"/>
+            <a:ext cx="1779270" cy="368300"/>
+          </a:xfrm>
+          <a:prstGeom prst="rect">
+            <a:avLst/>
+          </a:prstGeom>
+          <a:noFill/>
+        </p:spPr>
+        <p:txBody>
+          <a:bodyPr wrap="square" rtlCol="0">
+            <a:spAutoFit/>
+          </a:bodyPr>
+          <a:p>
+            <a:pPr algn="ctr"/>
+            <a:r>
+              <a:rPr lang="en-US" altLang="en-US">
+                <a:latin typeface="Latin Modern Sans" panose="00000500000000000000" charset="0"/>
+                <a:cs typeface="Latin Modern Sans" panose="00000500000000000000" charset="0"/>
+              </a:rPr>
+              <a:t>timeseries</a:t>
+            </a:r>
+            <a:endParaRPr lang="en-US" altLang="en-US">
+              <a:latin typeface="Latin Modern Sans" panose="00000500000000000000" charset="0"/>
+              <a:cs typeface="Latin Modern Sans" panose="00000500000000000000" charset="0"/>
+            </a:endParaRPr>
+          </a:p>
+        </p:txBody>
+      </p:sp>
+      <p:cxnSp>
+        <p:nvCxnSpPr>
+          <p:cNvPr id="78" name="Elbow Connector 77"/>
+          <p:cNvCxnSpPr>
+            <a:endCxn id="52" idx="0"/>
+          </p:cNvCxnSpPr>
+          <p:nvPr/>
+        </p:nvCxnSpPr>
+        <p:spPr>
+          <a:xfrm flipV="1">
+            <a:off x="4478655" y="3486150"/>
+            <a:ext cx="1506855" cy="1244600"/>
+          </a:xfrm>
+          <a:prstGeom prst="bentConnector4">
+            <a:avLst>
+              <a:gd name="adj1" fmla="val 45891"/>
+              <a:gd name="adj2" fmla="val 148214"/>
+            </a:avLst>
+          </a:prstGeom>
+          <a:ln w="38100">
+            <a:solidFill>
+              <a:schemeClr val="tx1"/>
+            </a:solidFill>
+            <a:tailEnd type="arrow"/>
+          </a:ln>
+        </p:spPr>
+        <p:style>
+          <a:lnRef idx="1">
+            <a:schemeClr val="accent1"/>
+          </a:lnRef>
+          <a:fillRef idx="0">
+            <a:schemeClr val="accent1"/>
+          </a:fillRef>
+          <a:effectRef idx="0">
+            <a:schemeClr val="accent1"/>
+          </a:effectRef>
+          <a:fontRef idx="minor">
+            <a:schemeClr val="tx1"/>
+          </a:fontRef>
+        </p:style>
+      </p:cxnSp>
+      <p:cxnSp>
+        <p:nvCxnSpPr>
+          <p:cNvPr id="90" name="Elbow Connector 89"/>
+          <p:cNvCxnSpPr>
+            <a:stCxn id="48" idx="3"/>
+            <a:endCxn id="205" idx="1"/>
+          </p:cNvCxnSpPr>
+          <p:nvPr/>
+        </p:nvCxnSpPr>
+        <p:spPr>
+          <a:xfrm flipV="1">
+            <a:off x="-182245" y="638175"/>
+            <a:ext cx="1041400" cy="2090420"/>
+          </a:xfrm>
+          <a:prstGeom prst="bentConnector3">
+            <a:avLst>
+              <a:gd name="adj1" fmla="val 50000"/>
+            </a:avLst>
+          </a:prstGeom>
+          <a:ln w="38100">
+            <a:solidFill>
+              <a:schemeClr val="tx1"/>
+            </a:solidFill>
+            <a:tailEnd type="arrow"/>
+          </a:ln>
+        </p:spPr>
+        <p:style>
+          <a:lnRef idx="1">
+            <a:schemeClr val="accent1"/>
+          </a:lnRef>
+          <a:fillRef idx="0">
+            <a:schemeClr val="accent1"/>
+          </a:fillRef>
+          <a:effectRef idx="0">
+            <a:schemeClr val="accent1"/>
+          </a:effectRef>
+          <a:fontRef idx="minor">
+            <a:schemeClr val="tx1"/>
+          </a:fontRef>
+        </p:style>
+      </p:cxnSp>
+      <p:cxnSp>
+        <p:nvCxnSpPr>
+          <p:cNvPr id="95" name="Elbow Connector 94"/>
+          <p:cNvCxnSpPr/>
+          <p:nvPr/>
+        </p:nvCxnSpPr>
+        <p:spPr>
+          <a:xfrm rot="5400000" flipV="1">
+            <a:off x="-468630" y="3524250"/>
+            <a:ext cx="2059940" cy="433705"/>
+          </a:xfrm>
+          <a:prstGeom prst="bentConnector2">
+            <a:avLst/>
+          </a:prstGeom>
+          <a:ln w="38100">
+            <a:solidFill>
+              <a:schemeClr val="tx1"/>
+            </a:solidFill>
+            <a:tailEnd type="arrow"/>
+          </a:ln>
+        </p:spPr>
+        <p:style>
+          <a:lnRef idx="1">
+            <a:schemeClr val="accent1"/>
+          </a:lnRef>
+          <a:fillRef idx="0">
+            <a:schemeClr val="accent1"/>
+          </a:fillRef>
+          <a:effectRef idx="0">
+            <a:schemeClr val="accent1"/>
+          </a:effectRef>
+          <a:fontRef idx="minor">
+            <a:schemeClr val="tx1"/>
+          </a:fontRef>
+        </p:style>
+      </p:cxnSp>
+      <p:sp>
+        <p:nvSpPr>
+          <p:cNvPr id="96" name="Text Box 95"/>
+          <p:cNvSpPr txBox="1"/>
+          <p:nvPr/>
+        </p:nvSpPr>
+        <p:spPr>
+          <a:xfrm>
+            <a:off x="935355" y="-208280"/>
+            <a:ext cx="1779270" cy="368300"/>
+          </a:xfrm>
+          <a:prstGeom prst="rect">
+            <a:avLst/>
+          </a:prstGeom>
+          <a:noFill/>
+        </p:spPr>
+        <p:txBody>
+          <a:bodyPr wrap="square" rtlCol="0">
+            <a:spAutoFit/>
+          </a:bodyPr>
+          <a:p>
+            <a:pPr algn="ctr"/>
+            <a:r>
+              <a:rPr lang="en-US" altLang="en-US">
+                <a:latin typeface="Latin Modern Sans" panose="00000500000000000000" charset="0"/>
+                <a:cs typeface="Latin Modern Sans" panose="00000500000000000000" charset="0"/>
+              </a:rPr>
+              <a:t>distance matrix</a:t>
+            </a:r>
+            <a:endParaRPr lang="en-US" altLang="en-US">
+              <a:latin typeface="Latin Modern Sans" panose="00000500000000000000" charset="0"/>
+              <a:cs typeface="Latin Modern Sans" panose="00000500000000000000" charset="0"/>
+            </a:endParaRPr>
+          </a:p>
+        </p:txBody>
+      </p:sp>
+      <p:sp>
+        <p:nvSpPr>
+          <p:cNvPr id="9" name="Text Box 8"/>
+          <p:cNvSpPr txBox="1"/>
+          <p:nvPr/>
+        </p:nvSpPr>
+        <p:spPr>
+          <a:xfrm>
+            <a:off x="-1931035" y="3532505"/>
+            <a:ext cx="1998345" cy="645160"/>
+          </a:xfrm>
+          <a:prstGeom prst="rect">
+            <a:avLst/>
+          </a:prstGeom>
+          <a:noFill/>
+        </p:spPr>
+        <p:txBody>
+          <a:bodyPr wrap="square" rtlCol="0">
+            <a:spAutoFit/>
+          </a:bodyPr>
+          <a:p>
+            <a:pPr algn="ctr"/>
+            <a:r>
+              <a:rPr lang="" altLang="en-US">
+                <a:latin typeface="Latin Modern Sans" panose="00000500000000000000" charset="0"/>
+                <a:cs typeface="Latin Modern Sans" panose="00000500000000000000" charset="0"/>
+              </a:rPr>
+              <a:t>20 sucessive positions</a:t>
+            </a:r>
+            <a:endParaRPr lang="" altLang="en-US">
+              <a:latin typeface="Latin Modern Sans" panose="00000500000000000000" charset="0"/>
+              <a:cs typeface="Latin Modern Sans" panose="00000500000000000000" charset="0"/>
+            </a:endParaRPr>
+          </a:p>
+        </p:txBody>
+      </p:sp>
+      <p:sp>
+        <p:nvSpPr>
+          <p:cNvPr id="41" name="Text Box 40"/>
+          <p:cNvSpPr txBox="1"/>
+          <p:nvPr/>
+        </p:nvSpPr>
+        <p:spPr>
+          <a:xfrm>
+            <a:off x="12819380" y="5468620"/>
+            <a:ext cx="1998345" cy="645160"/>
+          </a:xfrm>
+          <a:prstGeom prst="rect">
+            <a:avLst/>
+          </a:prstGeom>
+          <a:noFill/>
+        </p:spPr>
+        <p:txBody>
+          <a:bodyPr wrap="square" rtlCol="0">
+            <a:spAutoFit/>
+          </a:bodyPr>
+          <a:p>
+            <a:pPr algn="ctr"/>
+            <a:r>
+              <a:rPr lang="en-US" altLang="en-US">
+                <a:latin typeface="Latin Modern Sans" panose="00000500000000000000" charset="0"/>
+                <a:cs typeface="Latin Modern Sans" panose="00000500000000000000" charset="0"/>
+              </a:rPr>
+              <a:t>20 </a:t>
+            </a:r>
+            <a:r>
+              <a:rPr lang="" altLang="en-US">
+                <a:latin typeface="Latin Modern Sans" panose="00000500000000000000" charset="0"/>
+                <a:cs typeface="Latin Modern Sans" panose="00000500000000000000" charset="0"/>
+              </a:rPr>
+              <a:t>associated</a:t>
+            </a:r>
+            <a:r>
+              <a:rPr lang="en-US" altLang="en-US">
+                <a:latin typeface="Latin Modern Sans" panose="00000500000000000000" charset="0"/>
+                <a:cs typeface="Latin Modern Sans" panose="00000500000000000000" charset="0"/>
+              </a:rPr>
+              <a:t> </a:t>
+            </a:r>
+            <a:r>
+              <a:rPr lang="" altLang="en-US">
+                <a:latin typeface="Latin Modern Sans" panose="00000500000000000000" charset="0"/>
+                <a:cs typeface="Latin Modern Sans" panose="00000500000000000000" charset="0"/>
+              </a:rPr>
+              <a:t>diving probabilities</a:t>
+            </a:r>
+            <a:endParaRPr lang="" altLang="en-US">
+              <a:latin typeface="Latin Modern Sans" panose="00000500000000000000" charset="0"/>
+              <a:cs typeface="Latin Modern Sans" panose="00000500000000000000" charset="0"/>
+            </a:endParaRPr>
+          </a:p>
+        </p:txBody>
+      </p:sp>
+      <p:sp>
+        <p:nvSpPr>
+          <p:cNvPr id="42" name="Oval 41"/>
+          <p:cNvSpPr/>
+          <p:nvPr/>
+        </p:nvSpPr>
+        <p:spPr>
+          <a:xfrm>
+            <a:off x="6022975" y="1640205"/>
+            <a:ext cx="447675" cy="418465"/>
+          </a:xfrm>
+          <a:prstGeom prst="ellipse">
+            <a:avLst/>
+          </a:prstGeom>
+          <a:solidFill>
+            <a:schemeClr val="bg1"/>
+          </a:solidFill>
+          <a:ln w="38100">
+            <a:solidFill>
+              <a:schemeClr val="tx1"/>
+            </a:solidFill>
+          </a:ln>
+          <a:extLst>
+            <a:ext uri="{909E8E84-426E-40DD-AFC4-6F175D3DCCD1}">
+              <a14:hiddenFill xmlns:a14="http://schemas.microsoft.com/office/drawing/2010/main">
+                <a:solidFill>
+                  <a:schemeClr val="accent1"/>
+                </a:solidFill>
+              </a14:hiddenFill>
+            </a:ext>
+          </a:extLst>
+        </p:spPr>
+        <p:style>
+          <a:lnRef idx="2">
+            <a:schemeClr val="accent1">
+              <a:shade val="50000"/>
+            </a:schemeClr>
+          </a:lnRef>
+          <a:fillRef idx="1">
+            <a:schemeClr val="accent1"/>
+          </a:fillRef>
+          <a:effectRef idx="0">
+            <a:schemeClr val="accent1"/>
+          </a:effectRef>
+          <a:fontRef idx="minor">
+            <a:schemeClr val="lt1"/>
+          </a:fontRef>
+        </p:style>
+        <p:txBody>
+          <a:bodyPr rtlCol="0" anchor="ctr"/>
+          <a:p>
+            <a:pPr algn="ctr"/>
+            <a:r>
+              <a:rPr lang="" altLang="en-US" sz="2800" b="1">
+                <a:solidFill>
+                  <a:schemeClr val="tx1"/>
+                </a:solidFill>
+              </a:rPr>
+              <a:t>+</a:t>
+            </a:r>
+            <a:endParaRPr lang="" altLang="en-US" sz="2800" b="1">
+              <a:solidFill>
+                <a:schemeClr val="tx1"/>
+              </a:solidFill>
+            </a:endParaRPr>
+          </a:p>
+        </p:txBody>
+      </p:sp>
     </p:spTree>
   </p:cSld>
   <p:clrMapOvr>
@@ -8699,4 +13929,263 @@
     </a:ext>
   </a:extLst>
 </a:theme>
+</file>
+
+<file path=ppt/theme/theme2.xml><?xml version="1.0" encoding="utf-8"?>
+<a:theme xmlns:a="http://schemas.openxmlformats.org/drawingml/2006/main" name="Office Theme">
+  <a:themeElements>
+    <a:clrScheme name="Office">
+      <a:dk1>
+        <a:sysClr val="windowText" lastClr="000000"/>
+      </a:dk1>
+      <a:lt1>
+        <a:sysClr val="window" lastClr="FFFFFF"/>
+      </a:lt1>
+      <a:dk2>
+        <a:srgbClr val="44546A"/>
+      </a:dk2>
+      <a:lt2>
+        <a:srgbClr val="E7E6E6"/>
+      </a:lt2>
+      <a:accent1>
+        <a:srgbClr val="5B9BD5"/>
+      </a:accent1>
+      <a:accent2>
+        <a:srgbClr val="ED7D31"/>
+      </a:accent2>
+      <a:accent3>
+        <a:srgbClr val="A5A5A5"/>
+      </a:accent3>
+      <a:accent4>
+        <a:srgbClr val="FFC000"/>
+      </a:accent4>
+      <a:accent5>
+        <a:srgbClr val="4472C4"/>
+      </a:accent5>
+      <a:accent6>
+        <a:srgbClr val="70AD47"/>
+      </a:accent6>
+      <a:hlink>
+        <a:srgbClr val="0563C1"/>
+      </a:hlink>
+      <a:folHlink>
+        <a:srgbClr val="954F72"/>
+      </a:folHlink>
+    </a:clrScheme>
+    <a:fontScheme name="Office">
+      <a:majorFont>
+        <a:latin typeface="Calibri Light"/>
+        <a:ea typeface=""/>
+        <a:cs typeface=""/>
+        <a:font script="Jpan" typeface="ＭＳ Ｐゴシック"/>
+        <a:font script="Hang" typeface="맑은 고딕"/>
+        <a:font script="Hans" typeface="宋体"/>
+        <a:font script="Hant" typeface="新細明體"/>
+        <a:font script="Arab" typeface="Times New Roman"/>
+        <a:font script="Hebr" typeface="Times New Roman"/>
+        <a:font script="Thai" typeface="Angsana New"/>
+        <a:font script="Ethi" typeface="Nyala"/>
+        <a:font script="Beng" typeface="Vrinda"/>
+        <a:font script="Gujr" typeface="Shruti"/>
+        <a:font script="Khmr" typeface="MoolBoran"/>
+        <a:font script="Knda" typeface="Tunga"/>
+        <a:font script="Guru" typeface="Raavi"/>
+        <a:font script="Cans" typeface="Euphemia"/>
+        <a:font script="Cher" typeface="Plantagenet Cherokee"/>
+        <a:font script="Yiii" typeface="Microsoft Yi Baiti"/>
+        <a:font script="Tibt" typeface="Microsoft Himalaya"/>
+        <a:font script="Thaa" typeface="MV Boli"/>
+        <a:font script="Deva" typeface="Mangal"/>
+        <a:font script="Telu" typeface="Gautami"/>
+        <a:font script="Taml" typeface="Latha"/>
+        <a:font script="Syrc" typeface="Estrangelo Edessa"/>
+        <a:font script="Orya" typeface="Kalinga"/>
+        <a:font script="Mlym" typeface="Kartika"/>
+        <a:font script="Laoo" typeface="DokChampa"/>
+        <a:font script="Sinh" typeface="Iskoola Pota"/>
+        <a:font script="Mong" typeface="Mongolian Baiti"/>
+        <a:font script="Viet" typeface="Times New Roman"/>
+        <a:font script="Uigh" typeface="Microsoft Uighur"/>
+        <a:font script="Geor" typeface="Sylfaen"/>
+      </a:majorFont>
+      <a:minorFont>
+        <a:latin typeface="Calibri"/>
+        <a:ea typeface=""/>
+        <a:cs typeface=""/>
+        <a:font script="Jpan" typeface="ＭＳ Ｐゴシック"/>
+        <a:font script="Hang" typeface="맑은 고딕"/>
+        <a:font script="Hans" typeface="宋体"/>
+        <a:font script="Hant" typeface="新細明體"/>
+        <a:font script="Arab" typeface="Arial"/>
+        <a:font script="Hebr" typeface="Arial"/>
+        <a:font script="Thai" typeface="Cordia New"/>
+        <a:font script="Ethi" typeface="Nyala"/>
+        <a:font script="Beng" typeface="Vrinda"/>
+        <a:font script="Gujr" typeface="Shruti"/>
+        <a:font script="Khmr" typeface="DaunPenh"/>
+        <a:font script="Knda" typeface="Tunga"/>
+        <a:font script="Guru" typeface="Raavi"/>
+        <a:font script="Cans" typeface="Euphemia"/>
+        <a:font script="Cher" typeface="Plantagenet Cherokee"/>
+        <a:font script="Yiii" typeface="Microsoft Yi Baiti"/>
+        <a:font script="Tibt" typeface="Microsoft Himalaya"/>
+        <a:font script="Thaa" typeface="MV Boli"/>
+        <a:font script="Deva" typeface="Mangal"/>
+        <a:font script="Telu" typeface="Gautami"/>
+        <a:font script="Taml" typeface="Latha"/>
+        <a:font script="Syrc" typeface="Estrangelo Edessa"/>
+        <a:font script="Orya" typeface="Kalinga"/>
+        <a:font script="Mlym" typeface="Kartika"/>
+        <a:font script="Laoo" typeface="DokChampa"/>
+        <a:font script="Sinh" typeface="Iskoola Pota"/>
+        <a:font script="Mong" typeface="Mongolian Baiti"/>
+        <a:font script="Viet" typeface="Arial"/>
+        <a:font script="Uigh" typeface="Microsoft Uighur"/>
+        <a:font script="Geor" typeface="Sylfaen"/>
+      </a:minorFont>
+    </a:fontScheme>
+    <a:fmtScheme name="Office">
+      <a:fillStyleLst>
+        <a:solidFill>
+          <a:schemeClr val="phClr"/>
+        </a:solidFill>
+        <a:gradFill rotWithShape="1">
+          <a:gsLst>
+            <a:gs pos="0">
+              <a:schemeClr val="phClr">
+                <a:lumMod val="110000"/>
+                <a:satMod val="105000"/>
+                <a:tint val="67000"/>
+              </a:schemeClr>
+            </a:gs>
+            <a:gs pos="50000">
+              <a:schemeClr val="phClr">
+                <a:lumMod val="105000"/>
+                <a:satMod val="103000"/>
+                <a:tint val="73000"/>
+              </a:schemeClr>
+            </a:gs>
+            <a:gs pos="100000">
+              <a:schemeClr val="phClr">
+                <a:lumMod val="105000"/>
+                <a:satMod val="109000"/>
+                <a:tint val="81000"/>
+              </a:schemeClr>
+            </a:gs>
+          </a:gsLst>
+          <a:lin ang="5400000" scaled="0"/>
+        </a:gradFill>
+        <a:gradFill rotWithShape="1">
+          <a:gsLst>
+            <a:gs pos="0">
+              <a:schemeClr val="phClr">
+                <a:satMod val="103000"/>
+                <a:lumMod val="102000"/>
+                <a:tint val="94000"/>
+              </a:schemeClr>
+            </a:gs>
+            <a:gs pos="50000">
+              <a:schemeClr val="phClr">
+                <a:satMod val="110000"/>
+                <a:lumMod val="100000"/>
+                <a:shade val="100000"/>
+              </a:schemeClr>
+            </a:gs>
+            <a:gs pos="100000">
+              <a:schemeClr val="phClr">
+                <a:lumMod val="99000"/>
+                <a:satMod val="120000"/>
+                <a:shade val="78000"/>
+              </a:schemeClr>
+            </a:gs>
+          </a:gsLst>
+          <a:lin ang="5400000" scaled="0"/>
+        </a:gradFill>
+      </a:fillStyleLst>
+      <a:lnStyleLst>
+        <a:ln w="6350" cap="flat" cmpd="sng" algn="ctr">
+          <a:solidFill>
+            <a:schemeClr val="phClr"/>
+          </a:solidFill>
+          <a:prstDash val="solid"/>
+          <a:miter lim="800000"/>
+        </a:ln>
+        <a:ln w="12700" cap="flat" cmpd="sng" algn="ctr">
+          <a:solidFill>
+            <a:schemeClr val="phClr"/>
+          </a:solidFill>
+          <a:prstDash val="solid"/>
+          <a:miter lim="800000"/>
+        </a:ln>
+        <a:ln w="19050" cap="flat" cmpd="sng" algn="ctr">
+          <a:solidFill>
+            <a:schemeClr val="phClr"/>
+          </a:solidFill>
+          <a:prstDash val="solid"/>
+          <a:miter lim="800000"/>
+        </a:ln>
+      </a:lnStyleLst>
+      <a:effectStyleLst>
+        <a:effectStyle>
+          <a:effectLst/>
+        </a:effectStyle>
+        <a:effectStyle>
+          <a:effectLst/>
+        </a:effectStyle>
+        <a:effectStyle>
+          <a:effectLst>
+            <a:outerShdw blurRad="57150" dist="19050" dir="5400000" algn="ctr" rotWithShape="0">
+              <a:srgbClr val="000000">
+                <a:alpha val="63000"/>
+              </a:srgbClr>
+            </a:outerShdw>
+          </a:effectLst>
+        </a:effectStyle>
+      </a:effectStyleLst>
+      <a:bgFillStyleLst>
+        <a:solidFill>
+          <a:schemeClr val="phClr"/>
+        </a:solidFill>
+        <a:solidFill>
+          <a:schemeClr val="phClr">
+            <a:tint val="95000"/>
+            <a:satMod val="170000"/>
+          </a:schemeClr>
+        </a:solidFill>
+        <a:gradFill rotWithShape="1">
+          <a:gsLst>
+            <a:gs pos="0">
+              <a:schemeClr val="phClr">
+                <a:tint val="93000"/>
+                <a:satMod val="150000"/>
+                <a:shade val="98000"/>
+                <a:lumMod val="102000"/>
+              </a:schemeClr>
+            </a:gs>
+            <a:gs pos="50000">
+              <a:schemeClr val="phClr">
+                <a:tint val="98000"/>
+                <a:satMod val="130000"/>
+                <a:shade val="90000"/>
+                <a:lumMod val="103000"/>
+              </a:schemeClr>
+            </a:gs>
+            <a:gs pos="100000">
+              <a:schemeClr val="phClr">
+                <a:shade val="63000"/>
+                <a:satMod val="120000"/>
+              </a:schemeClr>
+            </a:gs>
+          </a:gsLst>
+          <a:lin ang="5400000" scaled="0"/>
+        </a:gradFill>
+      </a:bgFillStyleLst>
+    </a:fmtScheme>
+  </a:themeElements>
+  <a:extLst>
+    <a:ext uri="{05A4C25C-085E-4340-85A3-A5531E510DB2}">
+      <thm15:themeFamily xmlns:thm15="http://schemas.microsoft.com/office/thememl/2012/main" name="Office Theme" id="{62F939B6-93AF-4DB8-9C6B-D6C7DFDC589F}" vid="{4A3C46E8-61CC-4603-A589-7422A47A8E4A}"/>
+    </a:ext>
+  </a:extLst>
+</a:theme>
 </file>
--- a/article/figure_unet.pptx
+++ b/article/figure_unet.pptx
@@ -9,7 +9,8 @@
   </p:notesMasterIdLst>
   <p:sldIdLst>
     <p:sldId id="256" r:id="rId3"/>
-    <p:sldId id="257" r:id="rId5"/>
+    <p:sldId id="258" r:id="rId5"/>
+    <p:sldId id="259" r:id="rId6"/>
   </p:sldIdLst>
   <p:sldSz cx="12192000" cy="6858000"/>
   <p:notesSz cx="6858000" cy="9144000"/>
@@ -503,6 +504,50 @@
 </file>
 
 <file path=ppt/notesSlides/notesSlide2.xml><?xml version="1.0" encoding="utf-8"?>
+<p:notes xmlns:a="http://schemas.openxmlformats.org/drawingml/2006/main" xmlns:r="http://schemas.openxmlformats.org/officeDocument/2006/relationships" xmlns:p="http://schemas.openxmlformats.org/presentationml/2006/main">
+  <p:cSld>
+    <p:spTree>
+      <p:nvGrpSpPr>
+        <p:cNvPr id="1" name=""/>
+        <p:cNvGrpSpPr/>
+        <p:nvPr/>
+      </p:nvGrpSpPr>
+      <p:grpSpPr/>
+      <p:sp>
+        <p:nvSpPr>
+          <p:cNvPr id="2" name="Slide Image Placeholder 1"/>
+          <p:cNvSpPr/>
+          <p:nvPr>
+            <p:ph type="sldImg" idx="2"/>
+          </p:nvPr>
+        </p:nvSpPr>
+        <p:spPr/>
+      </p:sp>
+      <p:sp>
+        <p:nvSpPr>
+          <p:cNvPr id="3" name="Text Placeholder 2"/>
+          <p:cNvSpPr/>
+          <p:nvPr>
+            <p:ph type="body" idx="3"/>
+          </p:nvPr>
+        </p:nvSpPr>
+        <p:spPr/>
+        <p:txBody>
+          <a:bodyPr/>
+          <a:p>
+            <a:endParaRPr lang="en-US"/>
+          </a:p>
+        </p:txBody>
+      </p:sp>
+    </p:spTree>
+  </p:cSld>
+  <p:clrMapOvr>
+    <a:masterClrMapping/>
+  </p:clrMapOvr>
+</p:notes>
+</file>
+
+<file path=ppt/notesSlides/notesSlide3.xml><?xml version="1.0" encoding="utf-8"?>
 <p:notes xmlns:a="http://schemas.openxmlformats.org/drawingml/2006/main" xmlns:r="http://schemas.openxmlformats.org/officeDocument/2006/relationships" xmlns:p="http://schemas.openxmlformats.org/presentationml/2006/main">
   <p:cSld>
     <p:spTree>
@@ -8056,18 +8101,11 @@
           <a:p>
             <a:pPr algn="ctr"/>
             <a:r>
-              <a:rPr lang="" altLang="en-US">
-                <a:latin typeface="Latin Modern Sans" panose="00000500000000000000" charset="0"/>
-                <a:cs typeface="Latin Modern Sans" panose="00000500000000000000" charset="0"/>
-              </a:rPr>
-              <a:t>8 </a:t>
-            </a:r>
-            <a:r>
               <a:rPr lang="en-US" altLang="en-US">
                 <a:latin typeface="Latin Modern Sans" panose="00000500000000000000" charset="0"/>
                 <a:cs typeface="Latin Modern Sans" panose="00000500000000000000" charset="0"/>
               </a:rPr>
-              <a:t>channels (ch)</a:t>
+              <a:t>8 channels (ch)</a:t>
             </a:r>
             <a:endParaRPr lang="en-US" altLang="en-US">
               <a:latin typeface="Latin Modern Sans" panose="00000500000000000000" charset="0"/>
@@ -13062,18 +13100,11 @@
           <a:p>
             <a:pPr algn="ctr"/>
             <a:r>
-              <a:rPr lang="" altLang="en-US">
-                <a:latin typeface="Latin Modern Sans" panose="00000500000000000000" charset="0"/>
-                <a:cs typeface="Latin Modern Sans" panose="00000500000000000000" charset="0"/>
-              </a:rPr>
-              <a:t>8 </a:t>
-            </a:r>
-            <a:r>
               <a:rPr lang="en-US" altLang="en-US">
                 <a:latin typeface="Latin Modern Sans" panose="00000500000000000000" charset="0"/>
                 <a:cs typeface="Latin Modern Sans" panose="00000500000000000000" charset="0"/>
               </a:rPr>
-              <a:t>channels (ch)</a:t>
+              <a:t>8 channels (ch)</a:t>
             </a:r>
             <a:endParaRPr lang="en-US" altLang="en-US">
               <a:latin typeface="Latin Modern Sans" panose="00000500000000000000" charset="0"/>
@@ -13526,13 +13557,13 @@
           <a:p>
             <a:pPr algn="ctr"/>
             <a:r>
-              <a:rPr lang="" altLang="en-US">
+              <a:rPr lang="en-US" altLang="en-US">
                 <a:latin typeface="Latin Modern Sans" panose="00000500000000000000" charset="0"/>
                 <a:cs typeface="Latin Modern Sans" panose="00000500000000000000" charset="0"/>
               </a:rPr>
               <a:t>20 sucessive positions</a:t>
             </a:r>
-            <a:endParaRPr lang="" altLang="en-US">
+            <a:endParaRPr lang="en-US" altLang="en-US">
               <a:latin typeface="Latin Modern Sans" panose="00000500000000000000" charset="0"/>
               <a:cs typeface="Latin Modern Sans" panose="00000500000000000000" charset="0"/>
             </a:endParaRPr>
@@ -13566,30 +13597,9 @@
                 <a:latin typeface="Latin Modern Sans" panose="00000500000000000000" charset="0"/>
                 <a:cs typeface="Latin Modern Sans" panose="00000500000000000000" charset="0"/>
               </a:rPr>
-              <a:t>20 </a:t>
+              <a:t>20 associated diving probabilities</a:t>
             </a:r>
-            <a:r>
-              <a:rPr lang="" altLang="en-US">
-                <a:latin typeface="Latin Modern Sans" panose="00000500000000000000" charset="0"/>
-                <a:cs typeface="Latin Modern Sans" panose="00000500000000000000" charset="0"/>
-              </a:rPr>
-              <a:t>associated</a:t>
-            </a:r>
-            <a:r>
-              <a:rPr lang="en-US" altLang="en-US">
-                <a:latin typeface="Latin Modern Sans" panose="00000500000000000000" charset="0"/>
-                <a:cs typeface="Latin Modern Sans" panose="00000500000000000000" charset="0"/>
-              </a:rPr>
-              <a:t> </a:t>
-            </a:r>
-            <a:r>
-              <a:rPr lang="" altLang="en-US">
-                <a:latin typeface="Latin Modern Sans" panose="00000500000000000000" charset="0"/>
-                <a:cs typeface="Latin Modern Sans" panose="00000500000000000000" charset="0"/>
-              </a:rPr>
-              <a:t>diving probabilities</a:t>
-            </a:r>
-            <a:endParaRPr lang="" altLang="en-US">
+            <a:endParaRPr lang="en-US" altLang="en-US">
               <a:latin typeface="Latin Modern Sans" panose="00000500000000000000" charset="0"/>
               <a:cs typeface="Latin Modern Sans" panose="00000500000000000000" charset="0"/>
             </a:endParaRPr>
@@ -13649,14 +13659,14 @@
           <a:p>
             <a:pPr algn="ctr"/>
             <a:r>
-              <a:rPr lang="" altLang="en-US" sz="2800" b="1">
+              <a:rPr lang="en-US" altLang="en-US" sz="2800" b="1">
                 <a:solidFill>
                   <a:schemeClr val="tx1"/>
                 </a:solidFill>
               </a:rPr>
               <a:t>+</a:t>
             </a:r>
-            <a:endParaRPr lang="" altLang="en-US" sz="2800" b="1">
+            <a:endParaRPr lang="en-US" altLang="en-US" sz="2800" b="1">
               <a:solidFill>
                 <a:schemeClr val="tx1"/>
               </a:solidFill>
@@ -13664,6 +13674,2614 @@
           </a:p>
         </p:txBody>
       </p:sp>
+    </p:spTree>
+  </p:cSld>
+  <p:clrMapOvr>
+    <a:masterClrMapping/>
+  </p:clrMapOvr>
+</p:sld>
+</file>
+
+<file path=ppt/slides/slide3.xml><?xml version="1.0" encoding="utf-8"?>
+<p:sld xmlns:a="http://schemas.openxmlformats.org/drawingml/2006/main" xmlns:r="http://schemas.openxmlformats.org/officeDocument/2006/relationships" xmlns:p="http://schemas.openxmlformats.org/presentationml/2006/main">
+  <p:cSld>
+    <p:spTree>
+      <p:nvGrpSpPr>
+        <p:cNvPr id="1" name=""/>
+        <p:cNvGrpSpPr/>
+        <p:nvPr/>
+      </p:nvGrpSpPr>
+      <p:grpSpPr/>
+      <p:sp>
+        <p:nvSpPr>
+          <p:cNvPr id="55" name="Rectangle 54"/>
+          <p:cNvSpPr/>
+          <p:nvPr/>
+        </p:nvSpPr>
+        <p:spPr>
+          <a:xfrm>
+            <a:off x="-502285" y="-2540"/>
+            <a:ext cx="14044295" cy="7160895"/>
+          </a:xfrm>
+          <a:prstGeom prst="rect">
+            <a:avLst/>
+          </a:prstGeom>
+          <a:solidFill>
+            <a:schemeClr val="bg1"/>
+          </a:solidFill>
+          <a:ln>
+            <a:noFill/>
+          </a:ln>
+        </p:spPr>
+        <p:style>
+          <a:lnRef idx="2">
+            <a:schemeClr val="accent1">
+              <a:shade val="50000"/>
+            </a:schemeClr>
+          </a:lnRef>
+          <a:fillRef idx="1">
+            <a:schemeClr val="accent1"/>
+          </a:fillRef>
+          <a:effectRef idx="0">
+            <a:schemeClr val="accent1"/>
+          </a:effectRef>
+          <a:fontRef idx="minor">
+            <a:schemeClr val="lt1"/>
+          </a:fontRef>
+        </p:style>
+        <p:txBody>
+          <a:bodyPr rtlCol="0" anchor="ctr"/>
+          <a:p>
+            <a:pPr algn="ctr"/>
+            <a:endParaRPr lang="en-US"/>
+          </a:p>
+        </p:txBody>
+      </p:sp>
+      <p:grpSp>
+        <p:nvGrpSpPr>
+          <p:cNvPr id="54" name="Group 53"/>
+          <p:cNvGrpSpPr/>
+          <p:nvPr/>
+        </p:nvGrpSpPr>
+        <p:grpSpPr>
+          <a:xfrm>
+            <a:off x="-285750" y="1454785"/>
+            <a:ext cx="13134340" cy="4384040"/>
+            <a:chOff x="-480" y="2531"/>
+            <a:chExt cx="20684" cy="6904"/>
+          </a:xfrm>
+        </p:grpSpPr>
+        <p:sp>
+          <p:nvSpPr>
+            <p:cNvPr id="94" name="Rounded Rectangle 93"/>
+            <p:cNvSpPr/>
+            <p:nvPr/>
+          </p:nvSpPr>
+          <p:spPr>
+            <a:xfrm>
+              <a:off x="3419" y="2531"/>
+              <a:ext cx="12142" cy="6904"/>
+            </a:xfrm>
+            <a:prstGeom prst="roundRect">
+              <a:avLst/>
+            </a:prstGeom>
+            <a:solidFill>
+              <a:schemeClr val="bg1">
+                <a:lumMod val="95000"/>
+              </a:schemeClr>
+            </a:solidFill>
+            <a:ln>
+              <a:solidFill>
+                <a:schemeClr val="tx1">
+                  <a:lumMod val="95000"/>
+                  <a:lumOff val="5000"/>
+                </a:schemeClr>
+              </a:solidFill>
+            </a:ln>
+          </p:spPr>
+          <p:style>
+            <a:lnRef idx="2">
+              <a:schemeClr val="accent1">
+                <a:shade val="50000"/>
+              </a:schemeClr>
+            </a:lnRef>
+            <a:fillRef idx="1">
+              <a:schemeClr val="accent1"/>
+            </a:fillRef>
+            <a:effectRef idx="0">
+              <a:schemeClr val="accent1"/>
+            </a:effectRef>
+            <a:fontRef idx="minor">
+              <a:schemeClr val="lt1"/>
+            </a:fontRef>
+          </p:style>
+          <p:txBody>
+            <a:bodyPr rtlCol="0" anchor="ctr"/>
+            <a:p>
+              <a:pPr algn="ctr"/>
+              <a:endParaRPr lang="en-US"/>
+            </a:p>
+          </p:txBody>
+        </p:sp>
+        <p:pic>
+          <p:nvPicPr>
+            <p:cNvPr id="4" name="Picture 3"/>
+            <p:cNvPicPr>
+              <a:picLocks noChangeAspect="1"/>
+            </p:cNvPicPr>
+            <p:nvPr/>
+          </p:nvPicPr>
+          <p:blipFill>
+            <a:blip r:embed="rId1"/>
+            <a:srcRect l="77970" t="1046" r="1174" b="63175"/>
+            <a:stretch>
+              <a:fillRect/>
+            </a:stretch>
+          </p:blipFill>
+          <p:spPr>
+            <a:xfrm>
+              <a:off x="4196" y="4228"/>
+              <a:ext cx="2351" cy="2344"/>
+            </a:xfrm>
+            <a:prstGeom prst="rect">
+              <a:avLst/>
+            </a:prstGeom>
+          </p:spPr>
+        </p:pic>
+        <p:cxnSp>
+          <p:nvCxnSpPr>
+            <p:cNvPr id="72" name="Straight Arrow Connector 71"/>
+            <p:cNvCxnSpPr/>
+            <p:nvPr/>
+          </p:nvCxnSpPr>
+          <p:spPr>
+            <a:xfrm flipV="1">
+              <a:off x="3751" y="4248"/>
+              <a:ext cx="0" cy="2187"/>
+            </a:xfrm>
+            <a:prstGeom prst="straightConnector1">
+              <a:avLst/>
+            </a:prstGeom>
+            <a:ln w="19050">
+              <a:solidFill>
+                <a:schemeClr val="tx1"/>
+              </a:solidFill>
+              <a:prstDash val="dash"/>
+              <a:tailEnd type="arrow"/>
+            </a:ln>
+          </p:spPr>
+          <p:style>
+            <a:lnRef idx="1">
+              <a:schemeClr val="accent1"/>
+            </a:lnRef>
+            <a:fillRef idx="0">
+              <a:schemeClr val="accent1"/>
+            </a:fillRef>
+            <a:effectRef idx="0">
+              <a:schemeClr val="accent1"/>
+            </a:effectRef>
+            <a:fontRef idx="minor">
+              <a:schemeClr val="tx1"/>
+            </a:fontRef>
+          </p:style>
+        </p:cxnSp>
+        <p:sp>
+          <p:nvSpPr>
+            <p:cNvPr id="73" name="Text Box 72"/>
+            <p:cNvSpPr txBox="1"/>
+            <p:nvPr/>
+          </p:nvSpPr>
+          <p:spPr>
+            <a:xfrm>
+              <a:off x="4196" y="7162"/>
+              <a:ext cx="2230" cy="725"/>
+            </a:xfrm>
+            <a:prstGeom prst="rect">
+              <a:avLst/>
+            </a:prstGeom>
+            <a:noFill/>
+          </p:spPr>
+          <p:txBody>
+            <a:bodyPr wrap="square" rtlCol="0">
+              <a:spAutoFit/>
+            </a:bodyPr>
+            <a:p>
+              <a:pPr algn="ctr"/>
+              <a:r>
+                <a:rPr lang="en-US" altLang="en-US" sz="2400">
+                  <a:latin typeface="Latin Modern Sans" panose="00000500000000000000" charset="0"/>
+                  <a:cs typeface="Latin Modern Sans" panose="00000500000000000000" charset="0"/>
+                </a:rPr>
+                <a:t>time</a:t>
+              </a:r>
+              <a:endParaRPr lang="en-US" altLang="en-US" sz="2400">
+                <a:latin typeface="Latin Modern Sans" panose="00000500000000000000" charset="0"/>
+                <a:cs typeface="Latin Modern Sans" panose="00000500000000000000" charset="0"/>
+              </a:endParaRPr>
+            </a:p>
+          </p:txBody>
+        </p:sp>
+        <p:sp>
+          <p:nvSpPr>
+            <p:cNvPr id="81" name="Rectangle 80"/>
+            <p:cNvSpPr/>
+            <p:nvPr/>
+          </p:nvSpPr>
+          <p:spPr>
+            <a:xfrm>
+              <a:off x="8796" y="6361"/>
+              <a:ext cx="545" cy="1983"/>
+            </a:xfrm>
+            <a:prstGeom prst="rect">
+              <a:avLst/>
+            </a:prstGeom>
+            <a:solidFill>
+              <a:schemeClr val="bg2">
+                <a:lumMod val="90000"/>
+              </a:schemeClr>
+            </a:solidFill>
+            <a:ln w="19050">
+              <a:solidFill>
+                <a:schemeClr val="tx1"/>
+              </a:solidFill>
+            </a:ln>
+          </p:spPr>
+          <p:style>
+            <a:lnRef idx="2">
+              <a:schemeClr val="accent1">
+                <a:shade val="50000"/>
+              </a:schemeClr>
+            </a:lnRef>
+            <a:fillRef idx="1">
+              <a:schemeClr val="accent1"/>
+            </a:fillRef>
+            <a:effectRef idx="0">
+              <a:schemeClr val="accent1"/>
+            </a:effectRef>
+            <a:fontRef idx="minor">
+              <a:schemeClr val="lt1"/>
+            </a:fontRef>
+          </p:style>
+          <p:txBody>
+            <a:bodyPr rtlCol="0" anchor="ctr"/>
+            <a:p>
+              <a:pPr algn="ctr"/>
+              <a:endParaRPr lang="en-US"/>
+            </a:p>
+          </p:txBody>
+        </p:sp>
+        <p:sp>
+          <p:nvSpPr>
+            <p:cNvPr id="82" name="Rectangle 81"/>
+            <p:cNvSpPr/>
+            <p:nvPr/>
+          </p:nvSpPr>
+          <p:spPr>
+            <a:xfrm>
+              <a:off x="9852" y="8053"/>
+              <a:ext cx="1639" cy="1007"/>
+            </a:xfrm>
+            <a:prstGeom prst="rect">
+              <a:avLst/>
+            </a:prstGeom>
+            <a:solidFill>
+              <a:schemeClr val="bg2">
+                <a:lumMod val="90000"/>
+              </a:schemeClr>
+            </a:solidFill>
+            <a:ln w="19050">
+              <a:solidFill>
+                <a:schemeClr val="tx1"/>
+              </a:solidFill>
+            </a:ln>
+          </p:spPr>
+          <p:style>
+            <a:lnRef idx="2">
+              <a:schemeClr val="accent1">
+                <a:shade val="50000"/>
+              </a:schemeClr>
+            </a:lnRef>
+            <a:fillRef idx="1">
+              <a:schemeClr val="accent1"/>
+            </a:fillRef>
+            <a:effectRef idx="0">
+              <a:schemeClr val="accent1"/>
+            </a:effectRef>
+            <a:fontRef idx="minor">
+              <a:schemeClr val="lt1"/>
+            </a:fontRef>
+          </p:style>
+          <p:txBody>
+            <a:bodyPr rtlCol="0" anchor="ctr"/>
+            <a:p>
+              <a:pPr algn="ctr"/>
+              <a:endParaRPr lang="en-US"/>
+            </a:p>
+          </p:txBody>
+        </p:sp>
+        <p:sp>
+          <p:nvSpPr>
+            <p:cNvPr id="83" name="Rectangle 82"/>
+            <p:cNvSpPr/>
+            <p:nvPr/>
+          </p:nvSpPr>
+          <p:spPr>
+            <a:xfrm>
+              <a:off x="12342" y="6356"/>
+              <a:ext cx="545" cy="1983"/>
+            </a:xfrm>
+            <a:prstGeom prst="rect">
+              <a:avLst/>
+            </a:prstGeom>
+            <a:solidFill>
+              <a:schemeClr val="bg2">
+                <a:lumMod val="90000"/>
+              </a:schemeClr>
+            </a:solidFill>
+            <a:ln w="19050">
+              <a:solidFill>
+                <a:schemeClr val="tx1"/>
+              </a:solidFill>
+            </a:ln>
+          </p:spPr>
+          <p:style>
+            <a:lnRef idx="2">
+              <a:schemeClr val="accent1">
+                <a:shade val="50000"/>
+              </a:schemeClr>
+            </a:lnRef>
+            <a:fillRef idx="1">
+              <a:schemeClr val="accent1"/>
+            </a:fillRef>
+            <a:effectRef idx="0">
+              <a:schemeClr val="accent1"/>
+            </a:effectRef>
+            <a:fontRef idx="minor">
+              <a:schemeClr val="lt1"/>
+            </a:fontRef>
+          </p:style>
+          <p:txBody>
+            <a:bodyPr rtlCol="0" anchor="ctr"/>
+            <a:p>
+              <a:pPr algn="ctr"/>
+              <a:endParaRPr lang="en-US"/>
+            </a:p>
+          </p:txBody>
+        </p:sp>
+        <p:sp>
+          <p:nvSpPr>
+            <p:cNvPr id="84" name="Rectangle 83"/>
+            <p:cNvSpPr/>
+            <p:nvPr/>
+          </p:nvSpPr>
+          <p:spPr>
+            <a:xfrm>
+              <a:off x="14911" y="4035"/>
+              <a:ext cx="182" cy="3155"/>
+            </a:xfrm>
+            <a:prstGeom prst="rect">
+              <a:avLst/>
+            </a:prstGeom>
+            <a:solidFill>
+              <a:schemeClr val="bg2">
+                <a:lumMod val="90000"/>
+              </a:schemeClr>
+            </a:solidFill>
+            <a:ln w="19050">
+              <a:solidFill>
+                <a:schemeClr val="tx1"/>
+              </a:solidFill>
+            </a:ln>
+          </p:spPr>
+          <p:style>
+            <a:lnRef idx="2">
+              <a:schemeClr val="accent1">
+                <a:shade val="50000"/>
+              </a:schemeClr>
+            </a:lnRef>
+            <a:fillRef idx="1">
+              <a:schemeClr val="accent1"/>
+            </a:fillRef>
+            <a:effectRef idx="0">
+              <a:schemeClr val="accent1"/>
+            </a:effectRef>
+            <a:fontRef idx="minor">
+              <a:schemeClr val="lt1"/>
+            </a:fontRef>
+          </p:style>
+          <p:txBody>
+            <a:bodyPr rtlCol="0" anchor="ctr"/>
+            <a:p>
+              <a:pPr algn="ctr"/>
+              <a:endParaRPr lang="en-US" altLang="en-US"/>
+            </a:p>
+          </p:txBody>
+        </p:sp>
+        <p:cxnSp>
+          <p:nvCxnSpPr>
+            <p:cNvPr id="85" name="Straight Arrow Connector 84"/>
+            <p:cNvCxnSpPr/>
+            <p:nvPr/>
+          </p:nvCxnSpPr>
+          <p:spPr>
+            <a:xfrm flipV="1">
+              <a:off x="8796" y="4610"/>
+              <a:ext cx="4014" cy="1"/>
+            </a:xfrm>
+            <a:prstGeom prst="straightConnector1">
+              <a:avLst/>
+            </a:prstGeom>
+            <a:ln w="28575">
+              <a:solidFill>
+                <a:schemeClr val="tx1"/>
+              </a:solidFill>
+              <a:tailEnd type="arrow"/>
+            </a:ln>
+          </p:spPr>
+          <p:style>
+            <a:lnRef idx="1">
+              <a:schemeClr val="accent1"/>
+            </a:lnRef>
+            <a:fillRef idx="0">
+              <a:schemeClr val="accent1"/>
+            </a:fillRef>
+            <a:effectRef idx="0">
+              <a:schemeClr val="accent1"/>
+            </a:effectRef>
+            <a:fontRef idx="minor">
+              <a:schemeClr val="tx1"/>
+            </a:fontRef>
+          </p:style>
+        </p:cxnSp>
+        <p:cxnSp>
+          <p:nvCxnSpPr>
+            <p:cNvPr id="86" name="Straight Arrow Connector 85"/>
+            <p:cNvCxnSpPr/>
+            <p:nvPr/>
+          </p:nvCxnSpPr>
+          <p:spPr>
+            <a:xfrm flipV="1">
+              <a:off x="9725" y="6609"/>
+              <a:ext cx="1740" cy="20"/>
+            </a:xfrm>
+            <a:prstGeom prst="straightConnector1">
+              <a:avLst/>
+            </a:prstGeom>
+            <a:ln w="28575">
+              <a:solidFill>
+                <a:schemeClr val="tx1"/>
+              </a:solidFill>
+              <a:tailEnd type="arrow"/>
+            </a:ln>
+          </p:spPr>
+          <p:style>
+            <a:lnRef idx="1">
+              <a:schemeClr val="accent1"/>
+            </a:lnRef>
+            <a:fillRef idx="0">
+              <a:schemeClr val="accent1"/>
+            </a:fillRef>
+            <a:effectRef idx="0">
+              <a:schemeClr val="accent1"/>
+            </a:effectRef>
+            <a:fontRef idx="minor">
+              <a:schemeClr val="tx1"/>
+            </a:fontRef>
+          </p:style>
+        </p:cxnSp>
+        <p:sp>
+          <p:nvSpPr>
+            <p:cNvPr id="113" name="Rectangle 112"/>
+            <p:cNvSpPr/>
+            <p:nvPr/>
+          </p:nvSpPr>
+          <p:spPr>
+            <a:xfrm>
+              <a:off x="7907" y="4057"/>
+              <a:ext cx="322" cy="3155"/>
+            </a:xfrm>
+            <a:prstGeom prst="rect">
+              <a:avLst/>
+            </a:prstGeom>
+            <a:solidFill>
+              <a:schemeClr val="bg2">
+                <a:lumMod val="90000"/>
+              </a:schemeClr>
+            </a:solidFill>
+            <a:ln w="19050">
+              <a:solidFill>
+                <a:schemeClr val="tx1"/>
+              </a:solidFill>
+            </a:ln>
+          </p:spPr>
+          <p:style>
+            <a:lnRef idx="2">
+              <a:schemeClr val="accent1">
+                <a:shade val="50000"/>
+              </a:schemeClr>
+            </a:lnRef>
+            <a:fillRef idx="1">
+              <a:schemeClr val="accent1"/>
+            </a:fillRef>
+            <a:effectRef idx="0">
+              <a:schemeClr val="accent1"/>
+            </a:effectRef>
+            <a:fontRef idx="minor">
+              <a:schemeClr val="lt1"/>
+            </a:fontRef>
+          </p:style>
+          <p:txBody>
+            <a:bodyPr rtlCol="0" anchor="ctr"/>
+            <a:p>
+              <a:pPr algn="ctr"/>
+              <a:endParaRPr lang="en-US"/>
+            </a:p>
+          </p:txBody>
+        </p:sp>
+        <p:sp>
+          <p:nvSpPr>
+            <p:cNvPr id="115" name="Rectangle 114"/>
+            <p:cNvSpPr/>
+            <p:nvPr/>
+          </p:nvSpPr>
+          <p:spPr>
+            <a:xfrm>
+              <a:off x="13741" y="4056"/>
+              <a:ext cx="322" cy="3155"/>
+            </a:xfrm>
+            <a:prstGeom prst="rect">
+              <a:avLst/>
+            </a:prstGeom>
+            <a:solidFill>
+              <a:schemeClr val="bg2">
+                <a:lumMod val="90000"/>
+              </a:schemeClr>
+            </a:solidFill>
+            <a:ln w="19050">
+              <a:solidFill>
+                <a:schemeClr val="tx1"/>
+              </a:solidFill>
+            </a:ln>
+          </p:spPr>
+          <p:style>
+            <a:lnRef idx="2">
+              <a:schemeClr val="accent1">
+                <a:shade val="50000"/>
+              </a:schemeClr>
+            </a:lnRef>
+            <a:fillRef idx="1">
+              <a:schemeClr val="accent1"/>
+            </a:fillRef>
+            <a:effectRef idx="0">
+              <a:schemeClr val="accent1"/>
+            </a:effectRef>
+            <a:fontRef idx="minor">
+              <a:schemeClr val="lt1"/>
+            </a:fontRef>
+          </p:style>
+          <p:txBody>
+            <a:bodyPr rtlCol="0" anchor="ctr"/>
+            <a:p>
+              <a:pPr algn="ctr"/>
+              <a:endParaRPr lang="en-US"/>
+            </a:p>
+          </p:txBody>
+        </p:sp>
+        <p:sp>
+          <p:nvSpPr>
+            <p:cNvPr id="116" name="Rectangle 115"/>
+            <p:cNvSpPr/>
+            <p:nvPr/>
+          </p:nvSpPr>
+          <p:spPr>
+            <a:xfrm>
+              <a:off x="11797" y="6356"/>
+              <a:ext cx="545" cy="1983"/>
+            </a:xfrm>
+            <a:prstGeom prst="rect">
+              <a:avLst/>
+            </a:prstGeom>
+            <a:solidFill>
+              <a:schemeClr val="bg1"/>
+            </a:solidFill>
+            <a:ln w="19050">
+              <a:solidFill>
+                <a:schemeClr val="tx1"/>
+              </a:solidFill>
+            </a:ln>
+          </p:spPr>
+          <p:style>
+            <a:lnRef idx="2">
+              <a:schemeClr val="accent1">
+                <a:shade val="50000"/>
+              </a:schemeClr>
+            </a:lnRef>
+            <a:fillRef idx="1">
+              <a:schemeClr val="accent1"/>
+            </a:fillRef>
+            <a:effectRef idx="0">
+              <a:schemeClr val="accent1"/>
+            </a:effectRef>
+            <a:fontRef idx="minor">
+              <a:schemeClr val="lt1"/>
+            </a:fontRef>
+          </p:style>
+          <p:txBody>
+            <a:bodyPr rtlCol="0" anchor="ctr"/>
+            <a:p>
+              <a:pPr algn="ctr"/>
+              <a:endParaRPr lang="en-US"/>
+            </a:p>
+          </p:txBody>
+        </p:sp>
+        <p:sp>
+          <p:nvSpPr>
+            <p:cNvPr id="117" name="Rectangle 116"/>
+            <p:cNvSpPr/>
+            <p:nvPr/>
+          </p:nvSpPr>
+          <p:spPr>
+            <a:xfrm>
+              <a:off x="13396" y="4058"/>
+              <a:ext cx="345" cy="3153"/>
+            </a:xfrm>
+            <a:prstGeom prst="rect">
+              <a:avLst/>
+            </a:prstGeom>
+            <a:solidFill>
+              <a:schemeClr val="bg1"/>
+            </a:solidFill>
+            <a:ln w="19050">
+              <a:solidFill>
+                <a:schemeClr val="tx1"/>
+              </a:solidFill>
+            </a:ln>
+          </p:spPr>
+          <p:style>
+            <a:lnRef idx="2">
+              <a:schemeClr val="accent1">
+                <a:shade val="50000"/>
+              </a:schemeClr>
+            </a:lnRef>
+            <a:fillRef idx="1">
+              <a:schemeClr val="accent1"/>
+            </a:fillRef>
+            <a:effectRef idx="0">
+              <a:schemeClr val="accent1"/>
+            </a:effectRef>
+            <a:fontRef idx="minor">
+              <a:schemeClr val="lt1"/>
+            </a:fontRef>
+          </p:style>
+          <p:txBody>
+            <a:bodyPr rtlCol="0" anchor="ctr"/>
+            <a:p>
+              <a:pPr algn="ctr"/>
+              <a:endParaRPr lang="en-US"/>
+            </a:p>
+          </p:txBody>
+        </p:sp>
+        <p:cxnSp>
+          <p:nvCxnSpPr>
+            <p:cNvPr id="121" name="Elbow Connector 120"/>
+            <p:cNvCxnSpPr/>
+            <p:nvPr/>
+          </p:nvCxnSpPr>
+          <p:spPr>
+            <a:xfrm flipV="1">
+              <a:off x="11763" y="8514"/>
+              <a:ext cx="579" cy="339"/>
+            </a:xfrm>
+            <a:prstGeom prst="bentConnector2">
+              <a:avLst/>
+            </a:prstGeom>
+            <a:ln w="38100">
+              <a:solidFill>
+                <a:schemeClr val="tx1"/>
+              </a:solidFill>
+              <a:tailEnd type="arrow"/>
+            </a:ln>
+          </p:spPr>
+          <p:style>
+            <a:lnRef idx="1">
+              <a:schemeClr val="accent1"/>
+            </a:lnRef>
+            <a:fillRef idx="0">
+              <a:schemeClr val="accent1"/>
+            </a:fillRef>
+            <a:effectRef idx="0">
+              <a:schemeClr val="accent1"/>
+            </a:effectRef>
+            <a:fontRef idx="minor">
+              <a:schemeClr val="tx1"/>
+            </a:fontRef>
+          </p:style>
+        </p:cxnSp>
+        <p:cxnSp>
+          <p:nvCxnSpPr>
+            <p:cNvPr id="125" name="Elbow Connector 124"/>
+            <p:cNvCxnSpPr/>
+            <p:nvPr/>
+          </p:nvCxnSpPr>
+          <p:spPr>
+            <a:xfrm rot="5400000" flipV="1">
+              <a:off x="9219" y="8459"/>
+              <a:ext cx="213" cy="575"/>
+            </a:xfrm>
+            <a:prstGeom prst="bentConnector2">
+              <a:avLst/>
+            </a:prstGeom>
+            <a:ln w="38100">
+              <a:solidFill>
+                <a:schemeClr val="tx1"/>
+              </a:solidFill>
+              <a:tailEnd type="arrow"/>
+            </a:ln>
+          </p:spPr>
+          <p:style>
+            <a:lnRef idx="1">
+              <a:schemeClr val="accent1"/>
+            </a:lnRef>
+            <a:fillRef idx="0">
+              <a:schemeClr val="accent1"/>
+            </a:fillRef>
+            <a:effectRef idx="0">
+              <a:schemeClr val="accent1"/>
+            </a:effectRef>
+            <a:fontRef idx="minor">
+              <a:schemeClr val="tx1"/>
+            </a:fontRef>
+          </p:style>
+        </p:cxnSp>
+        <p:cxnSp>
+          <p:nvCxnSpPr>
+            <p:cNvPr id="126" name="Elbow Connector 125"/>
+            <p:cNvCxnSpPr/>
+            <p:nvPr/>
+          </p:nvCxnSpPr>
+          <p:spPr>
+            <a:xfrm rot="5400000" flipV="1">
+              <a:off x="8208" y="7452"/>
+              <a:ext cx="213" cy="575"/>
+            </a:xfrm>
+            <a:prstGeom prst="bentConnector2">
+              <a:avLst/>
+            </a:prstGeom>
+            <a:ln w="38100">
+              <a:solidFill>
+                <a:schemeClr val="tx1"/>
+              </a:solidFill>
+              <a:tailEnd type="arrow"/>
+            </a:ln>
+          </p:spPr>
+          <p:style>
+            <a:lnRef idx="1">
+              <a:schemeClr val="accent1"/>
+            </a:lnRef>
+            <a:fillRef idx="0">
+              <a:schemeClr val="accent1"/>
+            </a:fillRef>
+            <a:effectRef idx="0">
+              <a:schemeClr val="accent1"/>
+            </a:effectRef>
+            <a:fontRef idx="minor">
+              <a:schemeClr val="tx1"/>
+            </a:fontRef>
+          </p:style>
+        </p:cxnSp>
+        <p:cxnSp>
+          <p:nvCxnSpPr>
+            <p:cNvPr id="136" name="Elbow Connector 135"/>
+            <p:cNvCxnSpPr/>
+            <p:nvPr/>
+          </p:nvCxnSpPr>
+          <p:spPr>
+            <a:xfrm flipV="1">
+              <a:off x="13162" y="7507"/>
+              <a:ext cx="579" cy="339"/>
+            </a:xfrm>
+            <a:prstGeom prst="bentConnector2">
+              <a:avLst/>
+            </a:prstGeom>
+            <a:ln w="38100">
+              <a:solidFill>
+                <a:schemeClr val="tx1"/>
+              </a:solidFill>
+              <a:tailEnd type="arrow"/>
+            </a:ln>
+          </p:spPr>
+          <p:style>
+            <a:lnRef idx="1">
+              <a:schemeClr val="accent1"/>
+            </a:lnRef>
+            <a:fillRef idx="0">
+              <a:schemeClr val="accent1"/>
+            </a:fillRef>
+            <a:effectRef idx="0">
+              <a:schemeClr val="accent1"/>
+            </a:effectRef>
+            <a:fontRef idx="minor">
+              <a:schemeClr val="tx1"/>
+            </a:fontRef>
+          </p:style>
+        </p:cxnSp>
+        <p:sp>
+          <p:nvSpPr>
+            <p:cNvPr id="10" name="Text Box 9"/>
+            <p:cNvSpPr txBox="1"/>
+            <p:nvPr/>
+          </p:nvSpPr>
+          <p:spPr>
+            <a:xfrm>
+              <a:off x="9226" y="2591"/>
+              <a:ext cx="3010" cy="1307"/>
+            </a:xfrm>
+            <a:prstGeom prst="rect">
+              <a:avLst/>
+            </a:prstGeom>
+            <a:noFill/>
+          </p:spPr>
+          <p:txBody>
+            <a:bodyPr wrap="square" rtlCol="0">
+              <a:spAutoFit/>
+            </a:bodyPr>
+            <a:p>
+              <a:pPr algn="ctr"/>
+              <a:r>
+                <a:rPr lang="en-US" altLang="en-US" sz="2400" b="1">
+                  <a:latin typeface="Latin Modern Sans" panose="00000500000000000000" charset="0"/>
+                  <a:cs typeface="Latin Modern Sans" panose="00000500000000000000" charset="0"/>
+                </a:rPr>
+                <a:t>U-Network (UNet)</a:t>
+              </a:r>
+              <a:endParaRPr lang="en-US" altLang="en-US" sz="2400" b="1">
+                <a:latin typeface="Latin Modern Sans" panose="00000500000000000000" charset="0"/>
+                <a:cs typeface="Latin Modern Sans" panose="00000500000000000000" charset="0"/>
+              </a:endParaRPr>
+            </a:p>
+          </p:txBody>
+        </p:sp>
+        <p:sp>
+          <p:nvSpPr>
+            <p:cNvPr id="46" name="Text Box 45"/>
+            <p:cNvSpPr txBox="1"/>
+            <p:nvPr/>
+          </p:nvSpPr>
+          <p:spPr>
+            <a:xfrm>
+              <a:off x="-480" y="2670"/>
+              <a:ext cx="3423" cy="1307"/>
+            </a:xfrm>
+            <a:prstGeom prst="rect">
+              <a:avLst/>
+            </a:prstGeom>
+            <a:noFill/>
+          </p:spPr>
+          <p:txBody>
+            <a:bodyPr wrap="square" rtlCol="0">
+              <a:spAutoFit/>
+            </a:bodyPr>
+            <a:p>
+              <a:pPr algn="ctr"/>
+              <a:r>
+                <a:rPr lang="en-US" altLang="en-US" sz="2400" b="1">
+                  <a:latin typeface="Latin Modern Sans" panose="00000500000000000000" charset="0"/>
+                  <a:cs typeface="Latin Modern Sans" panose="00000500000000000000" charset="0"/>
+                </a:rPr>
+                <a:t>input</a:t>
+              </a:r>
+              <a:endParaRPr lang="en-US" altLang="en-US" sz="2400" b="1">
+                <a:latin typeface="Latin Modern Sans" panose="00000500000000000000" charset="0"/>
+                <a:cs typeface="Latin Modern Sans" panose="00000500000000000000" charset="0"/>
+              </a:endParaRPr>
+            </a:p>
+            <a:p>
+              <a:pPr algn="ctr"/>
+              <a:r>
+                <a:rPr lang="en-US" altLang="en-US" sz="2400" b="1">
+                  <a:latin typeface="Latin Modern Sans" panose="00000500000000000000" charset="0"/>
+                  <a:cs typeface="Latin Modern Sans" panose="00000500000000000000" charset="0"/>
+                </a:rPr>
+                <a:t>(GPS track)</a:t>
+              </a:r>
+              <a:endParaRPr lang="en-US" altLang="en-US" sz="2400" b="1">
+                <a:latin typeface="Latin Modern Sans" panose="00000500000000000000" charset="0"/>
+                <a:cs typeface="Latin Modern Sans" panose="00000500000000000000" charset="0"/>
+              </a:endParaRPr>
+            </a:p>
+          </p:txBody>
+        </p:sp>
+        <p:sp>
+          <p:nvSpPr>
+            <p:cNvPr id="56" name="Freeform 55"/>
+            <p:cNvSpPr/>
+            <p:nvPr/>
+          </p:nvSpPr>
+          <p:spPr>
+            <a:xfrm>
+              <a:off x="181" y="4628"/>
+              <a:ext cx="2102" cy="1498"/>
+            </a:xfrm>
+            <a:custGeom>
+              <a:avLst/>
+              <a:gdLst>
+                <a:gd name="connisteX0" fmla="*/ 0 w 1334470"/>
+                <a:gd name="connsiteY0" fmla="*/ 0 h 951230"/>
+                <a:gd name="connisteX1" fmla="*/ 72390 w 1334470"/>
+                <a:gd name="connsiteY1" fmla="*/ 57785 h 951230"/>
+                <a:gd name="connisteX2" fmla="*/ 173355 w 1334470"/>
+                <a:gd name="connsiteY2" fmla="*/ 115570 h 951230"/>
+                <a:gd name="connisteX3" fmla="*/ 259715 w 1334470"/>
+                <a:gd name="connsiteY3" fmla="*/ 144780 h 951230"/>
+                <a:gd name="connisteX4" fmla="*/ 332105 w 1334470"/>
+                <a:gd name="connsiteY4" fmla="*/ 158750 h 951230"/>
+                <a:gd name="connisteX5" fmla="*/ 447675 w 1334470"/>
+                <a:gd name="connsiteY5" fmla="*/ 187960 h 951230"/>
+                <a:gd name="connisteX6" fmla="*/ 518160 w 1334470"/>
+                <a:gd name="connsiteY6" fmla="*/ 231140 h 951230"/>
+                <a:gd name="connisteX7" fmla="*/ 605155 w 1334470"/>
+                <a:gd name="connsiteY7" fmla="*/ 274320 h 951230"/>
+                <a:gd name="connisteX8" fmla="*/ 676910 w 1334470"/>
+                <a:gd name="connsiteY8" fmla="*/ 317500 h 951230"/>
+                <a:gd name="connisteX9" fmla="*/ 749300 w 1334470"/>
+                <a:gd name="connsiteY9" fmla="*/ 346710 h 951230"/>
+                <a:gd name="connisteX10" fmla="*/ 821055 w 1334470"/>
+                <a:gd name="connsiteY10" fmla="*/ 374015 h 951230"/>
+                <a:gd name="connisteX11" fmla="*/ 893445 w 1334470"/>
+                <a:gd name="connsiteY11" fmla="*/ 388620 h 951230"/>
+                <a:gd name="connisteX12" fmla="*/ 979805 w 1334470"/>
+                <a:gd name="connsiteY12" fmla="*/ 417195 h 951230"/>
+                <a:gd name="connisteX13" fmla="*/ 1095375 w 1334470"/>
+                <a:gd name="connsiteY13" fmla="*/ 431800 h 951230"/>
+                <a:gd name="connisteX14" fmla="*/ 1182370 w 1334470"/>
+                <a:gd name="connsiteY14" fmla="*/ 431800 h 951230"/>
+                <a:gd name="connisteX15" fmla="*/ 1254125 w 1334470"/>
+                <a:gd name="connsiteY15" fmla="*/ 431800 h 951230"/>
+                <a:gd name="connisteX16" fmla="*/ 1326515 w 1334470"/>
+                <a:gd name="connsiteY16" fmla="*/ 403225 h 951230"/>
+                <a:gd name="connisteX17" fmla="*/ 1326515 w 1334470"/>
+                <a:gd name="connsiteY17" fmla="*/ 332105 h 951230"/>
+                <a:gd name="connisteX18" fmla="*/ 1297940 w 1334470"/>
+                <a:gd name="connsiteY18" fmla="*/ 259715 h 951230"/>
+                <a:gd name="connisteX19" fmla="*/ 1225550 w 1334470"/>
+                <a:gd name="connsiteY19" fmla="*/ 245745 h 951230"/>
+                <a:gd name="connisteX20" fmla="*/ 1153160 w 1334470"/>
+                <a:gd name="connsiteY20" fmla="*/ 317500 h 951230"/>
+                <a:gd name="connisteX21" fmla="*/ 1124585 w 1334470"/>
+                <a:gd name="connsiteY21" fmla="*/ 388620 h 951230"/>
+                <a:gd name="connisteX22" fmla="*/ 1109980 w 1334470"/>
+                <a:gd name="connsiteY22" fmla="*/ 474980 h 951230"/>
+                <a:gd name="connisteX23" fmla="*/ 1095375 w 1334470"/>
+                <a:gd name="connsiteY23" fmla="*/ 561975 h 951230"/>
+                <a:gd name="connisteX24" fmla="*/ 1095375 w 1334470"/>
+                <a:gd name="connsiteY24" fmla="*/ 633730 h 951230"/>
+                <a:gd name="connisteX25" fmla="*/ 1109980 w 1334470"/>
+                <a:gd name="connsiteY25" fmla="*/ 720725 h 951230"/>
+                <a:gd name="connisteX26" fmla="*/ 1153160 w 1334470"/>
+                <a:gd name="connsiteY26" fmla="*/ 792480 h 951230"/>
+                <a:gd name="connisteX27" fmla="*/ 1210945 w 1334470"/>
+                <a:gd name="connsiteY27" fmla="*/ 879475 h 951230"/>
+                <a:gd name="connisteX28" fmla="*/ 1225550 w 1334470"/>
+                <a:gd name="connsiteY28" fmla="*/ 951230 h 951230"/>
+              </a:gdLst>
+              <a:ahLst/>
+              <a:cxnLst>
+                <a:cxn ang="0">
+                  <a:pos x="connisteX0" y="connsiteY0"/>
+                </a:cxn>
+                <a:cxn ang="0">
+                  <a:pos x="connisteX1" y="connsiteY1"/>
+                </a:cxn>
+                <a:cxn ang="0">
+                  <a:pos x="connisteX2" y="connsiteY2"/>
+                </a:cxn>
+                <a:cxn ang="0">
+                  <a:pos x="connisteX3" y="connsiteY3"/>
+                </a:cxn>
+                <a:cxn ang="0">
+                  <a:pos x="connisteX4" y="connsiteY4"/>
+                </a:cxn>
+                <a:cxn ang="0">
+                  <a:pos x="connisteX5" y="connsiteY5"/>
+                </a:cxn>
+                <a:cxn ang="0">
+                  <a:pos x="connisteX6" y="connsiteY6"/>
+                </a:cxn>
+                <a:cxn ang="0">
+                  <a:pos x="connisteX7" y="connsiteY7"/>
+                </a:cxn>
+                <a:cxn ang="0">
+                  <a:pos x="connisteX8" y="connsiteY8"/>
+                </a:cxn>
+                <a:cxn ang="0">
+                  <a:pos x="connisteX9" y="connsiteY9"/>
+                </a:cxn>
+                <a:cxn ang="0">
+                  <a:pos x="connisteX10" y="connsiteY10"/>
+                </a:cxn>
+                <a:cxn ang="0">
+                  <a:pos x="connisteX11" y="connsiteY11"/>
+                </a:cxn>
+                <a:cxn ang="0">
+                  <a:pos x="connisteX12" y="connsiteY12"/>
+                </a:cxn>
+                <a:cxn ang="0">
+                  <a:pos x="connisteX13" y="connsiteY13"/>
+                </a:cxn>
+                <a:cxn ang="0">
+                  <a:pos x="connisteX14" y="connsiteY14"/>
+                </a:cxn>
+                <a:cxn ang="0">
+                  <a:pos x="connisteX15" y="connsiteY15"/>
+                </a:cxn>
+                <a:cxn ang="0">
+                  <a:pos x="connisteX16" y="connsiteY16"/>
+                </a:cxn>
+                <a:cxn ang="0">
+                  <a:pos x="connisteX17" y="connsiteY17"/>
+                </a:cxn>
+                <a:cxn ang="0">
+                  <a:pos x="connisteX18" y="connsiteY18"/>
+                </a:cxn>
+                <a:cxn ang="0">
+                  <a:pos x="connisteX19" y="connsiteY19"/>
+                </a:cxn>
+                <a:cxn ang="0">
+                  <a:pos x="connisteX20" y="connsiteY20"/>
+                </a:cxn>
+                <a:cxn ang="0">
+                  <a:pos x="connisteX21" y="connsiteY21"/>
+                </a:cxn>
+                <a:cxn ang="0">
+                  <a:pos x="connisteX22" y="connsiteY22"/>
+                </a:cxn>
+                <a:cxn ang="0">
+                  <a:pos x="connisteX23" y="connsiteY23"/>
+                </a:cxn>
+                <a:cxn ang="0">
+                  <a:pos x="connisteX24" y="connsiteY24"/>
+                </a:cxn>
+                <a:cxn ang="0">
+                  <a:pos x="connisteX25" y="connsiteY25"/>
+                </a:cxn>
+                <a:cxn ang="0">
+                  <a:pos x="connisteX26" y="connsiteY26"/>
+                </a:cxn>
+                <a:cxn ang="0">
+                  <a:pos x="connisteX27" y="connsiteY27"/>
+                </a:cxn>
+                <a:cxn ang="0">
+                  <a:pos x="connisteX28" y="connsiteY28"/>
+                </a:cxn>
+              </a:cxnLst>
+              <a:rect l="l" t="t" r="r" b="b"/>
+              <a:pathLst>
+                <a:path w="1334471" h="951230">
+                  <a:moveTo>
+                    <a:pt x="0" y="0"/>
+                  </a:moveTo>
+                  <a:cubicBezTo>
+                    <a:pt x="12700" y="10160"/>
+                    <a:pt x="37465" y="34925"/>
+                    <a:pt x="72390" y="57785"/>
+                  </a:cubicBezTo>
+                  <a:cubicBezTo>
+                    <a:pt x="107315" y="80645"/>
+                    <a:pt x="135890" y="98425"/>
+                    <a:pt x="173355" y="115570"/>
+                  </a:cubicBezTo>
+                  <a:cubicBezTo>
+                    <a:pt x="210820" y="132715"/>
+                    <a:pt x="227965" y="135890"/>
+                    <a:pt x="259715" y="144780"/>
+                  </a:cubicBezTo>
+                  <a:cubicBezTo>
+                    <a:pt x="291465" y="153670"/>
+                    <a:pt x="294640" y="149860"/>
+                    <a:pt x="332105" y="158750"/>
+                  </a:cubicBezTo>
+                  <a:cubicBezTo>
+                    <a:pt x="369570" y="167640"/>
+                    <a:pt x="410210" y="173355"/>
+                    <a:pt x="447675" y="187960"/>
+                  </a:cubicBezTo>
+                  <a:cubicBezTo>
+                    <a:pt x="485140" y="202565"/>
+                    <a:pt x="486410" y="213995"/>
+                    <a:pt x="518160" y="231140"/>
+                  </a:cubicBezTo>
+                  <a:cubicBezTo>
+                    <a:pt x="549910" y="248285"/>
+                    <a:pt x="573405" y="257175"/>
+                    <a:pt x="605155" y="274320"/>
+                  </a:cubicBezTo>
+                  <a:cubicBezTo>
+                    <a:pt x="636905" y="291465"/>
+                    <a:pt x="648335" y="302895"/>
+                    <a:pt x="676910" y="317500"/>
+                  </a:cubicBezTo>
+                  <a:cubicBezTo>
+                    <a:pt x="705485" y="332105"/>
+                    <a:pt x="720725" y="335280"/>
+                    <a:pt x="749300" y="346710"/>
+                  </a:cubicBezTo>
+                  <a:cubicBezTo>
+                    <a:pt x="777875" y="358140"/>
+                    <a:pt x="792480" y="365760"/>
+                    <a:pt x="821055" y="374015"/>
+                  </a:cubicBezTo>
+                  <a:cubicBezTo>
+                    <a:pt x="849630" y="382270"/>
+                    <a:pt x="861695" y="379730"/>
+                    <a:pt x="893445" y="388620"/>
+                  </a:cubicBezTo>
+                  <a:cubicBezTo>
+                    <a:pt x="925195" y="397510"/>
+                    <a:pt x="939165" y="408305"/>
+                    <a:pt x="979805" y="417195"/>
+                  </a:cubicBezTo>
+                  <a:cubicBezTo>
+                    <a:pt x="1020445" y="426085"/>
+                    <a:pt x="1054735" y="428625"/>
+                    <a:pt x="1095375" y="431800"/>
+                  </a:cubicBezTo>
+                  <a:cubicBezTo>
+                    <a:pt x="1136015" y="434975"/>
+                    <a:pt x="1150620" y="431800"/>
+                    <a:pt x="1182370" y="431800"/>
+                  </a:cubicBezTo>
+                  <a:cubicBezTo>
+                    <a:pt x="1214120" y="431800"/>
+                    <a:pt x="1225550" y="437515"/>
+                    <a:pt x="1254125" y="431800"/>
+                  </a:cubicBezTo>
+                  <a:cubicBezTo>
+                    <a:pt x="1282700" y="426085"/>
+                    <a:pt x="1311910" y="422910"/>
+                    <a:pt x="1326515" y="403225"/>
+                  </a:cubicBezTo>
+                  <a:cubicBezTo>
+                    <a:pt x="1341120" y="383540"/>
+                    <a:pt x="1332230" y="360680"/>
+                    <a:pt x="1326515" y="332105"/>
+                  </a:cubicBezTo>
+                  <a:cubicBezTo>
+                    <a:pt x="1320800" y="303530"/>
+                    <a:pt x="1318260" y="276860"/>
+                    <a:pt x="1297940" y="259715"/>
+                  </a:cubicBezTo>
+                  <a:cubicBezTo>
+                    <a:pt x="1277620" y="242570"/>
+                    <a:pt x="1254760" y="234315"/>
+                    <a:pt x="1225550" y="245745"/>
+                  </a:cubicBezTo>
+                  <a:cubicBezTo>
+                    <a:pt x="1196340" y="257175"/>
+                    <a:pt x="1173480" y="288925"/>
+                    <a:pt x="1153160" y="317500"/>
+                  </a:cubicBezTo>
+                  <a:cubicBezTo>
+                    <a:pt x="1132840" y="346075"/>
+                    <a:pt x="1133475" y="356870"/>
+                    <a:pt x="1124585" y="388620"/>
+                  </a:cubicBezTo>
+                  <a:cubicBezTo>
+                    <a:pt x="1115695" y="420370"/>
+                    <a:pt x="1115695" y="440055"/>
+                    <a:pt x="1109980" y="474980"/>
+                  </a:cubicBezTo>
+                  <a:cubicBezTo>
+                    <a:pt x="1104265" y="509905"/>
+                    <a:pt x="1098550" y="530225"/>
+                    <a:pt x="1095375" y="561975"/>
+                  </a:cubicBezTo>
+                  <a:cubicBezTo>
+                    <a:pt x="1092200" y="593725"/>
+                    <a:pt x="1092200" y="601980"/>
+                    <a:pt x="1095375" y="633730"/>
+                  </a:cubicBezTo>
+                  <a:cubicBezTo>
+                    <a:pt x="1098550" y="665480"/>
+                    <a:pt x="1098550" y="688975"/>
+                    <a:pt x="1109980" y="720725"/>
+                  </a:cubicBezTo>
+                  <a:cubicBezTo>
+                    <a:pt x="1121410" y="752475"/>
+                    <a:pt x="1132840" y="760730"/>
+                    <a:pt x="1153160" y="792480"/>
+                  </a:cubicBezTo>
+                  <a:cubicBezTo>
+                    <a:pt x="1173480" y="824230"/>
+                    <a:pt x="1196340" y="847725"/>
+                    <a:pt x="1210945" y="879475"/>
+                  </a:cubicBezTo>
+                  <a:cubicBezTo>
+                    <a:pt x="1225550" y="911225"/>
+                    <a:pt x="1223645" y="938530"/>
+                    <a:pt x="1225550" y="951230"/>
+                  </a:cubicBezTo>
+                </a:path>
+              </a:pathLst>
+            </a:custGeom>
+            <a:noFill/>
+            <a:ln w="19050">
+              <a:solidFill>
+                <a:schemeClr val="tx1">
+                  <a:lumMod val="95000"/>
+                  <a:lumOff val="5000"/>
+                </a:schemeClr>
+              </a:solidFill>
+              <a:prstDash val="dash"/>
+            </a:ln>
+          </p:spPr>
+          <p:style>
+            <a:lnRef idx="2">
+              <a:schemeClr val="accent1">
+                <a:shade val="50000"/>
+              </a:schemeClr>
+            </a:lnRef>
+            <a:fillRef idx="1">
+              <a:schemeClr val="accent1"/>
+            </a:fillRef>
+            <a:effectRef idx="0">
+              <a:schemeClr val="accent1"/>
+            </a:effectRef>
+            <a:fontRef idx="minor">
+              <a:schemeClr val="lt1"/>
+            </a:fontRef>
+          </p:style>
+          <p:txBody>
+            <a:bodyPr rtlCol="0" anchor="ctr"/>
+            <a:p>
+              <a:pPr algn="ctr"/>
+              <a:endParaRPr lang="en-US"/>
+            </a:p>
+          </p:txBody>
+        </p:sp>
+        <p:sp>
+          <p:nvSpPr>
+            <p:cNvPr id="47" name="Oval 46"/>
+            <p:cNvSpPr/>
+            <p:nvPr/>
+          </p:nvSpPr>
+          <p:spPr>
+            <a:xfrm>
+              <a:off x="356" y="4703"/>
+              <a:ext cx="169" cy="182"/>
+            </a:xfrm>
+            <a:prstGeom prst="ellipse">
+              <a:avLst/>
+            </a:prstGeom>
+            <a:solidFill>
+              <a:schemeClr val="bg1"/>
+            </a:solidFill>
+            <a:ln>
+              <a:solidFill>
+                <a:schemeClr val="tx1">
+                  <a:lumMod val="95000"/>
+                  <a:lumOff val="5000"/>
+                </a:schemeClr>
+              </a:solidFill>
+            </a:ln>
+          </p:spPr>
+          <p:style>
+            <a:lnRef idx="2">
+              <a:schemeClr val="accent1">
+                <a:shade val="50000"/>
+              </a:schemeClr>
+            </a:lnRef>
+            <a:fillRef idx="1">
+              <a:schemeClr val="accent1"/>
+            </a:fillRef>
+            <a:effectRef idx="0">
+              <a:schemeClr val="accent1"/>
+            </a:effectRef>
+            <a:fontRef idx="minor">
+              <a:schemeClr val="lt1"/>
+            </a:fontRef>
+          </p:style>
+          <p:txBody>
+            <a:bodyPr rtlCol="0" anchor="ctr"/>
+            <a:p>
+              <a:pPr algn="ctr"/>
+              <a:endParaRPr lang="en-US"/>
+            </a:p>
+          </p:txBody>
+        </p:sp>
+        <p:sp>
+          <p:nvSpPr>
+            <p:cNvPr id="48" name="Rectangle 47"/>
+            <p:cNvSpPr/>
+            <p:nvPr/>
+          </p:nvSpPr>
+          <p:spPr>
+            <a:xfrm>
+              <a:off x="51" y="4148"/>
+              <a:ext cx="2362" cy="2386"/>
+            </a:xfrm>
+            <a:prstGeom prst="rect">
+              <a:avLst/>
+            </a:prstGeom>
+            <a:noFill/>
+            <a:ln>
+              <a:solidFill>
+                <a:schemeClr val="tx1">
+                  <a:lumMod val="95000"/>
+                  <a:lumOff val="5000"/>
+                </a:schemeClr>
+              </a:solidFill>
+            </a:ln>
+            <a:extLst>
+              <a:ext uri="{909E8E84-426E-40DD-AFC4-6F175D3DCCD1}">
+                <a14:hiddenFill xmlns:a14="http://schemas.microsoft.com/office/drawing/2010/main">
+                  <a:solidFill>
+                    <a:schemeClr val="bg2"/>
+                  </a:solidFill>
+                </a14:hiddenFill>
+              </a:ext>
+            </a:extLst>
+          </p:spPr>
+          <p:style>
+            <a:lnRef idx="2">
+              <a:schemeClr val="accent1">
+                <a:shade val="50000"/>
+              </a:schemeClr>
+            </a:lnRef>
+            <a:fillRef idx="1">
+              <a:schemeClr val="accent1"/>
+            </a:fillRef>
+            <a:effectRef idx="0">
+              <a:schemeClr val="accent1"/>
+            </a:effectRef>
+            <a:fontRef idx="minor">
+              <a:schemeClr val="lt1"/>
+            </a:fontRef>
+          </p:style>
+          <p:txBody>
+            <a:bodyPr rtlCol="0" anchor="ctr"/>
+            <a:p>
+              <a:pPr algn="ctr"/>
+              <a:endParaRPr lang="en-US"/>
+            </a:p>
+          </p:txBody>
+        </p:sp>
+        <p:sp>
+          <p:nvSpPr>
+            <p:cNvPr id="49" name="Oval 48"/>
+            <p:cNvSpPr/>
+            <p:nvPr/>
+          </p:nvSpPr>
+          <p:spPr>
+            <a:xfrm>
+              <a:off x="850" y="4895"/>
+              <a:ext cx="169" cy="182"/>
+            </a:xfrm>
+            <a:prstGeom prst="ellipse">
+              <a:avLst/>
+            </a:prstGeom>
+            <a:solidFill>
+              <a:schemeClr val="bg1"/>
+            </a:solidFill>
+            <a:ln>
+              <a:solidFill>
+                <a:schemeClr val="tx1">
+                  <a:lumMod val="95000"/>
+                  <a:lumOff val="5000"/>
+                </a:schemeClr>
+              </a:solidFill>
+            </a:ln>
+          </p:spPr>
+          <p:style>
+            <a:lnRef idx="2">
+              <a:schemeClr val="accent1">
+                <a:shade val="50000"/>
+              </a:schemeClr>
+            </a:lnRef>
+            <a:fillRef idx="1">
+              <a:schemeClr val="accent1"/>
+            </a:fillRef>
+            <a:effectRef idx="0">
+              <a:schemeClr val="accent1"/>
+            </a:effectRef>
+            <a:fontRef idx="minor">
+              <a:schemeClr val="lt1"/>
+            </a:fontRef>
+          </p:style>
+          <p:txBody>
+            <a:bodyPr rtlCol="0" anchor="ctr"/>
+            <a:p>
+              <a:pPr algn="ctr"/>
+              <a:endParaRPr lang="en-US"/>
+            </a:p>
+          </p:txBody>
+        </p:sp>
+        <p:sp>
+          <p:nvSpPr>
+            <p:cNvPr id="50" name="Oval 49"/>
+            <p:cNvSpPr/>
+            <p:nvPr/>
+          </p:nvSpPr>
+          <p:spPr>
+            <a:xfrm>
+              <a:off x="1349" y="5101"/>
+              <a:ext cx="169" cy="182"/>
+            </a:xfrm>
+            <a:prstGeom prst="ellipse">
+              <a:avLst/>
+            </a:prstGeom>
+            <a:solidFill>
+              <a:schemeClr val="bg1"/>
+            </a:solidFill>
+            <a:ln>
+              <a:solidFill>
+                <a:schemeClr val="tx1">
+                  <a:lumMod val="95000"/>
+                  <a:lumOff val="5000"/>
+                </a:schemeClr>
+              </a:solidFill>
+            </a:ln>
+          </p:spPr>
+          <p:style>
+            <a:lnRef idx="2">
+              <a:schemeClr val="accent1">
+                <a:shade val="50000"/>
+              </a:schemeClr>
+            </a:lnRef>
+            <a:fillRef idx="1">
+              <a:schemeClr val="accent1"/>
+            </a:fillRef>
+            <a:effectRef idx="0">
+              <a:schemeClr val="accent1"/>
+            </a:effectRef>
+            <a:fontRef idx="minor">
+              <a:schemeClr val="lt1"/>
+            </a:fontRef>
+          </p:style>
+          <p:txBody>
+            <a:bodyPr rtlCol="0" anchor="ctr"/>
+            <a:p>
+              <a:pPr algn="ctr"/>
+              <a:endParaRPr lang="en-US"/>
+            </a:p>
+          </p:txBody>
+        </p:sp>
+        <p:sp>
+          <p:nvSpPr>
+            <p:cNvPr id="64" name="Oval 63"/>
+            <p:cNvSpPr/>
+            <p:nvPr/>
+          </p:nvSpPr>
+          <p:spPr>
+            <a:xfrm>
+              <a:off x="2099" y="5147"/>
+              <a:ext cx="169" cy="182"/>
+            </a:xfrm>
+            <a:prstGeom prst="ellipse">
+              <a:avLst/>
+            </a:prstGeom>
+            <a:solidFill>
+              <a:schemeClr val="bg1"/>
+            </a:solidFill>
+            <a:ln>
+              <a:solidFill>
+                <a:schemeClr val="tx1">
+                  <a:lumMod val="95000"/>
+                  <a:lumOff val="5000"/>
+                </a:schemeClr>
+              </a:solidFill>
+            </a:ln>
+          </p:spPr>
+          <p:style>
+            <a:lnRef idx="2">
+              <a:schemeClr val="accent1">
+                <a:shade val="50000"/>
+              </a:schemeClr>
+            </a:lnRef>
+            <a:fillRef idx="1">
+              <a:schemeClr val="accent1"/>
+            </a:fillRef>
+            <a:effectRef idx="0">
+              <a:schemeClr val="accent1"/>
+            </a:effectRef>
+            <a:fontRef idx="minor">
+              <a:schemeClr val="lt1"/>
+            </a:fontRef>
+          </p:style>
+          <p:txBody>
+            <a:bodyPr rtlCol="0" anchor="ctr"/>
+            <a:p>
+              <a:pPr algn="ctr"/>
+              <a:endParaRPr lang="en-US"/>
+            </a:p>
+          </p:txBody>
+        </p:sp>
+        <p:sp>
+          <p:nvSpPr>
+            <p:cNvPr id="67" name="Oval 66"/>
+            <p:cNvSpPr/>
+            <p:nvPr/>
+          </p:nvSpPr>
+          <p:spPr>
+            <a:xfrm>
+              <a:off x="1903" y="5699"/>
+              <a:ext cx="169" cy="182"/>
+            </a:xfrm>
+            <a:prstGeom prst="ellipse">
+              <a:avLst/>
+            </a:prstGeom>
+            <a:solidFill>
+              <a:schemeClr val="bg1"/>
+            </a:solidFill>
+            <a:ln>
+              <a:solidFill>
+                <a:schemeClr val="tx1">
+                  <a:lumMod val="95000"/>
+                  <a:lumOff val="5000"/>
+                </a:schemeClr>
+              </a:solidFill>
+            </a:ln>
+          </p:spPr>
+          <p:style>
+            <a:lnRef idx="2">
+              <a:schemeClr val="accent1">
+                <a:shade val="50000"/>
+              </a:schemeClr>
+            </a:lnRef>
+            <a:fillRef idx="1">
+              <a:schemeClr val="accent1"/>
+            </a:fillRef>
+            <a:effectRef idx="0">
+              <a:schemeClr val="accent1"/>
+            </a:effectRef>
+            <a:fontRef idx="minor">
+              <a:schemeClr val="lt1"/>
+            </a:fontRef>
+          </p:style>
+          <p:txBody>
+            <a:bodyPr rtlCol="0" anchor="ctr"/>
+            <a:p>
+              <a:pPr algn="ctr"/>
+              <a:endParaRPr lang="en-US"/>
+            </a:p>
+          </p:txBody>
+        </p:sp>
+        <p:sp>
+          <p:nvSpPr>
+            <p:cNvPr id="68" name="Oval 67"/>
+            <p:cNvSpPr/>
+            <p:nvPr/>
+          </p:nvSpPr>
+          <p:spPr>
+            <a:xfrm>
+              <a:off x="2055" y="5191"/>
+              <a:ext cx="169" cy="182"/>
+            </a:xfrm>
+            <a:prstGeom prst="ellipse">
+              <a:avLst/>
+            </a:prstGeom>
+            <a:solidFill>
+              <a:schemeClr val="bg1"/>
+            </a:solidFill>
+            <a:ln>
+              <a:solidFill>
+                <a:schemeClr val="tx1">
+                  <a:lumMod val="95000"/>
+                  <a:lumOff val="5000"/>
+                </a:schemeClr>
+              </a:solidFill>
+            </a:ln>
+          </p:spPr>
+          <p:style>
+            <a:lnRef idx="2">
+              <a:schemeClr val="accent1">
+                <a:shade val="50000"/>
+              </a:schemeClr>
+            </a:lnRef>
+            <a:fillRef idx="1">
+              <a:schemeClr val="accent1"/>
+            </a:fillRef>
+            <a:effectRef idx="0">
+              <a:schemeClr val="accent1"/>
+            </a:effectRef>
+            <a:fontRef idx="minor">
+              <a:schemeClr val="lt1"/>
+            </a:fontRef>
+          </p:style>
+          <p:txBody>
+            <a:bodyPr rtlCol="0" anchor="ctr"/>
+            <a:p>
+              <a:pPr algn="ctr"/>
+              <a:endParaRPr lang="en-US"/>
+            </a:p>
+          </p:txBody>
+        </p:sp>
+        <p:sp>
+          <p:nvSpPr>
+            <p:cNvPr id="74" name="Text Box 73"/>
+            <p:cNvSpPr txBox="1"/>
+            <p:nvPr/>
+          </p:nvSpPr>
+          <p:spPr>
+            <a:xfrm>
+              <a:off x="15561" y="2864"/>
+              <a:ext cx="4643" cy="1307"/>
+            </a:xfrm>
+            <a:prstGeom prst="rect">
+              <a:avLst/>
+            </a:prstGeom>
+            <a:noFill/>
+          </p:spPr>
+          <p:txBody>
+            <a:bodyPr wrap="square" rtlCol="0">
+              <a:spAutoFit/>
+            </a:bodyPr>
+            <a:p>
+              <a:pPr algn="ctr"/>
+              <a:r>
+                <a:rPr lang="en-US" altLang="en-US" sz="2400" b="1">
+                  <a:latin typeface="Latin Modern Sans" panose="00000500000000000000" charset="0"/>
+                  <a:cs typeface="Latin Modern Sans" panose="00000500000000000000" charset="0"/>
+                </a:rPr>
+                <a:t>output</a:t>
+              </a:r>
+              <a:endParaRPr lang="en-US" altLang="en-US" sz="2400" b="1">
+                <a:latin typeface="Latin Modern Sans" panose="00000500000000000000" charset="0"/>
+                <a:cs typeface="Latin Modern Sans" panose="00000500000000000000" charset="0"/>
+              </a:endParaRPr>
+            </a:p>
+            <a:p>
+              <a:pPr algn="ctr"/>
+              <a:r>
+                <a:rPr lang="en-US" altLang="en-US" sz="2400" b="1">
+                  <a:latin typeface="Latin Modern Sans" panose="00000500000000000000" charset="0"/>
+                  <a:cs typeface="Latin Modern Sans" panose="00000500000000000000" charset="0"/>
+                </a:rPr>
+                <a:t>(Dive Prediction)</a:t>
+              </a:r>
+              <a:endParaRPr lang="en-US" altLang="en-US" sz="2400" b="1">
+                <a:latin typeface="Latin Modern Sans" panose="00000500000000000000" charset="0"/>
+                <a:cs typeface="Latin Modern Sans" panose="00000500000000000000" charset="0"/>
+              </a:endParaRPr>
+            </a:p>
+          </p:txBody>
+        </p:sp>
+        <p:sp>
+          <p:nvSpPr>
+            <p:cNvPr id="75" name="Freeform 74"/>
+            <p:cNvSpPr/>
+            <p:nvPr/>
+          </p:nvSpPr>
+          <p:spPr>
+            <a:xfrm>
+              <a:off x="16832" y="4651"/>
+              <a:ext cx="2102" cy="1498"/>
+            </a:xfrm>
+            <a:custGeom>
+              <a:avLst/>
+              <a:gdLst>
+                <a:gd name="connisteX0" fmla="*/ 0 w 1334470"/>
+                <a:gd name="connsiteY0" fmla="*/ 0 h 951230"/>
+                <a:gd name="connisteX1" fmla="*/ 72390 w 1334470"/>
+                <a:gd name="connsiteY1" fmla="*/ 57785 h 951230"/>
+                <a:gd name="connisteX2" fmla="*/ 173355 w 1334470"/>
+                <a:gd name="connsiteY2" fmla="*/ 115570 h 951230"/>
+                <a:gd name="connisteX3" fmla="*/ 259715 w 1334470"/>
+                <a:gd name="connsiteY3" fmla="*/ 144780 h 951230"/>
+                <a:gd name="connisteX4" fmla="*/ 332105 w 1334470"/>
+                <a:gd name="connsiteY4" fmla="*/ 158750 h 951230"/>
+                <a:gd name="connisteX5" fmla="*/ 447675 w 1334470"/>
+                <a:gd name="connsiteY5" fmla="*/ 187960 h 951230"/>
+                <a:gd name="connisteX6" fmla="*/ 518160 w 1334470"/>
+                <a:gd name="connsiteY6" fmla="*/ 231140 h 951230"/>
+                <a:gd name="connisteX7" fmla="*/ 605155 w 1334470"/>
+                <a:gd name="connsiteY7" fmla="*/ 274320 h 951230"/>
+                <a:gd name="connisteX8" fmla="*/ 676910 w 1334470"/>
+                <a:gd name="connsiteY8" fmla="*/ 317500 h 951230"/>
+                <a:gd name="connisteX9" fmla="*/ 749300 w 1334470"/>
+                <a:gd name="connsiteY9" fmla="*/ 346710 h 951230"/>
+                <a:gd name="connisteX10" fmla="*/ 821055 w 1334470"/>
+                <a:gd name="connsiteY10" fmla="*/ 374015 h 951230"/>
+                <a:gd name="connisteX11" fmla="*/ 893445 w 1334470"/>
+                <a:gd name="connsiteY11" fmla="*/ 388620 h 951230"/>
+                <a:gd name="connisteX12" fmla="*/ 979805 w 1334470"/>
+                <a:gd name="connsiteY12" fmla="*/ 417195 h 951230"/>
+                <a:gd name="connisteX13" fmla="*/ 1095375 w 1334470"/>
+                <a:gd name="connsiteY13" fmla="*/ 431800 h 951230"/>
+                <a:gd name="connisteX14" fmla="*/ 1182370 w 1334470"/>
+                <a:gd name="connsiteY14" fmla="*/ 431800 h 951230"/>
+                <a:gd name="connisteX15" fmla="*/ 1254125 w 1334470"/>
+                <a:gd name="connsiteY15" fmla="*/ 431800 h 951230"/>
+                <a:gd name="connisteX16" fmla="*/ 1326515 w 1334470"/>
+                <a:gd name="connsiteY16" fmla="*/ 403225 h 951230"/>
+                <a:gd name="connisteX17" fmla="*/ 1326515 w 1334470"/>
+                <a:gd name="connsiteY17" fmla="*/ 332105 h 951230"/>
+                <a:gd name="connisteX18" fmla="*/ 1297940 w 1334470"/>
+                <a:gd name="connsiteY18" fmla="*/ 259715 h 951230"/>
+                <a:gd name="connisteX19" fmla="*/ 1225550 w 1334470"/>
+                <a:gd name="connsiteY19" fmla="*/ 245745 h 951230"/>
+                <a:gd name="connisteX20" fmla="*/ 1153160 w 1334470"/>
+                <a:gd name="connsiteY20" fmla="*/ 317500 h 951230"/>
+                <a:gd name="connisteX21" fmla="*/ 1124585 w 1334470"/>
+                <a:gd name="connsiteY21" fmla="*/ 388620 h 951230"/>
+                <a:gd name="connisteX22" fmla="*/ 1109980 w 1334470"/>
+                <a:gd name="connsiteY22" fmla="*/ 474980 h 951230"/>
+                <a:gd name="connisteX23" fmla="*/ 1095375 w 1334470"/>
+                <a:gd name="connsiteY23" fmla="*/ 561975 h 951230"/>
+                <a:gd name="connisteX24" fmla="*/ 1095375 w 1334470"/>
+                <a:gd name="connsiteY24" fmla="*/ 633730 h 951230"/>
+                <a:gd name="connisteX25" fmla="*/ 1109980 w 1334470"/>
+                <a:gd name="connsiteY25" fmla="*/ 720725 h 951230"/>
+                <a:gd name="connisteX26" fmla="*/ 1153160 w 1334470"/>
+                <a:gd name="connsiteY26" fmla="*/ 792480 h 951230"/>
+                <a:gd name="connisteX27" fmla="*/ 1210945 w 1334470"/>
+                <a:gd name="connsiteY27" fmla="*/ 879475 h 951230"/>
+                <a:gd name="connisteX28" fmla="*/ 1225550 w 1334470"/>
+                <a:gd name="connsiteY28" fmla="*/ 951230 h 951230"/>
+              </a:gdLst>
+              <a:ahLst/>
+              <a:cxnLst>
+                <a:cxn ang="0">
+                  <a:pos x="connisteX0" y="connsiteY0"/>
+                </a:cxn>
+                <a:cxn ang="0">
+                  <a:pos x="connisteX1" y="connsiteY1"/>
+                </a:cxn>
+                <a:cxn ang="0">
+                  <a:pos x="connisteX2" y="connsiteY2"/>
+                </a:cxn>
+                <a:cxn ang="0">
+                  <a:pos x="connisteX3" y="connsiteY3"/>
+                </a:cxn>
+                <a:cxn ang="0">
+                  <a:pos x="connisteX4" y="connsiteY4"/>
+                </a:cxn>
+                <a:cxn ang="0">
+                  <a:pos x="connisteX5" y="connsiteY5"/>
+                </a:cxn>
+                <a:cxn ang="0">
+                  <a:pos x="connisteX6" y="connsiteY6"/>
+                </a:cxn>
+                <a:cxn ang="0">
+                  <a:pos x="connisteX7" y="connsiteY7"/>
+                </a:cxn>
+                <a:cxn ang="0">
+                  <a:pos x="connisteX8" y="connsiteY8"/>
+                </a:cxn>
+                <a:cxn ang="0">
+                  <a:pos x="connisteX9" y="connsiteY9"/>
+                </a:cxn>
+                <a:cxn ang="0">
+                  <a:pos x="connisteX10" y="connsiteY10"/>
+                </a:cxn>
+                <a:cxn ang="0">
+                  <a:pos x="connisteX11" y="connsiteY11"/>
+                </a:cxn>
+                <a:cxn ang="0">
+                  <a:pos x="connisteX12" y="connsiteY12"/>
+                </a:cxn>
+                <a:cxn ang="0">
+                  <a:pos x="connisteX13" y="connsiteY13"/>
+                </a:cxn>
+                <a:cxn ang="0">
+                  <a:pos x="connisteX14" y="connsiteY14"/>
+                </a:cxn>
+                <a:cxn ang="0">
+                  <a:pos x="connisteX15" y="connsiteY15"/>
+                </a:cxn>
+                <a:cxn ang="0">
+                  <a:pos x="connisteX16" y="connsiteY16"/>
+                </a:cxn>
+                <a:cxn ang="0">
+                  <a:pos x="connisteX17" y="connsiteY17"/>
+                </a:cxn>
+                <a:cxn ang="0">
+                  <a:pos x="connisteX18" y="connsiteY18"/>
+                </a:cxn>
+                <a:cxn ang="0">
+                  <a:pos x="connisteX19" y="connsiteY19"/>
+                </a:cxn>
+                <a:cxn ang="0">
+                  <a:pos x="connisteX20" y="connsiteY20"/>
+                </a:cxn>
+                <a:cxn ang="0">
+                  <a:pos x="connisteX21" y="connsiteY21"/>
+                </a:cxn>
+                <a:cxn ang="0">
+                  <a:pos x="connisteX22" y="connsiteY22"/>
+                </a:cxn>
+                <a:cxn ang="0">
+                  <a:pos x="connisteX23" y="connsiteY23"/>
+                </a:cxn>
+                <a:cxn ang="0">
+                  <a:pos x="connisteX24" y="connsiteY24"/>
+                </a:cxn>
+                <a:cxn ang="0">
+                  <a:pos x="connisteX25" y="connsiteY25"/>
+                </a:cxn>
+                <a:cxn ang="0">
+                  <a:pos x="connisteX26" y="connsiteY26"/>
+                </a:cxn>
+                <a:cxn ang="0">
+                  <a:pos x="connisteX27" y="connsiteY27"/>
+                </a:cxn>
+                <a:cxn ang="0">
+                  <a:pos x="connisteX28" y="connsiteY28"/>
+                </a:cxn>
+              </a:cxnLst>
+              <a:rect l="l" t="t" r="r" b="b"/>
+              <a:pathLst>
+                <a:path w="1334471" h="951230">
+                  <a:moveTo>
+                    <a:pt x="0" y="0"/>
+                  </a:moveTo>
+                  <a:cubicBezTo>
+                    <a:pt x="12700" y="10160"/>
+                    <a:pt x="37465" y="34925"/>
+                    <a:pt x="72390" y="57785"/>
+                  </a:cubicBezTo>
+                  <a:cubicBezTo>
+                    <a:pt x="107315" y="80645"/>
+                    <a:pt x="135890" y="98425"/>
+                    <a:pt x="173355" y="115570"/>
+                  </a:cubicBezTo>
+                  <a:cubicBezTo>
+                    <a:pt x="210820" y="132715"/>
+                    <a:pt x="227965" y="135890"/>
+                    <a:pt x="259715" y="144780"/>
+                  </a:cubicBezTo>
+                  <a:cubicBezTo>
+                    <a:pt x="291465" y="153670"/>
+                    <a:pt x="294640" y="149860"/>
+                    <a:pt x="332105" y="158750"/>
+                  </a:cubicBezTo>
+                  <a:cubicBezTo>
+                    <a:pt x="369570" y="167640"/>
+                    <a:pt x="410210" y="173355"/>
+                    <a:pt x="447675" y="187960"/>
+                  </a:cubicBezTo>
+                  <a:cubicBezTo>
+                    <a:pt x="485140" y="202565"/>
+                    <a:pt x="486410" y="213995"/>
+                    <a:pt x="518160" y="231140"/>
+                  </a:cubicBezTo>
+                  <a:cubicBezTo>
+                    <a:pt x="549910" y="248285"/>
+                    <a:pt x="573405" y="257175"/>
+                    <a:pt x="605155" y="274320"/>
+                  </a:cubicBezTo>
+                  <a:cubicBezTo>
+                    <a:pt x="636905" y="291465"/>
+                    <a:pt x="648335" y="302895"/>
+                    <a:pt x="676910" y="317500"/>
+                  </a:cubicBezTo>
+                  <a:cubicBezTo>
+                    <a:pt x="705485" y="332105"/>
+                    <a:pt x="720725" y="335280"/>
+                    <a:pt x="749300" y="346710"/>
+                  </a:cubicBezTo>
+                  <a:cubicBezTo>
+                    <a:pt x="777875" y="358140"/>
+                    <a:pt x="792480" y="365760"/>
+                    <a:pt x="821055" y="374015"/>
+                  </a:cubicBezTo>
+                  <a:cubicBezTo>
+                    <a:pt x="849630" y="382270"/>
+                    <a:pt x="861695" y="379730"/>
+                    <a:pt x="893445" y="388620"/>
+                  </a:cubicBezTo>
+                  <a:cubicBezTo>
+                    <a:pt x="925195" y="397510"/>
+                    <a:pt x="939165" y="408305"/>
+                    <a:pt x="979805" y="417195"/>
+                  </a:cubicBezTo>
+                  <a:cubicBezTo>
+                    <a:pt x="1020445" y="426085"/>
+                    <a:pt x="1054735" y="428625"/>
+                    <a:pt x="1095375" y="431800"/>
+                  </a:cubicBezTo>
+                  <a:cubicBezTo>
+                    <a:pt x="1136015" y="434975"/>
+                    <a:pt x="1150620" y="431800"/>
+                    <a:pt x="1182370" y="431800"/>
+                  </a:cubicBezTo>
+                  <a:cubicBezTo>
+                    <a:pt x="1214120" y="431800"/>
+                    <a:pt x="1225550" y="437515"/>
+                    <a:pt x="1254125" y="431800"/>
+                  </a:cubicBezTo>
+                  <a:cubicBezTo>
+                    <a:pt x="1282700" y="426085"/>
+                    <a:pt x="1311910" y="422910"/>
+                    <a:pt x="1326515" y="403225"/>
+                  </a:cubicBezTo>
+                  <a:cubicBezTo>
+                    <a:pt x="1341120" y="383540"/>
+                    <a:pt x="1332230" y="360680"/>
+                    <a:pt x="1326515" y="332105"/>
+                  </a:cubicBezTo>
+                  <a:cubicBezTo>
+                    <a:pt x="1320800" y="303530"/>
+                    <a:pt x="1318260" y="276860"/>
+                    <a:pt x="1297940" y="259715"/>
+                  </a:cubicBezTo>
+                  <a:cubicBezTo>
+                    <a:pt x="1277620" y="242570"/>
+                    <a:pt x="1254760" y="234315"/>
+                    <a:pt x="1225550" y="245745"/>
+                  </a:cubicBezTo>
+                  <a:cubicBezTo>
+                    <a:pt x="1196340" y="257175"/>
+                    <a:pt x="1173480" y="288925"/>
+                    <a:pt x="1153160" y="317500"/>
+                  </a:cubicBezTo>
+                  <a:cubicBezTo>
+                    <a:pt x="1132840" y="346075"/>
+                    <a:pt x="1133475" y="356870"/>
+                    <a:pt x="1124585" y="388620"/>
+                  </a:cubicBezTo>
+                  <a:cubicBezTo>
+                    <a:pt x="1115695" y="420370"/>
+                    <a:pt x="1115695" y="440055"/>
+                    <a:pt x="1109980" y="474980"/>
+                  </a:cubicBezTo>
+                  <a:cubicBezTo>
+                    <a:pt x="1104265" y="509905"/>
+                    <a:pt x="1098550" y="530225"/>
+                    <a:pt x="1095375" y="561975"/>
+                  </a:cubicBezTo>
+                  <a:cubicBezTo>
+                    <a:pt x="1092200" y="593725"/>
+                    <a:pt x="1092200" y="601980"/>
+                    <a:pt x="1095375" y="633730"/>
+                  </a:cubicBezTo>
+                  <a:cubicBezTo>
+                    <a:pt x="1098550" y="665480"/>
+                    <a:pt x="1098550" y="688975"/>
+                    <a:pt x="1109980" y="720725"/>
+                  </a:cubicBezTo>
+                  <a:cubicBezTo>
+                    <a:pt x="1121410" y="752475"/>
+                    <a:pt x="1132840" y="760730"/>
+                    <a:pt x="1153160" y="792480"/>
+                  </a:cubicBezTo>
+                  <a:cubicBezTo>
+                    <a:pt x="1173480" y="824230"/>
+                    <a:pt x="1196340" y="847725"/>
+                    <a:pt x="1210945" y="879475"/>
+                  </a:cubicBezTo>
+                  <a:cubicBezTo>
+                    <a:pt x="1225550" y="911225"/>
+                    <a:pt x="1223645" y="938530"/>
+                    <a:pt x="1225550" y="951230"/>
+                  </a:cubicBezTo>
+                </a:path>
+              </a:pathLst>
+            </a:custGeom>
+            <a:noFill/>
+            <a:ln w="19050">
+              <a:solidFill>
+                <a:schemeClr val="tx1">
+                  <a:lumMod val="95000"/>
+                  <a:lumOff val="5000"/>
+                </a:schemeClr>
+              </a:solidFill>
+              <a:prstDash val="dash"/>
+            </a:ln>
+          </p:spPr>
+          <p:style>
+            <a:lnRef idx="2">
+              <a:schemeClr val="accent1">
+                <a:shade val="50000"/>
+              </a:schemeClr>
+            </a:lnRef>
+            <a:fillRef idx="1">
+              <a:schemeClr val="accent1"/>
+            </a:fillRef>
+            <a:effectRef idx="0">
+              <a:schemeClr val="accent1"/>
+            </a:effectRef>
+            <a:fontRef idx="minor">
+              <a:schemeClr val="lt1"/>
+            </a:fontRef>
+          </p:style>
+          <p:txBody>
+            <a:bodyPr rtlCol="0" anchor="ctr"/>
+            <a:p>
+              <a:pPr algn="ctr"/>
+              <a:endParaRPr lang="en-US"/>
+            </a:p>
+          </p:txBody>
+        </p:sp>
+        <p:sp>
+          <p:nvSpPr>
+            <p:cNvPr id="76" name="Oval 75"/>
+            <p:cNvSpPr/>
+            <p:nvPr/>
+          </p:nvSpPr>
+          <p:spPr>
+            <a:xfrm>
+              <a:off x="17007" y="4726"/>
+              <a:ext cx="169" cy="182"/>
+            </a:xfrm>
+            <a:prstGeom prst="ellipse">
+              <a:avLst/>
+            </a:prstGeom>
+            <a:solidFill>
+              <a:schemeClr val="bg2"/>
+            </a:solidFill>
+            <a:ln>
+              <a:solidFill>
+                <a:schemeClr val="tx1">
+                  <a:lumMod val="95000"/>
+                  <a:lumOff val="5000"/>
+                </a:schemeClr>
+              </a:solidFill>
+            </a:ln>
+          </p:spPr>
+          <p:style>
+            <a:lnRef idx="2">
+              <a:schemeClr val="accent1">
+                <a:shade val="50000"/>
+              </a:schemeClr>
+            </a:lnRef>
+            <a:fillRef idx="1">
+              <a:schemeClr val="accent1"/>
+            </a:fillRef>
+            <a:effectRef idx="0">
+              <a:schemeClr val="accent1"/>
+            </a:effectRef>
+            <a:fontRef idx="minor">
+              <a:schemeClr val="lt1"/>
+            </a:fontRef>
+          </p:style>
+          <p:txBody>
+            <a:bodyPr rtlCol="0" anchor="ctr"/>
+            <a:p>
+              <a:pPr algn="ctr"/>
+              <a:endParaRPr lang="en-US"/>
+            </a:p>
+          </p:txBody>
+        </p:sp>
+        <p:sp>
+          <p:nvSpPr>
+            <p:cNvPr id="77" name="Rectangle 76"/>
+            <p:cNvSpPr/>
+            <p:nvPr/>
+          </p:nvSpPr>
+          <p:spPr>
+            <a:xfrm>
+              <a:off x="16702" y="4171"/>
+              <a:ext cx="2362" cy="2386"/>
+            </a:xfrm>
+            <a:prstGeom prst="rect">
+              <a:avLst/>
+            </a:prstGeom>
+            <a:noFill/>
+            <a:ln>
+              <a:solidFill>
+                <a:schemeClr val="tx1">
+                  <a:lumMod val="95000"/>
+                  <a:lumOff val="5000"/>
+                </a:schemeClr>
+              </a:solidFill>
+            </a:ln>
+            <a:extLst>
+              <a:ext uri="{909E8E84-426E-40DD-AFC4-6F175D3DCCD1}">
+                <a14:hiddenFill xmlns:a14="http://schemas.microsoft.com/office/drawing/2010/main">
+                  <a:solidFill>
+                    <a:schemeClr val="bg2"/>
+                  </a:solidFill>
+                </a14:hiddenFill>
+              </a:ext>
+            </a:extLst>
+          </p:spPr>
+          <p:style>
+            <a:lnRef idx="2">
+              <a:schemeClr val="accent1">
+                <a:shade val="50000"/>
+              </a:schemeClr>
+            </a:lnRef>
+            <a:fillRef idx="1">
+              <a:schemeClr val="accent1"/>
+            </a:fillRef>
+            <a:effectRef idx="0">
+              <a:schemeClr val="accent1"/>
+            </a:effectRef>
+            <a:fontRef idx="minor">
+              <a:schemeClr val="lt1"/>
+            </a:fontRef>
+          </p:style>
+          <p:txBody>
+            <a:bodyPr rtlCol="0" anchor="ctr"/>
+            <a:p>
+              <a:pPr algn="ctr"/>
+              <a:endParaRPr lang="en-US"/>
+            </a:p>
+          </p:txBody>
+        </p:sp>
+        <p:sp>
+          <p:nvSpPr>
+            <p:cNvPr id="79" name="Oval 78"/>
+            <p:cNvSpPr/>
+            <p:nvPr/>
+          </p:nvSpPr>
+          <p:spPr>
+            <a:xfrm>
+              <a:off x="17501" y="4918"/>
+              <a:ext cx="169" cy="182"/>
+            </a:xfrm>
+            <a:prstGeom prst="ellipse">
+              <a:avLst/>
+            </a:prstGeom>
+            <a:solidFill>
+              <a:schemeClr val="bg1">
+                <a:lumMod val="95000"/>
+              </a:schemeClr>
+            </a:solidFill>
+            <a:ln>
+              <a:solidFill>
+                <a:schemeClr val="tx1">
+                  <a:lumMod val="95000"/>
+                  <a:lumOff val="5000"/>
+                </a:schemeClr>
+              </a:solidFill>
+            </a:ln>
+          </p:spPr>
+          <p:style>
+            <a:lnRef idx="2">
+              <a:schemeClr val="accent1">
+                <a:shade val="50000"/>
+              </a:schemeClr>
+            </a:lnRef>
+            <a:fillRef idx="1">
+              <a:schemeClr val="accent1"/>
+            </a:fillRef>
+            <a:effectRef idx="0">
+              <a:schemeClr val="accent1"/>
+            </a:effectRef>
+            <a:fontRef idx="minor">
+              <a:schemeClr val="lt1"/>
+            </a:fontRef>
+          </p:style>
+          <p:txBody>
+            <a:bodyPr rtlCol="0" anchor="ctr"/>
+            <a:p>
+              <a:pPr algn="ctr"/>
+              <a:endParaRPr lang="en-US"/>
+            </a:p>
+          </p:txBody>
+        </p:sp>
+        <p:sp>
+          <p:nvSpPr>
+            <p:cNvPr id="80" name="Oval 79"/>
+            <p:cNvSpPr/>
+            <p:nvPr/>
+          </p:nvSpPr>
+          <p:spPr>
+            <a:xfrm>
+              <a:off x="18000" y="5124"/>
+              <a:ext cx="169" cy="182"/>
+            </a:xfrm>
+            <a:prstGeom prst="ellipse">
+              <a:avLst/>
+            </a:prstGeom>
+            <a:solidFill>
+              <a:schemeClr val="bg2">
+                <a:lumMod val="75000"/>
+              </a:schemeClr>
+            </a:solidFill>
+            <a:ln>
+              <a:solidFill>
+                <a:schemeClr val="tx1">
+                  <a:lumMod val="95000"/>
+                  <a:lumOff val="5000"/>
+                </a:schemeClr>
+              </a:solidFill>
+            </a:ln>
+          </p:spPr>
+          <p:style>
+            <a:lnRef idx="2">
+              <a:schemeClr val="accent1">
+                <a:shade val="50000"/>
+              </a:schemeClr>
+            </a:lnRef>
+            <a:fillRef idx="1">
+              <a:schemeClr val="accent1"/>
+            </a:fillRef>
+            <a:effectRef idx="0">
+              <a:schemeClr val="accent1"/>
+            </a:effectRef>
+            <a:fontRef idx="minor">
+              <a:schemeClr val="lt1"/>
+            </a:fontRef>
+          </p:style>
+          <p:txBody>
+            <a:bodyPr rtlCol="0" anchor="ctr"/>
+            <a:p>
+              <a:pPr algn="ctr"/>
+              <a:endParaRPr lang="en-US"/>
+            </a:p>
+          </p:txBody>
+        </p:sp>
+        <p:sp>
+          <p:nvSpPr>
+            <p:cNvPr id="87" name="Oval 86"/>
+            <p:cNvSpPr/>
+            <p:nvPr/>
+          </p:nvSpPr>
+          <p:spPr>
+            <a:xfrm>
+              <a:off x="18750" y="5170"/>
+              <a:ext cx="169" cy="182"/>
+            </a:xfrm>
+            <a:prstGeom prst="ellipse">
+              <a:avLst/>
+            </a:prstGeom>
+            <a:solidFill>
+              <a:schemeClr val="bg1"/>
+            </a:solidFill>
+            <a:ln>
+              <a:solidFill>
+                <a:schemeClr val="tx1">
+                  <a:lumMod val="95000"/>
+                  <a:lumOff val="5000"/>
+                </a:schemeClr>
+              </a:solidFill>
+            </a:ln>
+          </p:spPr>
+          <p:style>
+            <a:lnRef idx="2">
+              <a:schemeClr val="accent1">
+                <a:shade val="50000"/>
+              </a:schemeClr>
+            </a:lnRef>
+            <a:fillRef idx="1">
+              <a:schemeClr val="accent1"/>
+            </a:fillRef>
+            <a:effectRef idx="0">
+              <a:schemeClr val="accent1"/>
+            </a:effectRef>
+            <a:fontRef idx="minor">
+              <a:schemeClr val="lt1"/>
+            </a:fontRef>
+          </p:style>
+          <p:txBody>
+            <a:bodyPr rtlCol="0" anchor="ctr"/>
+            <a:p>
+              <a:pPr algn="ctr"/>
+              <a:endParaRPr lang="en-US"/>
+            </a:p>
+          </p:txBody>
+        </p:sp>
+        <p:sp>
+          <p:nvSpPr>
+            <p:cNvPr id="88" name="Oval 87"/>
+            <p:cNvSpPr/>
+            <p:nvPr/>
+          </p:nvSpPr>
+          <p:spPr>
+            <a:xfrm>
+              <a:off x="18554" y="5722"/>
+              <a:ext cx="169" cy="182"/>
+            </a:xfrm>
+            <a:prstGeom prst="ellipse">
+              <a:avLst/>
+            </a:prstGeom>
+            <a:solidFill>
+              <a:schemeClr val="bg1">
+                <a:lumMod val="95000"/>
+              </a:schemeClr>
+            </a:solidFill>
+            <a:ln>
+              <a:solidFill>
+                <a:schemeClr val="tx1">
+                  <a:lumMod val="95000"/>
+                  <a:lumOff val="5000"/>
+                </a:schemeClr>
+              </a:solidFill>
+            </a:ln>
+          </p:spPr>
+          <p:style>
+            <a:lnRef idx="2">
+              <a:schemeClr val="accent1">
+                <a:shade val="50000"/>
+              </a:schemeClr>
+            </a:lnRef>
+            <a:fillRef idx="1">
+              <a:schemeClr val="accent1"/>
+            </a:fillRef>
+            <a:effectRef idx="0">
+              <a:schemeClr val="accent1"/>
+            </a:effectRef>
+            <a:fontRef idx="minor">
+              <a:schemeClr val="lt1"/>
+            </a:fontRef>
+          </p:style>
+          <p:txBody>
+            <a:bodyPr rtlCol="0" anchor="ctr"/>
+            <a:p>
+              <a:pPr algn="ctr"/>
+              <a:endParaRPr lang="en-US"/>
+            </a:p>
+          </p:txBody>
+        </p:sp>
+        <p:sp>
+          <p:nvSpPr>
+            <p:cNvPr id="89" name="Oval 88"/>
+            <p:cNvSpPr/>
+            <p:nvPr/>
+          </p:nvSpPr>
+          <p:spPr>
+            <a:xfrm>
+              <a:off x="18706" y="5214"/>
+              <a:ext cx="169" cy="182"/>
+            </a:xfrm>
+            <a:prstGeom prst="ellipse">
+              <a:avLst/>
+            </a:prstGeom>
+            <a:solidFill>
+              <a:schemeClr val="bg2">
+                <a:lumMod val="25000"/>
+              </a:schemeClr>
+            </a:solidFill>
+            <a:ln>
+              <a:solidFill>
+                <a:schemeClr val="tx1">
+                  <a:lumMod val="95000"/>
+                  <a:lumOff val="5000"/>
+                </a:schemeClr>
+              </a:solidFill>
+            </a:ln>
+          </p:spPr>
+          <p:style>
+            <a:lnRef idx="2">
+              <a:schemeClr val="accent1">
+                <a:shade val="50000"/>
+              </a:schemeClr>
+            </a:lnRef>
+            <a:fillRef idx="1">
+              <a:schemeClr val="accent1"/>
+            </a:fillRef>
+            <a:effectRef idx="0">
+              <a:schemeClr val="accent1"/>
+            </a:effectRef>
+            <a:fontRef idx="minor">
+              <a:schemeClr val="lt1"/>
+            </a:fontRef>
+          </p:style>
+          <p:txBody>
+            <a:bodyPr rtlCol="0" anchor="ctr"/>
+            <a:p>
+              <a:pPr algn="ctr"/>
+              <a:endParaRPr lang="en-US"/>
+            </a:p>
+          </p:txBody>
+        </p:sp>
+        <p:cxnSp>
+          <p:nvCxnSpPr>
+            <p:cNvPr id="91" name="Straight Arrow Connector 90"/>
+            <p:cNvCxnSpPr/>
+            <p:nvPr/>
+          </p:nvCxnSpPr>
+          <p:spPr>
+            <a:xfrm flipV="1">
+              <a:off x="2552" y="5212"/>
+              <a:ext cx="680" cy="26"/>
+            </a:xfrm>
+            <a:prstGeom prst="straightConnector1">
+              <a:avLst/>
+            </a:prstGeom>
+            <a:ln w="28575">
+              <a:solidFill>
+                <a:schemeClr val="tx1"/>
+              </a:solidFill>
+              <a:tailEnd type="arrow"/>
+            </a:ln>
+          </p:spPr>
+          <p:style>
+            <a:lnRef idx="1">
+              <a:schemeClr val="accent1"/>
+            </a:lnRef>
+            <a:fillRef idx="0">
+              <a:schemeClr val="accent1"/>
+            </a:fillRef>
+            <a:effectRef idx="0">
+              <a:schemeClr val="accent1"/>
+            </a:effectRef>
+            <a:fontRef idx="minor">
+              <a:schemeClr val="tx1"/>
+            </a:fontRef>
+          </p:style>
+        </p:cxnSp>
+        <p:cxnSp>
+          <p:nvCxnSpPr>
+            <p:cNvPr id="201" name="Straight Arrow Connector 200"/>
+            <p:cNvCxnSpPr/>
+            <p:nvPr/>
+          </p:nvCxnSpPr>
+          <p:spPr>
+            <a:xfrm flipV="1">
+              <a:off x="14205" y="5615"/>
+              <a:ext cx="618" cy="5"/>
+            </a:xfrm>
+            <a:prstGeom prst="straightConnector1">
+              <a:avLst/>
+            </a:prstGeom>
+            <a:ln w="38100">
+              <a:solidFill>
+                <a:schemeClr val="tx1"/>
+              </a:solidFill>
+              <a:tailEnd type="arrow"/>
+            </a:ln>
+          </p:spPr>
+          <p:style>
+            <a:lnRef idx="1">
+              <a:schemeClr val="accent1"/>
+            </a:lnRef>
+            <a:fillRef idx="0">
+              <a:schemeClr val="accent1"/>
+            </a:fillRef>
+            <a:effectRef idx="0">
+              <a:schemeClr val="accent1"/>
+            </a:effectRef>
+            <a:fontRef idx="minor">
+              <a:schemeClr val="tx1"/>
+            </a:fontRef>
+          </p:style>
+        </p:cxnSp>
+        <p:cxnSp>
+          <p:nvCxnSpPr>
+            <p:cNvPr id="202" name="Straight Arrow Connector 201"/>
+            <p:cNvCxnSpPr/>
+            <p:nvPr/>
+          </p:nvCxnSpPr>
+          <p:spPr>
+            <a:xfrm flipV="1">
+              <a:off x="7044" y="5610"/>
+              <a:ext cx="618" cy="5"/>
+            </a:xfrm>
+            <a:prstGeom prst="straightConnector1">
+              <a:avLst/>
+            </a:prstGeom>
+            <a:ln w="38100">
+              <a:solidFill>
+                <a:schemeClr val="tx1"/>
+              </a:solidFill>
+              <a:tailEnd type="arrow"/>
+            </a:ln>
+          </p:spPr>
+          <p:style>
+            <a:lnRef idx="1">
+              <a:schemeClr val="accent1"/>
+            </a:lnRef>
+            <a:fillRef idx="0">
+              <a:schemeClr val="accent1"/>
+            </a:fillRef>
+            <a:effectRef idx="0">
+              <a:schemeClr val="accent1"/>
+            </a:effectRef>
+            <a:fontRef idx="minor">
+              <a:schemeClr val="tx1"/>
+            </a:fontRef>
+          </p:style>
+        </p:cxnSp>
+        <p:sp>
+          <p:nvSpPr>
+            <p:cNvPr id="210" name="Text Box 209"/>
+            <p:cNvSpPr txBox="1"/>
+            <p:nvPr/>
+          </p:nvSpPr>
+          <p:spPr>
+            <a:xfrm>
+              <a:off x="2653" y="3363"/>
+              <a:ext cx="5678" cy="725"/>
+            </a:xfrm>
+            <a:prstGeom prst="rect">
+              <a:avLst/>
+            </a:prstGeom>
+            <a:noFill/>
+          </p:spPr>
+          <p:txBody>
+            <a:bodyPr wrap="square" rtlCol="0">
+              <a:spAutoFit/>
+            </a:bodyPr>
+            <a:p>
+              <a:pPr algn="ctr"/>
+              <a:r>
+                <a:rPr lang="en-US" altLang="en-US" sz="2400" b="1">
+                  <a:latin typeface="Latin Modern Sans" panose="00000500000000000000" charset="0"/>
+                  <a:cs typeface="Latin Modern Sans" panose="00000500000000000000" charset="0"/>
+                </a:rPr>
+                <a:t>Distance Matri</a:t>
+              </a:r>
+              <a:r>
+                <a:rPr lang="" altLang="en-US" sz="2400" b="1">
+                  <a:latin typeface="Latin Modern Sans" panose="00000500000000000000" charset="0"/>
+                  <a:cs typeface="Latin Modern Sans" panose="00000500000000000000" charset="0"/>
+                </a:rPr>
+                <a:t>x</a:t>
+              </a:r>
+              <a:endParaRPr lang="" altLang="en-US" sz="2400" b="1">
+                <a:latin typeface="Latin Modern Sans" panose="00000500000000000000" charset="0"/>
+                <a:cs typeface="Latin Modern Sans" panose="00000500000000000000" charset="0"/>
+              </a:endParaRPr>
+            </a:p>
+          </p:txBody>
+        </p:sp>
+        <p:cxnSp>
+          <p:nvCxnSpPr>
+            <p:cNvPr id="51" name="Straight Arrow Connector 50"/>
+            <p:cNvCxnSpPr/>
+            <p:nvPr/>
+          </p:nvCxnSpPr>
+          <p:spPr>
+            <a:xfrm>
+              <a:off x="4376" y="6886"/>
+              <a:ext cx="1990" cy="12"/>
+            </a:xfrm>
+            <a:prstGeom prst="straightConnector1">
+              <a:avLst/>
+            </a:prstGeom>
+            <a:ln w="19050">
+              <a:solidFill>
+                <a:schemeClr val="tx1"/>
+              </a:solidFill>
+              <a:prstDash val="dash"/>
+              <a:tailEnd type="arrow"/>
+            </a:ln>
+          </p:spPr>
+          <p:style>
+            <a:lnRef idx="1">
+              <a:schemeClr val="accent1"/>
+            </a:lnRef>
+            <a:fillRef idx="0">
+              <a:schemeClr val="accent1"/>
+            </a:fillRef>
+            <a:effectRef idx="0">
+              <a:schemeClr val="accent1"/>
+            </a:effectRef>
+            <a:fontRef idx="minor">
+              <a:schemeClr val="tx1"/>
+            </a:fontRef>
+          </p:style>
+        </p:cxnSp>
+        <p:cxnSp>
+          <p:nvCxnSpPr>
+            <p:cNvPr id="53" name="Straight Arrow Connector 52"/>
+            <p:cNvCxnSpPr/>
+            <p:nvPr/>
+          </p:nvCxnSpPr>
+          <p:spPr>
+            <a:xfrm flipV="1">
+              <a:off x="15832" y="5238"/>
+              <a:ext cx="680" cy="26"/>
+            </a:xfrm>
+            <a:prstGeom prst="straightConnector1">
+              <a:avLst/>
+            </a:prstGeom>
+            <a:ln w="28575">
+              <a:solidFill>
+                <a:schemeClr val="tx1"/>
+              </a:solidFill>
+              <a:tailEnd type="arrow"/>
+            </a:ln>
+          </p:spPr>
+          <p:style>
+            <a:lnRef idx="1">
+              <a:schemeClr val="accent1"/>
+            </a:lnRef>
+            <a:fillRef idx="0">
+              <a:schemeClr val="accent1"/>
+            </a:fillRef>
+            <a:effectRef idx="0">
+              <a:schemeClr val="accent1"/>
+            </a:effectRef>
+            <a:fontRef idx="minor">
+              <a:schemeClr val="tx1"/>
+            </a:fontRef>
+          </p:style>
+        </p:cxnSp>
+      </p:grpSp>
     </p:spTree>
   </p:cSld>
   <p:clrMapOvr>
